--- a/docs/Reproducible research in R.pptx
+++ b/docs/Reproducible research in R.pptx
@@ -5,7 +5,7 @@
     <p:sldMasterId id="2147483648" r:id="rId1"/>
   </p:sldMasterIdLst>
   <p:notesMasterIdLst>
-    <p:notesMasterId r:id="rId20"/>
+    <p:notesMasterId r:id="rId23"/>
   </p:notesMasterIdLst>
   <p:sldIdLst>
     <p:sldId id="256" r:id="rId2"/>
@@ -13,19 +13,22 @@
     <p:sldId id="260" r:id="rId4"/>
     <p:sldId id="258" r:id="rId5"/>
     <p:sldId id="259" r:id="rId6"/>
-    <p:sldId id="261" r:id="rId7"/>
-    <p:sldId id="262" r:id="rId8"/>
-    <p:sldId id="263" r:id="rId9"/>
-    <p:sldId id="268" r:id="rId10"/>
-    <p:sldId id="270" r:id="rId11"/>
-    <p:sldId id="264" r:id="rId12"/>
-    <p:sldId id="267" r:id="rId13"/>
-    <p:sldId id="266" r:id="rId14"/>
-    <p:sldId id="265" r:id="rId15"/>
-    <p:sldId id="271" r:id="rId16"/>
-    <p:sldId id="272" r:id="rId17"/>
-    <p:sldId id="273" r:id="rId18"/>
-    <p:sldId id="274" r:id="rId19"/>
+    <p:sldId id="276" r:id="rId7"/>
+    <p:sldId id="277" r:id="rId8"/>
+    <p:sldId id="278" r:id="rId9"/>
+    <p:sldId id="261" r:id="rId10"/>
+    <p:sldId id="262" r:id="rId11"/>
+    <p:sldId id="263" r:id="rId12"/>
+    <p:sldId id="268" r:id="rId13"/>
+    <p:sldId id="270" r:id="rId14"/>
+    <p:sldId id="264" r:id="rId15"/>
+    <p:sldId id="267" r:id="rId16"/>
+    <p:sldId id="266" r:id="rId17"/>
+    <p:sldId id="265" r:id="rId18"/>
+    <p:sldId id="271" r:id="rId19"/>
+    <p:sldId id="272" r:id="rId20"/>
+    <p:sldId id="273" r:id="rId21"/>
+    <p:sldId id="274" r:id="rId22"/>
   </p:sldIdLst>
   <p:sldSz cx="12192000" cy="6858000"/>
   <p:notesSz cx="6858000" cy="9144000"/>
@@ -124,6 +127,11 @@
       </a:defRPr>
     </a:lvl9pPr>
   </p:defaultTextStyle>
+  <p:extLst>
+    <p:ext uri="{EFAFB233-063F-42B5-8137-9DF3F51BA10A}">
+      <p15:sldGuideLst xmlns:p15="http://schemas.microsoft.com/office/powerpoint/2012/main"/>
+    </p:ext>
+  </p:extLst>
 </p:presentation>
 </file>
 
@@ -5719,7 +5727,7 @@
           <a:p>
             <a:fld id="{6435B03D-516F-5A44-9365-C1C2D3DF7245}" type="datetimeFigureOut">
               <a:rPr lang="en-US" smtClean="0"/>
-              <a:t>6/9/25</a:t>
+              <a:t>6/10/25</a:t>
             </a:fld>
             <a:endParaRPr lang="en-US"/>
           </a:p>
@@ -6106,7 +6114,7 @@
           <a:p>
             <a:fld id="{37496C56-F9E7-8A4C-85EB-B40E19913C19}" type="slidenum">
               <a:rPr lang="en-US" smtClean="0"/>
-              <a:t>6</a:t>
+              <a:t>9</a:t>
             </a:fld>
             <a:endParaRPr lang="en-US"/>
           </a:p>
@@ -7020,7 +7028,7 @@
           <a:p>
             <a:fld id="{37496C56-F9E7-8A4C-85EB-B40E19913C19}" type="slidenum">
               <a:rPr lang="en-US" smtClean="0"/>
-              <a:t>7</a:t>
+              <a:t>10</a:t>
             </a:fld>
             <a:endParaRPr lang="en-US"/>
           </a:p>
@@ -7107,7 +7115,7 @@
           <a:p>
             <a:fld id="{37496C56-F9E7-8A4C-85EB-B40E19913C19}" type="slidenum">
               <a:rPr lang="en-US" smtClean="0"/>
-              <a:t>8</a:t>
+              <a:t>11</a:t>
             </a:fld>
             <a:endParaRPr lang="en-US"/>
           </a:p>
@@ -7191,7 +7199,7 @@
           <a:p>
             <a:fld id="{37496C56-F9E7-8A4C-85EB-B40E19913C19}" type="slidenum">
               <a:rPr lang="en-US" smtClean="0"/>
-              <a:t>10</a:t>
+              <a:t>13</a:t>
             </a:fld>
             <a:endParaRPr lang="en-US"/>
           </a:p>
@@ -7275,7 +7283,7 @@
           <a:p>
             <a:fld id="{37496C56-F9E7-8A4C-85EB-B40E19913C19}" type="slidenum">
               <a:rPr lang="en-US" smtClean="0"/>
-              <a:t>11</a:t>
+              <a:t>14</a:t>
             </a:fld>
             <a:endParaRPr lang="en-US"/>
           </a:p>
@@ -7362,7 +7370,7 @@
           <a:p>
             <a:fld id="{37496C56-F9E7-8A4C-85EB-B40E19913C19}" type="slidenum">
               <a:rPr lang="en-US" smtClean="0"/>
-              <a:t>14</a:t>
+              <a:t>17</a:t>
             </a:fld>
             <a:endParaRPr lang="en-US"/>
           </a:p>
@@ -7528,7 +7536,7 @@
           <a:p>
             <a:fld id="{3DFC7523-4903-EA42-A253-0F84EF8D8793}" type="datetimeFigureOut">
               <a:rPr lang="en-US" smtClean="0"/>
-              <a:t>6/9/25</a:t>
+              <a:t>6/10/25</a:t>
             </a:fld>
             <a:endParaRPr lang="en-US"/>
           </a:p>
@@ -7726,7 +7734,7 @@
           <a:p>
             <a:fld id="{3DFC7523-4903-EA42-A253-0F84EF8D8793}" type="datetimeFigureOut">
               <a:rPr lang="en-US" smtClean="0"/>
-              <a:t>6/9/25</a:t>
+              <a:t>6/10/25</a:t>
             </a:fld>
             <a:endParaRPr lang="en-US"/>
           </a:p>
@@ -7934,7 +7942,7 @@
           <a:p>
             <a:fld id="{3DFC7523-4903-EA42-A253-0F84EF8D8793}" type="datetimeFigureOut">
               <a:rPr lang="en-US" smtClean="0"/>
-              <a:t>6/9/25</a:t>
+              <a:t>6/10/25</a:t>
             </a:fld>
             <a:endParaRPr lang="en-US"/>
           </a:p>
@@ -8132,7 +8140,7 @@
           <a:p>
             <a:fld id="{3DFC7523-4903-EA42-A253-0F84EF8D8793}" type="datetimeFigureOut">
               <a:rPr lang="en-US" smtClean="0"/>
-              <a:t>6/9/25</a:t>
+              <a:t>6/10/25</a:t>
             </a:fld>
             <a:endParaRPr lang="en-US"/>
           </a:p>
@@ -8407,7 +8415,7 @@
           <a:p>
             <a:fld id="{3DFC7523-4903-EA42-A253-0F84EF8D8793}" type="datetimeFigureOut">
               <a:rPr lang="en-US" smtClean="0"/>
-              <a:t>6/9/25</a:t>
+              <a:t>6/10/25</a:t>
             </a:fld>
             <a:endParaRPr lang="en-US"/>
           </a:p>
@@ -8672,7 +8680,7 @@
           <a:p>
             <a:fld id="{3DFC7523-4903-EA42-A253-0F84EF8D8793}" type="datetimeFigureOut">
               <a:rPr lang="en-US" smtClean="0"/>
-              <a:t>6/9/25</a:t>
+              <a:t>6/10/25</a:t>
             </a:fld>
             <a:endParaRPr lang="en-US"/>
           </a:p>
@@ -9084,7 +9092,7 @@
           <a:p>
             <a:fld id="{3DFC7523-4903-EA42-A253-0F84EF8D8793}" type="datetimeFigureOut">
               <a:rPr lang="en-US" smtClean="0"/>
-              <a:t>6/9/25</a:t>
+              <a:t>6/10/25</a:t>
             </a:fld>
             <a:endParaRPr lang="en-US"/>
           </a:p>
@@ -9225,7 +9233,7 @@
           <a:p>
             <a:fld id="{3DFC7523-4903-EA42-A253-0F84EF8D8793}" type="datetimeFigureOut">
               <a:rPr lang="en-US" smtClean="0"/>
-              <a:t>6/9/25</a:t>
+              <a:t>6/10/25</a:t>
             </a:fld>
             <a:endParaRPr lang="en-US"/>
           </a:p>
@@ -9338,7 +9346,7 @@
           <a:p>
             <a:fld id="{3DFC7523-4903-EA42-A253-0F84EF8D8793}" type="datetimeFigureOut">
               <a:rPr lang="en-US" smtClean="0"/>
-              <a:t>6/9/25</a:t>
+              <a:t>6/10/25</a:t>
             </a:fld>
             <a:endParaRPr lang="en-US"/>
           </a:p>
@@ -9649,7 +9657,7 @@
           <a:p>
             <a:fld id="{3DFC7523-4903-EA42-A253-0F84EF8D8793}" type="datetimeFigureOut">
               <a:rPr lang="en-US" smtClean="0"/>
-              <a:t>6/9/25</a:t>
+              <a:t>6/10/25</a:t>
             </a:fld>
             <a:endParaRPr lang="en-US"/>
           </a:p>
@@ -9937,7 +9945,7 @@
           <a:p>
             <a:fld id="{3DFC7523-4903-EA42-A253-0F84EF8D8793}" type="datetimeFigureOut">
               <a:rPr lang="en-US" smtClean="0"/>
-              <a:t>6/9/25</a:t>
+              <a:t>6/10/25</a:t>
             </a:fld>
             <a:endParaRPr lang="en-US"/>
           </a:p>
@@ -10178,7 +10186,7 @@
           <a:p>
             <a:fld id="{3DFC7523-4903-EA42-A253-0F84EF8D8793}" type="datetimeFigureOut">
               <a:rPr lang="en-US" smtClean="0"/>
-              <a:t>6/9/25</a:t>
+              <a:t>6/10/25</a:t>
             </a:fld>
             <a:endParaRPr lang="en-US"/>
           </a:p>
@@ -10688,6 +10696,404 @@
           <a:chExt cx="0" cy="0"/>
         </a:xfrm>
       </p:grpSpPr>
+      <p:sp>
+        <p:nvSpPr>
+          <p:cNvPr id="2" name="Title 1">
+            <a:extLst>
+              <a:ext uri="{FF2B5EF4-FFF2-40B4-BE49-F238E27FC236}">
+                <a16:creationId xmlns:a16="http://schemas.microsoft.com/office/drawing/2014/main" id="{11EC0683-F7D3-1235-B856-038D12121D96}"/>
+              </a:ext>
+            </a:extLst>
+          </p:cNvPr>
+          <p:cNvSpPr>
+            <a:spLocks noGrp="1"/>
+          </p:cNvSpPr>
+          <p:nvPr>
+            <p:ph type="title"/>
+          </p:nvPr>
+        </p:nvSpPr>
+        <p:spPr/>
+        <p:txBody>
+          <a:bodyPr/>
+          <a:lstStyle/>
+          <a:p>
+            <a:pPr algn="ctr"/>
+            <a:r>
+              <a:rPr lang="en-US" dirty="0"/>
+              <a:t>RStudio Layout</a:t>
+            </a:r>
+          </a:p>
+        </p:txBody>
+      </p:sp>
+      <p:pic>
+        <p:nvPicPr>
+          <p:cNvPr id="5" name="Content Placeholder 4" descr="A screenshot of a computer&#10;&#10;AI-generated content may be incorrect.">
+            <a:extLst>
+              <a:ext uri="{FF2B5EF4-FFF2-40B4-BE49-F238E27FC236}">
+                <a16:creationId xmlns:a16="http://schemas.microsoft.com/office/drawing/2014/main" id="{1A4A2778-38C5-8070-FA97-247AAFDE9185}"/>
+              </a:ext>
+            </a:extLst>
+          </p:cNvPr>
+          <p:cNvPicPr>
+            <a:picLocks noGrp="1" noChangeAspect="1"/>
+          </p:cNvPicPr>
+          <p:nvPr>
+            <p:ph idx="1"/>
+          </p:nvPr>
+        </p:nvPicPr>
+        <p:blipFill>
+          <a:blip r:embed="rId3"/>
+          <a:stretch>
+            <a:fillRect/>
+          </a:stretch>
+        </p:blipFill>
+        <p:spPr>
+          <a:xfrm>
+            <a:off x="4303644" y="1586751"/>
+            <a:ext cx="6778652" cy="5087169"/>
+          </a:xfrm>
+        </p:spPr>
+      </p:pic>
+      <p:sp>
+        <p:nvSpPr>
+          <p:cNvPr id="6" name="TextBox 5">
+            <a:extLst>
+              <a:ext uri="{FF2B5EF4-FFF2-40B4-BE49-F238E27FC236}">
+                <a16:creationId xmlns:a16="http://schemas.microsoft.com/office/drawing/2014/main" id="{F2457307-1BC6-0145-AFFD-2317D3044C64}"/>
+              </a:ext>
+            </a:extLst>
+          </p:cNvPr>
+          <p:cNvSpPr txBox="1"/>
+          <p:nvPr/>
+        </p:nvSpPr>
+        <p:spPr>
+          <a:xfrm>
+            <a:off x="407505" y="1690688"/>
+            <a:ext cx="3478696" cy="4401205"/>
+          </a:xfrm>
+          <a:prstGeom prst="rect">
+            <a:avLst/>
+          </a:prstGeom>
+          <a:noFill/>
+        </p:spPr>
+        <p:txBody>
+          <a:bodyPr wrap="square" rtlCol="0">
+            <a:spAutoFit/>
+          </a:bodyPr>
+          <a:lstStyle/>
+          <a:p>
+            <a:r>
+              <a:rPr lang="en-US" sz="2800" dirty="0"/>
+              <a:t>*Open RStudio on your device to follow along</a:t>
+            </a:r>
+          </a:p>
+          <a:p>
+            <a:endParaRPr lang="en-US" sz="2800" dirty="0"/>
+          </a:p>
+          <a:p>
+            <a:endParaRPr lang="en-US" sz="2800" dirty="0"/>
+          </a:p>
+          <a:p>
+            <a:endParaRPr lang="en-US" sz="2800" dirty="0"/>
+          </a:p>
+          <a:p>
+            <a:endParaRPr lang="en-US" sz="2800" dirty="0">
+              <a:hlinkClick r:id="rId4"/>
+            </a:endParaRPr>
+          </a:p>
+          <a:p>
+            <a:endParaRPr lang="en-US" sz="2800" dirty="0">
+              <a:hlinkClick r:id="rId4"/>
+            </a:endParaRPr>
+          </a:p>
+          <a:p>
+            <a:r>
+              <a:rPr lang="en-US" sz="2800" dirty="0">
+                <a:hlinkClick r:id="rId4"/>
+              </a:rPr>
+              <a:t>Link to RStudio IDE Cheatsheet</a:t>
+            </a:r>
+            <a:endParaRPr lang="en-US" sz="2800" dirty="0"/>
+          </a:p>
+        </p:txBody>
+      </p:sp>
+    </p:spTree>
+    <p:extLst>
+      <p:ext uri="{BB962C8B-B14F-4D97-AF65-F5344CB8AC3E}">
+        <p14:creationId xmlns:p14="http://schemas.microsoft.com/office/powerpoint/2010/main" val="2496282167"/>
+      </p:ext>
+    </p:extLst>
+  </p:cSld>
+  <p:clrMapOvr>
+    <a:masterClrMapping/>
+  </p:clrMapOvr>
+</p:sld>
+</file>
+
+<file path=ppt/slides/slide11.xml><?xml version="1.0" encoding="utf-8"?>
+<p:sld xmlns:a="http://schemas.openxmlformats.org/drawingml/2006/main" xmlns:r="http://schemas.openxmlformats.org/officeDocument/2006/relationships" xmlns:p="http://schemas.openxmlformats.org/presentationml/2006/main">
+  <p:cSld>
+    <p:spTree>
+      <p:nvGrpSpPr>
+        <p:cNvPr id="1" name=""/>
+        <p:cNvGrpSpPr/>
+        <p:nvPr/>
+      </p:nvGrpSpPr>
+      <p:grpSpPr>
+        <a:xfrm>
+          <a:off x="0" y="0"/>
+          <a:ext cx="0" cy="0"/>
+          <a:chOff x="0" y="0"/>
+          <a:chExt cx="0" cy="0"/>
+        </a:xfrm>
+      </p:grpSpPr>
+      <p:sp>
+        <p:nvSpPr>
+          <p:cNvPr id="2" name="Title 1">
+            <a:extLst>
+              <a:ext uri="{FF2B5EF4-FFF2-40B4-BE49-F238E27FC236}">
+                <a16:creationId xmlns:a16="http://schemas.microsoft.com/office/drawing/2014/main" id="{C34D917C-0352-4070-5A59-B74559D3A563}"/>
+              </a:ext>
+            </a:extLst>
+          </p:cNvPr>
+          <p:cNvSpPr>
+            <a:spLocks noGrp="1"/>
+          </p:cNvSpPr>
+          <p:nvPr>
+            <p:ph type="title"/>
+          </p:nvPr>
+        </p:nvSpPr>
+        <p:spPr/>
+        <p:txBody>
+          <a:bodyPr/>
+          <a:lstStyle/>
+          <a:p>
+            <a:pPr algn="ctr"/>
+            <a:r>
+              <a:rPr lang="en-US" dirty="0"/>
+              <a:t>How R Integrates with Your System</a:t>
+            </a:r>
+          </a:p>
+        </p:txBody>
+      </p:sp>
+      <p:sp>
+        <p:nvSpPr>
+          <p:cNvPr id="3" name="Content Placeholder 2">
+            <a:extLst>
+              <a:ext uri="{FF2B5EF4-FFF2-40B4-BE49-F238E27FC236}">
+                <a16:creationId xmlns:a16="http://schemas.microsoft.com/office/drawing/2014/main" id="{B390F8D3-C090-74C2-4B06-0193B5299946}"/>
+              </a:ext>
+            </a:extLst>
+          </p:cNvPr>
+          <p:cNvSpPr>
+            <a:spLocks noGrp="1"/>
+          </p:cNvSpPr>
+          <p:nvPr>
+            <p:ph idx="1"/>
+          </p:nvPr>
+        </p:nvSpPr>
+        <p:spPr/>
+        <p:txBody>
+          <a:bodyPr/>
+          <a:lstStyle/>
+          <a:p>
+            <a:r>
+              <a:rPr lang="en-US" b="1" dirty="0"/>
+              <a:t>Working directory</a:t>
+            </a:r>
+            <a:r>
+              <a:rPr lang="en-US" dirty="0"/>
+              <a:t> - The file path on your computer that you are working out of. This is where R will look (unless you tell it otherwise) for data and will save any objects you export from R to this destination.</a:t>
+            </a:r>
+          </a:p>
+          <a:p>
+            <a:endParaRPr lang="en-US" dirty="0"/>
+          </a:p>
+          <a:p>
+            <a:r>
+              <a:rPr lang="en-US" b="1" dirty="0"/>
+              <a:t>RStudio project</a:t>
+            </a:r>
+            <a:r>
+              <a:rPr lang="en-US" dirty="0"/>
+              <a:t> - Enables your work to be bundled in a self-contained folder. When you open a project your directory will automatically be set to the location where the project is saved. Allows you to easily share code.</a:t>
+            </a:r>
+          </a:p>
+        </p:txBody>
+      </p:sp>
+    </p:spTree>
+    <p:extLst>
+      <p:ext uri="{BB962C8B-B14F-4D97-AF65-F5344CB8AC3E}">
+        <p14:creationId xmlns:p14="http://schemas.microsoft.com/office/powerpoint/2010/main" val="994330739"/>
+      </p:ext>
+    </p:extLst>
+  </p:cSld>
+  <p:clrMapOvr>
+    <a:masterClrMapping/>
+  </p:clrMapOvr>
+</p:sld>
+</file>
+
+<file path=ppt/slides/slide12.xml><?xml version="1.0" encoding="utf-8"?>
+<p:sld xmlns:a="http://schemas.openxmlformats.org/drawingml/2006/main" xmlns:r="http://schemas.openxmlformats.org/officeDocument/2006/relationships" xmlns:p="http://schemas.openxmlformats.org/presentationml/2006/main">
+  <p:cSld>
+    <p:spTree>
+      <p:nvGrpSpPr>
+        <p:cNvPr id="1" name=""/>
+        <p:cNvGrpSpPr/>
+        <p:nvPr/>
+      </p:nvGrpSpPr>
+      <p:grpSpPr>
+        <a:xfrm>
+          <a:off x="0" y="0"/>
+          <a:ext cx="0" cy="0"/>
+          <a:chOff x="0" y="0"/>
+          <a:chExt cx="0" cy="0"/>
+        </a:xfrm>
+      </p:grpSpPr>
+      <p:sp>
+        <p:nvSpPr>
+          <p:cNvPr id="2" name="Title 1">
+            <a:extLst>
+              <a:ext uri="{FF2B5EF4-FFF2-40B4-BE49-F238E27FC236}">
+                <a16:creationId xmlns:a16="http://schemas.microsoft.com/office/drawing/2014/main" id="{0C98B4D3-7085-DDB0-2B5F-25F40165C0DC}"/>
+              </a:ext>
+            </a:extLst>
+          </p:cNvPr>
+          <p:cNvSpPr>
+            <a:spLocks noGrp="1"/>
+          </p:cNvSpPr>
+          <p:nvPr>
+            <p:ph type="title"/>
+          </p:nvPr>
+        </p:nvSpPr>
+        <p:spPr/>
+        <p:txBody>
+          <a:bodyPr/>
+          <a:lstStyle/>
+          <a:p>
+            <a:pPr algn="ctr"/>
+            <a:r>
+              <a:rPr lang="en-US" dirty="0"/>
+              <a:t>Folder/File Structure</a:t>
+            </a:r>
+          </a:p>
+        </p:txBody>
+      </p:sp>
+      <p:sp>
+        <p:nvSpPr>
+          <p:cNvPr id="3" name="Content Placeholder 2">
+            <a:extLst>
+              <a:ext uri="{FF2B5EF4-FFF2-40B4-BE49-F238E27FC236}">
+                <a16:creationId xmlns:a16="http://schemas.microsoft.com/office/drawing/2014/main" id="{48217470-1D47-46BA-580F-97D8C5B70191}"/>
+              </a:ext>
+            </a:extLst>
+          </p:cNvPr>
+          <p:cNvSpPr>
+            <a:spLocks noGrp="1"/>
+          </p:cNvSpPr>
+          <p:nvPr>
+            <p:ph idx="1"/>
+          </p:nvPr>
+        </p:nvSpPr>
+        <p:spPr/>
+        <p:txBody>
+          <a:bodyPr/>
+          <a:lstStyle/>
+          <a:p>
+            <a:pPr marL="0" indent="0">
+              <a:buNone/>
+            </a:pPr>
+            <a:r>
+              <a:rPr lang="en-US" dirty="0"/>
+              <a:t>When creating a folder structure for a project you want to aim for these things to increase reproducibility</a:t>
+            </a:r>
+          </a:p>
+          <a:p>
+            <a:pPr marL="0" indent="0">
+              <a:buNone/>
+            </a:pPr>
+            <a:endParaRPr lang="en-US" dirty="0"/>
+          </a:p>
+          <a:p>
+            <a:pPr marL="971550" lvl="1" indent="-514350">
+              <a:buFont typeface="+mj-lt"/>
+              <a:buAutoNum type="arabicPeriod"/>
+            </a:pPr>
+            <a:r>
+              <a:rPr lang="en-US" dirty="0"/>
+              <a:t>Well defined README</a:t>
+            </a:r>
+          </a:p>
+          <a:p>
+            <a:pPr marL="971550" lvl="1" indent="-514350">
+              <a:buFont typeface="+mj-lt"/>
+              <a:buAutoNum type="arabicPeriod"/>
+            </a:pPr>
+            <a:r>
+              <a:rPr lang="en-US" dirty="0"/>
+              <a:t>Easily understood by someone from any field</a:t>
+            </a:r>
+          </a:p>
+          <a:p>
+            <a:pPr marL="971550" lvl="1" indent="-514350">
+              <a:buFont typeface="+mj-lt"/>
+              <a:buAutoNum type="arabicPeriod"/>
+            </a:pPr>
+            <a:r>
+              <a:rPr lang="en-US" dirty="0"/>
+              <a:t>Short names, all lowercase, use _ for spaces</a:t>
+            </a:r>
+          </a:p>
+          <a:p>
+            <a:pPr marL="971550" lvl="1" indent="-514350">
+              <a:buFont typeface="+mj-lt"/>
+              <a:buAutoNum type="arabicPeriod"/>
+            </a:pPr>
+            <a:r>
+              <a:rPr lang="en-US" dirty="0"/>
+              <a:t>Only include nested folders when absolutely necessary</a:t>
+            </a:r>
+          </a:p>
+          <a:p>
+            <a:pPr marL="971550" lvl="1" indent="-514350">
+              <a:buFont typeface="+mj-lt"/>
+              <a:buAutoNum type="arabicPeriod"/>
+            </a:pPr>
+            <a:endParaRPr lang="en-US" dirty="0"/>
+          </a:p>
+        </p:txBody>
+      </p:sp>
+    </p:spTree>
+    <p:extLst>
+      <p:ext uri="{BB962C8B-B14F-4D97-AF65-F5344CB8AC3E}">
+        <p14:creationId xmlns:p14="http://schemas.microsoft.com/office/powerpoint/2010/main" val="1736784994"/>
+      </p:ext>
+    </p:extLst>
+  </p:cSld>
+  <p:clrMapOvr>
+    <a:masterClrMapping/>
+  </p:clrMapOvr>
+</p:sld>
+</file>
+
+<file path=ppt/slides/slide13.xml><?xml version="1.0" encoding="utf-8"?>
+<p:sld xmlns:a="http://schemas.openxmlformats.org/drawingml/2006/main" xmlns:r="http://schemas.openxmlformats.org/officeDocument/2006/relationships" xmlns:p="http://schemas.openxmlformats.org/presentationml/2006/main">
+  <p:cSld>
+    <p:spTree>
+      <p:nvGrpSpPr>
+        <p:cNvPr id="1" name=""/>
+        <p:cNvGrpSpPr/>
+        <p:nvPr/>
+      </p:nvGrpSpPr>
+      <p:grpSpPr>
+        <a:xfrm>
+          <a:off x="0" y="0"/>
+          <a:ext cx="0" cy="0"/>
+          <a:chOff x="0" y="0"/>
+          <a:chExt cx="0" cy="0"/>
+        </a:xfrm>
+      </p:grpSpPr>
       <p:graphicFrame>
         <p:nvGraphicFramePr>
           <p:cNvPr id="4" name="Diagram 3">
@@ -10820,7 +11226,7 @@
 </p:sld>
 </file>
 
-<file path=ppt/slides/slide11.xml><?xml version="1.0" encoding="utf-8"?>
+<file path=ppt/slides/slide14.xml><?xml version="1.0" encoding="utf-8"?>
 <p:sld xmlns:a="http://schemas.openxmlformats.org/drawingml/2006/main" xmlns:r="http://schemas.openxmlformats.org/officeDocument/2006/relationships" xmlns:p="http://schemas.openxmlformats.org/presentationml/2006/main">
   <p:cSld>
     <p:spTree>
@@ -11012,7 +11418,7 @@
 </p:sld>
 </file>
 
-<file path=ppt/slides/slide12.xml><?xml version="1.0" encoding="utf-8"?>
+<file path=ppt/slides/slide15.xml><?xml version="1.0" encoding="utf-8"?>
 <p:sld xmlns:a="http://schemas.openxmlformats.org/drawingml/2006/main" xmlns:r="http://schemas.openxmlformats.org/officeDocument/2006/relationships" xmlns:p="http://schemas.openxmlformats.org/presentationml/2006/main">
   <p:cSld>
     <p:spTree>
@@ -11120,7 +11526,7 @@
 </p:sld>
 </file>
 
-<file path=ppt/slides/slide13.xml><?xml version="1.0" encoding="utf-8"?>
+<file path=ppt/slides/slide16.xml><?xml version="1.0" encoding="utf-8"?>
 <p:sld xmlns:a="http://schemas.openxmlformats.org/drawingml/2006/main" xmlns:r="http://schemas.openxmlformats.org/officeDocument/2006/relationships" xmlns:p="http://schemas.openxmlformats.org/presentationml/2006/main">
   <p:cSld>
     <p:spTree>
@@ -11179,7 +11585,7 @@
 </p:sld>
 </file>
 
-<file path=ppt/slides/slide14.xml><?xml version="1.0" encoding="utf-8"?>
+<file path=ppt/slides/slide17.xml><?xml version="1.0" encoding="utf-8"?>
 <p:sld xmlns:a="http://schemas.openxmlformats.org/drawingml/2006/main" xmlns:r="http://schemas.openxmlformats.org/officeDocument/2006/relationships" xmlns:p="http://schemas.openxmlformats.org/presentationml/2006/main">
   <p:cSld>
     <p:spTree>
@@ -11238,7 +11644,7 @@
 </p:sld>
 </file>
 
-<file path=ppt/slides/slide15.xml><?xml version="1.0" encoding="utf-8"?>
+<file path=ppt/slides/slide18.xml><?xml version="1.0" encoding="utf-8"?>
 <p:sld xmlns:a="http://schemas.openxmlformats.org/drawingml/2006/main" xmlns:r="http://schemas.openxmlformats.org/officeDocument/2006/relationships" xmlns:p="http://schemas.openxmlformats.org/presentationml/2006/main">
   <p:cSld>
     <p:spTree>
@@ -11460,7 +11866,7 @@
 </p:sld>
 </file>
 
-<file path=ppt/slides/slide16.xml><?xml version="1.0" encoding="utf-8"?>
+<file path=ppt/slides/slide19.xml><?xml version="1.0" encoding="utf-8"?>
 <p:sld xmlns:a="http://schemas.openxmlformats.org/drawingml/2006/main" xmlns:r="http://schemas.openxmlformats.org/officeDocument/2006/relationships" xmlns:p="http://schemas.openxmlformats.org/presentationml/2006/main">
   <p:cSld>
     <p:spTree>
@@ -11595,7 +12001,251 @@
 </p:sld>
 </file>
 
-<file path=ppt/slides/slide17.xml><?xml version="1.0" encoding="utf-8"?>
+<file path=ppt/slides/slide2.xml><?xml version="1.0" encoding="utf-8"?>
+<p:sld xmlns:a="http://schemas.openxmlformats.org/drawingml/2006/main" xmlns:r="http://schemas.openxmlformats.org/officeDocument/2006/relationships" xmlns:p="http://schemas.openxmlformats.org/presentationml/2006/main">
+  <p:cSld>
+    <p:spTree>
+      <p:nvGrpSpPr>
+        <p:cNvPr id="1" name=""/>
+        <p:cNvGrpSpPr/>
+        <p:nvPr/>
+      </p:nvGrpSpPr>
+      <p:grpSpPr>
+        <a:xfrm>
+          <a:off x="0" y="0"/>
+          <a:ext cx="0" cy="0"/>
+          <a:chOff x="0" y="0"/>
+          <a:chExt cx="0" cy="0"/>
+        </a:xfrm>
+      </p:grpSpPr>
+      <p:sp>
+        <p:nvSpPr>
+          <p:cNvPr id="2" name="Title 1">
+            <a:extLst>
+              <a:ext uri="{FF2B5EF4-FFF2-40B4-BE49-F238E27FC236}">
+                <a16:creationId xmlns:a16="http://schemas.microsoft.com/office/drawing/2014/main" id="{C502AA43-05D2-9F91-20E3-7EF6EAD8D125}"/>
+              </a:ext>
+            </a:extLst>
+          </p:cNvPr>
+          <p:cNvSpPr>
+            <a:spLocks noGrp="1"/>
+          </p:cNvSpPr>
+          <p:nvPr>
+            <p:ph type="title"/>
+          </p:nvPr>
+        </p:nvSpPr>
+        <p:spPr>
+          <a:xfrm>
+            <a:off x="838200" y="134865"/>
+            <a:ext cx="10515600" cy="704268"/>
+          </a:xfrm>
+        </p:spPr>
+        <p:txBody>
+          <a:bodyPr/>
+          <a:lstStyle/>
+          <a:p>
+            <a:pPr algn="ctr"/>
+            <a:r>
+              <a:rPr lang="en-US" dirty="0"/>
+              <a:t>Instructors</a:t>
+            </a:r>
+          </a:p>
+        </p:txBody>
+      </p:sp>
+      <p:sp>
+        <p:nvSpPr>
+          <p:cNvPr id="3" name="Content Placeholder 2">
+            <a:extLst>
+              <a:ext uri="{FF2B5EF4-FFF2-40B4-BE49-F238E27FC236}">
+                <a16:creationId xmlns:a16="http://schemas.microsoft.com/office/drawing/2014/main" id="{FA668741-CD59-72EE-0171-3F1515385326}"/>
+              </a:ext>
+            </a:extLst>
+          </p:cNvPr>
+          <p:cNvSpPr>
+            <a:spLocks noGrp="1"/>
+          </p:cNvSpPr>
+          <p:nvPr>
+            <p:ph idx="1"/>
+          </p:nvPr>
+        </p:nvSpPr>
+        <p:spPr>
+          <a:xfrm>
+            <a:off x="339632" y="1282912"/>
+            <a:ext cx="9483990" cy="4351338"/>
+          </a:xfrm>
+        </p:spPr>
+        <p:txBody>
+          <a:bodyPr/>
+          <a:lstStyle/>
+          <a:p>
+            <a:r>
+              <a:rPr lang="en-US" dirty="0"/>
+              <a:t>Dr. Marissa Dyck (she/her) – </a:t>
+            </a:r>
+            <a:r>
+              <a:rPr lang="en-US" dirty="0">
+                <a:hlinkClick r:id="rId2"/>
+              </a:rPr>
+              <a:t>marissadyck17@gmail.com</a:t>
+            </a:r>
+            <a:endParaRPr lang="en-US" dirty="0"/>
+          </a:p>
+          <a:p>
+            <a:pPr marL="457200" lvl="1" indent="0">
+              <a:buNone/>
+            </a:pPr>
+            <a:r>
+              <a:rPr lang="en-US" dirty="0"/>
+              <a:t>Postdoctoral Research Fellow</a:t>
+            </a:r>
+          </a:p>
+          <a:p>
+            <a:pPr marL="457200" lvl="1" indent="0">
+              <a:buNone/>
+            </a:pPr>
+            <a:r>
+              <a:rPr lang="en-US" dirty="0"/>
+              <a:t>University of Victoria</a:t>
+            </a:r>
+          </a:p>
+          <a:p>
+            <a:pPr marL="457200" lvl="1" indent="0">
+              <a:buNone/>
+            </a:pPr>
+            <a:r>
+              <a:rPr lang="en-US" dirty="0"/>
+              <a:t>Victoria, BC, Canada</a:t>
+            </a:r>
+          </a:p>
+          <a:p>
+            <a:pPr marL="457200" lvl="1" indent="0">
+              <a:buNone/>
+            </a:pPr>
+            <a:endParaRPr lang="en-US" dirty="0"/>
+          </a:p>
+          <a:p>
+            <a:r>
+              <a:rPr lang="en-US" dirty="0"/>
+              <a:t>Dr. Erika Barthelmess (she/her) – </a:t>
+            </a:r>
+            <a:r>
+              <a:rPr lang="en-US" dirty="0" err="1"/>
+              <a:t>b</a:t>
+            </a:r>
+            <a:r>
+              <a:rPr lang="en-US" dirty="0" err="1">
+                <a:hlinkClick r:id="rId3"/>
+              </a:rPr>
+              <a:t>arthelmess@stlawu.edu</a:t>
+            </a:r>
+            <a:r>
+              <a:rPr lang="en-US" dirty="0"/>
+              <a:t> </a:t>
+            </a:r>
+          </a:p>
+          <a:p>
+            <a:pPr marL="457200" lvl="1" indent="0">
+              <a:buNone/>
+            </a:pPr>
+            <a:r>
+              <a:rPr lang="en-US" dirty="0"/>
+              <a:t>Professor of Biology</a:t>
+            </a:r>
+          </a:p>
+          <a:p>
+            <a:pPr marL="457200" lvl="1" indent="0">
+              <a:buNone/>
+            </a:pPr>
+            <a:r>
+              <a:rPr lang="en-US" dirty="0"/>
+              <a:t>St. Lawrence University</a:t>
+            </a:r>
+          </a:p>
+          <a:p>
+            <a:pPr marL="457200" lvl="1" indent="0">
+              <a:buNone/>
+            </a:pPr>
+            <a:r>
+              <a:rPr lang="en-US" dirty="0"/>
+              <a:t>Canton, NY, USA</a:t>
+            </a:r>
+          </a:p>
+        </p:txBody>
+      </p:sp>
+      <p:pic>
+        <p:nvPicPr>
+          <p:cNvPr id="5" name="Picture 4" descr="A person wearing a hat and a jacket&#10;&#10;AI-generated content may be incorrect.">
+            <a:extLst>
+              <a:ext uri="{FF2B5EF4-FFF2-40B4-BE49-F238E27FC236}">
+                <a16:creationId xmlns:a16="http://schemas.microsoft.com/office/drawing/2014/main" id="{9E00D801-AE36-DBA5-810B-9435260862E8}"/>
+              </a:ext>
+            </a:extLst>
+          </p:cNvPr>
+          <p:cNvPicPr>
+            <a:picLocks noChangeAspect="1"/>
+          </p:cNvPicPr>
+          <p:nvPr/>
+        </p:nvPicPr>
+        <p:blipFill>
+          <a:blip r:embed="rId4"/>
+          <a:stretch>
+            <a:fillRect/>
+          </a:stretch>
+        </p:blipFill>
+        <p:spPr>
+          <a:xfrm>
+            <a:off x="9553303" y="1112466"/>
+            <a:ext cx="2143526" cy="2145762"/>
+          </a:xfrm>
+          <a:prstGeom prst="rect">
+            <a:avLst/>
+          </a:prstGeom>
+        </p:spPr>
+      </p:pic>
+      <p:pic>
+        <p:nvPicPr>
+          <p:cNvPr id="6" name="Picture 5" descr="A person wearing a hat and sunglasses&#10;&#10;AI-generated content may be incorrect.">
+            <a:extLst>
+              <a:ext uri="{FF2B5EF4-FFF2-40B4-BE49-F238E27FC236}">
+                <a16:creationId xmlns:a16="http://schemas.microsoft.com/office/drawing/2014/main" id="{933DE1D7-3726-9AED-D9AB-26F0E87F4FE7}"/>
+              </a:ext>
+            </a:extLst>
+          </p:cNvPr>
+          <p:cNvPicPr>
+            <a:picLocks noChangeAspect="1"/>
+          </p:cNvPicPr>
+          <p:nvPr/>
+        </p:nvPicPr>
+        <p:blipFill>
+          <a:blip r:embed="rId5"/>
+          <a:stretch>
+            <a:fillRect/>
+          </a:stretch>
+        </p:blipFill>
+        <p:spPr>
+          <a:xfrm>
+            <a:off x="9553303" y="3939337"/>
+            <a:ext cx="2145762" cy="2145762"/>
+          </a:xfrm>
+          <a:prstGeom prst="rect">
+            <a:avLst/>
+          </a:prstGeom>
+        </p:spPr>
+      </p:pic>
+    </p:spTree>
+    <p:extLst>
+      <p:ext uri="{BB962C8B-B14F-4D97-AF65-F5344CB8AC3E}">
+        <p14:creationId xmlns:p14="http://schemas.microsoft.com/office/powerpoint/2010/main" val="2081615761"/>
+      </p:ext>
+    </p:extLst>
+  </p:cSld>
+  <p:clrMapOvr>
+    <a:masterClrMapping/>
+  </p:clrMapOvr>
+</p:sld>
+</file>
+
+<file path=ppt/slides/slide20.xml><?xml version="1.0" encoding="utf-8"?>
 <p:sld xmlns:a="http://schemas.openxmlformats.org/drawingml/2006/main" xmlns:r="http://schemas.openxmlformats.org/officeDocument/2006/relationships" xmlns:p="http://schemas.openxmlformats.org/presentationml/2006/main">
   <p:cSld>
     <p:spTree>
@@ -11766,7 +12416,7 @@
 </p:sld>
 </file>
 
-<file path=ppt/slides/slide18.xml><?xml version="1.0" encoding="utf-8"?>
+<file path=ppt/slides/slide21.xml><?xml version="1.0" encoding="utf-8"?>
 <p:sld xmlns:a="http://schemas.openxmlformats.org/drawingml/2006/main" xmlns:r="http://schemas.openxmlformats.org/officeDocument/2006/relationships" xmlns:p="http://schemas.openxmlformats.org/presentationml/2006/main">
   <p:cSld>
     <p:spTree>
@@ -11844,174 +12494,6 @@
     <p:extLst>
       <p:ext uri="{BB962C8B-B14F-4D97-AF65-F5344CB8AC3E}">
         <p14:creationId xmlns:p14="http://schemas.microsoft.com/office/powerpoint/2010/main" val="1619483221"/>
-      </p:ext>
-    </p:extLst>
-  </p:cSld>
-  <p:clrMapOvr>
-    <a:masterClrMapping/>
-  </p:clrMapOvr>
-</p:sld>
-</file>
-
-<file path=ppt/slides/slide2.xml><?xml version="1.0" encoding="utf-8"?>
-<p:sld xmlns:a="http://schemas.openxmlformats.org/drawingml/2006/main" xmlns:r="http://schemas.openxmlformats.org/officeDocument/2006/relationships" xmlns:p="http://schemas.openxmlformats.org/presentationml/2006/main">
-  <p:cSld>
-    <p:spTree>
-      <p:nvGrpSpPr>
-        <p:cNvPr id="1" name=""/>
-        <p:cNvGrpSpPr/>
-        <p:nvPr/>
-      </p:nvGrpSpPr>
-      <p:grpSpPr>
-        <a:xfrm>
-          <a:off x="0" y="0"/>
-          <a:ext cx="0" cy="0"/>
-          <a:chOff x="0" y="0"/>
-          <a:chExt cx="0" cy="0"/>
-        </a:xfrm>
-      </p:grpSpPr>
-      <p:sp>
-        <p:nvSpPr>
-          <p:cNvPr id="2" name="Title 1">
-            <a:extLst>
-              <a:ext uri="{FF2B5EF4-FFF2-40B4-BE49-F238E27FC236}">
-                <a16:creationId xmlns:a16="http://schemas.microsoft.com/office/drawing/2014/main" id="{C502AA43-05D2-9F91-20E3-7EF6EAD8D125}"/>
-              </a:ext>
-            </a:extLst>
-          </p:cNvPr>
-          <p:cNvSpPr>
-            <a:spLocks noGrp="1"/>
-          </p:cNvSpPr>
-          <p:nvPr>
-            <p:ph type="title"/>
-          </p:nvPr>
-        </p:nvSpPr>
-        <p:spPr/>
-        <p:txBody>
-          <a:bodyPr/>
-          <a:lstStyle/>
-          <a:p>
-            <a:pPr algn="ctr"/>
-            <a:r>
-              <a:rPr lang="en-US" dirty="0"/>
-              <a:t>Instructors</a:t>
-            </a:r>
-          </a:p>
-        </p:txBody>
-      </p:sp>
-      <p:sp>
-        <p:nvSpPr>
-          <p:cNvPr id="3" name="Content Placeholder 2">
-            <a:extLst>
-              <a:ext uri="{FF2B5EF4-FFF2-40B4-BE49-F238E27FC236}">
-                <a16:creationId xmlns:a16="http://schemas.microsoft.com/office/drawing/2014/main" id="{FA668741-CD59-72EE-0171-3F1515385326}"/>
-              </a:ext>
-            </a:extLst>
-          </p:cNvPr>
-          <p:cNvSpPr>
-            <a:spLocks noGrp="1"/>
-          </p:cNvSpPr>
-          <p:nvPr>
-            <p:ph idx="1"/>
-          </p:nvPr>
-        </p:nvSpPr>
-        <p:spPr>
-          <a:xfrm>
-            <a:off x="339632" y="1690688"/>
-            <a:ext cx="9109167" cy="4351338"/>
-          </a:xfrm>
-        </p:spPr>
-        <p:txBody>
-          <a:bodyPr/>
-          <a:lstStyle/>
-          <a:p>
-            <a:r>
-              <a:rPr lang="en-US" dirty="0"/>
-              <a:t>Dr. Marissa Dyck (she/her) – </a:t>
-            </a:r>
-            <a:r>
-              <a:rPr lang="en-US" dirty="0">
-                <a:hlinkClick r:id="rId2"/>
-              </a:rPr>
-              <a:t>marissadyck17@gmail.com</a:t>
-            </a:r>
-            <a:endParaRPr lang="en-US" dirty="0"/>
-          </a:p>
-          <a:p>
-            <a:pPr marL="457200" lvl="1" indent="0">
-              <a:buNone/>
-            </a:pPr>
-            <a:r>
-              <a:rPr lang="en-US" dirty="0"/>
-              <a:t>Postdoctoral Research Fellow</a:t>
-            </a:r>
-          </a:p>
-          <a:p>
-            <a:pPr marL="457200" lvl="1" indent="0">
-              <a:buNone/>
-            </a:pPr>
-            <a:r>
-              <a:rPr lang="en-US" dirty="0"/>
-              <a:t>University of Victoria</a:t>
-            </a:r>
-          </a:p>
-          <a:p>
-            <a:pPr marL="457200" lvl="1" indent="0">
-              <a:buNone/>
-            </a:pPr>
-            <a:r>
-              <a:rPr lang="en-US" dirty="0"/>
-              <a:t>Victoria, BC, Canada</a:t>
-            </a:r>
-          </a:p>
-          <a:p>
-            <a:pPr marL="457200" lvl="1" indent="0">
-              <a:buNone/>
-            </a:pPr>
-            <a:endParaRPr lang="en-US" dirty="0"/>
-          </a:p>
-          <a:p>
-            <a:r>
-              <a:rPr lang="en-US" dirty="0"/>
-              <a:t>Dr. Erika Barthelmess</a:t>
-            </a:r>
-          </a:p>
-        </p:txBody>
-      </p:sp>
-      <p:pic>
-        <p:nvPicPr>
-          <p:cNvPr id="5" name="Picture 4" descr="A person wearing a hat and a jacket&#10;&#10;AI-generated content may be incorrect.">
-            <a:extLst>
-              <a:ext uri="{FF2B5EF4-FFF2-40B4-BE49-F238E27FC236}">
-                <a16:creationId xmlns:a16="http://schemas.microsoft.com/office/drawing/2014/main" id="{9E00D801-AE36-DBA5-810B-9435260862E8}"/>
-              </a:ext>
-            </a:extLst>
-          </p:cNvPr>
-          <p:cNvPicPr>
-            <a:picLocks noChangeAspect="1"/>
-          </p:cNvPicPr>
-          <p:nvPr/>
-        </p:nvPicPr>
-        <p:blipFill>
-          <a:blip r:embed="rId3"/>
-          <a:stretch>
-            <a:fillRect/>
-          </a:stretch>
-        </p:blipFill>
-        <p:spPr>
-          <a:xfrm>
-            <a:off x="9553303" y="1520242"/>
-            <a:ext cx="2143526" cy="2145762"/>
-          </a:xfrm>
-          <a:prstGeom prst="rect">
-            <a:avLst/>
-          </a:prstGeom>
-        </p:spPr>
-      </p:pic>
-    </p:spTree>
-    <p:extLst>
-      <p:ext uri="{BB962C8B-B14F-4D97-AF65-F5344CB8AC3E}">
-        <p14:creationId xmlns:p14="http://schemas.microsoft.com/office/powerpoint/2010/main" val="2081615761"/>
       </p:ext>
     </p:extLst>
   </p:cSld>
@@ -12383,8 +12865,24 @@
           <a:lstStyle/>
           <a:p>
             <a:r>
-              <a:rPr lang="en-US"/>
-              <a:t>Erika fill in</a:t>
+              <a:rPr lang="en-US" dirty="0"/>
+              <a:t>I think the git/</a:t>
+            </a:r>
+            <a:r>
+              <a:rPr lang="en-US" dirty="0" err="1"/>
+              <a:t>github</a:t>
+            </a:r>
+            <a:r>
+              <a:rPr lang="en-US" dirty="0"/>
+              <a:t> piece would be much better in the 2</a:t>
+            </a:r>
+            <a:r>
+              <a:rPr lang="en-US" baseline="30000" dirty="0"/>
+              <a:t>nd</a:t>
+            </a:r>
+            <a:r>
+              <a:rPr lang="en-US" dirty="0"/>
+              <a:t> half of the workshop.</a:t>
             </a:r>
           </a:p>
         </p:txBody>
@@ -12403,6 +12901,3262 @@
 </file>
 
 <file path=ppt/slides/slide6.xml><?xml version="1.0" encoding="utf-8"?>
+<p:sld xmlns:a="http://schemas.openxmlformats.org/drawingml/2006/main" xmlns:r="http://schemas.openxmlformats.org/officeDocument/2006/relationships" xmlns:p="http://schemas.openxmlformats.org/presentationml/2006/main">
+  <p:cSld>
+    <p:spTree>
+      <p:nvGrpSpPr>
+        <p:cNvPr id="1" name="">
+          <a:extLst>
+            <a:ext uri="{FF2B5EF4-FFF2-40B4-BE49-F238E27FC236}">
+              <a16:creationId xmlns:a16="http://schemas.microsoft.com/office/drawing/2014/main" id="{B4725CB0-AA11-B753-B64E-D3C5EB7D2474}"/>
+            </a:ext>
+          </a:extLst>
+        </p:cNvPr>
+        <p:cNvGrpSpPr/>
+        <p:nvPr/>
+      </p:nvGrpSpPr>
+      <p:grpSpPr>
+        <a:xfrm>
+          <a:off x="0" y="0"/>
+          <a:ext cx="0" cy="0"/>
+          <a:chOff x="0" y="0"/>
+          <a:chExt cx="0" cy="0"/>
+        </a:xfrm>
+      </p:grpSpPr>
+      <p:grpSp>
+        <p:nvGrpSpPr>
+          <p:cNvPr id="27" name="Group 26">
+            <a:extLst>
+              <a:ext uri="{FF2B5EF4-FFF2-40B4-BE49-F238E27FC236}">
+                <a16:creationId xmlns:a16="http://schemas.microsoft.com/office/drawing/2014/main" id="{95CCA5DF-20FB-6AAF-E206-FE83E73CA427}"/>
+              </a:ext>
+            </a:extLst>
+          </p:cNvPr>
+          <p:cNvGrpSpPr/>
+          <p:nvPr/>
+        </p:nvGrpSpPr>
+        <p:grpSpPr>
+          <a:xfrm>
+            <a:off x="748145" y="1154805"/>
+            <a:ext cx="1535826" cy="5592417"/>
+            <a:chOff x="748145" y="1154805"/>
+            <a:chExt cx="1535826" cy="5592417"/>
+          </a:xfrm>
+        </p:grpSpPr>
+        <p:sp>
+          <p:nvSpPr>
+            <p:cNvPr id="4" name="Rectangle 3">
+              <a:extLst>
+                <a:ext uri="{FF2B5EF4-FFF2-40B4-BE49-F238E27FC236}">
+                  <a16:creationId xmlns:a16="http://schemas.microsoft.com/office/drawing/2014/main" id="{81A2DFC2-BC0F-A0A7-46D6-4479C02057E7}"/>
+                </a:ext>
+              </a:extLst>
+            </p:cNvPr>
+            <p:cNvSpPr/>
+            <p:nvPr/>
+          </p:nvSpPr>
+          <p:spPr>
+            <a:xfrm>
+              <a:off x="748145" y="1154805"/>
+              <a:ext cx="1535826" cy="1018309"/>
+            </a:xfrm>
+            <a:prstGeom prst="rect">
+              <a:avLst/>
+            </a:prstGeom>
+          </p:spPr>
+          <p:style>
+            <a:lnRef idx="2">
+              <a:schemeClr val="accent1">
+                <a:shade val="15000"/>
+              </a:schemeClr>
+            </a:lnRef>
+            <a:fillRef idx="1">
+              <a:schemeClr val="accent1"/>
+            </a:fillRef>
+            <a:effectRef idx="0">
+              <a:schemeClr val="accent1"/>
+            </a:effectRef>
+            <a:fontRef idx="minor">
+              <a:schemeClr val="lt1"/>
+            </a:fontRef>
+          </p:style>
+          <p:txBody>
+            <a:bodyPr rtlCol="0" anchor="ctr"/>
+            <a:lstStyle/>
+            <a:p>
+              <a:pPr algn="ctr"/>
+              <a:r>
+                <a:rPr lang="en-US" dirty="0"/>
+                <a:t>Working branch</a:t>
+              </a:r>
+            </a:p>
+          </p:txBody>
+        </p:sp>
+        <p:cxnSp>
+          <p:nvCxnSpPr>
+            <p:cNvPr id="9" name="Straight Connector 8">
+              <a:extLst>
+                <a:ext uri="{FF2B5EF4-FFF2-40B4-BE49-F238E27FC236}">
+                  <a16:creationId xmlns:a16="http://schemas.microsoft.com/office/drawing/2014/main" id="{41080594-8B85-8C52-3602-712EBBBEC8F3}"/>
+                </a:ext>
+              </a:extLst>
+            </p:cNvPr>
+            <p:cNvCxnSpPr>
+              <a:cxnSpLocks/>
+              <a:stCxn id="4" idx="2"/>
+            </p:cNvCxnSpPr>
+            <p:nvPr/>
+          </p:nvCxnSpPr>
+          <p:spPr>
+            <a:xfrm>
+              <a:off x="1516058" y="2173114"/>
+              <a:ext cx="1" cy="4574108"/>
+            </a:xfrm>
+            <a:prstGeom prst="line">
+              <a:avLst/>
+            </a:prstGeom>
+          </p:spPr>
+          <p:style>
+            <a:lnRef idx="2">
+              <a:schemeClr val="dk1"/>
+            </a:lnRef>
+            <a:fillRef idx="0">
+              <a:schemeClr val="dk1"/>
+            </a:fillRef>
+            <a:effectRef idx="1">
+              <a:schemeClr val="dk1"/>
+            </a:effectRef>
+            <a:fontRef idx="minor">
+              <a:schemeClr val="tx1"/>
+            </a:fontRef>
+          </p:style>
+        </p:cxnSp>
+      </p:grpSp>
+      <p:grpSp>
+        <p:nvGrpSpPr>
+          <p:cNvPr id="8" name="Group 7">
+            <a:extLst>
+              <a:ext uri="{FF2B5EF4-FFF2-40B4-BE49-F238E27FC236}">
+                <a16:creationId xmlns:a16="http://schemas.microsoft.com/office/drawing/2014/main" id="{A1BA7624-DFCA-C553-7AE8-F935804291CF}"/>
+              </a:ext>
+            </a:extLst>
+          </p:cNvPr>
+          <p:cNvGrpSpPr/>
+          <p:nvPr/>
+        </p:nvGrpSpPr>
+        <p:grpSpPr>
+          <a:xfrm>
+            <a:off x="3385704" y="1154804"/>
+            <a:ext cx="1239982" cy="5592418"/>
+            <a:chOff x="3385704" y="1154804"/>
+            <a:chExt cx="1239982" cy="5592418"/>
+          </a:xfrm>
+        </p:grpSpPr>
+        <p:sp>
+          <p:nvSpPr>
+            <p:cNvPr id="5" name="Rectangle 4">
+              <a:extLst>
+                <a:ext uri="{FF2B5EF4-FFF2-40B4-BE49-F238E27FC236}">
+                  <a16:creationId xmlns:a16="http://schemas.microsoft.com/office/drawing/2014/main" id="{137555E9-2CE1-C22C-EC6C-5D6D45F4832D}"/>
+                </a:ext>
+              </a:extLst>
+            </p:cNvPr>
+            <p:cNvSpPr/>
+            <p:nvPr/>
+          </p:nvSpPr>
+          <p:spPr>
+            <a:xfrm>
+              <a:off x="3385704" y="1154804"/>
+              <a:ext cx="1239982" cy="1014984"/>
+            </a:xfrm>
+            <a:prstGeom prst="rect">
+              <a:avLst/>
+            </a:prstGeom>
+          </p:spPr>
+          <p:style>
+            <a:lnRef idx="2">
+              <a:schemeClr val="accent2">
+                <a:shade val="15000"/>
+              </a:schemeClr>
+            </a:lnRef>
+            <a:fillRef idx="1">
+              <a:schemeClr val="accent2"/>
+            </a:fillRef>
+            <a:effectRef idx="0">
+              <a:schemeClr val="accent2"/>
+            </a:effectRef>
+            <a:fontRef idx="minor">
+              <a:schemeClr val="lt1"/>
+            </a:fontRef>
+          </p:style>
+          <p:txBody>
+            <a:bodyPr rtlCol="0" anchor="ctr"/>
+            <a:lstStyle/>
+            <a:p>
+              <a:pPr algn="ctr"/>
+              <a:r>
+                <a:rPr lang="en-US" dirty="0"/>
+                <a:t>Staging area</a:t>
+              </a:r>
+            </a:p>
+          </p:txBody>
+        </p:sp>
+        <p:cxnSp>
+          <p:nvCxnSpPr>
+            <p:cNvPr id="10" name="Straight Connector 9">
+              <a:extLst>
+                <a:ext uri="{FF2B5EF4-FFF2-40B4-BE49-F238E27FC236}">
+                  <a16:creationId xmlns:a16="http://schemas.microsoft.com/office/drawing/2014/main" id="{D18C4DB9-5B94-80BA-1F81-076F11A407D3}"/>
+                </a:ext>
+              </a:extLst>
+            </p:cNvPr>
+            <p:cNvCxnSpPr>
+              <a:cxnSpLocks/>
+              <a:stCxn id="5" idx="2"/>
+            </p:cNvCxnSpPr>
+            <p:nvPr/>
+          </p:nvCxnSpPr>
+          <p:spPr>
+            <a:xfrm>
+              <a:off x="4005695" y="2169788"/>
+              <a:ext cx="0" cy="4577434"/>
+            </a:xfrm>
+            <a:prstGeom prst="line">
+              <a:avLst/>
+            </a:prstGeom>
+          </p:spPr>
+          <p:style>
+            <a:lnRef idx="2">
+              <a:schemeClr val="dk1"/>
+            </a:lnRef>
+            <a:fillRef idx="0">
+              <a:schemeClr val="dk1"/>
+            </a:fillRef>
+            <a:effectRef idx="1">
+              <a:schemeClr val="dk1"/>
+            </a:effectRef>
+            <a:fontRef idx="minor">
+              <a:schemeClr val="tx1"/>
+            </a:fontRef>
+          </p:style>
+        </p:cxnSp>
+      </p:grpSp>
+      <p:grpSp>
+        <p:nvGrpSpPr>
+          <p:cNvPr id="18" name="Group 17">
+            <a:extLst>
+              <a:ext uri="{FF2B5EF4-FFF2-40B4-BE49-F238E27FC236}">
+                <a16:creationId xmlns:a16="http://schemas.microsoft.com/office/drawing/2014/main" id="{3039B473-2223-82EF-BB61-CB8332F3ED55}"/>
+              </a:ext>
+            </a:extLst>
+          </p:cNvPr>
+          <p:cNvGrpSpPr/>
+          <p:nvPr/>
+        </p:nvGrpSpPr>
+        <p:grpSpPr>
+          <a:xfrm>
+            <a:off x="5372100" y="785469"/>
+            <a:ext cx="1239982" cy="5961753"/>
+            <a:chOff x="5372100" y="785469"/>
+            <a:chExt cx="1239982" cy="5961753"/>
+          </a:xfrm>
+        </p:grpSpPr>
+        <p:sp>
+          <p:nvSpPr>
+            <p:cNvPr id="6" name="Rectangle 5">
+              <a:extLst>
+                <a:ext uri="{FF2B5EF4-FFF2-40B4-BE49-F238E27FC236}">
+                  <a16:creationId xmlns:a16="http://schemas.microsoft.com/office/drawing/2014/main" id="{B3E24E93-2AC4-72B8-3282-1083DAABCC92}"/>
+                </a:ext>
+              </a:extLst>
+            </p:cNvPr>
+            <p:cNvSpPr/>
+            <p:nvPr/>
+          </p:nvSpPr>
+          <p:spPr>
+            <a:xfrm>
+              <a:off x="5372100" y="1154804"/>
+              <a:ext cx="1239982" cy="1014984"/>
+            </a:xfrm>
+            <a:prstGeom prst="rect">
+              <a:avLst/>
+            </a:prstGeom>
+          </p:spPr>
+          <p:style>
+            <a:lnRef idx="2">
+              <a:schemeClr val="accent3">
+                <a:shade val="15000"/>
+              </a:schemeClr>
+            </a:lnRef>
+            <a:fillRef idx="1">
+              <a:schemeClr val="accent3"/>
+            </a:fillRef>
+            <a:effectRef idx="0">
+              <a:schemeClr val="accent3"/>
+            </a:effectRef>
+            <a:fontRef idx="minor">
+              <a:schemeClr val="lt1"/>
+            </a:fontRef>
+          </p:style>
+          <p:txBody>
+            <a:bodyPr rtlCol="0" anchor="ctr"/>
+            <a:lstStyle/>
+            <a:p>
+              <a:pPr algn="ctr"/>
+              <a:r>
+                <a:rPr lang="en-US" dirty="0"/>
+                <a:t>Local branch</a:t>
+              </a:r>
+            </a:p>
+          </p:txBody>
+        </p:sp>
+        <p:sp>
+          <p:nvSpPr>
+            <p:cNvPr id="3" name="TextBox 2">
+              <a:extLst>
+                <a:ext uri="{FF2B5EF4-FFF2-40B4-BE49-F238E27FC236}">
+                  <a16:creationId xmlns:a16="http://schemas.microsoft.com/office/drawing/2014/main" id="{CA76FB0F-01AC-B640-6C44-D1F5C9864FA9}"/>
+                </a:ext>
+              </a:extLst>
+            </p:cNvPr>
+            <p:cNvSpPr txBox="1"/>
+            <p:nvPr/>
+          </p:nvSpPr>
+          <p:spPr>
+            <a:xfrm>
+              <a:off x="5446396" y="785469"/>
+              <a:ext cx="1091389" cy="369332"/>
+            </a:xfrm>
+            <a:prstGeom prst="rect">
+              <a:avLst/>
+            </a:prstGeom>
+            <a:noFill/>
+          </p:spPr>
+          <p:txBody>
+            <a:bodyPr wrap="none" rtlCol="0">
+              <a:spAutoFit/>
+            </a:bodyPr>
+            <a:lstStyle/>
+            <a:p>
+              <a:r>
+                <a:rPr lang="en-US" dirty="0"/>
+                <a:t>e.g. main</a:t>
+              </a:r>
+            </a:p>
+          </p:txBody>
+        </p:sp>
+        <p:cxnSp>
+          <p:nvCxnSpPr>
+            <p:cNvPr id="11" name="Straight Connector 10">
+              <a:extLst>
+                <a:ext uri="{FF2B5EF4-FFF2-40B4-BE49-F238E27FC236}">
+                  <a16:creationId xmlns:a16="http://schemas.microsoft.com/office/drawing/2014/main" id="{C102CBFE-0B92-3D62-B8CB-8FC1526931FB}"/>
+                </a:ext>
+              </a:extLst>
+            </p:cNvPr>
+            <p:cNvCxnSpPr>
+              <a:cxnSpLocks/>
+              <a:stCxn id="6" idx="2"/>
+            </p:cNvCxnSpPr>
+            <p:nvPr/>
+          </p:nvCxnSpPr>
+          <p:spPr>
+            <a:xfrm>
+              <a:off x="5992091" y="2169788"/>
+              <a:ext cx="3462" cy="4577434"/>
+            </a:xfrm>
+            <a:prstGeom prst="line">
+              <a:avLst/>
+            </a:prstGeom>
+          </p:spPr>
+          <p:style>
+            <a:lnRef idx="2">
+              <a:schemeClr val="dk1"/>
+            </a:lnRef>
+            <a:fillRef idx="0">
+              <a:schemeClr val="dk1"/>
+            </a:fillRef>
+            <a:effectRef idx="1">
+              <a:schemeClr val="dk1"/>
+            </a:effectRef>
+            <a:fontRef idx="minor">
+              <a:schemeClr val="tx1"/>
+            </a:fontRef>
+          </p:style>
+        </p:cxnSp>
+      </p:grpSp>
+      <p:sp>
+        <p:nvSpPr>
+          <p:cNvPr id="15" name="Right Arrow 14">
+            <a:extLst>
+              <a:ext uri="{FF2B5EF4-FFF2-40B4-BE49-F238E27FC236}">
+                <a16:creationId xmlns:a16="http://schemas.microsoft.com/office/drawing/2014/main" id="{85431F55-1EFE-5256-6F89-F3BA8237C638}"/>
+              </a:ext>
+            </a:extLst>
+          </p:cNvPr>
+          <p:cNvSpPr/>
+          <p:nvPr/>
+        </p:nvSpPr>
+        <p:spPr>
+          <a:xfrm>
+            <a:off x="1554990" y="2273648"/>
+            <a:ext cx="2401698" cy="506627"/>
+          </a:xfrm>
+          <a:prstGeom prst="rightArrow">
+            <a:avLst/>
+          </a:prstGeom>
+        </p:spPr>
+        <p:style>
+          <a:lnRef idx="1">
+            <a:schemeClr val="accent6"/>
+          </a:lnRef>
+          <a:fillRef idx="2">
+            <a:schemeClr val="accent6"/>
+          </a:fillRef>
+          <a:effectRef idx="1">
+            <a:schemeClr val="accent6"/>
+          </a:effectRef>
+          <a:fontRef idx="minor">
+            <a:schemeClr val="dk1"/>
+          </a:fontRef>
+        </p:style>
+        <p:txBody>
+          <a:bodyPr rtlCol="0" anchor="ctr"/>
+          <a:lstStyle/>
+          <a:p>
+            <a:pPr algn="ctr"/>
+            <a:r>
+              <a:rPr lang="en-US" dirty="0"/>
+              <a:t>git add</a:t>
+            </a:r>
+          </a:p>
+        </p:txBody>
+      </p:sp>
+      <p:sp>
+        <p:nvSpPr>
+          <p:cNvPr id="16" name="Right Arrow 15">
+            <a:extLst>
+              <a:ext uri="{FF2B5EF4-FFF2-40B4-BE49-F238E27FC236}">
+                <a16:creationId xmlns:a16="http://schemas.microsoft.com/office/drawing/2014/main" id="{7CAC9D69-5F2C-1BBF-EBE0-A39065B4E219}"/>
+              </a:ext>
+            </a:extLst>
+          </p:cNvPr>
+          <p:cNvSpPr/>
+          <p:nvPr/>
+        </p:nvSpPr>
+        <p:spPr>
+          <a:xfrm>
+            <a:off x="4054704" y="2796752"/>
+            <a:ext cx="1955593" cy="506627"/>
+          </a:xfrm>
+          <a:prstGeom prst="rightArrow">
+            <a:avLst/>
+          </a:prstGeom>
+        </p:spPr>
+        <p:style>
+          <a:lnRef idx="1">
+            <a:schemeClr val="accent6"/>
+          </a:lnRef>
+          <a:fillRef idx="2">
+            <a:schemeClr val="accent6"/>
+          </a:fillRef>
+          <a:effectRef idx="1">
+            <a:schemeClr val="accent6"/>
+          </a:effectRef>
+          <a:fontRef idx="minor">
+            <a:schemeClr val="dk1"/>
+          </a:fontRef>
+        </p:style>
+        <p:txBody>
+          <a:bodyPr rtlCol="0" anchor="ctr"/>
+          <a:lstStyle/>
+          <a:p>
+            <a:pPr algn="ctr"/>
+            <a:r>
+              <a:rPr lang="en-US" dirty="0"/>
+              <a:t>git commit</a:t>
+            </a:r>
+          </a:p>
+        </p:txBody>
+      </p:sp>
+      <p:sp>
+        <p:nvSpPr>
+          <p:cNvPr id="25" name="TextBox 24">
+            <a:extLst>
+              <a:ext uri="{FF2B5EF4-FFF2-40B4-BE49-F238E27FC236}">
+                <a16:creationId xmlns:a16="http://schemas.microsoft.com/office/drawing/2014/main" id="{C5109D8C-EFC0-7AF4-8157-B1610E56376E}"/>
+              </a:ext>
+            </a:extLst>
+          </p:cNvPr>
+          <p:cNvSpPr txBox="1"/>
+          <p:nvPr/>
+        </p:nvSpPr>
+        <p:spPr>
+          <a:xfrm>
+            <a:off x="3135783" y="158262"/>
+            <a:ext cx="3297378" cy="369332"/>
+          </a:xfrm>
+          <a:prstGeom prst="rect">
+            <a:avLst/>
+          </a:prstGeom>
+          <a:noFill/>
+        </p:spPr>
+        <p:txBody>
+          <a:bodyPr wrap="none" rtlCol="0">
+            <a:spAutoFit/>
+          </a:bodyPr>
+          <a:lstStyle/>
+          <a:p>
+            <a:r>
+              <a:rPr lang="en-US" b="1" dirty="0"/>
+              <a:t>LOCAL REPOSITORY (“REPO”)</a:t>
+            </a:r>
+          </a:p>
+        </p:txBody>
+      </p:sp>
+      <p:sp>
+        <p:nvSpPr>
+          <p:cNvPr id="23" name="Rectangle 22">
+            <a:extLst>
+              <a:ext uri="{FF2B5EF4-FFF2-40B4-BE49-F238E27FC236}">
+                <a16:creationId xmlns:a16="http://schemas.microsoft.com/office/drawing/2014/main" id="{3B6E4C48-498C-5121-DE3B-4641AEEEFFCC}"/>
+              </a:ext>
+            </a:extLst>
+          </p:cNvPr>
+          <p:cNvSpPr/>
+          <p:nvPr/>
+        </p:nvSpPr>
+        <p:spPr>
+          <a:xfrm>
+            <a:off x="7100047" y="376518"/>
+            <a:ext cx="4668819" cy="6185647"/>
+          </a:xfrm>
+          <a:prstGeom prst="rect">
+            <a:avLst/>
+          </a:prstGeom>
+        </p:spPr>
+        <p:style>
+          <a:lnRef idx="2">
+            <a:schemeClr val="accent1">
+              <a:shade val="15000"/>
+            </a:schemeClr>
+          </a:lnRef>
+          <a:fillRef idx="1">
+            <a:schemeClr val="accent1"/>
+          </a:fillRef>
+          <a:effectRef idx="0">
+            <a:schemeClr val="accent1"/>
+          </a:effectRef>
+          <a:fontRef idx="minor">
+            <a:schemeClr val="lt1"/>
+          </a:fontRef>
+        </p:style>
+        <p:txBody>
+          <a:bodyPr rtlCol="0" anchor="t"/>
+          <a:lstStyle/>
+          <a:p>
+            <a:endParaRPr lang="en-US" dirty="0">
+              <a:solidFill>
+                <a:schemeClr val="bg1"/>
+              </a:solidFill>
+            </a:endParaRPr>
+          </a:p>
+          <a:p>
+            <a:pPr marL="285750" indent="-285750">
+              <a:buFont typeface="Arial" panose="020B0604020202020204" pitchFamily="34" charset="0"/>
+              <a:buChar char="•"/>
+            </a:pPr>
+            <a:r>
+              <a:rPr lang="en-US" sz="1600" dirty="0">
+                <a:solidFill>
+                  <a:schemeClr val="bg1"/>
+                </a:solidFill>
+              </a:rPr>
+              <a:t>Do some work on your project (write some code!)</a:t>
+            </a:r>
+          </a:p>
+          <a:p>
+            <a:pPr marL="742950" lvl="1" indent="-285750">
+              <a:buFont typeface="Arial" panose="020B0604020202020204" pitchFamily="34" charset="0"/>
+              <a:buChar char="•"/>
+            </a:pPr>
+            <a:r>
+              <a:rPr lang="en-US" sz="1600" dirty="0">
+                <a:solidFill>
+                  <a:schemeClr val="bg1"/>
+                </a:solidFill>
+              </a:rPr>
+              <a:t>“git add” tells git you want it to keep track of the changes you have just made</a:t>
+            </a:r>
+          </a:p>
+          <a:p>
+            <a:pPr marL="742950" lvl="1" indent="-285750">
+              <a:buFont typeface="Arial" panose="020B0604020202020204" pitchFamily="34" charset="0"/>
+              <a:buChar char="•"/>
+            </a:pPr>
+            <a:r>
+              <a:rPr lang="en-US" sz="1600" dirty="0">
+                <a:solidFill>
+                  <a:schemeClr val="bg1"/>
+                </a:solidFill>
+              </a:rPr>
+              <a:t>“git commit” (with a required message) then tracks the changes on the local branch, usually called “main” (and sometimes “master”).</a:t>
+            </a:r>
+          </a:p>
+          <a:p>
+            <a:pPr marL="742950" lvl="1" indent="-285750">
+              <a:buFont typeface="Arial" panose="020B0604020202020204" pitchFamily="34" charset="0"/>
+              <a:buChar char="•"/>
+            </a:pPr>
+            <a:endParaRPr lang="en-US" sz="1600" dirty="0">
+              <a:solidFill>
+                <a:schemeClr val="bg1"/>
+              </a:solidFill>
+            </a:endParaRPr>
+          </a:p>
+          <a:p>
+            <a:pPr marL="285750" indent="-285750">
+              <a:buFont typeface="Arial" panose="020B0604020202020204" pitchFamily="34" charset="0"/>
+              <a:buChar char="•"/>
+            </a:pPr>
+            <a:r>
+              <a:rPr lang="en-US" sz="1600" dirty="0">
+                <a:solidFill>
+                  <a:schemeClr val="bg1"/>
+                </a:solidFill>
+              </a:rPr>
+              <a:t>Do </a:t>
+            </a:r>
+            <a:r>
+              <a:rPr lang="en-US" sz="1600" u="sng" dirty="0">
+                <a:solidFill>
+                  <a:schemeClr val="bg1"/>
+                </a:solidFill>
+              </a:rPr>
+              <a:t>more</a:t>
+            </a:r>
+            <a:r>
+              <a:rPr lang="en-US" sz="1600" dirty="0">
+                <a:solidFill>
+                  <a:schemeClr val="bg1"/>
+                </a:solidFill>
+              </a:rPr>
+              <a:t> work on your project (make changes to code, write more code, etc.)</a:t>
+            </a:r>
+          </a:p>
+          <a:p>
+            <a:pPr marL="742950" lvl="1" indent="-285750">
+              <a:buFont typeface="Arial" panose="020B0604020202020204" pitchFamily="34" charset="0"/>
+              <a:buChar char="•"/>
+            </a:pPr>
+            <a:r>
+              <a:rPr lang="en-US" sz="1600" dirty="0">
+                <a:solidFill>
+                  <a:schemeClr val="bg1"/>
+                </a:solidFill>
+              </a:rPr>
+              <a:t>“git add” tells git you want it to keep track of the changes you have just made</a:t>
+            </a:r>
+          </a:p>
+          <a:p>
+            <a:pPr marL="742950" lvl="1" indent="-285750">
+              <a:buFont typeface="Arial" panose="020B0604020202020204" pitchFamily="34" charset="0"/>
+              <a:buChar char="•"/>
+            </a:pPr>
+            <a:r>
+              <a:rPr lang="en-US" sz="1600" dirty="0">
+                <a:solidFill>
+                  <a:schemeClr val="bg1"/>
+                </a:solidFill>
+              </a:rPr>
+              <a:t>“git commit” (with a required message) then tracks the changes on the local branch, usually called “main” (and sometimes “master”).</a:t>
+            </a:r>
+          </a:p>
+          <a:p>
+            <a:pPr marL="742950" lvl="1" indent="-285750">
+              <a:buFont typeface="Arial" panose="020B0604020202020204" pitchFamily="34" charset="0"/>
+              <a:buChar char="•"/>
+            </a:pPr>
+            <a:endParaRPr lang="en-US" sz="1600" dirty="0">
+              <a:solidFill>
+                <a:schemeClr val="bg1"/>
+              </a:solidFill>
+            </a:endParaRPr>
+          </a:p>
+          <a:p>
+            <a:pPr marL="285750" indent="-285750">
+              <a:buFont typeface="Arial" panose="020B0604020202020204" pitchFamily="34" charset="0"/>
+              <a:buChar char="•"/>
+            </a:pPr>
+            <a:r>
+              <a:rPr lang="en-US" sz="1600" dirty="0">
+                <a:solidFill>
+                  <a:schemeClr val="bg1"/>
+                </a:solidFill>
+              </a:rPr>
+              <a:t>Just keep repeating this cycle until you are ready to send your record of changes to </a:t>
+            </a:r>
+            <a:r>
+              <a:rPr lang="en-US" sz="1600" dirty="0" err="1">
+                <a:solidFill>
+                  <a:schemeClr val="bg1"/>
+                </a:solidFill>
+              </a:rPr>
+              <a:t>github</a:t>
+            </a:r>
+            <a:r>
+              <a:rPr lang="en-US" sz="1600" dirty="0">
+                <a:solidFill>
+                  <a:schemeClr val="bg1"/>
+                </a:solidFill>
+              </a:rPr>
+              <a:t>.</a:t>
+            </a:r>
+          </a:p>
+          <a:p>
+            <a:pPr marL="742950" lvl="1" indent="-285750">
+              <a:buFont typeface="Arial" panose="020B0604020202020204" pitchFamily="34" charset="0"/>
+              <a:buChar char="•"/>
+            </a:pPr>
+            <a:endParaRPr lang="en-US" dirty="0">
+              <a:solidFill>
+                <a:schemeClr val="bg1"/>
+              </a:solidFill>
+            </a:endParaRPr>
+          </a:p>
+        </p:txBody>
+      </p:sp>
+      <p:sp>
+        <p:nvSpPr>
+          <p:cNvPr id="28" name="Right Arrow 27">
+            <a:extLst>
+              <a:ext uri="{FF2B5EF4-FFF2-40B4-BE49-F238E27FC236}">
+                <a16:creationId xmlns:a16="http://schemas.microsoft.com/office/drawing/2014/main" id="{BD76D262-A2C1-A421-B20E-42BC2DAB1B51}"/>
+              </a:ext>
+            </a:extLst>
+          </p:cNvPr>
+          <p:cNvSpPr/>
+          <p:nvPr/>
+        </p:nvSpPr>
+        <p:spPr>
+          <a:xfrm>
+            <a:off x="1565066" y="4660731"/>
+            <a:ext cx="2401698" cy="506627"/>
+          </a:xfrm>
+          <a:prstGeom prst="rightArrow">
+            <a:avLst/>
+          </a:prstGeom>
+        </p:spPr>
+        <p:style>
+          <a:lnRef idx="1">
+            <a:schemeClr val="accent6"/>
+          </a:lnRef>
+          <a:fillRef idx="2">
+            <a:schemeClr val="accent6"/>
+          </a:fillRef>
+          <a:effectRef idx="1">
+            <a:schemeClr val="accent6"/>
+          </a:effectRef>
+          <a:fontRef idx="minor">
+            <a:schemeClr val="dk1"/>
+          </a:fontRef>
+        </p:style>
+        <p:txBody>
+          <a:bodyPr rtlCol="0" anchor="ctr"/>
+          <a:lstStyle/>
+          <a:p>
+            <a:pPr algn="ctr"/>
+            <a:r>
+              <a:rPr lang="en-US" dirty="0"/>
+              <a:t>git add</a:t>
+            </a:r>
+          </a:p>
+        </p:txBody>
+      </p:sp>
+      <p:sp>
+        <p:nvSpPr>
+          <p:cNvPr id="30" name="Right Arrow 29">
+            <a:extLst>
+              <a:ext uri="{FF2B5EF4-FFF2-40B4-BE49-F238E27FC236}">
+                <a16:creationId xmlns:a16="http://schemas.microsoft.com/office/drawing/2014/main" id="{1ADB0805-9613-3233-B3C6-9190A71F47F2}"/>
+              </a:ext>
+            </a:extLst>
+          </p:cNvPr>
+          <p:cNvSpPr/>
+          <p:nvPr/>
+        </p:nvSpPr>
+        <p:spPr>
+          <a:xfrm>
+            <a:off x="4036497" y="5636779"/>
+            <a:ext cx="1955593" cy="506627"/>
+          </a:xfrm>
+          <a:prstGeom prst="rightArrow">
+            <a:avLst/>
+          </a:prstGeom>
+        </p:spPr>
+        <p:style>
+          <a:lnRef idx="1">
+            <a:schemeClr val="accent6"/>
+          </a:lnRef>
+          <a:fillRef idx="2">
+            <a:schemeClr val="accent6"/>
+          </a:fillRef>
+          <a:effectRef idx="1">
+            <a:schemeClr val="accent6"/>
+          </a:effectRef>
+          <a:fontRef idx="minor">
+            <a:schemeClr val="dk1"/>
+          </a:fontRef>
+        </p:style>
+        <p:txBody>
+          <a:bodyPr rtlCol="0" anchor="ctr"/>
+          <a:lstStyle/>
+          <a:p>
+            <a:pPr algn="ctr"/>
+            <a:r>
+              <a:rPr lang="en-US" dirty="0"/>
+              <a:t>git commit</a:t>
+            </a:r>
+          </a:p>
+        </p:txBody>
+      </p:sp>
+      <p:sp>
+        <p:nvSpPr>
+          <p:cNvPr id="31" name="TextBox 30">
+            <a:extLst>
+              <a:ext uri="{FF2B5EF4-FFF2-40B4-BE49-F238E27FC236}">
+                <a16:creationId xmlns:a16="http://schemas.microsoft.com/office/drawing/2014/main" id="{76018D9C-53A0-DA50-D3B3-8A1B7F3F59E4}"/>
+              </a:ext>
+            </a:extLst>
+          </p:cNvPr>
+          <p:cNvSpPr txBox="1"/>
+          <p:nvPr/>
+        </p:nvSpPr>
+        <p:spPr>
+          <a:xfrm>
+            <a:off x="716801" y="3228247"/>
+            <a:ext cx="1618688" cy="923330"/>
+          </a:xfrm>
+          <a:prstGeom prst="rect">
+            <a:avLst/>
+          </a:prstGeom>
+          <a:solidFill>
+            <a:schemeClr val="bg1"/>
+          </a:solidFill>
+        </p:spPr>
+        <p:txBody>
+          <a:bodyPr wrap="square" rtlCol="0">
+            <a:spAutoFit/>
+          </a:bodyPr>
+          <a:lstStyle/>
+          <a:p>
+            <a:pPr algn="ctr"/>
+            <a:r>
+              <a:rPr lang="en-US" dirty="0"/>
+              <a:t>Make some changes to your work</a:t>
+            </a:r>
+          </a:p>
+        </p:txBody>
+      </p:sp>
+    </p:spTree>
+    <p:extLst>
+      <p:ext uri="{BB962C8B-B14F-4D97-AF65-F5344CB8AC3E}">
+        <p14:creationId xmlns:p14="http://schemas.microsoft.com/office/powerpoint/2010/main" val="1561373863"/>
+      </p:ext>
+    </p:extLst>
+  </p:cSld>
+  <p:clrMapOvr>
+    <a:masterClrMapping/>
+  </p:clrMapOvr>
+  <p:timing>
+    <p:tnLst>
+      <p:par>
+        <p:cTn id="1" dur="indefinite" restart="never" nodeType="tmRoot">
+          <p:childTnLst>
+            <p:seq concurrent="1" nextAc="seek">
+              <p:cTn id="2" dur="indefinite" nodeType="mainSeq">
+                <p:childTnLst>
+                  <p:par>
+                    <p:cTn id="3" fill="hold">
+                      <p:stCondLst>
+                        <p:cond delay="indefinite"/>
+                      </p:stCondLst>
+                      <p:childTnLst>
+                        <p:par>
+                          <p:cTn id="4" fill="hold">
+                            <p:stCondLst>
+                              <p:cond delay="0"/>
+                            </p:stCondLst>
+                            <p:childTnLst>
+                              <p:par>
+                                <p:cTn id="5" presetID="1" presetClass="entr" presetSubtype="0" fill="hold" nodeType="clickEffect">
+                                  <p:stCondLst>
+                                    <p:cond delay="0"/>
+                                  </p:stCondLst>
+                                  <p:childTnLst>
+                                    <p:set>
+                                      <p:cBhvr>
+                                        <p:cTn id="6" dur="1" fill="hold">
+                                          <p:stCondLst>
+                                            <p:cond delay="0"/>
+                                          </p:stCondLst>
+                                        </p:cTn>
+                                        <p:tgtEl>
+                                          <p:spTgt spid="27"/>
+                                        </p:tgtEl>
+                                        <p:attrNameLst>
+                                          <p:attrName>style.visibility</p:attrName>
+                                        </p:attrNameLst>
+                                      </p:cBhvr>
+                                      <p:to>
+                                        <p:strVal val="visible"/>
+                                      </p:to>
+                                    </p:set>
+                                  </p:childTnLst>
+                                </p:cTn>
+                              </p:par>
+                            </p:childTnLst>
+                          </p:cTn>
+                        </p:par>
+                      </p:childTnLst>
+                    </p:cTn>
+                  </p:par>
+                  <p:par>
+                    <p:cTn id="7" fill="hold">
+                      <p:stCondLst>
+                        <p:cond delay="indefinite"/>
+                      </p:stCondLst>
+                      <p:childTnLst>
+                        <p:par>
+                          <p:cTn id="8" fill="hold">
+                            <p:stCondLst>
+                              <p:cond delay="0"/>
+                            </p:stCondLst>
+                            <p:childTnLst>
+                              <p:par>
+                                <p:cTn id="9" presetID="1" presetClass="entr" presetSubtype="0" fill="hold" grpId="0" nodeType="clickEffect">
+                                  <p:stCondLst>
+                                    <p:cond delay="0"/>
+                                  </p:stCondLst>
+                                  <p:childTnLst>
+                                    <p:set>
+                                      <p:cBhvr>
+                                        <p:cTn id="10" dur="1" fill="hold">
+                                          <p:stCondLst>
+                                            <p:cond delay="0"/>
+                                          </p:stCondLst>
+                                        </p:cTn>
+                                        <p:tgtEl>
+                                          <p:spTgt spid="15"/>
+                                        </p:tgtEl>
+                                        <p:attrNameLst>
+                                          <p:attrName>style.visibility</p:attrName>
+                                        </p:attrNameLst>
+                                      </p:cBhvr>
+                                      <p:to>
+                                        <p:strVal val="visible"/>
+                                      </p:to>
+                                    </p:set>
+                                  </p:childTnLst>
+                                </p:cTn>
+                              </p:par>
+                            </p:childTnLst>
+                          </p:cTn>
+                        </p:par>
+                      </p:childTnLst>
+                    </p:cTn>
+                  </p:par>
+                  <p:par>
+                    <p:cTn id="11" fill="hold">
+                      <p:stCondLst>
+                        <p:cond delay="indefinite"/>
+                      </p:stCondLst>
+                      <p:childTnLst>
+                        <p:par>
+                          <p:cTn id="12" fill="hold">
+                            <p:stCondLst>
+                              <p:cond delay="0"/>
+                            </p:stCondLst>
+                            <p:childTnLst>
+                              <p:par>
+                                <p:cTn id="13" presetID="1" presetClass="entr" presetSubtype="0" fill="hold" nodeType="clickEffect">
+                                  <p:stCondLst>
+                                    <p:cond delay="0"/>
+                                  </p:stCondLst>
+                                  <p:childTnLst>
+                                    <p:set>
+                                      <p:cBhvr>
+                                        <p:cTn id="14" dur="1" fill="hold">
+                                          <p:stCondLst>
+                                            <p:cond delay="0"/>
+                                          </p:stCondLst>
+                                        </p:cTn>
+                                        <p:tgtEl>
+                                          <p:spTgt spid="8"/>
+                                        </p:tgtEl>
+                                        <p:attrNameLst>
+                                          <p:attrName>style.visibility</p:attrName>
+                                        </p:attrNameLst>
+                                      </p:cBhvr>
+                                      <p:to>
+                                        <p:strVal val="visible"/>
+                                      </p:to>
+                                    </p:set>
+                                  </p:childTnLst>
+                                </p:cTn>
+                              </p:par>
+                            </p:childTnLst>
+                          </p:cTn>
+                        </p:par>
+                      </p:childTnLst>
+                    </p:cTn>
+                  </p:par>
+                  <p:par>
+                    <p:cTn id="15" fill="hold">
+                      <p:stCondLst>
+                        <p:cond delay="indefinite"/>
+                      </p:stCondLst>
+                      <p:childTnLst>
+                        <p:par>
+                          <p:cTn id="16" fill="hold">
+                            <p:stCondLst>
+                              <p:cond delay="0"/>
+                            </p:stCondLst>
+                            <p:childTnLst>
+                              <p:par>
+                                <p:cTn id="17" presetID="1" presetClass="entr" presetSubtype="0" fill="hold" grpId="0" nodeType="clickEffect">
+                                  <p:stCondLst>
+                                    <p:cond delay="0"/>
+                                  </p:stCondLst>
+                                  <p:childTnLst>
+                                    <p:set>
+                                      <p:cBhvr>
+                                        <p:cTn id="18" dur="1" fill="hold">
+                                          <p:stCondLst>
+                                            <p:cond delay="0"/>
+                                          </p:stCondLst>
+                                        </p:cTn>
+                                        <p:tgtEl>
+                                          <p:spTgt spid="16"/>
+                                        </p:tgtEl>
+                                        <p:attrNameLst>
+                                          <p:attrName>style.visibility</p:attrName>
+                                        </p:attrNameLst>
+                                      </p:cBhvr>
+                                      <p:to>
+                                        <p:strVal val="visible"/>
+                                      </p:to>
+                                    </p:set>
+                                  </p:childTnLst>
+                                </p:cTn>
+                              </p:par>
+                            </p:childTnLst>
+                          </p:cTn>
+                        </p:par>
+                      </p:childTnLst>
+                    </p:cTn>
+                  </p:par>
+                  <p:par>
+                    <p:cTn id="19" fill="hold">
+                      <p:stCondLst>
+                        <p:cond delay="indefinite"/>
+                      </p:stCondLst>
+                      <p:childTnLst>
+                        <p:par>
+                          <p:cTn id="20" fill="hold">
+                            <p:stCondLst>
+                              <p:cond delay="0"/>
+                            </p:stCondLst>
+                            <p:childTnLst>
+                              <p:par>
+                                <p:cTn id="21" presetID="1" presetClass="entr" presetSubtype="0" fill="hold" nodeType="clickEffect">
+                                  <p:stCondLst>
+                                    <p:cond delay="0"/>
+                                  </p:stCondLst>
+                                  <p:childTnLst>
+                                    <p:set>
+                                      <p:cBhvr>
+                                        <p:cTn id="22" dur="1" fill="hold">
+                                          <p:stCondLst>
+                                            <p:cond delay="0"/>
+                                          </p:stCondLst>
+                                        </p:cTn>
+                                        <p:tgtEl>
+                                          <p:spTgt spid="18"/>
+                                        </p:tgtEl>
+                                        <p:attrNameLst>
+                                          <p:attrName>style.visibility</p:attrName>
+                                        </p:attrNameLst>
+                                      </p:cBhvr>
+                                      <p:to>
+                                        <p:strVal val="visible"/>
+                                      </p:to>
+                                    </p:set>
+                                  </p:childTnLst>
+                                </p:cTn>
+                              </p:par>
+                            </p:childTnLst>
+                          </p:cTn>
+                        </p:par>
+                      </p:childTnLst>
+                    </p:cTn>
+                  </p:par>
+                  <p:par>
+                    <p:cTn id="23" fill="hold">
+                      <p:stCondLst>
+                        <p:cond delay="indefinite"/>
+                      </p:stCondLst>
+                      <p:childTnLst>
+                        <p:par>
+                          <p:cTn id="24" fill="hold">
+                            <p:stCondLst>
+                              <p:cond delay="0"/>
+                            </p:stCondLst>
+                            <p:childTnLst>
+                              <p:par>
+                                <p:cTn id="25" presetID="1" presetClass="entr" presetSubtype="0" fill="hold" grpId="0" nodeType="clickEffect">
+                                  <p:stCondLst>
+                                    <p:cond delay="0"/>
+                                  </p:stCondLst>
+                                  <p:childTnLst>
+                                    <p:set>
+                                      <p:cBhvr>
+                                        <p:cTn id="26" dur="1" fill="hold">
+                                          <p:stCondLst>
+                                            <p:cond delay="0"/>
+                                          </p:stCondLst>
+                                        </p:cTn>
+                                        <p:tgtEl>
+                                          <p:spTgt spid="31"/>
+                                        </p:tgtEl>
+                                        <p:attrNameLst>
+                                          <p:attrName>style.visibility</p:attrName>
+                                        </p:attrNameLst>
+                                      </p:cBhvr>
+                                      <p:to>
+                                        <p:strVal val="visible"/>
+                                      </p:to>
+                                    </p:set>
+                                  </p:childTnLst>
+                                </p:cTn>
+                              </p:par>
+                            </p:childTnLst>
+                          </p:cTn>
+                        </p:par>
+                      </p:childTnLst>
+                    </p:cTn>
+                  </p:par>
+                  <p:par>
+                    <p:cTn id="27" fill="hold">
+                      <p:stCondLst>
+                        <p:cond delay="indefinite"/>
+                      </p:stCondLst>
+                      <p:childTnLst>
+                        <p:par>
+                          <p:cTn id="28" fill="hold">
+                            <p:stCondLst>
+                              <p:cond delay="0"/>
+                            </p:stCondLst>
+                            <p:childTnLst>
+                              <p:par>
+                                <p:cTn id="29" presetID="1" presetClass="entr" presetSubtype="0" fill="hold" grpId="0" nodeType="clickEffect">
+                                  <p:stCondLst>
+                                    <p:cond delay="0"/>
+                                  </p:stCondLst>
+                                  <p:childTnLst>
+                                    <p:set>
+                                      <p:cBhvr>
+                                        <p:cTn id="30" dur="1" fill="hold">
+                                          <p:stCondLst>
+                                            <p:cond delay="0"/>
+                                          </p:stCondLst>
+                                        </p:cTn>
+                                        <p:tgtEl>
+                                          <p:spTgt spid="28"/>
+                                        </p:tgtEl>
+                                        <p:attrNameLst>
+                                          <p:attrName>style.visibility</p:attrName>
+                                        </p:attrNameLst>
+                                      </p:cBhvr>
+                                      <p:to>
+                                        <p:strVal val="visible"/>
+                                      </p:to>
+                                    </p:set>
+                                  </p:childTnLst>
+                                </p:cTn>
+                              </p:par>
+                            </p:childTnLst>
+                          </p:cTn>
+                        </p:par>
+                      </p:childTnLst>
+                    </p:cTn>
+                  </p:par>
+                  <p:par>
+                    <p:cTn id="31" fill="hold">
+                      <p:stCondLst>
+                        <p:cond delay="indefinite"/>
+                      </p:stCondLst>
+                      <p:childTnLst>
+                        <p:par>
+                          <p:cTn id="32" fill="hold">
+                            <p:stCondLst>
+                              <p:cond delay="0"/>
+                            </p:stCondLst>
+                            <p:childTnLst>
+                              <p:par>
+                                <p:cTn id="33" presetID="1" presetClass="entr" presetSubtype="0" fill="hold" grpId="0" nodeType="clickEffect">
+                                  <p:stCondLst>
+                                    <p:cond delay="0"/>
+                                  </p:stCondLst>
+                                  <p:childTnLst>
+                                    <p:set>
+                                      <p:cBhvr>
+                                        <p:cTn id="34" dur="1" fill="hold">
+                                          <p:stCondLst>
+                                            <p:cond delay="0"/>
+                                          </p:stCondLst>
+                                        </p:cTn>
+                                        <p:tgtEl>
+                                          <p:spTgt spid="30"/>
+                                        </p:tgtEl>
+                                        <p:attrNameLst>
+                                          <p:attrName>style.visibility</p:attrName>
+                                        </p:attrNameLst>
+                                      </p:cBhvr>
+                                      <p:to>
+                                        <p:strVal val="visible"/>
+                                      </p:to>
+                                    </p:set>
+                                  </p:childTnLst>
+                                </p:cTn>
+                              </p:par>
+                            </p:childTnLst>
+                          </p:cTn>
+                        </p:par>
+                      </p:childTnLst>
+                    </p:cTn>
+                  </p:par>
+                </p:childTnLst>
+              </p:cTn>
+              <p:prevCondLst>
+                <p:cond evt="onPrev" delay="0">
+                  <p:tgtEl>
+                    <p:sldTgt/>
+                  </p:tgtEl>
+                </p:cond>
+              </p:prevCondLst>
+              <p:nextCondLst>
+                <p:cond evt="onNext" delay="0">
+                  <p:tgtEl>
+                    <p:sldTgt/>
+                  </p:tgtEl>
+                </p:cond>
+              </p:nextCondLst>
+            </p:seq>
+          </p:childTnLst>
+        </p:cTn>
+      </p:par>
+    </p:tnLst>
+    <p:bldLst>
+      <p:bldP spid="15" grpId="0" animBg="1"/>
+      <p:bldP spid="16" grpId="0" animBg="1"/>
+      <p:bldP spid="28" grpId="0" animBg="1"/>
+      <p:bldP spid="30" grpId="0" animBg="1"/>
+      <p:bldP spid="31" grpId="0" animBg="1"/>
+    </p:bldLst>
+  </p:timing>
+</p:sld>
+</file>
+
+<file path=ppt/slides/slide7.xml><?xml version="1.0" encoding="utf-8"?>
+<p:sld xmlns:a="http://schemas.openxmlformats.org/drawingml/2006/main" xmlns:r="http://schemas.openxmlformats.org/officeDocument/2006/relationships" xmlns:p="http://schemas.openxmlformats.org/presentationml/2006/main">
+  <p:cSld>
+    <p:spTree>
+      <p:nvGrpSpPr>
+        <p:cNvPr id="1" name="">
+          <a:extLst>
+            <a:ext uri="{FF2B5EF4-FFF2-40B4-BE49-F238E27FC236}">
+              <a16:creationId xmlns:a16="http://schemas.microsoft.com/office/drawing/2014/main" id="{50FDA193-2911-A85F-3315-BA9BDA1B78EA}"/>
+            </a:ext>
+          </a:extLst>
+        </p:cNvPr>
+        <p:cNvGrpSpPr/>
+        <p:nvPr/>
+      </p:nvGrpSpPr>
+      <p:grpSpPr>
+        <a:xfrm>
+          <a:off x="0" y="0"/>
+          <a:ext cx="0" cy="0"/>
+          <a:chOff x="0" y="0"/>
+          <a:chExt cx="0" cy="0"/>
+        </a:xfrm>
+      </p:grpSpPr>
+      <p:sp>
+        <p:nvSpPr>
+          <p:cNvPr id="24" name="Rectangle 23">
+            <a:extLst>
+              <a:ext uri="{FF2B5EF4-FFF2-40B4-BE49-F238E27FC236}">
+                <a16:creationId xmlns:a16="http://schemas.microsoft.com/office/drawing/2014/main" id="{200C76AA-B434-6524-F6A7-1BFA2F8560E3}"/>
+              </a:ext>
+            </a:extLst>
+          </p:cNvPr>
+          <p:cNvSpPr/>
+          <p:nvPr/>
+        </p:nvSpPr>
+        <p:spPr>
+          <a:xfrm>
+            <a:off x="9625914" y="98854"/>
+            <a:ext cx="2347783" cy="6722081"/>
+          </a:xfrm>
+          <a:prstGeom prst="rect">
+            <a:avLst/>
+          </a:prstGeom>
+          <a:solidFill>
+            <a:schemeClr val="bg1">
+              <a:lumMod val="65000"/>
+            </a:schemeClr>
+          </a:solidFill>
+          <a:ln>
+            <a:noFill/>
+          </a:ln>
+        </p:spPr>
+        <p:style>
+          <a:lnRef idx="2">
+            <a:schemeClr val="accent1">
+              <a:shade val="15000"/>
+            </a:schemeClr>
+          </a:lnRef>
+          <a:fillRef idx="1">
+            <a:schemeClr val="accent1"/>
+          </a:fillRef>
+          <a:effectRef idx="0">
+            <a:schemeClr val="accent1"/>
+          </a:effectRef>
+          <a:fontRef idx="minor">
+            <a:schemeClr val="lt1"/>
+          </a:fontRef>
+        </p:style>
+        <p:txBody>
+          <a:bodyPr rtlCol="0" anchor="ctr"/>
+          <a:lstStyle/>
+          <a:p>
+            <a:pPr algn="ctr"/>
+            <a:endParaRPr lang="en-US"/>
+          </a:p>
+        </p:txBody>
+      </p:sp>
+      <p:sp>
+        <p:nvSpPr>
+          <p:cNvPr id="4" name="Rectangle 3">
+            <a:extLst>
+              <a:ext uri="{FF2B5EF4-FFF2-40B4-BE49-F238E27FC236}">
+                <a16:creationId xmlns:a16="http://schemas.microsoft.com/office/drawing/2014/main" id="{7114DCFE-D183-2CBA-FBEB-1C2D626FA207}"/>
+              </a:ext>
+            </a:extLst>
+          </p:cNvPr>
+          <p:cNvSpPr/>
+          <p:nvPr/>
+        </p:nvSpPr>
+        <p:spPr>
+          <a:xfrm>
+            <a:off x="748145" y="1154805"/>
+            <a:ext cx="1535826" cy="1018309"/>
+          </a:xfrm>
+          <a:prstGeom prst="rect">
+            <a:avLst/>
+          </a:prstGeom>
+        </p:spPr>
+        <p:style>
+          <a:lnRef idx="2">
+            <a:schemeClr val="accent1">
+              <a:shade val="15000"/>
+            </a:schemeClr>
+          </a:lnRef>
+          <a:fillRef idx="1">
+            <a:schemeClr val="accent1"/>
+          </a:fillRef>
+          <a:effectRef idx="0">
+            <a:schemeClr val="accent1"/>
+          </a:effectRef>
+          <a:fontRef idx="minor">
+            <a:schemeClr val="lt1"/>
+          </a:fontRef>
+        </p:style>
+        <p:txBody>
+          <a:bodyPr rtlCol="0" anchor="ctr"/>
+          <a:lstStyle/>
+          <a:p>
+            <a:pPr algn="ctr"/>
+            <a:r>
+              <a:rPr lang="en-US" dirty="0"/>
+              <a:t>Working branch</a:t>
+            </a:r>
+          </a:p>
+        </p:txBody>
+      </p:sp>
+      <p:sp>
+        <p:nvSpPr>
+          <p:cNvPr id="5" name="Rectangle 4">
+            <a:extLst>
+              <a:ext uri="{FF2B5EF4-FFF2-40B4-BE49-F238E27FC236}">
+                <a16:creationId xmlns:a16="http://schemas.microsoft.com/office/drawing/2014/main" id="{E981948C-0ABC-2171-11B7-E327F8882D29}"/>
+              </a:ext>
+            </a:extLst>
+          </p:cNvPr>
+          <p:cNvSpPr/>
+          <p:nvPr/>
+        </p:nvSpPr>
+        <p:spPr>
+          <a:xfrm>
+            <a:off x="3385704" y="1154804"/>
+            <a:ext cx="1239982" cy="1014984"/>
+          </a:xfrm>
+          <a:prstGeom prst="rect">
+            <a:avLst/>
+          </a:prstGeom>
+        </p:spPr>
+        <p:style>
+          <a:lnRef idx="2">
+            <a:schemeClr val="accent2">
+              <a:shade val="15000"/>
+            </a:schemeClr>
+          </a:lnRef>
+          <a:fillRef idx="1">
+            <a:schemeClr val="accent2"/>
+          </a:fillRef>
+          <a:effectRef idx="0">
+            <a:schemeClr val="accent2"/>
+          </a:effectRef>
+          <a:fontRef idx="minor">
+            <a:schemeClr val="lt1"/>
+          </a:fontRef>
+        </p:style>
+        <p:txBody>
+          <a:bodyPr rtlCol="0" anchor="ctr"/>
+          <a:lstStyle/>
+          <a:p>
+            <a:pPr algn="ctr"/>
+            <a:r>
+              <a:rPr lang="en-US" dirty="0"/>
+              <a:t>Staging area</a:t>
+            </a:r>
+          </a:p>
+        </p:txBody>
+      </p:sp>
+      <p:sp>
+        <p:nvSpPr>
+          <p:cNvPr id="6" name="Rectangle 5">
+            <a:extLst>
+              <a:ext uri="{FF2B5EF4-FFF2-40B4-BE49-F238E27FC236}">
+                <a16:creationId xmlns:a16="http://schemas.microsoft.com/office/drawing/2014/main" id="{6C285B21-40D3-66E0-5319-B21FD02687B5}"/>
+              </a:ext>
+            </a:extLst>
+          </p:cNvPr>
+          <p:cNvSpPr/>
+          <p:nvPr/>
+        </p:nvSpPr>
+        <p:spPr>
+          <a:xfrm>
+            <a:off x="5372100" y="1154804"/>
+            <a:ext cx="1239982" cy="1014984"/>
+          </a:xfrm>
+          <a:prstGeom prst="rect">
+            <a:avLst/>
+          </a:prstGeom>
+        </p:spPr>
+        <p:style>
+          <a:lnRef idx="2">
+            <a:schemeClr val="accent3">
+              <a:shade val="15000"/>
+            </a:schemeClr>
+          </a:lnRef>
+          <a:fillRef idx="1">
+            <a:schemeClr val="accent3"/>
+          </a:fillRef>
+          <a:effectRef idx="0">
+            <a:schemeClr val="accent3"/>
+          </a:effectRef>
+          <a:fontRef idx="minor">
+            <a:schemeClr val="lt1"/>
+          </a:fontRef>
+        </p:style>
+        <p:txBody>
+          <a:bodyPr rtlCol="0" anchor="ctr"/>
+          <a:lstStyle/>
+          <a:p>
+            <a:pPr algn="ctr"/>
+            <a:r>
+              <a:rPr lang="en-US" dirty="0"/>
+              <a:t>Local branch</a:t>
+            </a:r>
+          </a:p>
+        </p:txBody>
+      </p:sp>
+      <p:sp>
+        <p:nvSpPr>
+          <p:cNvPr id="2" name="Rectangle 1">
+            <a:extLst>
+              <a:ext uri="{FF2B5EF4-FFF2-40B4-BE49-F238E27FC236}">
+                <a16:creationId xmlns:a16="http://schemas.microsoft.com/office/drawing/2014/main" id="{1405DEB7-D907-FA94-E322-8445805CD8FB}"/>
+              </a:ext>
+            </a:extLst>
+          </p:cNvPr>
+          <p:cNvSpPr/>
+          <p:nvPr/>
+        </p:nvSpPr>
+        <p:spPr>
+          <a:xfrm>
+            <a:off x="10203873" y="1154804"/>
+            <a:ext cx="1239982" cy="1014984"/>
+          </a:xfrm>
+          <a:prstGeom prst="rect">
+            <a:avLst/>
+          </a:prstGeom>
+        </p:spPr>
+        <p:style>
+          <a:lnRef idx="2">
+            <a:schemeClr val="accent5">
+              <a:shade val="15000"/>
+            </a:schemeClr>
+          </a:lnRef>
+          <a:fillRef idx="1">
+            <a:schemeClr val="accent5"/>
+          </a:fillRef>
+          <a:effectRef idx="0">
+            <a:schemeClr val="accent5"/>
+          </a:effectRef>
+          <a:fontRef idx="minor">
+            <a:schemeClr val="lt1"/>
+          </a:fontRef>
+        </p:style>
+        <p:txBody>
+          <a:bodyPr rtlCol="0" anchor="ctr"/>
+          <a:lstStyle/>
+          <a:p>
+            <a:pPr algn="ctr"/>
+            <a:r>
+              <a:rPr lang="en-US" dirty="0"/>
+              <a:t>Remote branch</a:t>
+            </a:r>
+          </a:p>
+        </p:txBody>
+      </p:sp>
+      <p:sp>
+        <p:nvSpPr>
+          <p:cNvPr id="3" name="TextBox 2">
+            <a:extLst>
+              <a:ext uri="{FF2B5EF4-FFF2-40B4-BE49-F238E27FC236}">
+                <a16:creationId xmlns:a16="http://schemas.microsoft.com/office/drawing/2014/main" id="{31F10AD4-BFE8-F9DE-8528-CA88F7C51919}"/>
+              </a:ext>
+            </a:extLst>
+          </p:cNvPr>
+          <p:cNvSpPr txBox="1"/>
+          <p:nvPr/>
+        </p:nvSpPr>
+        <p:spPr>
+          <a:xfrm>
+            <a:off x="5446396" y="785469"/>
+            <a:ext cx="1091389" cy="369332"/>
+          </a:xfrm>
+          <a:prstGeom prst="rect">
+            <a:avLst/>
+          </a:prstGeom>
+          <a:noFill/>
+        </p:spPr>
+        <p:txBody>
+          <a:bodyPr wrap="none" rtlCol="0">
+            <a:spAutoFit/>
+          </a:bodyPr>
+          <a:lstStyle/>
+          <a:p>
+            <a:r>
+              <a:rPr lang="en-US" dirty="0"/>
+              <a:t>e.g. main</a:t>
+            </a:r>
+          </a:p>
+        </p:txBody>
+      </p:sp>
+      <p:cxnSp>
+        <p:nvCxnSpPr>
+          <p:cNvPr id="9" name="Straight Connector 8">
+            <a:extLst>
+              <a:ext uri="{FF2B5EF4-FFF2-40B4-BE49-F238E27FC236}">
+                <a16:creationId xmlns:a16="http://schemas.microsoft.com/office/drawing/2014/main" id="{B0AAB30C-39D9-D90A-F297-3BE77CB5DAB0}"/>
+              </a:ext>
+            </a:extLst>
+          </p:cNvPr>
+          <p:cNvCxnSpPr>
+            <a:cxnSpLocks/>
+            <a:stCxn id="4" idx="2"/>
+          </p:cNvCxnSpPr>
+          <p:nvPr/>
+        </p:nvCxnSpPr>
+        <p:spPr>
+          <a:xfrm>
+            <a:off x="1516058" y="2173114"/>
+            <a:ext cx="1" cy="4574108"/>
+          </a:xfrm>
+          <a:prstGeom prst="line">
+            <a:avLst/>
+          </a:prstGeom>
+        </p:spPr>
+        <p:style>
+          <a:lnRef idx="2">
+            <a:schemeClr val="dk1"/>
+          </a:lnRef>
+          <a:fillRef idx="0">
+            <a:schemeClr val="dk1"/>
+          </a:fillRef>
+          <a:effectRef idx="1">
+            <a:schemeClr val="dk1"/>
+          </a:effectRef>
+          <a:fontRef idx="minor">
+            <a:schemeClr val="tx1"/>
+          </a:fontRef>
+        </p:style>
+      </p:cxnSp>
+      <p:cxnSp>
+        <p:nvCxnSpPr>
+          <p:cNvPr id="10" name="Straight Connector 9">
+            <a:extLst>
+              <a:ext uri="{FF2B5EF4-FFF2-40B4-BE49-F238E27FC236}">
+                <a16:creationId xmlns:a16="http://schemas.microsoft.com/office/drawing/2014/main" id="{473405F3-ECDA-7745-7AD8-44400016ED04}"/>
+              </a:ext>
+            </a:extLst>
+          </p:cNvPr>
+          <p:cNvCxnSpPr>
+            <a:cxnSpLocks/>
+            <a:stCxn id="5" idx="2"/>
+          </p:cNvCxnSpPr>
+          <p:nvPr/>
+        </p:nvCxnSpPr>
+        <p:spPr>
+          <a:xfrm>
+            <a:off x="4005695" y="2169788"/>
+            <a:ext cx="0" cy="4577434"/>
+          </a:xfrm>
+          <a:prstGeom prst="line">
+            <a:avLst/>
+          </a:prstGeom>
+        </p:spPr>
+        <p:style>
+          <a:lnRef idx="2">
+            <a:schemeClr val="dk1"/>
+          </a:lnRef>
+          <a:fillRef idx="0">
+            <a:schemeClr val="dk1"/>
+          </a:fillRef>
+          <a:effectRef idx="1">
+            <a:schemeClr val="dk1"/>
+          </a:effectRef>
+          <a:fontRef idx="minor">
+            <a:schemeClr val="tx1"/>
+          </a:fontRef>
+        </p:style>
+      </p:cxnSp>
+      <p:cxnSp>
+        <p:nvCxnSpPr>
+          <p:cNvPr id="11" name="Straight Connector 10">
+            <a:extLst>
+              <a:ext uri="{FF2B5EF4-FFF2-40B4-BE49-F238E27FC236}">
+                <a16:creationId xmlns:a16="http://schemas.microsoft.com/office/drawing/2014/main" id="{A28309FA-96B5-2FF1-01B3-3B7C6C555AC1}"/>
+              </a:ext>
+            </a:extLst>
+          </p:cNvPr>
+          <p:cNvCxnSpPr>
+            <a:cxnSpLocks/>
+            <a:stCxn id="6" idx="2"/>
+          </p:cNvCxnSpPr>
+          <p:nvPr/>
+        </p:nvCxnSpPr>
+        <p:spPr>
+          <a:xfrm>
+            <a:off x="5992091" y="2169788"/>
+            <a:ext cx="3462" cy="4577434"/>
+          </a:xfrm>
+          <a:prstGeom prst="line">
+            <a:avLst/>
+          </a:prstGeom>
+        </p:spPr>
+        <p:style>
+          <a:lnRef idx="2">
+            <a:schemeClr val="dk1"/>
+          </a:lnRef>
+          <a:fillRef idx="0">
+            <a:schemeClr val="dk1"/>
+          </a:fillRef>
+          <a:effectRef idx="1">
+            <a:schemeClr val="dk1"/>
+          </a:effectRef>
+          <a:fontRef idx="minor">
+            <a:schemeClr val="tx1"/>
+          </a:fontRef>
+        </p:style>
+      </p:cxnSp>
+      <p:cxnSp>
+        <p:nvCxnSpPr>
+          <p:cNvPr id="13" name="Straight Connector 12">
+            <a:extLst>
+              <a:ext uri="{FF2B5EF4-FFF2-40B4-BE49-F238E27FC236}">
+                <a16:creationId xmlns:a16="http://schemas.microsoft.com/office/drawing/2014/main" id="{37DD8772-3562-F13B-EC58-B768FEE6F40D}"/>
+              </a:ext>
+            </a:extLst>
+          </p:cNvPr>
+          <p:cNvCxnSpPr>
+            <a:cxnSpLocks/>
+            <a:stCxn id="2" idx="2"/>
+          </p:cNvCxnSpPr>
+          <p:nvPr/>
+        </p:nvCxnSpPr>
+        <p:spPr>
+          <a:xfrm>
+            <a:off x="10823864" y="2169788"/>
+            <a:ext cx="11380" cy="4577434"/>
+          </a:xfrm>
+          <a:prstGeom prst="line">
+            <a:avLst/>
+          </a:prstGeom>
+        </p:spPr>
+        <p:style>
+          <a:lnRef idx="2">
+            <a:schemeClr val="dk1"/>
+          </a:lnRef>
+          <a:fillRef idx="0">
+            <a:schemeClr val="dk1"/>
+          </a:fillRef>
+          <a:effectRef idx="1">
+            <a:schemeClr val="dk1"/>
+          </a:effectRef>
+          <a:fontRef idx="minor">
+            <a:schemeClr val="tx1"/>
+          </a:fontRef>
+        </p:style>
+      </p:cxnSp>
+      <p:sp>
+        <p:nvSpPr>
+          <p:cNvPr id="15" name="Right Arrow 14">
+            <a:extLst>
+              <a:ext uri="{FF2B5EF4-FFF2-40B4-BE49-F238E27FC236}">
+                <a16:creationId xmlns:a16="http://schemas.microsoft.com/office/drawing/2014/main" id="{3EAF88BA-D0B0-9286-92C6-E9E4A33BD692}"/>
+              </a:ext>
+            </a:extLst>
+          </p:cNvPr>
+          <p:cNvSpPr/>
+          <p:nvPr/>
+        </p:nvSpPr>
+        <p:spPr>
+          <a:xfrm>
+            <a:off x="1554990" y="2273648"/>
+            <a:ext cx="2401698" cy="506627"/>
+          </a:xfrm>
+          <a:prstGeom prst="rightArrow">
+            <a:avLst/>
+          </a:prstGeom>
+        </p:spPr>
+        <p:style>
+          <a:lnRef idx="1">
+            <a:schemeClr val="accent6"/>
+          </a:lnRef>
+          <a:fillRef idx="2">
+            <a:schemeClr val="accent6"/>
+          </a:fillRef>
+          <a:effectRef idx="1">
+            <a:schemeClr val="accent6"/>
+          </a:effectRef>
+          <a:fontRef idx="minor">
+            <a:schemeClr val="dk1"/>
+          </a:fontRef>
+        </p:style>
+        <p:txBody>
+          <a:bodyPr rtlCol="0" anchor="ctr"/>
+          <a:lstStyle/>
+          <a:p>
+            <a:pPr algn="ctr"/>
+            <a:r>
+              <a:rPr lang="en-US" dirty="0"/>
+              <a:t>git add</a:t>
+            </a:r>
+          </a:p>
+        </p:txBody>
+      </p:sp>
+      <p:sp>
+        <p:nvSpPr>
+          <p:cNvPr id="16" name="Right Arrow 15">
+            <a:extLst>
+              <a:ext uri="{FF2B5EF4-FFF2-40B4-BE49-F238E27FC236}">
+                <a16:creationId xmlns:a16="http://schemas.microsoft.com/office/drawing/2014/main" id="{B1734777-336D-4171-1286-5816E7D8DBA6}"/>
+              </a:ext>
+            </a:extLst>
+          </p:cNvPr>
+          <p:cNvSpPr/>
+          <p:nvPr/>
+        </p:nvSpPr>
+        <p:spPr>
+          <a:xfrm>
+            <a:off x="4054704" y="2796752"/>
+            <a:ext cx="1955593" cy="506627"/>
+          </a:xfrm>
+          <a:prstGeom prst="rightArrow">
+            <a:avLst/>
+          </a:prstGeom>
+        </p:spPr>
+        <p:style>
+          <a:lnRef idx="1">
+            <a:schemeClr val="accent6"/>
+          </a:lnRef>
+          <a:fillRef idx="2">
+            <a:schemeClr val="accent6"/>
+          </a:fillRef>
+          <a:effectRef idx="1">
+            <a:schemeClr val="accent6"/>
+          </a:effectRef>
+          <a:fontRef idx="minor">
+            <a:schemeClr val="dk1"/>
+          </a:fontRef>
+        </p:style>
+        <p:txBody>
+          <a:bodyPr rtlCol="0" anchor="ctr"/>
+          <a:lstStyle/>
+          <a:p>
+            <a:pPr algn="ctr"/>
+            <a:r>
+              <a:rPr lang="en-US" dirty="0"/>
+              <a:t>git commit</a:t>
+            </a:r>
+          </a:p>
+        </p:txBody>
+      </p:sp>
+      <p:grpSp>
+        <p:nvGrpSpPr>
+          <p:cNvPr id="23" name="Group 22">
+            <a:extLst>
+              <a:ext uri="{FF2B5EF4-FFF2-40B4-BE49-F238E27FC236}">
+                <a16:creationId xmlns:a16="http://schemas.microsoft.com/office/drawing/2014/main" id="{C99B1AE1-C198-0855-8B2E-E8415005B235}"/>
+              </a:ext>
+            </a:extLst>
+          </p:cNvPr>
+          <p:cNvGrpSpPr/>
+          <p:nvPr/>
+        </p:nvGrpSpPr>
+        <p:grpSpPr>
+          <a:xfrm>
+            <a:off x="6071013" y="785469"/>
+            <a:ext cx="4764227" cy="5961753"/>
+            <a:chOff x="6071013" y="785469"/>
+            <a:chExt cx="4764227" cy="5961753"/>
+          </a:xfrm>
+        </p:grpSpPr>
+        <p:grpSp>
+          <p:nvGrpSpPr>
+            <p:cNvPr id="18" name="Group 17">
+              <a:extLst>
+                <a:ext uri="{FF2B5EF4-FFF2-40B4-BE49-F238E27FC236}">
+                  <a16:creationId xmlns:a16="http://schemas.microsoft.com/office/drawing/2014/main" id="{CCD0AA89-D6F9-948E-D7D6-9F9B1E715FFD}"/>
+                </a:ext>
+              </a:extLst>
+            </p:cNvPr>
+            <p:cNvGrpSpPr/>
+            <p:nvPr/>
+          </p:nvGrpSpPr>
+          <p:grpSpPr>
+            <a:xfrm>
+              <a:off x="7290373" y="785469"/>
+              <a:ext cx="1719125" cy="5961753"/>
+              <a:chOff x="7290373" y="785469"/>
+              <a:chExt cx="1719125" cy="5961753"/>
+            </a:xfrm>
+          </p:grpSpPr>
+          <p:sp>
+            <p:nvSpPr>
+              <p:cNvPr id="7" name="Rectangle 6">
+                <a:extLst>
+                  <a:ext uri="{FF2B5EF4-FFF2-40B4-BE49-F238E27FC236}">
+                    <a16:creationId xmlns:a16="http://schemas.microsoft.com/office/drawing/2014/main" id="{C5A5D8A5-44BA-F3B9-E59C-2C0CB7A51588}"/>
+                  </a:ext>
+                </a:extLst>
+              </p:cNvPr>
+              <p:cNvSpPr/>
+              <p:nvPr/>
+            </p:nvSpPr>
+            <p:spPr>
+              <a:xfrm>
+                <a:off x="7529945" y="1154804"/>
+                <a:ext cx="1239982" cy="1014984"/>
+              </a:xfrm>
+              <a:prstGeom prst="rect">
+                <a:avLst/>
+              </a:prstGeom>
+            </p:spPr>
+            <p:style>
+              <a:lnRef idx="2">
+                <a:schemeClr val="accent4">
+                  <a:shade val="15000"/>
+                </a:schemeClr>
+              </a:lnRef>
+              <a:fillRef idx="1">
+                <a:schemeClr val="accent4"/>
+              </a:fillRef>
+              <a:effectRef idx="0">
+                <a:schemeClr val="accent4"/>
+              </a:effectRef>
+              <a:fontRef idx="minor">
+                <a:schemeClr val="lt1"/>
+              </a:fontRef>
+            </p:style>
+            <p:txBody>
+              <a:bodyPr rtlCol="0" anchor="ctr"/>
+              <a:lstStyle/>
+              <a:p>
+                <a:pPr algn="ctr"/>
+                <a:r>
+                  <a:rPr lang="en-US" dirty="0"/>
+                  <a:t>Remote tracking ref</a:t>
+                </a:r>
+              </a:p>
+            </p:txBody>
+          </p:sp>
+          <p:cxnSp>
+            <p:nvCxnSpPr>
+              <p:cNvPr id="12" name="Straight Connector 11">
+                <a:extLst>
+                  <a:ext uri="{FF2B5EF4-FFF2-40B4-BE49-F238E27FC236}">
+                    <a16:creationId xmlns:a16="http://schemas.microsoft.com/office/drawing/2014/main" id="{3D6D2342-F757-8DBD-A543-D14B262BA172}"/>
+                  </a:ext>
+                </a:extLst>
+              </p:cNvPr>
+              <p:cNvCxnSpPr>
+                <a:cxnSpLocks/>
+                <a:stCxn id="7" idx="2"/>
+              </p:cNvCxnSpPr>
+              <p:nvPr/>
+            </p:nvCxnSpPr>
+            <p:spPr>
+              <a:xfrm>
+                <a:off x="8149936" y="2169788"/>
+                <a:ext cx="0" cy="4577434"/>
+              </a:xfrm>
+              <a:prstGeom prst="line">
+                <a:avLst/>
+              </a:prstGeom>
+            </p:spPr>
+            <p:style>
+              <a:lnRef idx="2">
+                <a:schemeClr val="dk1"/>
+              </a:lnRef>
+              <a:fillRef idx="0">
+                <a:schemeClr val="dk1"/>
+              </a:fillRef>
+              <a:effectRef idx="1">
+                <a:schemeClr val="dk1"/>
+              </a:effectRef>
+              <a:fontRef idx="minor">
+                <a:schemeClr val="tx1"/>
+              </a:fontRef>
+            </p:style>
+          </p:cxnSp>
+          <p:sp>
+            <p:nvSpPr>
+              <p:cNvPr id="14" name="TextBox 13">
+                <a:extLst>
+                  <a:ext uri="{FF2B5EF4-FFF2-40B4-BE49-F238E27FC236}">
+                    <a16:creationId xmlns:a16="http://schemas.microsoft.com/office/drawing/2014/main" id="{B42E97A4-B352-96D0-68EE-518CFB373A1E}"/>
+                  </a:ext>
+                </a:extLst>
+              </p:cNvPr>
+              <p:cNvSpPr txBox="1"/>
+              <p:nvPr/>
+            </p:nvSpPr>
+            <p:spPr>
+              <a:xfrm>
+                <a:off x="7290373" y="785469"/>
+                <a:ext cx="1719125" cy="369332"/>
+              </a:xfrm>
+              <a:prstGeom prst="rect">
+                <a:avLst/>
+              </a:prstGeom>
+              <a:noFill/>
+            </p:spPr>
+            <p:txBody>
+              <a:bodyPr wrap="none" rtlCol="0">
+                <a:spAutoFit/>
+              </a:bodyPr>
+              <a:lstStyle/>
+              <a:p>
+                <a:r>
+                  <a:rPr lang="en-US" dirty="0"/>
+                  <a:t>e.g. origin/main</a:t>
+                </a:r>
+              </a:p>
+            </p:txBody>
+          </p:sp>
+        </p:grpSp>
+        <p:sp>
+          <p:nvSpPr>
+            <p:cNvPr id="17" name="Right Arrow 16">
+              <a:extLst>
+                <a:ext uri="{FF2B5EF4-FFF2-40B4-BE49-F238E27FC236}">
+                  <a16:creationId xmlns:a16="http://schemas.microsoft.com/office/drawing/2014/main" id="{2C944E85-E639-9DE9-4838-FE127B623C9F}"/>
+                </a:ext>
+              </a:extLst>
+            </p:cNvPr>
+            <p:cNvSpPr/>
+            <p:nvPr/>
+          </p:nvSpPr>
+          <p:spPr>
+            <a:xfrm>
+              <a:off x="6071013" y="3261547"/>
+              <a:ext cx="4764227" cy="506627"/>
+            </a:xfrm>
+            <a:prstGeom prst="rightArrow">
+              <a:avLst/>
+            </a:prstGeom>
+          </p:spPr>
+          <p:style>
+            <a:lnRef idx="1">
+              <a:schemeClr val="accent6"/>
+            </a:lnRef>
+            <a:fillRef idx="2">
+              <a:schemeClr val="accent6"/>
+            </a:fillRef>
+            <a:effectRef idx="1">
+              <a:schemeClr val="accent6"/>
+            </a:effectRef>
+            <a:fontRef idx="minor">
+              <a:schemeClr val="dk1"/>
+            </a:fontRef>
+          </p:style>
+          <p:txBody>
+            <a:bodyPr rtlCol="0" anchor="ctr"/>
+            <a:lstStyle/>
+            <a:p>
+              <a:pPr algn="ctr"/>
+              <a:r>
+                <a:rPr lang="en-US" dirty="0"/>
+                <a:t>git push</a:t>
+              </a:r>
+            </a:p>
+          </p:txBody>
+        </p:sp>
+      </p:grpSp>
+      <p:sp>
+        <p:nvSpPr>
+          <p:cNvPr id="25" name="TextBox 24">
+            <a:extLst>
+              <a:ext uri="{FF2B5EF4-FFF2-40B4-BE49-F238E27FC236}">
+                <a16:creationId xmlns:a16="http://schemas.microsoft.com/office/drawing/2014/main" id="{A87D6BD8-5D1B-8958-961B-0BD0784C4101}"/>
+              </a:ext>
+            </a:extLst>
+          </p:cNvPr>
+          <p:cNvSpPr txBox="1"/>
+          <p:nvPr/>
+        </p:nvSpPr>
+        <p:spPr>
+          <a:xfrm>
+            <a:off x="3135783" y="158262"/>
+            <a:ext cx="3297378" cy="369332"/>
+          </a:xfrm>
+          <a:prstGeom prst="rect">
+            <a:avLst/>
+          </a:prstGeom>
+          <a:noFill/>
+        </p:spPr>
+        <p:txBody>
+          <a:bodyPr wrap="none" rtlCol="0">
+            <a:spAutoFit/>
+          </a:bodyPr>
+          <a:lstStyle/>
+          <a:p>
+            <a:r>
+              <a:rPr lang="en-US" b="1" dirty="0"/>
+              <a:t>LOCAL REPOSITORY (“REPO”)</a:t>
+            </a:r>
+          </a:p>
+        </p:txBody>
+      </p:sp>
+      <p:sp>
+        <p:nvSpPr>
+          <p:cNvPr id="26" name="TextBox 25">
+            <a:extLst>
+              <a:ext uri="{FF2B5EF4-FFF2-40B4-BE49-F238E27FC236}">
+                <a16:creationId xmlns:a16="http://schemas.microsoft.com/office/drawing/2014/main" id="{3E08C640-A1E1-5829-7226-BDBC4ED5A24A}"/>
+              </a:ext>
+            </a:extLst>
+          </p:cNvPr>
+          <p:cNvSpPr txBox="1"/>
+          <p:nvPr/>
+        </p:nvSpPr>
+        <p:spPr>
+          <a:xfrm>
+            <a:off x="9971988" y="208786"/>
+            <a:ext cx="1702197" cy="646331"/>
+          </a:xfrm>
+          <a:prstGeom prst="rect">
+            <a:avLst/>
+          </a:prstGeom>
+          <a:noFill/>
+        </p:spPr>
+        <p:txBody>
+          <a:bodyPr wrap="none" rtlCol="0">
+            <a:spAutoFit/>
+          </a:bodyPr>
+          <a:lstStyle/>
+          <a:p>
+            <a:pPr algn="ctr"/>
+            <a:r>
+              <a:rPr lang="en-US" b="1" dirty="0"/>
+              <a:t>REMOTE REPO</a:t>
+            </a:r>
+          </a:p>
+          <a:p>
+            <a:pPr algn="ctr"/>
+            <a:r>
+              <a:rPr lang="en-US" b="1" dirty="0"/>
+              <a:t>(GITHUB)</a:t>
+            </a:r>
+          </a:p>
+        </p:txBody>
+      </p:sp>
+      <p:sp>
+        <p:nvSpPr>
+          <p:cNvPr id="8" name="TextBox 7">
+            <a:extLst>
+              <a:ext uri="{FF2B5EF4-FFF2-40B4-BE49-F238E27FC236}">
+                <a16:creationId xmlns:a16="http://schemas.microsoft.com/office/drawing/2014/main" id="{2860F25D-4E17-B784-EDE0-C43D8C53DABC}"/>
+              </a:ext>
+            </a:extLst>
+          </p:cNvPr>
+          <p:cNvSpPr txBox="1"/>
+          <p:nvPr/>
+        </p:nvSpPr>
+        <p:spPr>
+          <a:xfrm>
+            <a:off x="976184" y="5029200"/>
+            <a:ext cx="8180173" cy="1200329"/>
+          </a:xfrm>
+          <a:prstGeom prst="rect">
+            <a:avLst/>
+          </a:prstGeom>
+          <a:solidFill>
+            <a:schemeClr val="bg1"/>
+          </a:solidFill>
+          <a:ln>
+            <a:solidFill>
+              <a:schemeClr val="tx1"/>
+            </a:solidFill>
+          </a:ln>
+        </p:spPr>
+        <p:txBody>
+          <a:bodyPr wrap="square" rtlCol="0">
+            <a:spAutoFit/>
+          </a:bodyPr>
+          <a:lstStyle/>
+          <a:p>
+            <a:r>
+              <a:rPr lang="en-US" dirty="0"/>
+              <a:t>Periodically, you want to update your remote repository with the changes you have been making.</a:t>
+            </a:r>
+          </a:p>
+          <a:p>
+            <a:endParaRPr lang="en-US" dirty="0"/>
+          </a:p>
+          <a:p>
+            <a:r>
+              <a:rPr lang="en-US" dirty="0"/>
+              <a:t>We do that with “git push” </a:t>
+            </a:r>
+          </a:p>
+        </p:txBody>
+      </p:sp>
+    </p:spTree>
+    <p:extLst>
+      <p:ext uri="{BB962C8B-B14F-4D97-AF65-F5344CB8AC3E}">
+        <p14:creationId xmlns:p14="http://schemas.microsoft.com/office/powerpoint/2010/main" val="2566216467"/>
+      </p:ext>
+    </p:extLst>
+  </p:cSld>
+  <p:clrMapOvr>
+    <a:masterClrMapping/>
+  </p:clrMapOvr>
+</p:sld>
+</file>
+
+<file path=ppt/slides/slide8.xml><?xml version="1.0" encoding="utf-8"?>
+<p:sld xmlns:a="http://schemas.openxmlformats.org/drawingml/2006/main" xmlns:r="http://schemas.openxmlformats.org/officeDocument/2006/relationships" xmlns:p="http://schemas.openxmlformats.org/presentationml/2006/main">
+  <p:cSld>
+    <p:spTree>
+      <p:nvGrpSpPr>
+        <p:cNvPr id="1" name="">
+          <a:extLst>
+            <a:ext uri="{FF2B5EF4-FFF2-40B4-BE49-F238E27FC236}">
+              <a16:creationId xmlns:a16="http://schemas.microsoft.com/office/drawing/2014/main" id="{C6A01FB1-15A4-5B9B-57F1-CB416D897FDE}"/>
+            </a:ext>
+          </a:extLst>
+        </p:cNvPr>
+        <p:cNvGrpSpPr/>
+        <p:nvPr/>
+      </p:nvGrpSpPr>
+      <p:grpSpPr>
+        <a:xfrm>
+          <a:off x="0" y="0"/>
+          <a:ext cx="0" cy="0"/>
+          <a:chOff x="0" y="0"/>
+          <a:chExt cx="0" cy="0"/>
+        </a:xfrm>
+      </p:grpSpPr>
+      <p:sp>
+        <p:nvSpPr>
+          <p:cNvPr id="24" name="Rectangle 23">
+            <a:extLst>
+              <a:ext uri="{FF2B5EF4-FFF2-40B4-BE49-F238E27FC236}">
+                <a16:creationId xmlns:a16="http://schemas.microsoft.com/office/drawing/2014/main" id="{FD862456-4752-8A47-614B-FA3321ED58E4}"/>
+              </a:ext>
+            </a:extLst>
+          </p:cNvPr>
+          <p:cNvSpPr/>
+          <p:nvPr/>
+        </p:nvSpPr>
+        <p:spPr>
+          <a:xfrm>
+            <a:off x="9625914" y="98854"/>
+            <a:ext cx="2347783" cy="6722081"/>
+          </a:xfrm>
+          <a:prstGeom prst="rect">
+            <a:avLst/>
+          </a:prstGeom>
+          <a:solidFill>
+            <a:schemeClr val="bg1">
+              <a:lumMod val="65000"/>
+            </a:schemeClr>
+          </a:solidFill>
+          <a:ln>
+            <a:noFill/>
+          </a:ln>
+        </p:spPr>
+        <p:style>
+          <a:lnRef idx="2">
+            <a:schemeClr val="accent1">
+              <a:shade val="15000"/>
+            </a:schemeClr>
+          </a:lnRef>
+          <a:fillRef idx="1">
+            <a:schemeClr val="accent1"/>
+          </a:fillRef>
+          <a:effectRef idx="0">
+            <a:schemeClr val="accent1"/>
+          </a:effectRef>
+          <a:fontRef idx="minor">
+            <a:schemeClr val="lt1"/>
+          </a:fontRef>
+        </p:style>
+        <p:txBody>
+          <a:bodyPr rtlCol="0" anchor="ctr"/>
+          <a:lstStyle/>
+          <a:p>
+            <a:pPr algn="ctr"/>
+            <a:endParaRPr lang="en-US"/>
+          </a:p>
+        </p:txBody>
+      </p:sp>
+      <p:sp>
+        <p:nvSpPr>
+          <p:cNvPr id="4" name="Rectangle 3">
+            <a:extLst>
+              <a:ext uri="{FF2B5EF4-FFF2-40B4-BE49-F238E27FC236}">
+                <a16:creationId xmlns:a16="http://schemas.microsoft.com/office/drawing/2014/main" id="{CB8089F0-F8E5-8792-2144-C0952AAAB77A}"/>
+              </a:ext>
+            </a:extLst>
+          </p:cNvPr>
+          <p:cNvSpPr/>
+          <p:nvPr/>
+        </p:nvSpPr>
+        <p:spPr>
+          <a:xfrm>
+            <a:off x="748145" y="1154805"/>
+            <a:ext cx="1535826" cy="1018309"/>
+          </a:xfrm>
+          <a:prstGeom prst="rect">
+            <a:avLst/>
+          </a:prstGeom>
+        </p:spPr>
+        <p:style>
+          <a:lnRef idx="2">
+            <a:schemeClr val="accent1">
+              <a:shade val="15000"/>
+            </a:schemeClr>
+          </a:lnRef>
+          <a:fillRef idx="1">
+            <a:schemeClr val="accent1"/>
+          </a:fillRef>
+          <a:effectRef idx="0">
+            <a:schemeClr val="accent1"/>
+          </a:effectRef>
+          <a:fontRef idx="minor">
+            <a:schemeClr val="lt1"/>
+          </a:fontRef>
+        </p:style>
+        <p:txBody>
+          <a:bodyPr rtlCol="0" anchor="ctr"/>
+          <a:lstStyle/>
+          <a:p>
+            <a:pPr algn="ctr"/>
+            <a:r>
+              <a:rPr lang="en-US" dirty="0"/>
+              <a:t>Working branch</a:t>
+            </a:r>
+          </a:p>
+        </p:txBody>
+      </p:sp>
+      <p:sp>
+        <p:nvSpPr>
+          <p:cNvPr id="5" name="Rectangle 4">
+            <a:extLst>
+              <a:ext uri="{FF2B5EF4-FFF2-40B4-BE49-F238E27FC236}">
+                <a16:creationId xmlns:a16="http://schemas.microsoft.com/office/drawing/2014/main" id="{7917B680-CEDF-B80E-A132-A4D3393F371B}"/>
+              </a:ext>
+            </a:extLst>
+          </p:cNvPr>
+          <p:cNvSpPr/>
+          <p:nvPr/>
+        </p:nvSpPr>
+        <p:spPr>
+          <a:xfrm>
+            <a:off x="3385704" y="1154804"/>
+            <a:ext cx="1239982" cy="1014984"/>
+          </a:xfrm>
+          <a:prstGeom prst="rect">
+            <a:avLst/>
+          </a:prstGeom>
+        </p:spPr>
+        <p:style>
+          <a:lnRef idx="2">
+            <a:schemeClr val="accent2">
+              <a:shade val="15000"/>
+            </a:schemeClr>
+          </a:lnRef>
+          <a:fillRef idx="1">
+            <a:schemeClr val="accent2"/>
+          </a:fillRef>
+          <a:effectRef idx="0">
+            <a:schemeClr val="accent2"/>
+          </a:effectRef>
+          <a:fontRef idx="minor">
+            <a:schemeClr val="lt1"/>
+          </a:fontRef>
+        </p:style>
+        <p:txBody>
+          <a:bodyPr rtlCol="0" anchor="ctr"/>
+          <a:lstStyle/>
+          <a:p>
+            <a:pPr algn="ctr"/>
+            <a:r>
+              <a:rPr lang="en-US" dirty="0"/>
+              <a:t>Staging area</a:t>
+            </a:r>
+          </a:p>
+        </p:txBody>
+      </p:sp>
+      <p:sp>
+        <p:nvSpPr>
+          <p:cNvPr id="6" name="Rectangle 5">
+            <a:extLst>
+              <a:ext uri="{FF2B5EF4-FFF2-40B4-BE49-F238E27FC236}">
+                <a16:creationId xmlns:a16="http://schemas.microsoft.com/office/drawing/2014/main" id="{B5DC54C4-F84D-B8F4-C3B8-0CFF5BE2678A}"/>
+              </a:ext>
+            </a:extLst>
+          </p:cNvPr>
+          <p:cNvSpPr/>
+          <p:nvPr/>
+        </p:nvSpPr>
+        <p:spPr>
+          <a:xfrm>
+            <a:off x="5372100" y="1154804"/>
+            <a:ext cx="1239982" cy="1014984"/>
+          </a:xfrm>
+          <a:prstGeom prst="rect">
+            <a:avLst/>
+          </a:prstGeom>
+        </p:spPr>
+        <p:style>
+          <a:lnRef idx="2">
+            <a:schemeClr val="accent3">
+              <a:shade val="15000"/>
+            </a:schemeClr>
+          </a:lnRef>
+          <a:fillRef idx="1">
+            <a:schemeClr val="accent3"/>
+          </a:fillRef>
+          <a:effectRef idx="0">
+            <a:schemeClr val="accent3"/>
+          </a:effectRef>
+          <a:fontRef idx="minor">
+            <a:schemeClr val="lt1"/>
+          </a:fontRef>
+        </p:style>
+        <p:txBody>
+          <a:bodyPr rtlCol="0" anchor="ctr"/>
+          <a:lstStyle/>
+          <a:p>
+            <a:pPr algn="ctr"/>
+            <a:r>
+              <a:rPr lang="en-US" dirty="0"/>
+              <a:t>Local branch</a:t>
+            </a:r>
+          </a:p>
+        </p:txBody>
+      </p:sp>
+      <p:sp>
+        <p:nvSpPr>
+          <p:cNvPr id="7" name="Rectangle 6">
+            <a:extLst>
+              <a:ext uri="{FF2B5EF4-FFF2-40B4-BE49-F238E27FC236}">
+                <a16:creationId xmlns:a16="http://schemas.microsoft.com/office/drawing/2014/main" id="{C0674F9E-5DA9-367C-C2DF-33BE8710ACD4}"/>
+              </a:ext>
+            </a:extLst>
+          </p:cNvPr>
+          <p:cNvSpPr/>
+          <p:nvPr/>
+        </p:nvSpPr>
+        <p:spPr>
+          <a:xfrm>
+            <a:off x="7529945" y="1154804"/>
+            <a:ext cx="1239982" cy="1014984"/>
+          </a:xfrm>
+          <a:prstGeom prst="rect">
+            <a:avLst/>
+          </a:prstGeom>
+        </p:spPr>
+        <p:style>
+          <a:lnRef idx="2">
+            <a:schemeClr val="accent4">
+              <a:shade val="15000"/>
+            </a:schemeClr>
+          </a:lnRef>
+          <a:fillRef idx="1">
+            <a:schemeClr val="accent4"/>
+          </a:fillRef>
+          <a:effectRef idx="0">
+            <a:schemeClr val="accent4"/>
+          </a:effectRef>
+          <a:fontRef idx="minor">
+            <a:schemeClr val="lt1"/>
+          </a:fontRef>
+        </p:style>
+        <p:txBody>
+          <a:bodyPr rtlCol="0" anchor="ctr"/>
+          <a:lstStyle/>
+          <a:p>
+            <a:pPr algn="ctr"/>
+            <a:r>
+              <a:rPr lang="en-US" dirty="0"/>
+              <a:t>Remote tracking ref</a:t>
+            </a:r>
+          </a:p>
+        </p:txBody>
+      </p:sp>
+      <p:sp>
+        <p:nvSpPr>
+          <p:cNvPr id="2" name="Rectangle 1">
+            <a:extLst>
+              <a:ext uri="{FF2B5EF4-FFF2-40B4-BE49-F238E27FC236}">
+                <a16:creationId xmlns:a16="http://schemas.microsoft.com/office/drawing/2014/main" id="{121E721A-CD68-C025-79C0-EB21E659DC28}"/>
+              </a:ext>
+            </a:extLst>
+          </p:cNvPr>
+          <p:cNvSpPr/>
+          <p:nvPr/>
+        </p:nvSpPr>
+        <p:spPr>
+          <a:xfrm>
+            <a:off x="10203873" y="1154804"/>
+            <a:ext cx="1239982" cy="1014984"/>
+          </a:xfrm>
+          <a:prstGeom prst="rect">
+            <a:avLst/>
+          </a:prstGeom>
+        </p:spPr>
+        <p:style>
+          <a:lnRef idx="2">
+            <a:schemeClr val="accent5">
+              <a:shade val="15000"/>
+            </a:schemeClr>
+          </a:lnRef>
+          <a:fillRef idx="1">
+            <a:schemeClr val="accent5"/>
+          </a:fillRef>
+          <a:effectRef idx="0">
+            <a:schemeClr val="accent5"/>
+          </a:effectRef>
+          <a:fontRef idx="minor">
+            <a:schemeClr val="lt1"/>
+          </a:fontRef>
+        </p:style>
+        <p:txBody>
+          <a:bodyPr rtlCol="0" anchor="ctr"/>
+          <a:lstStyle/>
+          <a:p>
+            <a:pPr algn="ctr"/>
+            <a:r>
+              <a:rPr lang="en-US" dirty="0"/>
+              <a:t>Remote branch</a:t>
+            </a:r>
+          </a:p>
+        </p:txBody>
+      </p:sp>
+      <p:sp>
+        <p:nvSpPr>
+          <p:cNvPr id="3" name="TextBox 2">
+            <a:extLst>
+              <a:ext uri="{FF2B5EF4-FFF2-40B4-BE49-F238E27FC236}">
+                <a16:creationId xmlns:a16="http://schemas.microsoft.com/office/drawing/2014/main" id="{713AEC6A-8091-0DCB-4EE5-F34731FBC452}"/>
+              </a:ext>
+            </a:extLst>
+          </p:cNvPr>
+          <p:cNvSpPr txBox="1"/>
+          <p:nvPr/>
+        </p:nvSpPr>
+        <p:spPr>
+          <a:xfrm>
+            <a:off x="5446396" y="785469"/>
+            <a:ext cx="1091389" cy="369332"/>
+          </a:xfrm>
+          <a:prstGeom prst="rect">
+            <a:avLst/>
+          </a:prstGeom>
+          <a:noFill/>
+        </p:spPr>
+        <p:txBody>
+          <a:bodyPr wrap="none" rtlCol="0">
+            <a:spAutoFit/>
+          </a:bodyPr>
+          <a:lstStyle/>
+          <a:p>
+            <a:r>
+              <a:rPr lang="en-US" dirty="0"/>
+              <a:t>e.g. main</a:t>
+            </a:r>
+          </a:p>
+        </p:txBody>
+      </p:sp>
+      <p:cxnSp>
+        <p:nvCxnSpPr>
+          <p:cNvPr id="9" name="Straight Connector 8">
+            <a:extLst>
+              <a:ext uri="{FF2B5EF4-FFF2-40B4-BE49-F238E27FC236}">
+                <a16:creationId xmlns:a16="http://schemas.microsoft.com/office/drawing/2014/main" id="{C3C4414D-0151-5F6B-D8D2-B088F8188248}"/>
+              </a:ext>
+            </a:extLst>
+          </p:cNvPr>
+          <p:cNvCxnSpPr>
+            <a:cxnSpLocks/>
+            <a:stCxn id="4" idx="2"/>
+          </p:cNvCxnSpPr>
+          <p:nvPr/>
+        </p:nvCxnSpPr>
+        <p:spPr>
+          <a:xfrm>
+            <a:off x="1516058" y="2173114"/>
+            <a:ext cx="1" cy="4574108"/>
+          </a:xfrm>
+          <a:prstGeom prst="line">
+            <a:avLst/>
+          </a:prstGeom>
+        </p:spPr>
+        <p:style>
+          <a:lnRef idx="2">
+            <a:schemeClr val="dk1"/>
+          </a:lnRef>
+          <a:fillRef idx="0">
+            <a:schemeClr val="dk1"/>
+          </a:fillRef>
+          <a:effectRef idx="1">
+            <a:schemeClr val="dk1"/>
+          </a:effectRef>
+          <a:fontRef idx="minor">
+            <a:schemeClr val="tx1"/>
+          </a:fontRef>
+        </p:style>
+      </p:cxnSp>
+      <p:cxnSp>
+        <p:nvCxnSpPr>
+          <p:cNvPr id="10" name="Straight Connector 9">
+            <a:extLst>
+              <a:ext uri="{FF2B5EF4-FFF2-40B4-BE49-F238E27FC236}">
+                <a16:creationId xmlns:a16="http://schemas.microsoft.com/office/drawing/2014/main" id="{BFF5369B-AEFA-DE59-B563-9F8462F3A36B}"/>
+              </a:ext>
+            </a:extLst>
+          </p:cNvPr>
+          <p:cNvCxnSpPr>
+            <a:cxnSpLocks/>
+            <a:stCxn id="5" idx="2"/>
+          </p:cNvCxnSpPr>
+          <p:nvPr/>
+        </p:nvCxnSpPr>
+        <p:spPr>
+          <a:xfrm>
+            <a:off x="4005695" y="2169788"/>
+            <a:ext cx="0" cy="4577434"/>
+          </a:xfrm>
+          <a:prstGeom prst="line">
+            <a:avLst/>
+          </a:prstGeom>
+        </p:spPr>
+        <p:style>
+          <a:lnRef idx="2">
+            <a:schemeClr val="dk1"/>
+          </a:lnRef>
+          <a:fillRef idx="0">
+            <a:schemeClr val="dk1"/>
+          </a:fillRef>
+          <a:effectRef idx="1">
+            <a:schemeClr val="dk1"/>
+          </a:effectRef>
+          <a:fontRef idx="minor">
+            <a:schemeClr val="tx1"/>
+          </a:fontRef>
+        </p:style>
+      </p:cxnSp>
+      <p:cxnSp>
+        <p:nvCxnSpPr>
+          <p:cNvPr id="11" name="Straight Connector 10">
+            <a:extLst>
+              <a:ext uri="{FF2B5EF4-FFF2-40B4-BE49-F238E27FC236}">
+                <a16:creationId xmlns:a16="http://schemas.microsoft.com/office/drawing/2014/main" id="{465EC3B8-FDF1-3D5A-9A93-0008284C74F9}"/>
+              </a:ext>
+            </a:extLst>
+          </p:cNvPr>
+          <p:cNvCxnSpPr>
+            <a:cxnSpLocks/>
+            <a:stCxn id="6" idx="2"/>
+          </p:cNvCxnSpPr>
+          <p:nvPr/>
+        </p:nvCxnSpPr>
+        <p:spPr>
+          <a:xfrm>
+            <a:off x="5992091" y="2169788"/>
+            <a:ext cx="3462" cy="4577434"/>
+          </a:xfrm>
+          <a:prstGeom prst="line">
+            <a:avLst/>
+          </a:prstGeom>
+        </p:spPr>
+        <p:style>
+          <a:lnRef idx="2">
+            <a:schemeClr val="dk1"/>
+          </a:lnRef>
+          <a:fillRef idx="0">
+            <a:schemeClr val="dk1"/>
+          </a:fillRef>
+          <a:effectRef idx="1">
+            <a:schemeClr val="dk1"/>
+          </a:effectRef>
+          <a:fontRef idx="minor">
+            <a:schemeClr val="tx1"/>
+          </a:fontRef>
+        </p:style>
+      </p:cxnSp>
+      <p:cxnSp>
+        <p:nvCxnSpPr>
+          <p:cNvPr id="12" name="Straight Connector 11">
+            <a:extLst>
+              <a:ext uri="{FF2B5EF4-FFF2-40B4-BE49-F238E27FC236}">
+                <a16:creationId xmlns:a16="http://schemas.microsoft.com/office/drawing/2014/main" id="{8BE1A16C-EFC2-3823-69DA-599244403C34}"/>
+              </a:ext>
+            </a:extLst>
+          </p:cNvPr>
+          <p:cNvCxnSpPr>
+            <a:cxnSpLocks/>
+            <a:stCxn id="7" idx="2"/>
+          </p:cNvCxnSpPr>
+          <p:nvPr/>
+        </p:nvCxnSpPr>
+        <p:spPr>
+          <a:xfrm>
+            <a:off x="8149936" y="2169788"/>
+            <a:ext cx="0" cy="4577434"/>
+          </a:xfrm>
+          <a:prstGeom prst="line">
+            <a:avLst/>
+          </a:prstGeom>
+        </p:spPr>
+        <p:style>
+          <a:lnRef idx="2">
+            <a:schemeClr val="dk1"/>
+          </a:lnRef>
+          <a:fillRef idx="0">
+            <a:schemeClr val="dk1"/>
+          </a:fillRef>
+          <a:effectRef idx="1">
+            <a:schemeClr val="dk1"/>
+          </a:effectRef>
+          <a:fontRef idx="minor">
+            <a:schemeClr val="tx1"/>
+          </a:fontRef>
+        </p:style>
+      </p:cxnSp>
+      <p:cxnSp>
+        <p:nvCxnSpPr>
+          <p:cNvPr id="13" name="Straight Connector 12">
+            <a:extLst>
+              <a:ext uri="{FF2B5EF4-FFF2-40B4-BE49-F238E27FC236}">
+                <a16:creationId xmlns:a16="http://schemas.microsoft.com/office/drawing/2014/main" id="{BBA420C7-A8DD-5673-D9F9-00C85E388BF7}"/>
+              </a:ext>
+            </a:extLst>
+          </p:cNvPr>
+          <p:cNvCxnSpPr>
+            <a:cxnSpLocks/>
+            <a:stCxn id="2" idx="2"/>
+          </p:cNvCxnSpPr>
+          <p:nvPr/>
+        </p:nvCxnSpPr>
+        <p:spPr>
+          <a:xfrm>
+            <a:off x="10823864" y="2169788"/>
+            <a:ext cx="11380" cy="4577434"/>
+          </a:xfrm>
+          <a:prstGeom prst="line">
+            <a:avLst/>
+          </a:prstGeom>
+        </p:spPr>
+        <p:style>
+          <a:lnRef idx="2">
+            <a:schemeClr val="dk1"/>
+          </a:lnRef>
+          <a:fillRef idx="0">
+            <a:schemeClr val="dk1"/>
+          </a:fillRef>
+          <a:effectRef idx="1">
+            <a:schemeClr val="dk1"/>
+          </a:effectRef>
+          <a:fontRef idx="minor">
+            <a:schemeClr val="tx1"/>
+          </a:fontRef>
+        </p:style>
+      </p:cxnSp>
+      <p:sp>
+        <p:nvSpPr>
+          <p:cNvPr id="14" name="TextBox 13">
+            <a:extLst>
+              <a:ext uri="{FF2B5EF4-FFF2-40B4-BE49-F238E27FC236}">
+                <a16:creationId xmlns:a16="http://schemas.microsoft.com/office/drawing/2014/main" id="{4CCF05A3-7347-AC95-15B1-75FF57E3D425}"/>
+              </a:ext>
+            </a:extLst>
+          </p:cNvPr>
+          <p:cNvSpPr txBox="1"/>
+          <p:nvPr/>
+        </p:nvSpPr>
+        <p:spPr>
+          <a:xfrm>
+            <a:off x="7290373" y="785469"/>
+            <a:ext cx="1719125" cy="369332"/>
+          </a:xfrm>
+          <a:prstGeom prst="rect">
+            <a:avLst/>
+          </a:prstGeom>
+          <a:noFill/>
+        </p:spPr>
+        <p:txBody>
+          <a:bodyPr wrap="none" rtlCol="0">
+            <a:spAutoFit/>
+          </a:bodyPr>
+          <a:lstStyle/>
+          <a:p>
+            <a:r>
+              <a:rPr lang="en-US" dirty="0"/>
+              <a:t>e.g. origin/main</a:t>
+            </a:r>
+          </a:p>
+        </p:txBody>
+      </p:sp>
+      <p:sp>
+        <p:nvSpPr>
+          <p:cNvPr id="15" name="Right Arrow 14">
+            <a:extLst>
+              <a:ext uri="{FF2B5EF4-FFF2-40B4-BE49-F238E27FC236}">
+                <a16:creationId xmlns:a16="http://schemas.microsoft.com/office/drawing/2014/main" id="{5591993B-A00D-460A-FF5C-D2F5D8DF5D9D}"/>
+              </a:ext>
+            </a:extLst>
+          </p:cNvPr>
+          <p:cNvSpPr/>
+          <p:nvPr/>
+        </p:nvSpPr>
+        <p:spPr>
+          <a:xfrm>
+            <a:off x="1554990" y="2273648"/>
+            <a:ext cx="2401698" cy="506627"/>
+          </a:xfrm>
+          <a:prstGeom prst="rightArrow">
+            <a:avLst/>
+          </a:prstGeom>
+          <a:solidFill>
+            <a:schemeClr val="bg1">
+              <a:lumMod val="85000"/>
+            </a:schemeClr>
+          </a:solidFill>
+          <a:ln>
+            <a:solidFill>
+              <a:schemeClr val="bg1">
+                <a:lumMod val="75000"/>
+              </a:schemeClr>
+            </a:solidFill>
+          </a:ln>
+        </p:spPr>
+        <p:style>
+          <a:lnRef idx="1">
+            <a:schemeClr val="accent6"/>
+          </a:lnRef>
+          <a:fillRef idx="2">
+            <a:schemeClr val="accent6"/>
+          </a:fillRef>
+          <a:effectRef idx="1">
+            <a:schemeClr val="accent6"/>
+          </a:effectRef>
+          <a:fontRef idx="minor">
+            <a:schemeClr val="dk1"/>
+          </a:fontRef>
+        </p:style>
+        <p:txBody>
+          <a:bodyPr rtlCol="0" anchor="ctr"/>
+          <a:lstStyle/>
+          <a:p>
+            <a:pPr algn="ctr"/>
+            <a:r>
+              <a:rPr lang="en-US" dirty="0">
+                <a:solidFill>
+                  <a:schemeClr val="bg1">
+                    <a:lumMod val="65000"/>
+                  </a:schemeClr>
+                </a:solidFill>
+              </a:rPr>
+              <a:t>git add</a:t>
+            </a:r>
+          </a:p>
+        </p:txBody>
+      </p:sp>
+      <p:sp>
+        <p:nvSpPr>
+          <p:cNvPr id="16" name="Right Arrow 15">
+            <a:extLst>
+              <a:ext uri="{FF2B5EF4-FFF2-40B4-BE49-F238E27FC236}">
+                <a16:creationId xmlns:a16="http://schemas.microsoft.com/office/drawing/2014/main" id="{E5908162-E08F-D35D-9F31-8BBB408B3583}"/>
+              </a:ext>
+            </a:extLst>
+          </p:cNvPr>
+          <p:cNvSpPr/>
+          <p:nvPr/>
+        </p:nvSpPr>
+        <p:spPr>
+          <a:xfrm>
+            <a:off x="4054704" y="2796752"/>
+            <a:ext cx="1955593" cy="506627"/>
+          </a:xfrm>
+          <a:prstGeom prst="rightArrow">
+            <a:avLst/>
+          </a:prstGeom>
+          <a:solidFill>
+            <a:schemeClr val="bg1">
+              <a:lumMod val="85000"/>
+            </a:schemeClr>
+          </a:solidFill>
+          <a:ln>
+            <a:solidFill>
+              <a:schemeClr val="bg1">
+                <a:lumMod val="75000"/>
+              </a:schemeClr>
+            </a:solidFill>
+          </a:ln>
+        </p:spPr>
+        <p:style>
+          <a:lnRef idx="1">
+            <a:schemeClr val="accent6"/>
+          </a:lnRef>
+          <a:fillRef idx="2">
+            <a:schemeClr val="accent6"/>
+          </a:fillRef>
+          <a:effectRef idx="1">
+            <a:schemeClr val="accent6"/>
+          </a:effectRef>
+          <a:fontRef idx="minor">
+            <a:schemeClr val="dk1"/>
+          </a:fontRef>
+        </p:style>
+        <p:txBody>
+          <a:bodyPr rtlCol="0" anchor="ctr"/>
+          <a:lstStyle/>
+          <a:p>
+            <a:pPr algn="ctr"/>
+            <a:r>
+              <a:rPr lang="en-US" dirty="0">
+                <a:solidFill>
+                  <a:schemeClr val="bg1">
+                    <a:lumMod val="65000"/>
+                  </a:schemeClr>
+                </a:solidFill>
+              </a:rPr>
+              <a:t>git commit</a:t>
+            </a:r>
+          </a:p>
+        </p:txBody>
+      </p:sp>
+      <p:sp>
+        <p:nvSpPr>
+          <p:cNvPr id="17" name="Right Arrow 16">
+            <a:extLst>
+              <a:ext uri="{FF2B5EF4-FFF2-40B4-BE49-F238E27FC236}">
+                <a16:creationId xmlns:a16="http://schemas.microsoft.com/office/drawing/2014/main" id="{A018255B-6052-706D-E820-8AA3B5176673}"/>
+              </a:ext>
+            </a:extLst>
+          </p:cNvPr>
+          <p:cNvSpPr/>
+          <p:nvPr/>
+        </p:nvSpPr>
+        <p:spPr>
+          <a:xfrm>
+            <a:off x="6071013" y="3261547"/>
+            <a:ext cx="4764227" cy="506627"/>
+          </a:xfrm>
+          <a:prstGeom prst="rightArrow">
+            <a:avLst/>
+          </a:prstGeom>
+          <a:solidFill>
+            <a:schemeClr val="bg1">
+              <a:lumMod val="85000"/>
+            </a:schemeClr>
+          </a:solidFill>
+          <a:ln>
+            <a:solidFill>
+              <a:schemeClr val="bg1">
+                <a:lumMod val="75000"/>
+              </a:schemeClr>
+            </a:solidFill>
+          </a:ln>
+        </p:spPr>
+        <p:style>
+          <a:lnRef idx="1">
+            <a:schemeClr val="accent6"/>
+          </a:lnRef>
+          <a:fillRef idx="2">
+            <a:schemeClr val="accent6"/>
+          </a:fillRef>
+          <a:effectRef idx="1">
+            <a:schemeClr val="accent6"/>
+          </a:effectRef>
+          <a:fontRef idx="minor">
+            <a:schemeClr val="dk1"/>
+          </a:fontRef>
+        </p:style>
+        <p:txBody>
+          <a:bodyPr rtlCol="0" anchor="ctr"/>
+          <a:lstStyle/>
+          <a:p>
+            <a:pPr algn="ctr"/>
+            <a:r>
+              <a:rPr lang="en-US" dirty="0">
+                <a:solidFill>
+                  <a:schemeClr val="bg1">
+                    <a:lumMod val="65000"/>
+                  </a:schemeClr>
+                </a:solidFill>
+              </a:rPr>
+              <a:t>git push</a:t>
+            </a:r>
+          </a:p>
+        </p:txBody>
+      </p:sp>
+      <p:sp>
+        <p:nvSpPr>
+          <p:cNvPr id="19" name="Right Arrow 18">
+            <a:extLst>
+              <a:ext uri="{FF2B5EF4-FFF2-40B4-BE49-F238E27FC236}">
+                <a16:creationId xmlns:a16="http://schemas.microsoft.com/office/drawing/2014/main" id="{92D00D37-688D-90A1-EC49-17167D82AFC3}"/>
+              </a:ext>
+            </a:extLst>
+          </p:cNvPr>
+          <p:cNvSpPr/>
+          <p:nvPr/>
+        </p:nvSpPr>
+        <p:spPr>
+          <a:xfrm flipH="1">
+            <a:off x="8159367" y="3842028"/>
+            <a:ext cx="2647577" cy="506627"/>
+          </a:xfrm>
+          <a:prstGeom prst="rightArrow">
+            <a:avLst/>
+          </a:prstGeom>
+        </p:spPr>
+        <p:style>
+          <a:lnRef idx="1">
+            <a:schemeClr val="accent6"/>
+          </a:lnRef>
+          <a:fillRef idx="2">
+            <a:schemeClr val="accent6"/>
+          </a:fillRef>
+          <a:effectRef idx="1">
+            <a:schemeClr val="accent6"/>
+          </a:effectRef>
+          <a:fontRef idx="minor">
+            <a:schemeClr val="dk1"/>
+          </a:fontRef>
+        </p:style>
+        <p:txBody>
+          <a:bodyPr rtlCol="0" anchor="ctr"/>
+          <a:lstStyle/>
+          <a:p>
+            <a:pPr algn="ctr"/>
+            <a:r>
+              <a:rPr lang="en-US" dirty="0"/>
+              <a:t>git fetch</a:t>
+            </a:r>
+          </a:p>
+        </p:txBody>
+      </p:sp>
+      <p:sp>
+        <p:nvSpPr>
+          <p:cNvPr id="20" name="Right Arrow 19">
+            <a:extLst>
+              <a:ext uri="{FF2B5EF4-FFF2-40B4-BE49-F238E27FC236}">
+                <a16:creationId xmlns:a16="http://schemas.microsoft.com/office/drawing/2014/main" id="{3A34C760-8CF7-DA57-AFD8-355F360208DC}"/>
+              </a:ext>
+            </a:extLst>
+          </p:cNvPr>
+          <p:cNvSpPr/>
+          <p:nvPr/>
+        </p:nvSpPr>
+        <p:spPr>
+          <a:xfrm flipH="1">
+            <a:off x="1532979" y="4832475"/>
+            <a:ext cx="9250980" cy="506627"/>
+          </a:xfrm>
+          <a:prstGeom prst="rightArrow">
+            <a:avLst/>
+          </a:prstGeom>
+        </p:spPr>
+        <p:style>
+          <a:lnRef idx="1">
+            <a:schemeClr val="accent6"/>
+          </a:lnRef>
+          <a:fillRef idx="2">
+            <a:schemeClr val="accent6"/>
+          </a:fillRef>
+          <a:effectRef idx="1">
+            <a:schemeClr val="accent6"/>
+          </a:effectRef>
+          <a:fontRef idx="minor">
+            <a:schemeClr val="dk1"/>
+          </a:fontRef>
+        </p:style>
+        <p:txBody>
+          <a:bodyPr rtlCol="0" anchor="ctr"/>
+          <a:lstStyle/>
+          <a:p>
+            <a:pPr algn="ctr"/>
+            <a:r>
+              <a:rPr lang="en-US" dirty="0"/>
+              <a:t>git pull</a:t>
+            </a:r>
+          </a:p>
+        </p:txBody>
+      </p:sp>
+      <p:sp>
+        <p:nvSpPr>
+          <p:cNvPr id="22" name="Right Arrow 21">
+            <a:extLst>
+              <a:ext uri="{FF2B5EF4-FFF2-40B4-BE49-F238E27FC236}">
+                <a16:creationId xmlns:a16="http://schemas.microsoft.com/office/drawing/2014/main" id="{D6214B6D-5EC1-0F5C-EE6C-EC8E4420B8AF}"/>
+              </a:ext>
+            </a:extLst>
+          </p:cNvPr>
+          <p:cNvSpPr/>
+          <p:nvPr/>
+        </p:nvSpPr>
+        <p:spPr>
+          <a:xfrm flipH="1">
+            <a:off x="1554990" y="4267120"/>
+            <a:ext cx="6556016" cy="506627"/>
+          </a:xfrm>
+          <a:prstGeom prst="rightArrow">
+            <a:avLst/>
+          </a:prstGeom>
+        </p:spPr>
+        <p:style>
+          <a:lnRef idx="1">
+            <a:schemeClr val="accent6"/>
+          </a:lnRef>
+          <a:fillRef idx="2">
+            <a:schemeClr val="accent6"/>
+          </a:fillRef>
+          <a:effectRef idx="1">
+            <a:schemeClr val="accent6"/>
+          </a:effectRef>
+          <a:fontRef idx="minor">
+            <a:schemeClr val="dk1"/>
+          </a:fontRef>
+        </p:style>
+        <p:txBody>
+          <a:bodyPr rtlCol="0" anchor="ctr"/>
+          <a:lstStyle/>
+          <a:p>
+            <a:pPr algn="ctr"/>
+            <a:r>
+              <a:rPr lang="en-US" dirty="0"/>
+              <a:t>git merge</a:t>
+            </a:r>
+          </a:p>
+        </p:txBody>
+      </p:sp>
+      <p:sp>
+        <p:nvSpPr>
+          <p:cNvPr id="25" name="TextBox 24">
+            <a:extLst>
+              <a:ext uri="{FF2B5EF4-FFF2-40B4-BE49-F238E27FC236}">
+                <a16:creationId xmlns:a16="http://schemas.microsoft.com/office/drawing/2014/main" id="{0CCAEAA5-6259-A2E1-7849-316E7A0F0068}"/>
+              </a:ext>
+            </a:extLst>
+          </p:cNvPr>
+          <p:cNvSpPr txBox="1"/>
+          <p:nvPr/>
+        </p:nvSpPr>
+        <p:spPr>
+          <a:xfrm>
+            <a:off x="3135783" y="158262"/>
+            <a:ext cx="3297378" cy="369332"/>
+          </a:xfrm>
+          <a:prstGeom prst="rect">
+            <a:avLst/>
+          </a:prstGeom>
+          <a:noFill/>
+        </p:spPr>
+        <p:txBody>
+          <a:bodyPr wrap="none" rtlCol="0">
+            <a:spAutoFit/>
+          </a:bodyPr>
+          <a:lstStyle/>
+          <a:p>
+            <a:r>
+              <a:rPr lang="en-US" b="1" dirty="0"/>
+              <a:t>LOCAL REPOSITORY (“REPO”)</a:t>
+            </a:r>
+          </a:p>
+        </p:txBody>
+      </p:sp>
+      <p:sp>
+        <p:nvSpPr>
+          <p:cNvPr id="26" name="TextBox 25">
+            <a:extLst>
+              <a:ext uri="{FF2B5EF4-FFF2-40B4-BE49-F238E27FC236}">
+                <a16:creationId xmlns:a16="http://schemas.microsoft.com/office/drawing/2014/main" id="{9CE15576-3E3D-B557-AC41-7710A115EA4E}"/>
+              </a:ext>
+            </a:extLst>
+          </p:cNvPr>
+          <p:cNvSpPr txBox="1"/>
+          <p:nvPr/>
+        </p:nvSpPr>
+        <p:spPr>
+          <a:xfrm>
+            <a:off x="9971988" y="208786"/>
+            <a:ext cx="1702197" cy="646331"/>
+          </a:xfrm>
+          <a:prstGeom prst="rect">
+            <a:avLst/>
+          </a:prstGeom>
+          <a:noFill/>
+        </p:spPr>
+        <p:txBody>
+          <a:bodyPr wrap="none" rtlCol="0">
+            <a:spAutoFit/>
+          </a:bodyPr>
+          <a:lstStyle/>
+          <a:p>
+            <a:pPr algn="ctr"/>
+            <a:r>
+              <a:rPr lang="en-US" b="1" dirty="0"/>
+              <a:t>REMOTE REPO</a:t>
+            </a:r>
+          </a:p>
+          <a:p>
+            <a:pPr algn="ctr"/>
+            <a:r>
+              <a:rPr lang="en-US" b="1" dirty="0"/>
+              <a:t>(GITHUB)</a:t>
+            </a:r>
+          </a:p>
+        </p:txBody>
+      </p:sp>
+      <p:sp>
+        <p:nvSpPr>
+          <p:cNvPr id="8" name="TextBox 7">
+            <a:extLst>
+              <a:ext uri="{FF2B5EF4-FFF2-40B4-BE49-F238E27FC236}">
+                <a16:creationId xmlns:a16="http://schemas.microsoft.com/office/drawing/2014/main" id="{F16564DC-1250-8F04-4534-39DE876C8A9C}"/>
+              </a:ext>
+            </a:extLst>
+          </p:cNvPr>
+          <p:cNvSpPr txBox="1"/>
+          <p:nvPr/>
+        </p:nvSpPr>
+        <p:spPr>
+          <a:xfrm>
+            <a:off x="444850" y="5496329"/>
+            <a:ext cx="11229336" cy="923330"/>
+          </a:xfrm>
+          <a:prstGeom prst="rect">
+            <a:avLst/>
+          </a:prstGeom>
+          <a:solidFill>
+            <a:schemeClr val="bg1"/>
+          </a:solidFill>
+          <a:ln>
+            <a:solidFill>
+              <a:schemeClr val="tx1"/>
+            </a:solidFill>
+          </a:ln>
+        </p:spPr>
+        <p:txBody>
+          <a:bodyPr wrap="square" rtlCol="0">
+            <a:spAutoFit/>
+          </a:bodyPr>
+          <a:lstStyle/>
+          <a:p>
+            <a:r>
+              <a:rPr lang="en-US" dirty="0"/>
+              <a:t>Perhaps a colleague makes changes and pushes them to the remote branch. You want to grab those changes.</a:t>
+            </a:r>
+          </a:p>
+          <a:p>
+            <a:pPr marL="285750" indent="-285750">
+              <a:buFont typeface="Arial" panose="020B0604020202020204" pitchFamily="34" charset="0"/>
+              <a:buChar char="•"/>
+            </a:pPr>
+            <a:r>
+              <a:rPr lang="en-US" dirty="0"/>
+              <a:t>‘git fetch’ + ‘git merge’ grabs changes and lets you inspect them before merging into your code</a:t>
+            </a:r>
+          </a:p>
+          <a:p>
+            <a:pPr marL="285750" indent="-285750">
+              <a:buFont typeface="Arial" panose="020B0604020202020204" pitchFamily="34" charset="0"/>
+              <a:buChar char="•"/>
+            </a:pPr>
+            <a:r>
+              <a:rPr lang="en-US" dirty="0"/>
+              <a:t>‘git pull’ just grabs whatever is on the remote repository and pulls it into your working branch</a:t>
+            </a:r>
+          </a:p>
+        </p:txBody>
+      </p:sp>
+    </p:spTree>
+    <p:extLst>
+      <p:ext uri="{BB962C8B-B14F-4D97-AF65-F5344CB8AC3E}">
+        <p14:creationId xmlns:p14="http://schemas.microsoft.com/office/powerpoint/2010/main" val="2707863712"/>
+      </p:ext>
+    </p:extLst>
+  </p:cSld>
+  <p:clrMapOvr>
+    <a:masterClrMapping/>
+  </p:clrMapOvr>
+</p:sld>
+</file>
+
+<file path=ppt/slides/slide9.xml><?xml version="1.0" encoding="utf-8"?>
 <p:sld xmlns:a="http://schemas.openxmlformats.org/drawingml/2006/main" xmlns:r="http://schemas.openxmlformats.org/officeDocument/2006/relationships" xmlns:p="http://schemas.openxmlformats.org/presentationml/2006/main">
   <p:cSld>
     <p:spTree>
@@ -12616,404 +16370,6 @@
     <p:extLst>
       <p:ext uri="{BB962C8B-B14F-4D97-AF65-F5344CB8AC3E}">
         <p14:creationId xmlns:p14="http://schemas.microsoft.com/office/powerpoint/2010/main" val="1132508629"/>
-      </p:ext>
-    </p:extLst>
-  </p:cSld>
-  <p:clrMapOvr>
-    <a:masterClrMapping/>
-  </p:clrMapOvr>
-</p:sld>
-</file>
-
-<file path=ppt/slides/slide7.xml><?xml version="1.0" encoding="utf-8"?>
-<p:sld xmlns:a="http://schemas.openxmlformats.org/drawingml/2006/main" xmlns:r="http://schemas.openxmlformats.org/officeDocument/2006/relationships" xmlns:p="http://schemas.openxmlformats.org/presentationml/2006/main">
-  <p:cSld>
-    <p:spTree>
-      <p:nvGrpSpPr>
-        <p:cNvPr id="1" name=""/>
-        <p:cNvGrpSpPr/>
-        <p:nvPr/>
-      </p:nvGrpSpPr>
-      <p:grpSpPr>
-        <a:xfrm>
-          <a:off x="0" y="0"/>
-          <a:ext cx="0" cy="0"/>
-          <a:chOff x="0" y="0"/>
-          <a:chExt cx="0" cy="0"/>
-        </a:xfrm>
-      </p:grpSpPr>
-      <p:sp>
-        <p:nvSpPr>
-          <p:cNvPr id="2" name="Title 1">
-            <a:extLst>
-              <a:ext uri="{FF2B5EF4-FFF2-40B4-BE49-F238E27FC236}">
-                <a16:creationId xmlns:a16="http://schemas.microsoft.com/office/drawing/2014/main" id="{11EC0683-F7D3-1235-B856-038D12121D96}"/>
-              </a:ext>
-            </a:extLst>
-          </p:cNvPr>
-          <p:cNvSpPr>
-            <a:spLocks noGrp="1"/>
-          </p:cNvSpPr>
-          <p:nvPr>
-            <p:ph type="title"/>
-          </p:nvPr>
-        </p:nvSpPr>
-        <p:spPr/>
-        <p:txBody>
-          <a:bodyPr/>
-          <a:lstStyle/>
-          <a:p>
-            <a:pPr algn="ctr"/>
-            <a:r>
-              <a:rPr lang="en-US" dirty="0"/>
-              <a:t>RStudio Layout</a:t>
-            </a:r>
-          </a:p>
-        </p:txBody>
-      </p:sp>
-      <p:pic>
-        <p:nvPicPr>
-          <p:cNvPr id="5" name="Content Placeholder 4" descr="A screenshot of a computer&#10;&#10;AI-generated content may be incorrect.">
-            <a:extLst>
-              <a:ext uri="{FF2B5EF4-FFF2-40B4-BE49-F238E27FC236}">
-                <a16:creationId xmlns:a16="http://schemas.microsoft.com/office/drawing/2014/main" id="{1A4A2778-38C5-8070-FA97-247AAFDE9185}"/>
-              </a:ext>
-            </a:extLst>
-          </p:cNvPr>
-          <p:cNvPicPr>
-            <a:picLocks noGrp="1" noChangeAspect="1"/>
-          </p:cNvPicPr>
-          <p:nvPr>
-            <p:ph idx="1"/>
-          </p:nvPr>
-        </p:nvPicPr>
-        <p:blipFill>
-          <a:blip r:embed="rId3"/>
-          <a:stretch>
-            <a:fillRect/>
-          </a:stretch>
-        </p:blipFill>
-        <p:spPr>
-          <a:xfrm>
-            <a:off x="4303644" y="1586751"/>
-            <a:ext cx="6778652" cy="5087169"/>
-          </a:xfrm>
-        </p:spPr>
-      </p:pic>
-      <p:sp>
-        <p:nvSpPr>
-          <p:cNvPr id="6" name="TextBox 5">
-            <a:extLst>
-              <a:ext uri="{FF2B5EF4-FFF2-40B4-BE49-F238E27FC236}">
-                <a16:creationId xmlns:a16="http://schemas.microsoft.com/office/drawing/2014/main" id="{F2457307-1BC6-0145-AFFD-2317D3044C64}"/>
-              </a:ext>
-            </a:extLst>
-          </p:cNvPr>
-          <p:cNvSpPr txBox="1"/>
-          <p:nvPr/>
-        </p:nvSpPr>
-        <p:spPr>
-          <a:xfrm>
-            <a:off x="407505" y="1690688"/>
-            <a:ext cx="3478696" cy="4401205"/>
-          </a:xfrm>
-          <a:prstGeom prst="rect">
-            <a:avLst/>
-          </a:prstGeom>
-          <a:noFill/>
-        </p:spPr>
-        <p:txBody>
-          <a:bodyPr wrap="square" rtlCol="0">
-            <a:spAutoFit/>
-          </a:bodyPr>
-          <a:lstStyle/>
-          <a:p>
-            <a:r>
-              <a:rPr lang="en-US" sz="2800" dirty="0"/>
-              <a:t>*Open RStudio on your device to follow along</a:t>
-            </a:r>
-          </a:p>
-          <a:p>
-            <a:endParaRPr lang="en-US" sz="2800" dirty="0"/>
-          </a:p>
-          <a:p>
-            <a:endParaRPr lang="en-US" sz="2800" dirty="0"/>
-          </a:p>
-          <a:p>
-            <a:endParaRPr lang="en-US" sz="2800" dirty="0"/>
-          </a:p>
-          <a:p>
-            <a:endParaRPr lang="en-US" sz="2800" dirty="0">
-              <a:hlinkClick r:id="rId4"/>
-            </a:endParaRPr>
-          </a:p>
-          <a:p>
-            <a:endParaRPr lang="en-US" sz="2800" dirty="0">
-              <a:hlinkClick r:id="rId4"/>
-            </a:endParaRPr>
-          </a:p>
-          <a:p>
-            <a:r>
-              <a:rPr lang="en-US" sz="2800" dirty="0">
-                <a:hlinkClick r:id="rId4"/>
-              </a:rPr>
-              <a:t>Link to RStudio IDE Cheatsheet</a:t>
-            </a:r>
-            <a:endParaRPr lang="en-US" sz="2800" dirty="0"/>
-          </a:p>
-        </p:txBody>
-      </p:sp>
-    </p:spTree>
-    <p:extLst>
-      <p:ext uri="{BB962C8B-B14F-4D97-AF65-F5344CB8AC3E}">
-        <p14:creationId xmlns:p14="http://schemas.microsoft.com/office/powerpoint/2010/main" val="2496282167"/>
-      </p:ext>
-    </p:extLst>
-  </p:cSld>
-  <p:clrMapOvr>
-    <a:masterClrMapping/>
-  </p:clrMapOvr>
-</p:sld>
-</file>
-
-<file path=ppt/slides/slide8.xml><?xml version="1.0" encoding="utf-8"?>
-<p:sld xmlns:a="http://schemas.openxmlformats.org/drawingml/2006/main" xmlns:r="http://schemas.openxmlformats.org/officeDocument/2006/relationships" xmlns:p="http://schemas.openxmlformats.org/presentationml/2006/main">
-  <p:cSld>
-    <p:spTree>
-      <p:nvGrpSpPr>
-        <p:cNvPr id="1" name=""/>
-        <p:cNvGrpSpPr/>
-        <p:nvPr/>
-      </p:nvGrpSpPr>
-      <p:grpSpPr>
-        <a:xfrm>
-          <a:off x="0" y="0"/>
-          <a:ext cx="0" cy="0"/>
-          <a:chOff x="0" y="0"/>
-          <a:chExt cx="0" cy="0"/>
-        </a:xfrm>
-      </p:grpSpPr>
-      <p:sp>
-        <p:nvSpPr>
-          <p:cNvPr id="2" name="Title 1">
-            <a:extLst>
-              <a:ext uri="{FF2B5EF4-FFF2-40B4-BE49-F238E27FC236}">
-                <a16:creationId xmlns:a16="http://schemas.microsoft.com/office/drawing/2014/main" id="{C34D917C-0352-4070-5A59-B74559D3A563}"/>
-              </a:ext>
-            </a:extLst>
-          </p:cNvPr>
-          <p:cNvSpPr>
-            <a:spLocks noGrp="1"/>
-          </p:cNvSpPr>
-          <p:nvPr>
-            <p:ph type="title"/>
-          </p:nvPr>
-        </p:nvSpPr>
-        <p:spPr/>
-        <p:txBody>
-          <a:bodyPr/>
-          <a:lstStyle/>
-          <a:p>
-            <a:pPr algn="ctr"/>
-            <a:r>
-              <a:rPr lang="en-US" dirty="0"/>
-              <a:t>How R Integrates with Your System</a:t>
-            </a:r>
-          </a:p>
-        </p:txBody>
-      </p:sp>
-      <p:sp>
-        <p:nvSpPr>
-          <p:cNvPr id="3" name="Content Placeholder 2">
-            <a:extLst>
-              <a:ext uri="{FF2B5EF4-FFF2-40B4-BE49-F238E27FC236}">
-                <a16:creationId xmlns:a16="http://schemas.microsoft.com/office/drawing/2014/main" id="{B390F8D3-C090-74C2-4B06-0193B5299946}"/>
-              </a:ext>
-            </a:extLst>
-          </p:cNvPr>
-          <p:cNvSpPr>
-            <a:spLocks noGrp="1"/>
-          </p:cNvSpPr>
-          <p:nvPr>
-            <p:ph idx="1"/>
-          </p:nvPr>
-        </p:nvSpPr>
-        <p:spPr/>
-        <p:txBody>
-          <a:bodyPr/>
-          <a:lstStyle/>
-          <a:p>
-            <a:r>
-              <a:rPr lang="en-US" b="1" dirty="0"/>
-              <a:t>Working directory</a:t>
-            </a:r>
-            <a:r>
-              <a:rPr lang="en-US" dirty="0"/>
-              <a:t> - The file path on your computer that you are working out of. This is where R will look (unless you tell it otherwise) for data and will save any objects you export from R to this destination.</a:t>
-            </a:r>
-          </a:p>
-          <a:p>
-            <a:endParaRPr lang="en-US" dirty="0"/>
-          </a:p>
-          <a:p>
-            <a:r>
-              <a:rPr lang="en-US" b="1" dirty="0"/>
-              <a:t>RStudio project</a:t>
-            </a:r>
-            <a:r>
-              <a:rPr lang="en-US" dirty="0"/>
-              <a:t> - Enables your work to be bundled in a self-contained folder. When you open a project your directory will automatically be set to the location where the project is saved. Allows you to easily share code.</a:t>
-            </a:r>
-          </a:p>
-        </p:txBody>
-      </p:sp>
-    </p:spTree>
-    <p:extLst>
-      <p:ext uri="{BB962C8B-B14F-4D97-AF65-F5344CB8AC3E}">
-        <p14:creationId xmlns:p14="http://schemas.microsoft.com/office/powerpoint/2010/main" val="994330739"/>
-      </p:ext>
-    </p:extLst>
-  </p:cSld>
-  <p:clrMapOvr>
-    <a:masterClrMapping/>
-  </p:clrMapOvr>
-</p:sld>
-</file>
-
-<file path=ppt/slides/slide9.xml><?xml version="1.0" encoding="utf-8"?>
-<p:sld xmlns:a="http://schemas.openxmlformats.org/drawingml/2006/main" xmlns:r="http://schemas.openxmlformats.org/officeDocument/2006/relationships" xmlns:p="http://schemas.openxmlformats.org/presentationml/2006/main">
-  <p:cSld>
-    <p:spTree>
-      <p:nvGrpSpPr>
-        <p:cNvPr id="1" name=""/>
-        <p:cNvGrpSpPr/>
-        <p:nvPr/>
-      </p:nvGrpSpPr>
-      <p:grpSpPr>
-        <a:xfrm>
-          <a:off x="0" y="0"/>
-          <a:ext cx="0" cy="0"/>
-          <a:chOff x="0" y="0"/>
-          <a:chExt cx="0" cy="0"/>
-        </a:xfrm>
-      </p:grpSpPr>
-      <p:sp>
-        <p:nvSpPr>
-          <p:cNvPr id="2" name="Title 1">
-            <a:extLst>
-              <a:ext uri="{FF2B5EF4-FFF2-40B4-BE49-F238E27FC236}">
-                <a16:creationId xmlns:a16="http://schemas.microsoft.com/office/drawing/2014/main" id="{0C98B4D3-7085-DDB0-2B5F-25F40165C0DC}"/>
-              </a:ext>
-            </a:extLst>
-          </p:cNvPr>
-          <p:cNvSpPr>
-            <a:spLocks noGrp="1"/>
-          </p:cNvSpPr>
-          <p:nvPr>
-            <p:ph type="title"/>
-          </p:nvPr>
-        </p:nvSpPr>
-        <p:spPr/>
-        <p:txBody>
-          <a:bodyPr/>
-          <a:lstStyle/>
-          <a:p>
-            <a:pPr algn="ctr"/>
-            <a:r>
-              <a:rPr lang="en-US" dirty="0"/>
-              <a:t>Folder/File Structure</a:t>
-            </a:r>
-          </a:p>
-        </p:txBody>
-      </p:sp>
-      <p:sp>
-        <p:nvSpPr>
-          <p:cNvPr id="3" name="Content Placeholder 2">
-            <a:extLst>
-              <a:ext uri="{FF2B5EF4-FFF2-40B4-BE49-F238E27FC236}">
-                <a16:creationId xmlns:a16="http://schemas.microsoft.com/office/drawing/2014/main" id="{48217470-1D47-46BA-580F-97D8C5B70191}"/>
-              </a:ext>
-            </a:extLst>
-          </p:cNvPr>
-          <p:cNvSpPr>
-            <a:spLocks noGrp="1"/>
-          </p:cNvSpPr>
-          <p:nvPr>
-            <p:ph idx="1"/>
-          </p:nvPr>
-        </p:nvSpPr>
-        <p:spPr/>
-        <p:txBody>
-          <a:bodyPr/>
-          <a:lstStyle/>
-          <a:p>
-            <a:pPr marL="0" indent="0">
-              <a:buNone/>
-            </a:pPr>
-            <a:r>
-              <a:rPr lang="en-US" dirty="0"/>
-              <a:t>When creating a folder structure for a project you want to aim for these things to increase reproducibility</a:t>
-            </a:r>
-          </a:p>
-          <a:p>
-            <a:pPr marL="0" indent="0">
-              <a:buNone/>
-            </a:pPr>
-            <a:endParaRPr lang="en-US" dirty="0"/>
-          </a:p>
-          <a:p>
-            <a:pPr marL="971550" lvl="1" indent="-514350">
-              <a:buFont typeface="+mj-lt"/>
-              <a:buAutoNum type="arabicPeriod"/>
-            </a:pPr>
-            <a:r>
-              <a:rPr lang="en-US" dirty="0"/>
-              <a:t>Well defined README</a:t>
-            </a:r>
-          </a:p>
-          <a:p>
-            <a:pPr marL="971550" lvl="1" indent="-514350">
-              <a:buFont typeface="+mj-lt"/>
-              <a:buAutoNum type="arabicPeriod"/>
-            </a:pPr>
-            <a:r>
-              <a:rPr lang="en-US" dirty="0"/>
-              <a:t>Easily understood by someone from any field</a:t>
-            </a:r>
-          </a:p>
-          <a:p>
-            <a:pPr marL="971550" lvl="1" indent="-514350">
-              <a:buFont typeface="+mj-lt"/>
-              <a:buAutoNum type="arabicPeriod"/>
-            </a:pPr>
-            <a:r>
-              <a:rPr lang="en-US" dirty="0"/>
-              <a:t>Short names, all lowercase, use _ for spaces</a:t>
-            </a:r>
-          </a:p>
-          <a:p>
-            <a:pPr marL="971550" lvl="1" indent="-514350">
-              <a:buFont typeface="+mj-lt"/>
-              <a:buAutoNum type="arabicPeriod"/>
-            </a:pPr>
-            <a:r>
-              <a:rPr lang="en-US" dirty="0"/>
-              <a:t>Only include nested folders when absolutely necessary</a:t>
-            </a:r>
-          </a:p>
-          <a:p>
-            <a:pPr marL="971550" lvl="1" indent="-514350">
-              <a:buFont typeface="+mj-lt"/>
-              <a:buAutoNum type="arabicPeriod"/>
-            </a:pPr>
-            <a:endParaRPr lang="en-US" dirty="0"/>
-          </a:p>
-        </p:txBody>
-      </p:sp>
-    </p:spTree>
-    <p:extLst>
-      <p:ext uri="{BB962C8B-B14F-4D97-AF65-F5344CB8AC3E}">
-        <p14:creationId xmlns:p14="http://schemas.microsoft.com/office/powerpoint/2010/main" val="1736784994"/>
       </p:ext>
     </p:extLst>
   </p:cSld>

--- a/docs/Reproducible research in R.pptx
+++ b/docs/Reproducible research in R.pptx
@@ -5,30 +5,31 @@
     <p:sldMasterId id="2147483648" r:id="rId1"/>
   </p:sldMasterIdLst>
   <p:notesMasterIdLst>
-    <p:notesMasterId r:id="rId23"/>
+    <p:notesMasterId r:id="rId24"/>
   </p:notesMasterIdLst>
   <p:sldIdLst>
     <p:sldId id="256" r:id="rId2"/>
     <p:sldId id="257" r:id="rId3"/>
     <p:sldId id="260" r:id="rId4"/>
     <p:sldId id="258" r:id="rId5"/>
-    <p:sldId id="259" r:id="rId6"/>
-    <p:sldId id="276" r:id="rId7"/>
-    <p:sldId id="277" r:id="rId8"/>
-    <p:sldId id="278" r:id="rId9"/>
-    <p:sldId id="261" r:id="rId10"/>
-    <p:sldId id="262" r:id="rId11"/>
-    <p:sldId id="263" r:id="rId12"/>
-    <p:sldId id="268" r:id="rId13"/>
-    <p:sldId id="270" r:id="rId14"/>
-    <p:sldId id="264" r:id="rId15"/>
-    <p:sldId id="267" r:id="rId16"/>
-    <p:sldId id="266" r:id="rId17"/>
-    <p:sldId id="265" r:id="rId18"/>
-    <p:sldId id="271" r:id="rId19"/>
-    <p:sldId id="272" r:id="rId20"/>
-    <p:sldId id="273" r:id="rId21"/>
-    <p:sldId id="274" r:id="rId22"/>
+    <p:sldId id="261" r:id="rId6"/>
+    <p:sldId id="262" r:id="rId7"/>
+    <p:sldId id="263" r:id="rId8"/>
+    <p:sldId id="268" r:id="rId9"/>
+    <p:sldId id="270" r:id="rId10"/>
+    <p:sldId id="264" r:id="rId11"/>
+    <p:sldId id="267" r:id="rId12"/>
+    <p:sldId id="266" r:id="rId13"/>
+    <p:sldId id="265" r:id="rId14"/>
+    <p:sldId id="271" r:id="rId15"/>
+    <p:sldId id="272" r:id="rId16"/>
+    <p:sldId id="273" r:id="rId17"/>
+    <p:sldId id="279" r:id="rId18"/>
+    <p:sldId id="259" r:id="rId19"/>
+    <p:sldId id="276" r:id="rId20"/>
+    <p:sldId id="277" r:id="rId21"/>
+    <p:sldId id="278" r:id="rId22"/>
+    <p:sldId id="274" r:id="rId23"/>
   </p:sldIdLst>
   <p:sldSz cx="12192000" cy="6858000"/>
   <p:notesSz cx="6858000" cy="9144000"/>
@@ -6114,7 +6115,7 @@
           <a:p>
             <a:fld id="{37496C56-F9E7-8A4C-85EB-B40E19913C19}" type="slidenum">
               <a:rPr lang="en-US" smtClean="0"/>
-              <a:t>9</a:t>
+              <a:t>5</a:t>
             </a:fld>
             <a:endParaRPr lang="en-US"/>
           </a:p>
@@ -7028,7 +7029,7 @@
           <a:p>
             <a:fld id="{37496C56-F9E7-8A4C-85EB-B40E19913C19}" type="slidenum">
               <a:rPr lang="en-US" smtClean="0"/>
-              <a:t>10</a:t>
+              <a:t>6</a:t>
             </a:fld>
             <a:endParaRPr lang="en-US"/>
           </a:p>
@@ -7115,7 +7116,7 @@
           <a:p>
             <a:fld id="{37496C56-F9E7-8A4C-85EB-B40E19913C19}" type="slidenum">
               <a:rPr lang="en-US" smtClean="0"/>
-              <a:t>11</a:t>
+              <a:t>7</a:t>
             </a:fld>
             <a:endParaRPr lang="en-US"/>
           </a:p>
@@ -7199,7 +7200,7 @@
           <a:p>
             <a:fld id="{37496C56-F9E7-8A4C-85EB-B40E19913C19}" type="slidenum">
               <a:rPr lang="en-US" smtClean="0"/>
-              <a:t>13</a:t>
+              <a:t>9</a:t>
             </a:fld>
             <a:endParaRPr lang="en-US"/>
           </a:p>
@@ -7283,7 +7284,7 @@
           <a:p>
             <a:fld id="{37496C56-F9E7-8A4C-85EB-B40E19913C19}" type="slidenum">
               <a:rPr lang="en-US" smtClean="0"/>
-              <a:t>14</a:t>
+              <a:t>10</a:t>
             </a:fld>
             <a:endParaRPr lang="en-US"/>
           </a:p>
@@ -7370,7 +7371,7 @@
           <a:p>
             <a:fld id="{37496C56-F9E7-8A4C-85EB-B40E19913C19}" type="slidenum">
               <a:rPr lang="en-US" smtClean="0"/>
-              <a:t>17</a:t>
+              <a:t>13</a:t>
             </a:fld>
             <a:endParaRPr lang="en-US"/>
           </a:p>
@@ -7380,6 +7381,101 @@
     <p:extLst>
       <p:ext uri="{BB962C8B-B14F-4D97-AF65-F5344CB8AC3E}">
         <p14:creationId xmlns:p14="http://schemas.microsoft.com/office/powerpoint/2010/main" val="3652481914"/>
+      </p:ext>
+    </p:extLst>
+  </p:cSld>
+  <p:clrMapOvr>
+    <a:masterClrMapping/>
+  </p:clrMapOvr>
+</p:notes>
+</file>
+
+<file path=ppt/notesSlides/notesSlide7.xml><?xml version="1.0" encoding="utf-8"?>
+<p:notes xmlns:a="http://schemas.openxmlformats.org/drawingml/2006/main" xmlns:r="http://schemas.openxmlformats.org/officeDocument/2006/relationships" xmlns:p="http://schemas.openxmlformats.org/presentationml/2006/main">
+  <p:cSld>
+    <p:spTree>
+      <p:nvGrpSpPr>
+        <p:cNvPr id="1" name=""/>
+        <p:cNvGrpSpPr/>
+        <p:nvPr/>
+      </p:nvGrpSpPr>
+      <p:grpSpPr>
+        <a:xfrm>
+          <a:off x="0" y="0"/>
+          <a:ext cx="0" cy="0"/>
+          <a:chOff x="0" y="0"/>
+          <a:chExt cx="0" cy="0"/>
+        </a:xfrm>
+      </p:grpSpPr>
+      <p:sp>
+        <p:nvSpPr>
+          <p:cNvPr id="2" name="Slide Image Placeholder 1"/>
+          <p:cNvSpPr>
+            <a:spLocks noGrp="1" noRot="1" noChangeAspect="1"/>
+          </p:cNvSpPr>
+          <p:nvPr>
+            <p:ph type="sldImg"/>
+          </p:nvPr>
+        </p:nvSpPr>
+        <p:spPr/>
+      </p:sp>
+      <p:sp>
+        <p:nvSpPr>
+          <p:cNvPr id="3" name="Notes Placeholder 2"/>
+          <p:cNvSpPr>
+            <a:spLocks noGrp="1"/>
+          </p:cNvSpPr>
+          <p:nvPr>
+            <p:ph type="body" idx="1"/>
+          </p:nvPr>
+        </p:nvSpPr>
+        <p:spPr/>
+        <p:txBody>
+          <a:bodyPr/>
+          <a:lstStyle/>
+          <a:p>
+            <a:r>
+              <a:rPr lang="en-US" dirty="0"/>
+              <a:t>One of the biggest learning curves with coding is that you will never be taught everything you need to know in a course AND even if you have been taught or given code for something every dataset is different and you will need to make changes even if the code has worked before. So rather than covering examples of specific thigs and then having you practice those things in your own R Markdown file, we are going to have you practice generating an R Markdown from scratch without covering everything explicitly. You have a </a:t>
+            </a:r>
+            <a:r>
+              <a:rPr lang="en-US" dirty="0" err="1"/>
+              <a:t>cheatsheet</a:t>
+            </a:r>
+            <a:r>
+              <a:rPr lang="en-US" dirty="0"/>
+              <a:t>, example files, us, and the internet to help you accomplish these tasks which is what you’ll have in a real-world setting. </a:t>
+            </a:r>
+          </a:p>
+        </p:txBody>
+      </p:sp>
+      <p:sp>
+        <p:nvSpPr>
+          <p:cNvPr id="4" name="Slide Number Placeholder 3"/>
+          <p:cNvSpPr>
+            <a:spLocks noGrp="1"/>
+          </p:cNvSpPr>
+          <p:nvPr>
+            <p:ph type="sldNum" sz="quarter" idx="5"/>
+          </p:nvPr>
+        </p:nvSpPr>
+        <p:spPr/>
+        <p:txBody>
+          <a:bodyPr/>
+          <a:lstStyle/>
+          <a:p>
+            <a:fld id="{37496C56-F9E7-8A4C-85EB-B40E19913C19}" type="slidenum">
+              <a:rPr lang="en-US" smtClean="0"/>
+              <a:t>17</a:t>
+            </a:fld>
+            <a:endParaRPr lang="en-US"/>
+          </a:p>
+        </p:txBody>
+      </p:sp>
+    </p:spTree>
+    <p:extLst>
+      <p:ext uri="{BB962C8B-B14F-4D97-AF65-F5344CB8AC3E}">
+        <p14:creationId xmlns:p14="http://schemas.microsoft.com/office/powerpoint/2010/main" val="2038615325"/>
       </p:ext>
     </p:extLst>
   </p:cSld>
@@ -10701,553 +10797,6 @@
           <p:cNvPr id="2" name="Title 1">
             <a:extLst>
               <a:ext uri="{FF2B5EF4-FFF2-40B4-BE49-F238E27FC236}">
-                <a16:creationId xmlns:a16="http://schemas.microsoft.com/office/drawing/2014/main" id="{11EC0683-F7D3-1235-B856-038D12121D96}"/>
-              </a:ext>
-            </a:extLst>
-          </p:cNvPr>
-          <p:cNvSpPr>
-            <a:spLocks noGrp="1"/>
-          </p:cNvSpPr>
-          <p:nvPr>
-            <p:ph type="title"/>
-          </p:nvPr>
-        </p:nvSpPr>
-        <p:spPr/>
-        <p:txBody>
-          <a:bodyPr/>
-          <a:lstStyle/>
-          <a:p>
-            <a:pPr algn="ctr"/>
-            <a:r>
-              <a:rPr lang="en-US" dirty="0"/>
-              <a:t>RStudio Layout</a:t>
-            </a:r>
-          </a:p>
-        </p:txBody>
-      </p:sp>
-      <p:pic>
-        <p:nvPicPr>
-          <p:cNvPr id="5" name="Content Placeholder 4" descr="A screenshot of a computer&#10;&#10;AI-generated content may be incorrect.">
-            <a:extLst>
-              <a:ext uri="{FF2B5EF4-FFF2-40B4-BE49-F238E27FC236}">
-                <a16:creationId xmlns:a16="http://schemas.microsoft.com/office/drawing/2014/main" id="{1A4A2778-38C5-8070-FA97-247AAFDE9185}"/>
-              </a:ext>
-            </a:extLst>
-          </p:cNvPr>
-          <p:cNvPicPr>
-            <a:picLocks noGrp="1" noChangeAspect="1"/>
-          </p:cNvPicPr>
-          <p:nvPr>
-            <p:ph idx="1"/>
-          </p:nvPr>
-        </p:nvPicPr>
-        <p:blipFill>
-          <a:blip r:embed="rId3"/>
-          <a:stretch>
-            <a:fillRect/>
-          </a:stretch>
-        </p:blipFill>
-        <p:spPr>
-          <a:xfrm>
-            <a:off x="4303644" y="1586751"/>
-            <a:ext cx="6778652" cy="5087169"/>
-          </a:xfrm>
-        </p:spPr>
-      </p:pic>
-      <p:sp>
-        <p:nvSpPr>
-          <p:cNvPr id="6" name="TextBox 5">
-            <a:extLst>
-              <a:ext uri="{FF2B5EF4-FFF2-40B4-BE49-F238E27FC236}">
-                <a16:creationId xmlns:a16="http://schemas.microsoft.com/office/drawing/2014/main" id="{F2457307-1BC6-0145-AFFD-2317D3044C64}"/>
-              </a:ext>
-            </a:extLst>
-          </p:cNvPr>
-          <p:cNvSpPr txBox="1"/>
-          <p:nvPr/>
-        </p:nvSpPr>
-        <p:spPr>
-          <a:xfrm>
-            <a:off x="407505" y="1690688"/>
-            <a:ext cx="3478696" cy="4401205"/>
-          </a:xfrm>
-          <a:prstGeom prst="rect">
-            <a:avLst/>
-          </a:prstGeom>
-          <a:noFill/>
-        </p:spPr>
-        <p:txBody>
-          <a:bodyPr wrap="square" rtlCol="0">
-            <a:spAutoFit/>
-          </a:bodyPr>
-          <a:lstStyle/>
-          <a:p>
-            <a:r>
-              <a:rPr lang="en-US" sz="2800" dirty="0"/>
-              <a:t>*Open RStudio on your device to follow along</a:t>
-            </a:r>
-          </a:p>
-          <a:p>
-            <a:endParaRPr lang="en-US" sz="2800" dirty="0"/>
-          </a:p>
-          <a:p>
-            <a:endParaRPr lang="en-US" sz="2800" dirty="0"/>
-          </a:p>
-          <a:p>
-            <a:endParaRPr lang="en-US" sz="2800" dirty="0"/>
-          </a:p>
-          <a:p>
-            <a:endParaRPr lang="en-US" sz="2800" dirty="0">
-              <a:hlinkClick r:id="rId4"/>
-            </a:endParaRPr>
-          </a:p>
-          <a:p>
-            <a:endParaRPr lang="en-US" sz="2800" dirty="0">
-              <a:hlinkClick r:id="rId4"/>
-            </a:endParaRPr>
-          </a:p>
-          <a:p>
-            <a:r>
-              <a:rPr lang="en-US" sz="2800" dirty="0">
-                <a:hlinkClick r:id="rId4"/>
-              </a:rPr>
-              <a:t>Link to RStudio IDE Cheatsheet</a:t>
-            </a:r>
-            <a:endParaRPr lang="en-US" sz="2800" dirty="0"/>
-          </a:p>
-        </p:txBody>
-      </p:sp>
-    </p:spTree>
-    <p:extLst>
-      <p:ext uri="{BB962C8B-B14F-4D97-AF65-F5344CB8AC3E}">
-        <p14:creationId xmlns:p14="http://schemas.microsoft.com/office/powerpoint/2010/main" val="2496282167"/>
-      </p:ext>
-    </p:extLst>
-  </p:cSld>
-  <p:clrMapOvr>
-    <a:masterClrMapping/>
-  </p:clrMapOvr>
-</p:sld>
-</file>
-
-<file path=ppt/slides/slide11.xml><?xml version="1.0" encoding="utf-8"?>
-<p:sld xmlns:a="http://schemas.openxmlformats.org/drawingml/2006/main" xmlns:r="http://schemas.openxmlformats.org/officeDocument/2006/relationships" xmlns:p="http://schemas.openxmlformats.org/presentationml/2006/main">
-  <p:cSld>
-    <p:spTree>
-      <p:nvGrpSpPr>
-        <p:cNvPr id="1" name=""/>
-        <p:cNvGrpSpPr/>
-        <p:nvPr/>
-      </p:nvGrpSpPr>
-      <p:grpSpPr>
-        <a:xfrm>
-          <a:off x="0" y="0"/>
-          <a:ext cx="0" cy="0"/>
-          <a:chOff x="0" y="0"/>
-          <a:chExt cx="0" cy="0"/>
-        </a:xfrm>
-      </p:grpSpPr>
-      <p:sp>
-        <p:nvSpPr>
-          <p:cNvPr id="2" name="Title 1">
-            <a:extLst>
-              <a:ext uri="{FF2B5EF4-FFF2-40B4-BE49-F238E27FC236}">
-                <a16:creationId xmlns:a16="http://schemas.microsoft.com/office/drawing/2014/main" id="{C34D917C-0352-4070-5A59-B74559D3A563}"/>
-              </a:ext>
-            </a:extLst>
-          </p:cNvPr>
-          <p:cNvSpPr>
-            <a:spLocks noGrp="1"/>
-          </p:cNvSpPr>
-          <p:nvPr>
-            <p:ph type="title"/>
-          </p:nvPr>
-        </p:nvSpPr>
-        <p:spPr/>
-        <p:txBody>
-          <a:bodyPr/>
-          <a:lstStyle/>
-          <a:p>
-            <a:pPr algn="ctr"/>
-            <a:r>
-              <a:rPr lang="en-US" dirty="0"/>
-              <a:t>How R Integrates with Your System</a:t>
-            </a:r>
-          </a:p>
-        </p:txBody>
-      </p:sp>
-      <p:sp>
-        <p:nvSpPr>
-          <p:cNvPr id="3" name="Content Placeholder 2">
-            <a:extLst>
-              <a:ext uri="{FF2B5EF4-FFF2-40B4-BE49-F238E27FC236}">
-                <a16:creationId xmlns:a16="http://schemas.microsoft.com/office/drawing/2014/main" id="{B390F8D3-C090-74C2-4B06-0193B5299946}"/>
-              </a:ext>
-            </a:extLst>
-          </p:cNvPr>
-          <p:cNvSpPr>
-            <a:spLocks noGrp="1"/>
-          </p:cNvSpPr>
-          <p:nvPr>
-            <p:ph idx="1"/>
-          </p:nvPr>
-        </p:nvSpPr>
-        <p:spPr/>
-        <p:txBody>
-          <a:bodyPr/>
-          <a:lstStyle/>
-          <a:p>
-            <a:r>
-              <a:rPr lang="en-US" b="1" dirty="0"/>
-              <a:t>Working directory</a:t>
-            </a:r>
-            <a:r>
-              <a:rPr lang="en-US" dirty="0"/>
-              <a:t> - The file path on your computer that you are working out of. This is where R will look (unless you tell it otherwise) for data and will save any objects you export from R to this destination.</a:t>
-            </a:r>
-          </a:p>
-          <a:p>
-            <a:endParaRPr lang="en-US" dirty="0"/>
-          </a:p>
-          <a:p>
-            <a:r>
-              <a:rPr lang="en-US" b="1" dirty="0"/>
-              <a:t>RStudio project</a:t>
-            </a:r>
-            <a:r>
-              <a:rPr lang="en-US" dirty="0"/>
-              <a:t> - Enables your work to be bundled in a self-contained folder. When you open a project your directory will automatically be set to the location where the project is saved. Allows you to easily share code.</a:t>
-            </a:r>
-          </a:p>
-        </p:txBody>
-      </p:sp>
-    </p:spTree>
-    <p:extLst>
-      <p:ext uri="{BB962C8B-B14F-4D97-AF65-F5344CB8AC3E}">
-        <p14:creationId xmlns:p14="http://schemas.microsoft.com/office/powerpoint/2010/main" val="994330739"/>
-      </p:ext>
-    </p:extLst>
-  </p:cSld>
-  <p:clrMapOvr>
-    <a:masterClrMapping/>
-  </p:clrMapOvr>
-</p:sld>
-</file>
-
-<file path=ppt/slides/slide12.xml><?xml version="1.0" encoding="utf-8"?>
-<p:sld xmlns:a="http://schemas.openxmlformats.org/drawingml/2006/main" xmlns:r="http://schemas.openxmlformats.org/officeDocument/2006/relationships" xmlns:p="http://schemas.openxmlformats.org/presentationml/2006/main">
-  <p:cSld>
-    <p:spTree>
-      <p:nvGrpSpPr>
-        <p:cNvPr id="1" name=""/>
-        <p:cNvGrpSpPr/>
-        <p:nvPr/>
-      </p:nvGrpSpPr>
-      <p:grpSpPr>
-        <a:xfrm>
-          <a:off x="0" y="0"/>
-          <a:ext cx="0" cy="0"/>
-          <a:chOff x="0" y="0"/>
-          <a:chExt cx="0" cy="0"/>
-        </a:xfrm>
-      </p:grpSpPr>
-      <p:sp>
-        <p:nvSpPr>
-          <p:cNvPr id="2" name="Title 1">
-            <a:extLst>
-              <a:ext uri="{FF2B5EF4-FFF2-40B4-BE49-F238E27FC236}">
-                <a16:creationId xmlns:a16="http://schemas.microsoft.com/office/drawing/2014/main" id="{0C98B4D3-7085-DDB0-2B5F-25F40165C0DC}"/>
-              </a:ext>
-            </a:extLst>
-          </p:cNvPr>
-          <p:cNvSpPr>
-            <a:spLocks noGrp="1"/>
-          </p:cNvSpPr>
-          <p:nvPr>
-            <p:ph type="title"/>
-          </p:nvPr>
-        </p:nvSpPr>
-        <p:spPr/>
-        <p:txBody>
-          <a:bodyPr/>
-          <a:lstStyle/>
-          <a:p>
-            <a:pPr algn="ctr"/>
-            <a:r>
-              <a:rPr lang="en-US" dirty="0"/>
-              <a:t>Folder/File Structure</a:t>
-            </a:r>
-          </a:p>
-        </p:txBody>
-      </p:sp>
-      <p:sp>
-        <p:nvSpPr>
-          <p:cNvPr id="3" name="Content Placeholder 2">
-            <a:extLst>
-              <a:ext uri="{FF2B5EF4-FFF2-40B4-BE49-F238E27FC236}">
-                <a16:creationId xmlns:a16="http://schemas.microsoft.com/office/drawing/2014/main" id="{48217470-1D47-46BA-580F-97D8C5B70191}"/>
-              </a:ext>
-            </a:extLst>
-          </p:cNvPr>
-          <p:cNvSpPr>
-            <a:spLocks noGrp="1"/>
-          </p:cNvSpPr>
-          <p:nvPr>
-            <p:ph idx="1"/>
-          </p:nvPr>
-        </p:nvSpPr>
-        <p:spPr/>
-        <p:txBody>
-          <a:bodyPr/>
-          <a:lstStyle/>
-          <a:p>
-            <a:pPr marL="0" indent="0">
-              <a:buNone/>
-            </a:pPr>
-            <a:r>
-              <a:rPr lang="en-US" dirty="0"/>
-              <a:t>When creating a folder structure for a project you want to aim for these things to increase reproducibility</a:t>
-            </a:r>
-          </a:p>
-          <a:p>
-            <a:pPr marL="0" indent="0">
-              <a:buNone/>
-            </a:pPr>
-            <a:endParaRPr lang="en-US" dirty="0"/>
-          </a:p>
-          <a:p>
-            <a:pPr marL="971550" lvl="1" indent="-514350">
-              <a:buFont typeface="+mj-lt"/>
-              <a:buAutoNum type="arabicPeriod"/>
-            </a:pPr>
-            <a:r>
-              <a:rPr lang="en-US" dirty="0"/>
-              <a:t>Well defined README</a:t>
-            </a:r>
-          </a:p>
-          <a:p>
-            <a:pPr marL="971550" lvl="1" indent="-514350">
-              <a:buFont typeface="+mj-lt"/>
-              <a:buAutoNum type="arabicPeriod"/>
-            </a:pPr>
-            <a:r>
-              <a:rPr lang="en-US" dirty="0"/>
-              <a:t>Easily understood by someone from any field</a:t>
-            </a:r>
-          </a:p>
-          <a:p>
-            <a:pPr marL="971550" lvl="1" indent="-514350">
-              <a:buFont typeface="+mj-lt"/>
-              <a:buAutoNum type="arabicPeriod"/>
-            </a:pPr>
-            <a:r>
-              <a:rPr lang="en-US" dirty="0"/>
-              <a:t>Short names, all lowercase, use _ for spaces</a:t>
-            </a:r>
-          </a:p>
-          <a:p>
-            <a:pPr marL="971550" lvl="1" indent="-514350">
-              <a:buFont typeface="+mj-lt"/>
-              <a:buAutoNum type="arabicPeriod"/>
-            </a:pPr>
-            <a:r>
-              <a:rPr lang="en-US" dirty="0"/>
-              <a:t>Only include nested folders when absolutely necessary</a:t>
-            </a:r>
-          </a:p>
-          <a:p>
-            <a:pPr marL="971550" lvl="1" indent="-514350">
-              <a:buFont typeface="+mj-lt"/>
-              <a:buAutoNum type="arabicPeriod"/>
-            </a:pPr>
-            <a:endParaRPr lang="en-US" dirty="0"/>
-          </a:p>
-        </p:txBody>
-      </p:sp>
-    </p:spTree>
-    <p:extLst>
-      <p:ext uri="{BB962C8B-B14F-4D97-AF65-F5344CB8AC3E}">
-        <p14:creationId xmlns:p14="http://schemas.microsoft.com/office/powerpoint/2010/main" val="1736784994"/>
-      </p:ext>
-    </p:extLst>
-  </p:cSld>
-  <p:clrMapOvr>
-    <a:masterClrMapping/>
-  </p:clrMapOvr>
-</p:sld>
-</file>
-
-<file path=ppt/slides/slide13.xml><?xml version="1.0" encoding="utf-8"?>
-<p:sld xmlns:a="http://schemas.openxmlformats.org/drawingml/2006/main" xmlns:r="http://schemas.openxmlformats.org/officeDocument/2006/relationships" xmlns:p="http://schemas.openxmlformats.org/presentationml/2006/main">
-  <p:cSld>
-    <p:spTree>
-      <p:nvGrpSpPr>
-        <p:cNvPr id="1" name=""/>
-        <p:cNvGrpSpPr/>
-        <p:nvPr/>
-      </p:nvGrpSpPr>
-      <p:grpSpPr>
-        <a:xfrm>
-          <a:off x="0" y="0"/>
-          <a:ext cx="0" cy="0"/>
-          <a:chOff x="0" y="0"/>
-          <a:chExt cx="0" cy="0"/>
-        </a:xfrm>
-      </p:grpSpPr>
-      <p:graphicFrame>
-        <p:nvGraphicFramePr>
-          <p:cNvPr id="4" name="Diagram 3">
-            <a:extLst>
-              <a:ext uri="{FF2B5EF4-FFF2-40B4-BE49-F238E27FC236}">
-                <a16:creationId xmlns:a16="http://schemas.microsoft.com/office/drawing/2014/main" id="{A2CEE108-F9FC-EB8D-E4AA-767615973A49}"/>
-              </a:ext>
-            </a:extLst>
-          </p:cNvPr>
-          <p:cNvGraphicFramePr/>
-          <p:nvPr>
-            <p:extLst>
-              <p:ext uri="{D42A27DB-BD31-4B8C-83A1-F6EECF244321}">
-                <p14:modId xmlns:p14="http://schemas.microsoft.com/office/powerpoint/2010/main" val="536154786"/>
-              </p:ext>
-            </p:extLst>
-          </p:nvPr>
-        </p:nvGraphicFramePr>
-        <p:xfrm>
-          <a:off x="0" y="995680"/>
-          <a:ext cx="12192000" cy="6858000"/>
-        </p:xfrm>
-        <a:graphic>
-          <a:graphicData uri="http://schemas.openxmlformats.org/drawingml/2006/diagram">
-            <dgm:relIds xmlns:dgm="http://schemas.openxmlformats.org/drawingml/2006/diagram" xmlns:r="http://schemas.openxmlformats.org/officeDocument/2006/relationships" r:dm="rId3" r:lo="rId4" r:qs="rId5" r:cs="rId6"/>
-          </a:graphicData>
-        </a:graphic>
-      </p:graphicFrame>
-      <p:pic>
-        <p:nvPicPr>
-          <p:cNvPr id="6" name="Graphic 5" descr="Star with solid fill">
-            <a:extLst>
-              <a:ext uri="{FF2B5EF4-FFF2-40B4-BE49-F238E27FC236}">
-                <a16:creationId xmlns:a16="http://schemas.microsoft.com/office/drawing/2014/main" id="{9E621567-6D02-2C18-8D1F-0F8C098138C9}"/>
-              </a:ext>
-            </a:extLst>
-          </p:cNvPr>
-          <p:cNvPicPr>
-            <a:picLocks noChangeAspect="1"/>
-          </p:cNvPicPr>
-          <p:nvPr/>
-        </p:nvPicPr>
-        <p:blipFill>
-          <a:blip r:embed="rId8">
-            <a:extLst>
-              <a:ext uri="{96DAC541-7B7A-43D3-8B79-37D633B846F1}">
-                <asvg:svgBlip xmlns:asvg="http://schemas.microsoft.com/office/drawing/2016/SVG/main" r:embed="rId9"/>
-              </a:ext>
-            </a:extLst>
-          </a:blip>
-          <a:stretch>
-            <a:fillRect/>
-          </a:stretch>
-        </p:blipFill>
-        <p:spPr>
-          <a:xfrm rot="487079">
-            <a:off x="11413780" y="3329135"/>
-            <a:ext cx="914400" cy="914400"/>
-          </a:xfrm>
-          <a:prstGeom prst="rect">
-            <a:avLst/>
-          </a:prstGeom>
-        </p:spPr>
-      </p:pic>
-      <p:sp>
-        <p:nvSpPr>
-          <p:cNvPr id="2" name="Title 1">
-            <a:extLst>
-              <a:ext uri="{FF2B5EF4-FFF2-40B4-BE49-F238E27FC236}">
-                <a16:creationId xmlns:a16="http://schemas.microsoft.com/office/drawing/2014/main" id="{7C88257F-397B-A219-A527-1A746326E421}"/>
-              </a:ext>
-            </a:extLst>
-          </p:cNvPr>
-          <p:cNvSpPr txBox="1">
-            <a:spLocks/>
-          </p:cNvSpPr>
-          <p:nvPr/>
-        </p:nvSpPr>
-        <p:spPr>
-          <a:xfrm>
-            <a:off x="838200" y="0"/>
-            <a:ext cx="10515600" cy="1325563"/>
-          </a:xfrm>
-          <a:prstGeom prst="rect">
-            <a:avLst/>
-          </a:prstGeom>
-        </p:spPr>
-        <p:txBody>
-          <a:bodyPr vert="horz" lIns="91440" tIns="45720" rIns="91440" bIns="45720" rtlCol="0" anchor="b">
-            <a:normAutofit/>
-          </a:bodyPr>
-          <a:lstStyle>
-            <a:lvl1pPr algn="ctr" defTabSz="914400" rtl="0" eaLnBrk="1" latinLnBrk="0" hangingPunct="1">
-              <a:lnSpc>
-                <a:spcPct val="90000"/>
-              </a:lnSpc>
-              <a:spcBef>
-                <a:spcPct val="0"/>
-              </a:spcBef>
-              <a:buNone/>
-              <a:defRPr sz="6000" kern="1200">
-                <a:solidFill>
-                  <a:schemeClr val="tx1"/>
-                </a:solidFill>
-                <a:latin typeface="+mj-lt"/>
-                <a:ea typeface="+mj-ea"/>
-                <a:cs typeface="+mj-cs"/>
-              </a:defRPr>
-            </a:lvl1pPr>
-          </a:lstStyle>
-          <a:p>
-            <a:r>
-              <a:rPr lang="en-US"/>
-              <a:t>Example Starting Folder Structure</a:t>
-            </a:r>
-            <a:endParaRPr lang="en-US" dirty="0"/>
-          </a:p>
-        </p:txBody>
-      </p:sp>
-    </p:spTree>
-    <p:extLst>
-      <p:ext uri="{BB962C8B-B14F-4D97-AF65-F5344CB8AC3E}">
-        <p14:creationId xmlns:p14="http://schemas.microsoft.com/office/powerpoint/2010/main" val="3412106931"/>
-      </p:ext>
-    </p:extLst>
-  </p:cSld>
-  <p:clrMapOvr>
-    <a:masterClrMapping/>
-  </p:clrMapOvr>
-</p:sld>
-</file>
-
-<file path=ppt/slides/slide14.xml><?xml version="1.0" encoding="utf-8"?>
-<p:sld xmlns:a="http://schemas.openxmlformats.org/drawingml/2006/main" xmlns:r="http://schemas.openxmlformats.org/officeDocument/2006/relationships" xmlns:p="http://schemas.openxmlformats.org/presentationml/2006/main">
-  <p:cSld>
-    <p:spTree>
-      <p:nvGrpSpPr>
-        <p:cNvPr id="1" name=""/>
-        <p:cNvGrpSpPr/>
-        <p:nvPr/>
-      </p:nvGrpSpPr>
-      <p:grpSpPr>
-        <a:xfrm>
-          <a:off x="0" y="0"/>
-          <a:ext cx="0" cy="0"/>
-          <a:chOff x="0" y="0"/>
-          <a:chExt cx="0" cy="0"/>
-        </a:xfrm>
-      </p:grpSpPr>
-      <p:sp>
-        <p:nvSpPr>
-          <p:cNvPr id="2" name="Title 1">
-            <a:extLst>
-              <a:ext uri="{FF2B5EF4-FFF2-40B4-BE49-F238E27FC236}">
                 <a16:creationId xmlns:a16="http://schemas.microsoft.com/office/drawing/2014/main" id="{B9582E79-B4CF-399D-9B52-04955BE73183}"/>
               </a:ext>
             </a:extLst>
@@ -11418,7 +10967,7 @@
 </p:sld>
 </file>
 
-<file path=ppt/slides/slide15.xml><?xml version="1.0" encoding="utf-8"?>
+<file path=ppt/slides/slide11.xml><?xml version="1.0" encoding="utf-8"?>
 <p:sld xmlns:a="http://schemas.openxmlformats.org/drawingml/2006/main" xmlns:r="http://schemas.openxmlformats.org/officeDocument/2006/relationships" xmlns:p="http://schemas.openxmlformats.org/presentationml/2006/main">
   <p:cSld>
     <p:spTree>
@@ -11526,7 +11075,7 @@
 </p:sld>
 </file>
 
-<file path=ppt/slides/slide16.xml><?xml version="1.0" encoding="utf-8"?>
+<file path=ppt/slides/slide12.xml><?xml version="1.0" encoding="utf-8"?>
 <p:sld xmlns:a="http://schemas.openxmlformats.org/drawingml/2006/main" xmlns:r="http://schemas.openxmlformats.org/officeDocument/2006/relationships" xmlns:p="http://schemas.openxmlformats.org/presentationml/2006/main">
   <p:cSld>
     <p:spTree>
@@ -11585,7 +11134,7 @@
 </p:sld>
 </file>
 
-<file path=ppt/slides/slide17.xml><?xml version="1.0" encoding="utf-8"?>
+<file path=ppt/slides/slide13.xml><?xml version="1.0" encoding="utf-8"?>
 <p:sld xmlns:a="http://schemas.openxmlformats.org/drawingml/2006/main" xmlns:r="http://schemas.openxmlformats.org/officeDocument/2006/relationships" xmlns:p="http://schemas.openxmlformats.org/presentationml/2006/main">
   <p:cSld>
     <p:spTree>
@@ -11644,7 +11193,7 @@
 </p:sld>
 </file>
 
-<file path=ppt/slides/slide18.xml><?xml version="1.0" encoding="utf-8"?>
+<file path=ppt/slides/slide14.xml><?xml version="1.0" encoding="utf-8"?>
 <p:sld xmlns:a="http://schemas.openxmlformats.org/drawingml/2006/main" xmlns:r="http://schemas.openxmlformats.org/officeDocument/2006/relationships" xmlns:p="http://schemas.openxmlformats.org/presentationml/2006/main">
   <p:cSld>
     <p:spTree>
@@ -11866,7 +11415,7 @@
 </p:sld>
 </file>
 
-<file path=ppt/slides/slide19.xml><?xml version="1.0" encoding="utf-8"?>
+<file path=ppt/slides/slide15.xml><?xml version="1.0" encoding="utf-8"?>
 <p:sld xmlns:a="http://schemas.openxmlformats.org/drawingml/2006/main" xmlns:r="http://schemas.openxmlformats.org/officeDocument/2006/relationships" xmlns:p="http://schemas.openxmlformats.org/presentationml/2006/main">
   <p:cSld>
     <p:spTree>
@@ -12001,251 +11550,7 @@
 </p:sld>
 </file>
 
-<file path=ppt/slides/slide2.xml><?xml version="1.0" encoding="utf-8"?>
-<p:sld xmlns:a="http://schemas.openxmlformats.org/drawingml/2006/main" xmlns:r="http://schemas.openxmlformats.org/officeDocument/2006/relationships" xmlns:p="http://schemas.openxmlformats.org/presentationml/2006/main">
-  <p:cSld>
-    <p:spTree>
-      <p:nvGrpSpPr>
-        <p:cNvPr id="1" name=""/>
-        <p:cNvGrpSpPr/>
-        <p:nvPr/>
-      </p:nvGrpSpPr>
-      <p:grpSpPr>
-        <a:xfrm>
-          <a:off x="0" y="0"/>
-          <a:ext cx="0" cy="0"/>
-          <a:chOff x="0" y="0"/>
-          <a:chExt cx="0" cy="0"/>
-        </a:xfrm>
-      </p:grpSpPr>
-      <p:sp>
-        <p:nvSpPr>
-          <p:cNvPr id="2" name="Title 1">
-            <a:extLst>
-              <a:ext uri="{FF2B5EF4-FFF2-40B4-BE49-F238E27FC236}">
-                <a16:creationId xmlns:a16="http://schemas.microsoft.com/office/drawing/2014/main" id="{C502AA43-05D2-9F91-20E3-7EF6EAD8D125}"/>
-              </a:ext>
-            </a:extLst>
-          </p:cNvPr>
-          <p:cNvSpPr>
-            <a:spLocks noGrp="1"/>
-          </p:cNvSpPr>
-          <p:nvPr>
-            <p:ph type="title"/>
-          </p:nvPr>
-        </p:nvSpPr>
-        <p:spPr>
-          <a:xfrm>
-            <a:off x="838200" y="134865"/>
-            <a:ext cx="10515600" cy="704268"/>
-          </a:xfrm>
-        </p:spPr>
-        <p:txBody>
-          <a:bodyPr/>
-          <a:lstStyle/>
-          <a:p>
-            <a:pPr algn="ctr"/>
-            <a:r>
-              <a:rPr lang="en-US" dirty="0"/>
-              <a:t>Instructors</a:t>
-            </a:r>
-          </a:p>
-        </p:txBody>
-      </p:sp>
-      <p:sp>
-        <p:nvSpPr>
-          <p:cNvPr id="3" name="Content Placeholder 2">
-            <a:extLst>
-              <a:ext uri="{FF2B5EF4-FFF2-40B4-BE49-F238E27FC236}">
-                <a16:creationId xmlns:a16="http://schemas.microsoft.com/office/drawing/2014/main" id="{FA668741-CD59-72EE-0171-3F1515385326}"/>
-              </a:ext>
-            </a:extLst>
-          </p:cNvPr>
-          <p:cNvSpPr>
-            <a:spLocks noGrp="1"/>
-          </p:cNvSpPr>
-          <p:nvPr>
-            <p:ph idx="1"/>
-          </p:nvPr>
-        </p:nvSpPr>
-        <p:spPr>
-          <a:xfrm>
-            <a:off x="339632" y="1282912"/>
-            <a:ext cx="9483990" cy="4351338"/>
-          </a:xfrm>
-        </p:spPr>
-        <p:txBody>
-          <a:bodyPr/>
-          <a:lstStyle/>
-          <a:p>
-            <a:r>
-              <a:rPr lang="en-US" dirty="0"/>
-              <a:t>Dr. Marissa Dyck (she/her) – </a:t>
-            </a:r>
-            <a:r>
-              <a:rPr lang="en-US" dirty="0">
-                <a:hlinkClick r:id="rId2"/>
-              </a:rPr>
-              <a:t>marissadyck17@gmail.com</a:t>
-            </a:r>
-            <a:endParaRPr lang="en-US" dirty="0"/>
-          </a:p>
-          <a:p>
-            <a:pPr marL="457200" lvl="1" indent="0">
-              <a:buNone/>
-            </a:pPr>
-            <a:r>
-              <a:rPr lang="en-US" dirty="0"/>
-              <a:t>Postdoctoral Research Fellow</a:t>
-            </a:r>
-          </a:p>
-          <a:p>
-            <a:pPr marL="457200" lvl="1" indent="0">
-              <a:buNone/>
-            </a:pPr>
-            <a:r>
-              <a:rPr lang="en-US" dirty="0"/>
-              <a:t>University of Victoria</a:t>
-            </a:r>
-          </a:p>
-          <a:p>
-            <a:pPr marL="457200" lvl="1" indent="0">
-              <a:buNone/>
-            </a:pPr>
-            <a:r>
-              <a:rPr lang="en-US" dirty="0"/>
-              <a:t>Victoria, BC, Canada</a:t>
-            </a:r>
-          </a:p>
-          <a:p>
-            <a:pPr marL="457200" lvl="1" indent="0">
-              <a:buNone/>
-            </a:pPr>
-            <a:endParaRPr lang="en-US" dirty="0"/>
-          </a:p>
-          <a:p>
-            <a:r>
-              <a:rPr lang="en-US" dirty="0"/>
-              <a:t>Dr. Erika Barthelmess (she/her) – </a:t>
-            </a:r>
-            <a:r>
-              <a:rPr lang="en-US" dirty="0" err="1"/>
-              <a:t>b</a:t>
-            </a:r>
-            <a:r>
-              <a:rPr lang="en-US" dirty="0" err="1">
-                <a:hlinkClick r:id="rId3"/>
-              </a:rPr>
-              <a:t>arthelmess@stlawu.edu</a:t>
-            </a:r>
-            <a:r>
-              <a:rPr lang="en-US" dirty="0"/>
-              <a:t> </a:t>
-            </a:r>
-          </a:p>
-          <a:p>
-            <a:pPr marL="457200" lvl="1" indent="0">
-              <a:buNone/>
-            </a:pPr>
-            <a:r>
-              <a:rPr lang="en-US" dirty="0"/>
-              <a:t>Professor of Biology</a:t>
-            </a:r>
-          </a:p>
-          <a:p>
-            <a:pPr marL="457200" lvl="1" indent="0">
-              <a:buNone/>
-            </a:pPr>
-            <a:r>
-              <a:rPr lang="en-US" dirty="0"/>
-              <a:t>St. Lawrence University</a:t>
-            </a:r>
-          </a:p>
-          <a:p>
-            <a:pPr marL="457200" lvl="1" indent="0">
-              <a:buNone/>
-            </a:pPr>
-            <a:r>
-              <a:rPr lang="en-US" dirty="0"/>
-              <a:t>Canton, NY, USA</a:t>
-            </a:r>
-          </a:p>
-        </p:txBody>
-      </p:sp>
-      <p:pic>
-        <p:nvPicPr>
-          <p:cNvPr id="5" name="Picture 4" descr="A person wearing a hat and a jacket&#10;&#10;AI-generated content may be incorrect.">
-            <a:extLst>
-              <a:ext uri="{FF2B5EF4-FFF2-40B4-BE49-F238E27FC236}">
-                <a16:creationId xmlns:a16="http://schemas.microsoft.com/office/drawing/2014/main" id="{9E00D801-AE36-DBA5-810B-9435260862E8}"/>
-              </a:ext>
-            </a:extLst>
-          </p:cNvPr>
-          <p:cNvPicPr>
-            <a:picLocks noChangeAspect="1"/>
-          </p:cNvPicPr>
-          <p:nvPr/>
-        </p:nvPicPr>
-        <p:blipFill>
-          <a:blip r:embed="rId4"/>
-          <a:stretch>
-            <a:fillRect/>
-          </a:stretch>
-        </p:blipFill>
-        <p:spPr>
-          <a:xfrm>
-            <a:off x="9553303" y="1112466"/>
-            <a:ext cx="2143526" cy="2145762"/>
-          </a:xfrm>
-          <a:prstGeom prst="rect">
-            <a:avLst/>
-          </a:prstGeom>
-        </p:spPr>
-      </p:pic>
-      <p:pic>
-        <p:nvPicPr>
-          <p:cNvPr id="6" name="Picture 5" descr="A person wearing a hat and sunglasses&#10;&#10;AI-generated content may be incorrect.">
-            <a:extLst>
-              <a:ext uri="{FF2B5EF4-FFF2-40B4-BE49-F238E27FC236}">
-                <a16:creationId xmlns:a16="http://schemas.microsoft.com/office/drawing/2014/main" id="{933DE1D7-3726-9AED-D9AB-26F0E87F4FE7}"/>
-              </a:ext>
-            </a:extLst>
-          </p:cNvPr>
-          <p:cNvPicPr>
-            <a:picLocks noChangeAspect="1"/>
-          </p:cNvPicPr>
-          <p:nvPr/>
-        </p:nvPicPr>
-        <p:blipFill>
-          <a:blip r:embed="rId5"/>
-          <a:stretch>
-            <a:fillRect/>
-          </a:stretch>
-        </p:blipFill>
-        <p:spPr>
-          <a:xfrm>
-            <a:off x="9553303" y="3939337"/>
-            <a:ext cx="2145762" cy="2145762"/>
-          </a:xfrm>
-          <a:prstGeom prst="rect">
-            <a:avLst/>
-          </a:prstGeom>
-        </p:spPr>
-      </p:pic>
-    </p:spTree>
-    <p:extLst>
-      <p:ext uri="{BB962C8B-B14F-4D97-AF65-F5344CB8AC3E}">
-        <p14:creationId xmlns:p14="http://schemas.microsoft.com/office/powerpoint/2010/main" val="2081615761"/>
-      </p:ext>
-    </p:extLst>
-  </p:cSld>
-  <p:clrMapOvr>
-    <a:masterClrMapping/>
-  </p:clrMapOvr>
-</p:sld>
-</file>
-
-<file path=ppt/slides/slide20.xml><?xml version="1.0" encoding="utf-8"?>
+<file path=ppt/slides/slide16.xml><?xml version="1.0" encoding="utf-8"?>
 <p:sld xmlns:a="http://schemas.openxmlformats.org/drawingml/2006/main" xmlns:r="http://schemas.openxmlformats.org/officeDocument/2006/relationships" xmlns:p="http://schemas.openxmlformats.org/presentationml/2006/main">
   <p:cSld>
     <p:spTree>
@@ -12416,7 +11721,7 @@
 </p:sld>
 </file>
 
-<file path=ppt/slides/slide21.xml><?xml version="1.0" encoding="utf-8"?>
+<file path=ppt/slides/slide17.xml><?xml version="1.0" encoding="utf-8"?>
 <p:sld xmlns:a="http://schemas.openxmlformats.org/drawingml/2006/main" xmlns:r="http://schemas.openxmlformats.org/officeDocument/2006/relationships" xmlns:p="http://schemas.openxmlformats.org/presentationml/2006/main">
   <p:cSld>
     <p:spTree>
@@ -12438,7 +11743,7 @@
           <p:cNvPr id="2" name="Title 1">
             <a:extLst>
               <a:ext uri="{FF2B5EF4-FFF2-40B4-BE49-F238E27FC236}">
-                <a16:creationId xmlns:a16="http://schemas.microsoft.com/office/drawing/2014/main" id="{D4B90E71-48FE-6891-CBCF-6077A083D75E}"/>
+                <a16:creationId xmlns:a16="http://schemas.microsoft.com/office/drawing/2014/main" id="{0C625785-D25C-AE61-E9C4-48E61606F69F}"/>
               </a:ext>
             </a:extLst>
           </p:cNvPr>
@@ -12457,7 +11762,7 @@
             <a:pPr algn="ctr"/>
             <a:r>
               <a:rPr lang="en-US" dirty="0"/>
-              <a:t>Tidy Data</a:t>
+              <a:t>Practice with R Markdown</a:t>
             </a:r>
           </a:p>
         </p:txBody>
@@ -12467,7 +11772,7 @@
           <p:cNvPr id="3" name="Content Placeholder 2">
             <a:extLst>
               <a:ext uri="{FF2B5EF4-FFF2-40B4-BE49-F238E27FC236}">
-                <a16:creationId xmlns:a16="http://schemas.microsoft.com/office/drawing/2014/main" id="{0280FA68-37CF-3C33-BDCF-FE09125952D1}"/>
+                <a16:creationId xmlns:a16="http://schemas.microsoft.com/office/drawing/2014/main" id="{2F9A8A6C-26E1-F702-7DE5-448F72D2784B}"/>
               </a:ext>
             </a:extLst>
           </p:cNvPr>
@@ -12478,22 +11783,89 @@
             <p:ph idx="1"/>
           </p:nvPr>
         </p:nvSpPr>
-        <p:spPr/>
+        <p:spPr>
+          <a:xfrm>
+            <a:off x="838200" y="1321904"/>
+            <a:ext cx="10515600" cy="5416826"/>
+          </a:xfrm>
+        </p:spPr>
         <p:txBody>
           <a:bodyPr/>
           <a:lstStyle/>
           <a:p>
             <a:r>
               <a:rPr lang="en-US" dirty="0"/>
-              <a:t>Erika fill in</a:t>
-            </a:r>
+              <a:t>In RStudio open a new R Markdown file</a:t>
+            </a:r>
+          </a:p>
+          <a:p>
+            <a:r>
+              <a:rPr lang="en-US" dirty="0"/>
+              <a:t>Modify the YAML – title, name, date</a:t>
+            </a:r>
+          </a:p>
+          <a:p>
+            <a:r>
+              <a:rPr lang="en-US" dirty="0"/>
+              <a:t>Remove existing comments and code chunks</a:t>
+            </a:r>
+          </a:p>
+          <a:p>
+            <a:r>
+              <a:rPr lang="en-US" dirty="0"/>
+              <a:t>Add the following elements to your R Markdown with headers for each section and following coding best practices</a:t>
+            </a:r>
+          </a:p>
+          <a:p>
+            <a:pPr lvl="1"/>
+            <a:r>
+              <a:rPr lang="en-US" dirty="0"/>
+              <a:t>Personal info: name, pronouns, email (included as link), and why you chose this workshop</a:t>
+            </a:r>
+          </a:p>
+          <a:p>
+            <a:pPr lvl="1"/>
+            <a:r>
+              <a:rPr lang="en-US" dirty="0"/>
+              <a:t>Insert a fun image of your choice and resize it</a:t>
+            </a:r>
+          </a:p>
+          <a:p>
+            <a:pPr lvl="1"/>
+            <a:r>
+              <a:rPr lang="en-US" dirty="0"/>
+              <a:t>Code chunk that won’t be run when knit that installs packages (</a:t>
+            </a:r>
+            <a:r>
+              <a:rPr lang="en-US" dirty="0" err="1"/>
+              <a:t>tidyverse</a:t>
+            </a:r>
+            <a:r>
+              <a:rPr lang="en-US" dirty="0"/>
+              <a:t>, )</a:t>
+            </a:r>
+          </a:p>
+          <a:p>
+            <a:pPr lvl="1"/>
+            <a:r>
+              <a:rPr lang="en-US" dirty="0"/>
+              <a:t>Code chunk that won’t display messages when knit that loads the installed libraries</a:t>
+            </a:r>
+          </a:p>
+          <a:p>
+            <a:pPr lvl="1"/>
+            <a:endParaRPr lang="en-US" dirty="0"/>
+          </a:p>
+          <a:p>
+            <a:pPr lvl="1"/>
+            <a:endParaRPr lang="en-US" dirty="0"/>
           </a:p>
         </p:txBody>
       </p:sp>
     </p:spTree>
     <p:extLst>
       <p:ext uri="{BB962C8B-B14F-4D97-AF65-F5344CB8AC3E}">
-        <p14:creationId xmlns:p14="http://schemas.microsoft.com/office/powerpoint/2010/main" val="1619483221"/>
+        <p14:creationId xmlns:p14="http://schemas.microsoft.com/office/powerpoint/2010/main" val="2854229411"/>
       </p:ext>
     </p:extLst>
   </p:cSld>
@@ -12503,301 +11875,7 @@
 </p:sld>
 </file>
 
-<file path=ppt/slides/slide3.xml><?xml version="1.0" encoding="utf-8"?>
-<p:sld xmlns:a="http://schemas.openxmlformats.org/drawingml/2006/main" xmlns:r="http://schemas.openxmlformats.org/officeDocument/2006/relationships" xmlns:p="http://schemas.openxmlformats.org/presentationml/2006/main">
-  <p:cSld>
-    <p:spTree>
-      <p:nvGrpSpPr>
-        <p:cNvPr id="1" name=""/>
-        <p:cNvGrpSpPr/>
-        <p:nvPr/>
-      </p:nvGrpSpPr>
-      <p:grpSpPr>
-        <a:xfrm>
-          <a:off x="0" y="0"/>
-          <a:ext cx="0" cy="0"/>
-          <a:chOff x="0" y="0"/>
-          <a:chExt cx="0" cy="0"/>
-        </a:xfrm>
-      </p:grpSpPr>
-      <p:sp>
-        <p:nvSpPr>
-          <p:cNvPr id="2" name="Title 1">
-            <a:extLst>
-              <a:ext uri="{FF2B5EF4-FFF2-40B4-BE49-F238E27FC236}">
-                <a16:creationId xmlns:a16="http://schemas.microsoft.com/office/drawing/2014/main" id="{3F79B21A-F1F7-1CA5-C645-5D2A5E3FA2D8}"/>
-              </a:ext>
-            </a:extLst>
-          </p:cNvPr>
-          <p:cNvSpPr>
-            <a:spLocks noGrp="1"/>
-          </p:cNvSpPr>
-          <p:nvPr>
-            <p:ph type="title"/>
-          </p:nvPr>
-        </p:nvSpPr>
-        <p:spPr/>
-        <p:txBody>
-          <a:bodyPr/>
-          <a:lstStyle/>
-          <a:p>
-            <a:pPr algn="ctr"/>
-            <a:r>
-              <a:rPr lang="en-US" dirty="0"/>
-              <a:t>Free Intro to R Workshop</a:t>
-            </a:r>
-          </a:p>
-        </p:txBody>
-      </p:sp>
-      <p:pic>
-        <p:nvPicPr>
-          <p:cNvPr id="5" name="Content Placeholder 4" descr="A screenshot of a computer&#10;&#10;AI-generated content may be incorrect.">
-            <a:extLst>
-              <a:ext uri="{FF2B5EF4-FFF2-40B4-BE49-F238E27FC236}">
-                <a16:creationId xmlns:a16="http://schemas.microsoft.com/office/drawing/2014/main" id="{827F1506-1EE9-8B88-F560-BBFFBA4DA69F}"/>
-              </a:ext>
-            </a:extLst>
-          </p:cNvPr>
-          <p:cNvPicPr>
-            <a:picLocks noGrp="1" noChangeAspect="1"/>
-          </p:cNvPicPr>
-          <p:nvPr>
-            <p:ph idx="1"/>
-          </p:nvPr>
-        </p:nvPicPr>
-        <p:blipFill>
-          <a:blip r:embed="rId2"/>
-          <a:stretch>
-            <a:fillRect/>
-          </a:stretch>
-        </p:blipFill>
-        <p:spPr>
-          <a:xfrm>
-            <a:off x="1441194" y="1825625"/>
-            <a:ext cx="9309611" cy="4351338"/>
-          </a:xfrm>
-        </p:spPr>
-      </p:pic>
-      <p:sp>
-        <p:nvSpPr>
-          <p:cNvPr id="6" name="TextBox 5">
-            <a:extLst>
-              <a:ext uri="{FF2B5EF4-FFF2-40B4-BE49-F238E27FC236}">
-                <a16:creationId xmlns:a16="http://schemas.microsoft.com/office/drawing/2014/main" id="{57967576-7FCE-D75D-7AE6-456EAB67DB97}"/>
-              </a:ext>
-            </a:extLst>
-          </p:cNvPr>
-          <p:cNvSpPr txBox="1"/>
-          <p:nvPr/>
-        </p:nvSpPr>
-        <p:spPr>
-          <a:xfrm>
-            <a:off x="115707" y="6311900"/>
-            <a:ext cx="3099816" cy="369332"/>
-          </a:xfrm>
-          <a:prstGeom prst="rect">
-            <a:avLst/>
-          </a:prstGeom>
-          <a:noFill/>
-        </p:spPr>
-        <p:txBody>
-          <a:bodyPr wrap="square" rtlCol="0">
-            <a:spAutoFit/>
-          </a:bodyPr>
-          <a:lstStyle/>
-          <a:p>
-            <a:r>
-              <a:rPr lang="en-US" dirty="0">
-                <a:hlinkClick r:id="rId3"/>
-              </a:rPr>
-              <a:t>R Crash Course GitHub Link</a:t>
-            </a:r>
-            <a:endParaRPr lang="en-US" dirty="0"/>
-          </a:p>
-        </p:txBody>
-      </p:sp>
-      <p:pic>
-        <p:nvPicPr>
-          <p:cNvPr id="8" name="Picture 7" descr="A cartoon of a person with two animals&#10;&#10;AI-generated content may be incorrect.">
-            <a:extLst>
-              <a:ext uri="{FF2B5EF4-FFF2-40B4-BE49-F238E27FC236}">
-                <a16:creationId xmlns:a16="http://schemas.microsoft.com/office/drawing/2014/main" id="{DA3F16ED-CA57-193D-1E29-08AE95AB9B7C}"/>
-              </a:ext>
-            </a:extLst>
-          </p:cNvPr>
-          <p:cNvPicPr>
-            <a:picLocks noChangeAspect="1"/>
-          </p:cNvPicPr>
-          <p:nvPr/>
-        </p:nvPicPr>
-        <p:blipFill>
-          <a:blip r:embed="rId4"/>
-          <a:stretch>
-            <a:fillRect/>
-          </a:stretch>
-        </p:blipFill>
-        <p:spPr>
-          <a:xfrm>
-            <a:off x="499958" y="4441978"/>
-            <a:ext cx="1882471" cy="1869922"/>
-          </a:xfrm>
-          <a:prstGeom prst="ellipse">
-            <a:avLst/>
-          </a:prstGeom>
-          <a:ln>
-            <a:noFill/>
-          </a:ln>
-          <a:effectLst>
-            <a:softEdge rad="112500"/>
-          </a:effectLst>
-        </p:spPr>
-      </p:pic>
-    </p:spTree>
-    <p:extLst>
-      <p:ext uri="{BB962C8B-B14F-4D97-AF65-F5344CB8AC3E}">
-        <p14:creationId xmlns:p14="http://schemas.microsoft.com/office/powerpoint/2010/main" val="1877543471"/>
-      </p:ext>
-    </p:extLst>
-  </p:cSld>
-  <p:clrMapOvr>
-    <a:masterClrMapping/>
-  </p:clrMapOvr>
-</p:sld>
-</file>
-
-<file path=ppt/slides/slide4.xml><?xml version="1.0" encoding="utf-8"?>
-<p:sld xmlns:a="http://schemas.openxmlformats.org/drawingml/2006/main" xmlns:r="http://schemas.openxmlformats.org/officeDocument/2006/relationships" xmlns:p="http://schemas.openxmlformats.org/presentationml/2006/main">
-  <p:cSld>
-    <p:spTree>
-      <p:nvGrpSpPr>
-        <p:cNvPr id="1" name=""/>
-        <p:cNvGrpSpPr/>
-        <p:nvPr/>
-      </p:nvGrpSpPr>
-      <p:grpSpPr>
-        <a:xfrm>
-          <a:off x="0" y="0"/>
-          <a:ext cx="0" cy="0"/>
-          <a:chOff x="0" y="0"/>
-          <a:chExt cx="0" cy="0"/>
-        </a:xfrm>
-      </p:grpSpPr>
-      <p:sp>
-        <p:nvSpPr>
-          <p:cNvPr id="2" name="Title 1">
-            <a:extLst>
-              <a:ext uri="{FF2B5EF4-FFF2-40B4-BE49-F238E27FC236}">
-                <a16:creationId xmlns:a16="http://schemas.microsoft.com/office/drawing/2014/main" id="{7DDD590C-E632-2CE9-1F11-984741E24571}"/>
-              </a:ext>
-            </a:extLst>
-          </p:cNvPr>
-          <p:cNvSpPr>
-            <a:spLocks noGrp="1"/>
-          </p:cNvSpPr>
-          <p:nvPr>
-            <p:ph type="title"/>
-          </p:nvPr>
-        </p:nvSpPr>
-        <p:spPr/>
-        <p:txBody>
-          <a:bodyPr/>
-          <a:lstStyle/>
-          <a:p>
-            <a:pPr algn="ctr"/>
-            <a:r>
-              <a:rPr lang="en-US" dirty="0"/>
-              <a:t>Agenda</a:t>
-            </a:r>
-          </a:p>
-        </p:txBody>
-      </p:sp>
-      <p:sp>
-        <p:nvSpPr>
-          <p:cNvPr id="3" name="Content Placeholder 2">
-            <a:extLst>
-              <a:ext uri="{FF2B5EF4-FFF2-40B4-BE49-F238E27FC236}">
-                <a16:creationId xmlns:a16="http://schemas.microsoft.com/office/drawing/2014/main" id="{8817B3E3-A203-3400-73A8-852C404CAE71}"/>
-              </a:ext>
-            </a:extLst>
-          </p:cNvPr>
-          <p:cNvSpPr>
-            <a:spLocks noGrp="1"/>
-          </p:cNvSpPr>
-          <p:nvPr>
-            <p:ph idx="1"/>
-          </p:nvPr>
-        </p:nvSpPr>
-        <p:spPr/>
-        <p:txBody>
-          <a:bodyPr/>
-          <a:lstStyle/>
-          <a:p>
-            <a:pPr marL="571500" indent="-571500">
-              <a:buFont typeface="+mj-lt"/>
-              <a:buAutoNum type="romanUcPeriod"/>
-            </a:pPr>
-            <a:r>
-              <a:rPr lang="en-US" dirty="0"/>
-              <a:t>Git/GitHub</a:t>
-            </a:r>
-          </a:p>
-          <a:p>
-            <a:pPr lvl="1"/>
-            <a:endParaRPr lang="en-US" dirty="0"/>
-          </a:p>
-          <a:p>
-            <a:pPr marL="571500" indent="-571500">
-              <a:buFont typeface="+mj-lt"/>
-              <a:buAutoNum type="romanUcPeriod"/>
-            </a:pPr>
-            <a:r>
-              <a:rPr lang="en-US" dirty="0"/>
-              <a:t>R Overview</a:t>
-            </a:r>
-          </a:p>
-          <a:p>
-            <a:pPr marL="571500" indent="-571500">
-              <a:buFont typeface="+mj-lt"/>
-              <a:buAutoNum type="romanUcPeriod"/>
-            </a:pPr>
-            <a:r>
-              <a:rPr lang="en-US" dirty="0"/>
-              <a:t>R Markdown</a:t>
-            </a:r>
-          </a:p>
-          <a:p>
-            <a:pPr marL="571500" indent="-571500">
-              <a:buFont typeface="+mj-lt"/>
-              <a:buAutoNum type="romanUcPeriod"/>
-            </a:pPr>
-            <a:r>
-              <a:rPr lang="en-US" dirty="0"/>
-              <a:t>Tidy data </a:t>
-            </a:r>
-          </a:p>
-          <a:p>
-            <a:pPr marL="571500" indent="-571500">
-              <a:buFont typeface="+mj-lt"/>
-              <a:buAutoNum type="romanUcPeriod"/>
-            </a:pPr>
-            <a:endParaRPr lang="en-US" dirty="0"/>
-          </a:p>
-        </p:txBody>
-      </p:sp>
-    </p:spTree>
-    <p:extLst>
-      <p:ext uri="{BB962C8B-B14F-4D97-AF65-F5344CB8AC3E}">
-        <p14:creationId xmlns:p14="http://schemas.microsoft.com/office/powerpoint/2010/main" val="3678490627"/>
-      </p:ext>
-    </p:extLst>
-  </p:cSld>
-  <p:clrMapOvr>
-    <a:masterClrMapping/>
-  </p:clrMapOvr>
-</p:sld>
-</file>
-
-<file path=ppt/slides/slide5.xml><?xml version="1.0" encoding="utf-8"?>
+<file path=ppt/slides/slide18.xml><?xml version="1.0" encoding="utf-8"?>
 <p:sld xmlns:a="http://schemas.openxmlformats.org/drawingml/2006/main" xmlns:r="http://schemas.openxmlformats.org/officeDocument/2006/relationships" xmlns:p="http://schemas.openxmlformats.org/presentationml/2006/main">
   <p:cSld>
     <p:spTree>
@@ -12890,7 +11968,7 @@
     </p:spTree>
     <p:extLst>
       <p:ext uri="{BB962C8B-B14F-4D97-AF65-F5344CB8AC3E}">
-        <p14:creationId xmlns:p14="http://schemas.microsoft.com/office/powerpoint/2010/main" val="4073995806"/>
+        <p14:creationId xmlns:p14="http://schemas.microsoft.com/office/powerpoint/2010/main" val="3324382596"/>
       </p:ext>
     </p:extLst>
   </p:cSld>
@@ -12900,7 +11978,7 @@
 </p:sld>
 </file>
 
-<file path=ppt/slides/slide6.xml><?xml version="1.0" encoding="utf-8"?>
+<file path=ppt/slides/slide19.xml><?xml version="1.0" encoding="utf-8"?>
 <p:sld xmlns:a="http://schemas.openxmlformats.org/drawingml/2006/main" xmlns:r="http://schemas.openxmlformats.org/officeDocument/2006/relationships" xmlns:p="http://schemas.openxmlformats.org/presentationml/2006/main">
   <p:cSld>
     <p:spTree>
@@ -13761,7 +12839,7 @@
     </p:spTree>
     <p:extLst>
       <p:ext uri="{BB962C8B-B14F-4D97-AF65-F5344CB8AC3E}">
-        <p14:creationId xmlns:p14="http://schemas.microsoft.com/office/powerpoint/2010/main" val="1561373863"/>
+        <p14:creationId xmlns:p14="http://schemas.microsoft.com/office/powerpoint/2010/main" val="303959582"/>
       </p:ext>
     </p:extLst>
   </p:cSld>
@@ -14168,7 +13246,251 @@
 </p:sld>
 </file>
 
-<file path=ppt/slides/slide7.xml><?xml version="1.0" encoding="utf-8"?>
+<file path=ppt/slides/slide2.xml><?xml version="1.0" encoding="utf-8"?>
+<p:sld xmlns:a="http://schemas.openxmlformats.org/drawingml/2006/main" xmlns:r="http://schemas.openxmlformats.org/officeDocument/2006/relationships" xmlns:p="http://schemas.openxmlformats.org/presentationml/2006/main">
+  <p:cSld>
+    <p:spTree>
+      <p:nvGrpSpPr>
+        <p:cNvPr id="1" name=""/>
+        <p:cNvGrpSpPr/>
+        <p:nvPr/>
+      </p:nvGrpSpPr>
+      <p:grpSpPr>
+        <a:xfrm>
+          <a:off x="0" y="0"/>
+          <a:ext cx="0" cy="0"/>
+          <a:chOff x="0" y="0"/>
+          <a:chExt cx="0" cy="0"/>
+        </a:xfrm>
+      </p:grpSpPr>
+      <p:sp>
+        <p:nvSpPr>
+          <p:cNvPr id="2" name="Title 1">
+            <a:extLst>
+              <a:ext uri="{FF2B5EF4-FFF2-40B4-BE49-F238E27FC236}">
+                <a16:creationId xmlns:a16="http://schemas.microsoft.com/office/drawing/2014/main" id="{C502AA43-05D2-9F91-20E3-7EF6EAD8D125}"/>
+              </a:ext>
+            </a:extLst>
+          </p:cNvPr>
+          <p:cNvSpPr>
+            <a:spLocks noGrp="1"/>
+          </p:cNvSpPr>
+          <p:nvPr>
+            <p:ph type="title"/>
+          </p:nvPr>
+        </p:nvSpPr>
+        <p:spPr>
+          <a:xfrm>
+            <a:off x="838200" y="134865"/>
+            <a:ext cx="10515600" cy="704268"/>
+          </a:xfrm>
+        </p:spPr>
+        <p:txBody>
+          <a:bodyPr/>
+          <a:lstStyle/>
+          <a:p>
+            <a:pPr algn="ctr"/>
+            <a:r>
+              <a:rPr lang="en-US" dirty="0"/>
+              <a:t>Instructors</a:t>
+            </a:r>
+          </a:p>
+        </p:txBody>
+      </p:sp>
+      <p:sp>
+        <p:nvSpPr>
+          <p:cNvPr id="3" name="Content Placeholder 2">
+            <a:extLst>
+              <a:ext uri="{FF2B5EF4-FFF2-40B4-BE49-F238E27FC236}">
+                <a16:creationId xmlns:a16="http://schemas.microsoft.com/office/drawing/2014/main" id="{FA668741-CD59-72EE-0171-3F1515385326}"/>
+              </a:ext>
+            </a:extLst>
+          </p:cNvPr>
+          <p:cNvSpPr>
+            <a:spLocks noGrp="1"/>
+          </p:cNvSpPr>
+          <p:nvPr>
+            <p:ph idx="1"/>
+          </p:nvPr>
+        </p:nvSpPr>
+        <p:spPr>
+          <a:xfrm>
+            <a:off x="339632" y="1282912"/>
+            <a:ext cx="9483990" cy="4351338"/>
+          </a:xfrm>
+        </p:spPr>
+        <p:txBody>
+          <a:bodyPr/>
+          <a:lstStyle/>
+          <a:p>
+            <a:r>
+              <a:rPr lang="en-US" dirty="0"/>
+              <a:t>Dr. Marissa Dyck (she/her) – </a:t>
+            </a:r>
+            <a:r>
+              <a:rPr lang="en-US" dirty="0">
+                <a:hlinkClick r:id="rId2"/>
+              </a:rPr>
+              <a:t>marissadyck17@gmail.com</a:t>
+            </a:r>
+            <a:endParaRPr lang="en-US" dirty="0"/>
+          </a:p>
+          <a:p>
+            <a:pPr marL="457200" lvl="1" indent="0">
+              <a:buNone/>
+            </a:pPr>
+            <a:r>
+              <a:rPr lang="en-US" dirty="0"/>
+              <a:t>Postdoctoral Research Fellow</a:t>
+            </a:r>
+          </a:p>
+          <a:p>
+            <a:pPr marL="457200" lvl="1" indent="0">
+              <a:buNone/>
+            </a:pPr>
+            <a:r>
+              <a:rPr lang="en-US" dirty="0"/>
+              <a:t>University of Victoria</a:t>
+            </a:r>
+          </a:p>
+          <a:p>
+            <a:pPr marL="457200" lvl="1" indent="0">
+              <a:buNone/>
+            </a:pPr>
+            <a:r>
+              <a:rPr lang="en-US" dirty="0"/>
+              <a:t>Victoria, BC, Canada</a:t>
+            </a:r>
+          </a:p>
+          <a:p>
+            <a:pPr marL="457200" lvl="1" indent="0">
+              <a:buNone/>
+            </a:pPr>
+            <a:endParaRPr lang="en-US" dirty="0"/>
+          </a:p>
+          <a:p>
+            <a:r>
+              <a:rPr lang="en-US" dirty="0"/>
+              <a:t>Dr. Erika Barthelmess (she/her) – </a:t>
+            </a:r>
+            <a:r>
+              <a:rPr lang="en-US" dirty="0" err="1"/>
+              <a:t>b</a:t>
+            </a:r>
+            <a:r>
+              <a:rPr lang="en-US" dirty="0" err="1">
+                <a:hlinkClick r:id="rId3"/>
+              </a:rPr>
+              <a:t>arthelmess@stlawu.edu</a:t>
+            </a:r>
+            <a:r>
+              <a:rPr lang="en-US" dirty="0"/>
+              <a:t> </a:t>
+            </a:r>
+          </a:p>
+          <a:p>
+            <a:pPr marL="457200" lvl="1" indent="0">
+              <a:buNone/>
+            </a:pPr>
+            <a:r>
+              <a:rPr lang="en-US" dirty="0"/>
+              <a:t>Professor of Biology</a:t>
+            </a:r>
+          </a:p>
+          <a:p>
+            <a:pPr marL="457200" lvl="1" indent="0">
+              <a:buNone/>
+            </a:pPr>
+            <a:r>
+              <a:rPr lang="en-US" dirty="0"/>
+              <a:t>St. Lawrence University</a:t>
+            </a:r>
+          </a:p>
+          <a:p>
+            <a:pPr marL="457200" lvl="1" indent="0">
+              <a:buNone/>
+            </a:pPr>
+            <a:r>
+              <a:rPr lang="en-US" dirty="0"/>
+              <a:t>Canton, NY, USA</a:t>
+            </a:r>
+          </a:p>
+        </p:txBody>
+      </p:sp>
+      <p:pic>
+        <p:nvPicPr>
+          <p:cNvPr id="5" name="Picture 4" descr="A person wearing a hat and a jacket&#10;&#10;AI-generated content may be incorrect.">
+            <a:extLst>
+              <a:ext uri="{FF2B5EF4-FFF2-40B4-BE49-F238E27FC236}">
+                <a16:creationId xmlns:a16="http://schemas.microsoft.com/office/drawing/2014/main" id="{9E00D801-AE36-DBA5-810B-9435260862E8}"/>
+              </a:ext>
+            </a:extLst>
+          </p:cNvPr>
+          <p:cNvPicPr>
+            <a:picLocks noChangeAspect="1"/>
+          </p:cNvPicPr>
+          <p:nvPr/>
+        </p:nvPicPr>
+        <p:blipFill>
+          <a:blip r:embed="rId4"/>
+          <a:stretch>
+            <a:fillRect/>
+          </a:stretch>
+        </p:blipFill>
+        <p:spPr>
+          <a:xfrm>
+            <a:off x="9553303" y="1112466"/>
+            <a:ext cx="2143526" cy="2145762"/>
+          </a:xfrm>
+          <a:prstGeom prst="rect">
+            <a:avLst/>
+          </a:prstGeom>
+        </p:spPr>
+      </p:pic>
+      <p:pic>
+        <p:nvPicPr>
+          <p:cNvPr id="6" name="Picture 5" descr="A person wearing a hat and sunglasses&#10;&#10;AI-generated content may be incorrect.">
+            <a:extLst>
+              <a:ext uri="{FF2B5EF4-FFF2-40B4-BE49-F238E27FC236}">
+                <a16:creationId xmlns:a16="http://schemas.microsoft.com/office/drawing/2014/main" id="{933DE1D7-3726-9AED-D9AB-26F0E87F4FE7}"/>
+              </a:ext>
+            </a:extLst>
+          </p:cNvPr>
+          <p:cNvPicPr>
+            <a:picLocks noChangeAspect="1"/>
+          </p:cNvPicPr>
+          <p:nvPr/>
+        </p:nvPicPr>
+        <p:blipFill>
+          <a:blip r:embed="rId5"/>
+          <a:stretch>
+            <a:fillRect/>
+          </a:stretch>
+        </p:blipFill>
+        <p:spPr>
+          <a:xfrm>
+            <a:off x="9553303" y="3939337"/>
+            <a:ext cx="2145762" cy="2145762"/>
+          </a:xfrm>
+          <a:prstGeom prst="rect">
+            <a:avLst/>
+          </a:prstGeom>
+        </p:spPr>
+      </p:pic>
+    </p:spTree>
+    <p:extLst>
+      <p:ext uri="{BB962C8B-B14F-4D97-AF65-F5344CB8AC3E}">
+        <p14:creationId xmlns:p14="http://schemas.microsoft.com/office/powerpoint/2010/main" val="2081615761"/>
+      </p:ext>
+    </p:extLst>
+  </p:cSld>
+  <p:clrMapOvr>
+    <a:masterClrMapping/>
+  </p:clrMapOvr>
+</p:sld>
+</file>
+
+<file path=ppt/slides/slide20.xml><?xml version="1.0" encoding="utf-8"?>
 <p:sld xmlns:a="http://schemas.openxmlformats.org/drawingml/2006/main" xmlns:r="http://schemas.openxmlformats.org/officeDocument/2006/relationships" xmlns:p="http://schemas.openxmlformats.org/presentationml/2006/main">
   <p:cSld>
     <p:spTree>
@@ -15070,7 +14392,7 @@
     </p:spTree>
     <p:extLst>
       <p:ext uri="{BB962C8B-B14F-4D97-AF65-F5344CB8AC3E}">
-        <p14:creationId xmlns:p14="http://schemas.microsoft.com/office/powerpoint/2010/main" val="2566216467"/>
+        <p14:creationId xmlns:p14="http://schemas.microsoft.com/office/powerpoint/2010/main" val="3305492185"/>
       </p:ext>
     </p:extLst>
   </p:cSld>
@@ -15080,7 +14402,7 @@
 </p:sld>
 </file>
 
-<file path=ppt/slides/slide8.xml><?xml version="1.0" encoding="utf-8"?>
+<file path=ppt/slides/slide21.xml><?xml version="1.0" encoding="utf-8"?>
 <p:sld xmlns:a="http://schemas.openxmlformats.org/drawingml/2006/main" xmlns:r="http://schemas.openxmlformats.org/officeDocument/2006/relationships" xmlns:p="http://schemas.openxmlformats.org/presentationml/2006/main">
   <p:cSld>
     <p:spTree>
@@ -16146,7 +15468,7 @@
     </p:spTree>
     <p:extLst>
       <p:ext uri="{BB962C8B-B14F-4D97-AF65-F5344CB8AC3E}">
-        <p14:creationId xmlns:p14="http://schemas.microsoft.com/office/powerpoint/2010/main" val="2707863712"/>
+        <p14:creationId xmlns:p14="http://schemas.microsoft.com/office/powerpoint/2010/main" val="3945925858"/>
       </p:ext>
     </p:extLst>
   </p:cSld>
@@ -16156,7 +15478,388 @@
 </p:sld>
 </file>
 
-<file path=ppt/slides/slide9.xml><?xml version="1.0" encoding="utf-8"?>
+<file path=ppt/slides/slide22.xml><?xml version="1.0" encoding="utf-8"?>
+<p:sld xmlns:a="http://schemas.openxmlformats.org/drawingml/2006/main" xmlns:r="http://schemas.openxmlformats.org/officeDocument/2006/relationships" xmlns:p="http://schemas.openxmlformats.org/presentationml/2006/main">
+  <p:cSld>
+    <p:spTree>
+      <p:nvGrpSpPr>
+        <p:cNvPr id="1" name=""/>
+        <p:cNvGrpSpPr/>
+        <p:nvPr/>
+      </p:nvGrpSpPr>
+      <p:grpSpPr>
+        <a:xfrm>
+          <a:off x="0" y="0"/>
+          <a:ext cx="0" cy="0"/>
+          <a:chOff x="0" y="0"/>
+          <a:chExt cx="0" cy="0"/>
+        </a:xfrm>
+      </p:grpSpPr>
+      <p:sp>
+        <p:nvSpPr>
+          <p:cNvPr id="2" name="Title 1">
+            <a:extLst>
+              <a:ext uri="{FF2B5EF4-FFF2-40B4-BE49-F238E27FC236}">
+                <a16:creationId xmlns:a16="http://schemas.microsoft.com/office/drawing/2014/main" id="{D4B90E71-48FE-6891-CBCF-6077A083D75E}"/>
+              </a:ext>
+            </a:extLst>
+          </p:cNvPr>
+          <p:cNvSpPr>
+            <a:spLocks noGrp="1"/>
+          </p:cNvSpPr>
+          <p:nvPr>
+            <p:ph type="title"/>
+          </p:nvPr>
+        </p:nvSpPr>
+        <p:spPr/>
+        <p:txBody>
+          <a:bodyPr/>
+          <a:lstStyle/>
+          <a:p>
+            <a:pPr algn="ctr"/>
+            <a:r>
+              <a:rPr lang="en-US" dirty="0"/>
+              <a:t>Tidy Data</a:t>
+            </a:r>
+          </a:p>
+        </p:txBody>
+      </p:sp>
+      <p:sp>
+        <p:nvSpPr>
+          <p:cNvPr id="3" name="Content Placeholder 2">
+            <a:extLst>
+              <a:ext uri="{FF2B5EF4-FFF2-40B4-BE49-F238E27FC236}">
+                <a16:creationId xmlns:a16="http://schemas.microsoft.com/office/drawing/2014/main" id="{0280FA68-37CF-3C33-BDCF-FE09125952D1}"/>
+              </a:ext>
+            </a:extLst>
+          </p:cNvPr>
+          <p:cNvSpPr>
+            <a:spLocks noGrp="1"/>
+          </p:cNvSpPr>
+          <p:nvPr>
+            <p:ph idx="1"/>
+          </p:nvPr>
+        </p:nvSpPr>
+        <p:spPr/>
+        <p:txBody>
+          <a:bodyPr/>
+          <a:lstStyle/>
+          <a:p>
+            <a:r>
+              <a:rPr lang="en-US" dirty="0"/>
+              <a:t>Erika fill in</a:t>
+            </a:r>
+          </a:p>
+        </p:txBody>
+      </p:sp>
+    </p:spTree>
+    <p:extLst>
+      <p:ext uri="{BB962C8B-B14F-4D97-AF65-F5344CB8AC3E}">
+        <p14:creationId xmlns:p14="http://schemas.microsoft.com/office/powerpoint/2010/main" val="1619483221"/>
+      </p:ext>
+    </p:extLst>
+  </p:cSld>
+  <p:clrMapOvr>
+    <a:masterClrMapping/>
+  </p:clrMapOvr>
+</p:sld>
+</file>
+
+<file path=ppt/slides/slide3.xml><?xml version="1.0" encoding="utf-8"?>
+<p:sld xmlns:a="http://schemas.openxmlformats.org/drawingml/2006/main" xmlns:r="http://schemas.openxmlformats.org/officeDocument/2006/relationships" xmlns:p="http://schemas.openxmlformats.org/presentationml/2006/main">
+  <p:cSld>
+    <p:spTree>
+      <p:nvGrpSpPr>
+        <p:cNvPr id="1" name=""/>
+        <p:cNvGrpSpPr/>
+        <p:nvPr/>
+      </p:nvGrpSpPr>
+      <p:grpSpPr>
+        <a:xfrm>
+          <a:off x="0" y="0"/>
+          <a:ext cx="0" cy="0"/>
+          <a:chOff x="0" y="0"/>
+          <a:chExt cx="0" cy="0"/>
+        </a:xfrm>
+      </p:grpSpPr>
+      <p:sp>
+        <p:nvSpPr>
+          <p:cNvPr id="2" name="Title 1">
+            <a:extLst>
+              <a:ext uri="{FF2B5EF4-FFF2-40B4-BE49-F238E27FC236}">
+                <a16:creationId xmlns:a16="http://schemas.microsoft.com/office/drawing/2014/main" id="{3F79B21A-F1F7-1CA5-C645-5D2A5E3FA2D8}"/>
+              </a:ext>
+            </a:extLst>
+          </p:cNvPr>
+          <p:cNvSpPr>
+            <a:spLocks noGrp="1"/>
+          </p:cNvSpPr>
+          <p:nvPr>
+            <p:ph type="title"/>
+          </p:nvPr>
+        </p:nvSpPr>
+        <p:spPr/>
+        <p:txBody>
+          <a:bodyPr/>
+          <a:lstStyle/>
+          <a:p>
+            <a:pPr algn="ctr"/>
+            <a:r>
+              <a:rPr lang="en-US" dirty="0"/>
+              <a:t>Free Intro to R Workshop</a:t>
+            </a:r>
+          </a:p>
+        </p:txBody>
+      </p:sp>
+      <p:pic>
+        <p:nvPicPr>
+          <p:cNvPr id="5" name="Content Placeholder 4" descr="A screenshot of a computer&#10;&#10;AI-generated content may be incorrect.">
+            <a:extLst>
+              <a:ext uri="{FF2B5EF4-FFF2-40B4-BE49-F238E27FC236}">
+                <a16:creationId xmlns:a16="http://schemas.microsoft.com/office/drawing/2014/main" id="{827F1506-1EE9-8B88-F560-BBFFBA4DA69F}"/>
+              </a:ext>
+            </a:extLst>
+          </p:cNvPr>
+          <p:cNvPicPr>
+            <a:picLocks noGrp="1" noChangeAspect="1"/>
+          </p:cNvPicPr>
+          <p:nvPr>
+            <p:ph idx="1"/>
+          </p:nvPr>
+        </p:nvPicPr>
+        <p:blipFill>
+          <a:blip r:embed="rId2"/>
+          <a:stretch>
+            <a:fillRect/>
+          </a:stretch>
+        </p:blipFill>
+        <p:spPr>
+          <a:xfrm>
+            <a:off x="1441194" y="1825625"/>
+            <a:ext cx="9309611" cy="4351338"/>
+          </a:xfrm>
+        </p:spPr>
+      </p:pic>
+      <p:sp>
+        <p:nvSpPr>
+          <p:cNvPr id="6" name="TextBox 5">
+            <a:extLst>
+              <a:ext uri="{FF2B5EF4-FFF2-40B4-BE49-F238E27FC236}">
+                <a16:creationId xmlns:a16="http://schemas.microsoft.com/office/drawing/2014/main" id="{57967576-7FCE-D75D-7AE6-456EAB67DB97}"/>
+              </a:ext>
+            </a:extLst>
+          </p:cNvPr>
+          <p:cNvSpPr txBox="1"/>
+          <p:nvPr/>
+        </p:nvSpPr>
+        <p:spPr>
+          <a:xfrm>
+            <a:off x="115707" y="6311900"/>
+            <a:ext cx="3099816" cy="369332"/>
+          </a:xfrm>
+          <a:prstGeom prst="rect">
+            <a:avLst/>
+          </a:prstGeom>
+          <a:noFill/>
+        </p:spPr>
+        <p:txBody>
+          <a:bodyPr wrap="square" rtlCol="0">
+            <a:spAutoFit/>
+          </a:bodyPr>
+          <a:lstStyle/>
+          <a:p>
+            <a:r>
+              <a:rPr lang="en-US" dirty="0">
+                <a:hlinkClick r:id="rId3"/>
+              </a:rPr>
+              <a:t>R Crash Course GitHub Link</a:t>
+            </a:r>
+            <a:endParaRPr lang="en-US" dirty="0"/>
+          </a:p>
+        </p:txBody>
+      </p:sp>
+      <p:pic>
+        <p:nvPicPr>
+          <p:cNvPr id="8" name="Picture 7" descr="A cartoon of a person with two animals&#10;&#10;AI-generated content may be incorrect.">
+            <a:extLst>
+              <a:ext uri="{FF2B5EF4-FFF2-40B4-BE49-F238E27FC236}">
+                <a16:creationId xmlns:a16="http://schemas.microsoft.com/office/drawing/2014/main" id="{DA3F16ED-CA57-193D-1E29-08AE95AB9B7C}"/>
+              </a:ext>
+            </a:extLst>
+          </p:cNvPr>
+          <p:cNvPicPr>
+            <a:picLocks noChangeAspect="1"/>
+          </p:cNvPicPr>
+          <p:nvPr/>
+        </p:nvPicPr>
+        <p:blipFill>
+          <a:blip r:embed="rId4"/>
+          <a:stretch>
+            <a:fillRect/>
+          </a:stretch>
+        </p:blipFill>
+        <p:spPr>
+          <a:xfrm>
+            <a:off x="499958" y="4441978"/>
+            <a:ext cx="1882471" cy="1869922"/>
+          </a:xfrm>
+          <a:prstGeom prst="ellipse">
+            <a:avLst/>
+          </a:prstGeom>
+          <a:ln>
+            <a:noFill/>
+          </a:ln>
+          <a:effectLst>
+            <a:softEdge rad="112500"/>
+          </a:effectLst>
+        </p:spPr>
+      </p:pic>
+    </p:spTree>
+    <p:extLst>
+      <p:ext uri="{BB962C8B-B14F-4D97-AF65-F5344CB8AC3E}">
+        <p14:creationId xmlns:p14="http://schemas.microsoft.com/office/powerpoint/2010/main" val="1877543471"/>
+      </p:ext>
+    </p:extLst>
+  </p:cSld>
+  <p:clrMapOvr>
+    <a:masterClrMapping/>
+  </p:clrMapOvr>
+</p:sld>
+</file>
+
+<file path=ppt/slides/slide4.xml><?xml version="1.0" encoding="utf-8"?>
+<p:sld xmlns:a="http://schemas.openxmlformats.org/drawingml/2006/main" xmlns:r="http://schemas.openxmlformats.org/officeDocument/2006/relationships" xmlns:p="http://schemas.openxmlformats.org/presentationml/2006/main">
+  <p:cSld>
+    <p:spTree>
+      <p:nvGrpSpPr>
+        <p:cNvPr id="1" name=""/>
+        <p:cNvGrpSpPr/>
+        <p:nvPr/>
+      </p:nvGrpSpPr>
+      <p:grpSpPr>
+        <a:xfrm>
+          <a:off x="0" y="0"/>
+          <a:ext cx="0" cy="0"/>
+          <a:chOff x="0" y="0"/>
+          <a:chExt cx="0" cy="0"/>
+        </a:xfrm>
+      </p:grpSpPr>
+      <p:sp>
+        <p:nvSpPr>
+          <p:cNvPr id="2" name="Title 1">
+            <a:extLst>
+              <a:ext uri="{FF2B5EF4-FFF2-40B4-BE49-F238E27FC236}">
+                <a16:creationId xmlns:a16="http://schemas.microsoft.com/office/drawing/2014/main" id="{7DDD590C-E632-2CE9-1F11-984741E24571}"/>
+              </a:ext>
+            </a:extLst>
+          </p:cNvPr>
+          <p:cNvSpPr>
+            <a:spLocks noGrp="1"/>
+          </p:cNvSpPr>
+          <p:nvPr>
+            <p:ph type="title"/>
+          </p:nvPr>
+        </p:nvSpPr>
+        <p:spPr/>
+        <p:txBody>
+          <a:bodyPr/>
+          <a:lstStyle/>
+          <a:p>
+            <a:pPr algn="ctr"/>
+            <a:r>
+              <a:rPr lang="en-US" dirty="0"/>
+              <a:t>Agenda</a:t>
+            </a:r>
+          </a:p>
+        </p:txBody>
+      </p:sp>
+      <p:sp>
+        <p:nvSpPr>
+          <p:cNvPr id="3" name="Content Placeholder 2">
+            <a:extLst>
+              <a:ext uri="{FF2B5EF4-FFF2-40B4-BE49-F238E27FC236}">
+                <a16:creationId xmlns:a16="http://schemas.microsoft.com/office/drawing/2014/main" id="{8817B3E3-A203-3400-73A8-852C404CAE71}"/>
+              </a:ext>
+            </a:extLst>
+          </p:cNvPr>
+          <p:cNvSpPr>
+            <a:spLocks noGrp="1"/>
+          </p:cNvSpPr>
+          <p:nvPr>
+            <p:ph idx="1"/>
+          </p:nvPr>
+        </p:nvSpPr>
+        <p:spPr/>
+        <p:txBody>
+          <a:bodyPr/>
+          <a:lstStyle/>
+          <a:p>
+            <a:pPr lvl="1"/>
+            <a:endParaRPr lang="en-US" dirty="0"/>
+          </a:p>
+          <a:p>
+            <a:pPr marL="571500" indent="-571500">
+              <a:buFont typeface="+mj-lt"/>
+              <a:buAutoNum type="romanUcPeriod"/>
+            </a:pPr>
+            <a:r>
+              <a:rPr lang="en-US" dirty="0"/>
+              <a:t>R Overview</a:t>
+            </a:r>
+          </a:p>
+          <a:p>
+            <a:pPr marL="571500" indent="-571500">
+              <a:buFont typeface="+mj-lt"/>
+              <a:buAutoNum type="romanUcPeriod"/>
+            </a:pPr>
+            <a:r>
+              <a:rPr lang="en-US" dirty="0"/>
+              <a:t>R Markdown</a:t>
+            </a:r>
+          </a:p>
+          <a:p>
+            <a:pPr marL="571500" indent="-571500">
+              <a:buFont typeface="+mj-lt"/>
+              <a:buAutoNum type="romanUcPeriod"/>
+            </a:pPr>
+            <a:r>
+              <a:rPr lang="en-US" dirty="0"/>
+              <a:t>Git/GitHub</a:t>
+            </a:r>
+          </a:p>
+          <a:p>
+            <a:pPr marL="571500" indent="-571500">
+              <a:buFont typeface="+mj-lt"/>
+              <a:buAutoNum type="romanUcPeriod"/>
+            </a:pPr>
+            <a:r>
+              <a:rPr lang="en-US" dirty="0"/>
+              <a:t>Tidy data </a:t>
+            </a:r>
+          </a:p>
+          <a:p>
+            <a:pPr marL="571500" indent="-571500">
+              <a:buFont typeface="+mj-lt"/>
+              <a:buAutoNum type="romanUcPeriod"/>
+            </a:pPr>
+            <a:endParaRPr lang="en-US" dirty="0"/>
+          </a:p>
+        </p:txBody>
+      </p:sp>
+    </p:spTree>
+    <p:extLst>
+      <p:ext uri="{BB962C8B-B14F-4D97-AF65-F5344CB8AC3E}">
+        <p14:creationId xmlns:p14="http://schemas.microsoft.com/office/powerpoint/2010/main" val="3678490627"/>
+      </p:ext>
+    </p:extLst>
+  </p:cSld>
+  <p:clrMapOvr>
+    <a:masterClrMapping/>
+  </p:clrMapOvr>
+</p:sld>
+</file>
+
+<file path=ppt/slides/slide5.xml><?xml version="1.0" encoding="utf-8"?>
 <p:sld xmlns:a="http://schemas.openxmlformats.org/drawingml/2006/main" xmlns:r="http://schemas.openxmlformats.org/officeDocument/2006/relationships" xmlns:p="http://schemas.openxmlformats.org/presentationml/2006/main">
   <p:cSld>
     <p:spTree>
@@ -16370,6 +16073,553 @@
     <p:extLst>
       <p:ext uri="{BB962C8B-B14F-4D97-AF65-F5344CB8AC3E}">
         <p14:creationId xmlns:p14="http://schemas.microsoft.com/office/powerpoint/2010/main" val="1132508629"/>
+      </p:ext>
+    </p:extLst>
+  </p:cSld>
+  <p:clrMapOvr>
+    <a:masterClrMapping/>
+  </p:clrMapOvr>
+</p:sld>
+</file>
+
+<file path=ppt/slides/slide6.xml><?xml version="1.0" encoding="utf-8"?>
+<p:sld xmlns:a="http://schemas.openxmlformats.org/drawingml/2006/main" xmlns:r="http://schemas.openxmlformats.org/officeDocument/2006/relationships" xmlns:p="http://schemas.openxmlformats.org/presentationml/2006/main">
+  <p:cSld>
+    <p:spTree>
+      <p:nvGrpSpPr>
+        <p:cNvPr id="1" name=""/>
+        <p:cNvGrpSpPr/>
+        <p:nvPr/>
+      </p:nvGrpSpPr>
+      <p:grpSpPr>
+        <a:xfrm>
+          <a:off x="0" y="0"/>
+          <a:ext cx="0" cy="0"/>
+          <a:chOff x="0" y="0"/>
+          <a:chExt cx="0" cy="0"/>
+        </a:xfrm>
+      </p:grpSpPr>
+      <p:sp>
+        <p:nvSpPr>
+          <p:cNvPr id="2" name="Title 1">
+            <a:extLst>
+              <a:ext uri="{FF2B5EF4-FFF2-40B4-BE49-F238E27FC236}">
+                <a16:creationId xmlns:a16="http://schemas.microsoft.com/office/drawing/2014/main" id="{11EC0683-F7D3-1235-B856-038D12121D96}"/>
+              </a:ext>
+            </a:extLst>
+          </p:cNvPr>
+          <p:cNvSpPr>
+            <a:spLocks noGrp="1"/>
+          </p:cNvSpPr>
+          <p:nvPr>
+            <p:ph type="title"/>
+          </p:nvPr>
+        </p:nvSpPr>
+        <p:spPr/>
+        <p:txBody>
+          <a:bodyPr/>
+          <a:lstStyle/>
+          <a:p>
+            <a:pPr algn="ctr"/>
+            <a:r>
+              <a:rPr lang="en-US" dirty="0"/>
+              <a:t>RStudio Layout</a:t>
+            </a:r>
+          </a:p>
+        </p:txBody>
+      </p:sp>
+      <p:pic>
+        <p:nvPicPr>
+          <p:cNvPr id="5" name="Content Placeholder 4" descr="A screenshot of a computer&#10;&#10;AI-generated content may be incorrect.">
+            <a:extLst>
+              <a:ext uri="{FF2B5EF4-FFF2-40B4-BE49-F238E27FC236}">
+                <a16:creationId xmlns:a16="http://schemas.microsoft.com/office/drawing/2014/main" id="{1A4A2778-38C5-8070-FA97-247AAFDE9185}"/>
+              </a:ext>
+            </a:extLst>
+          </p:cNvPr>
+          <p:cNvPicPr>
+            <a:picLocks noGrp="1" noChangeAspect="1"/>
+          </p:cNvPicPr>
+          <p:nvPr>
+            <p:ph idx="1"/>
+          </p:nvPr>
+        </p:nvPicPr>
+        <p:blipFill>
+          <a:blip r:embed="rId3"/>
+          <a:stretch>
+            <a:fillRect/>
+          </a:stretch>
+        </p:blipFill>
+        <p:spPr>
+          <a:xfrm>
+            <a:off x="4303644" y="1586751"/>
+            <a:ext cx="6778652" cy="5087169"/>
+          </a:xfrm>
+        </p:spPr>
+      </p:pic>
+      <p:sp>
+        <p:nvSpPr>
+          <p:cNvPr id="6" name="TextBox 5">
+            <a:extLst>
+              <a:ext uri="{FF2B5EF4-FFF2-40B4-BE49-F238E27FC236}">
+                <a16:creationId xmlns:a16="http://schemas.microsoft.com/office/drawing/2014/main" id="{F2457307-1BC6-0145-AFFD-2317D3044C64}"/>
+              </a:ext>
+            </a:extLst>
+          </p:cNvPr>
+          <p:cNvSpPr txBox="1"/>
+          <p:nvPr/>
+        </p:nvSpPr>
+        <p:spPr>
+          <a:xfrm>
+            <a:off x="407505" y="1690688"/>
+            <a:ext cx="3478696" cy="4401205"/>
+          </a:xfrm>
+          <a:prstGeom prst="rect">
+            <a:avLst/>
+          </a:prstGeom>
+          <a:noFill/>
+        </p:spPr>
+        <p:txBody>
+          <a:bodyPr wrap="square" rtlCol="0">
+            <a:spAutoFit/>
+          </a:bodyPr>
+          <a:lstStyle/>
+          <a:p>
+            <a:r>
+              <a:rPr lang="en-US" sz="2800" dirty="0"/>
+              <a:t>*Open RStudio on your device to follow along</a:t>
+            </a:r>
+          </a:p>
+          <a:p>
+            <a:endParaRPr lang="en-US" sz="2800" dirty="0"/>
+          </a:p>
+          <a:p>
+            <a:endParaRPr lang="en-US" sz="2800" dirty="0"/>
+          </a:p>
+          <a:p>
+            <a:endParaRPr lang="en-US" sz="2800" dirty="0"/>
+          </a:p>
+          <a:p>
+            <a:endParaRPr lang="en-US" sz="2800" dirty="0">
+              <a:hlinkClick r:id="rId4"/>
+            </a:endParaRPr>
+          </a:p>
+          <a:p>
+            <a:endParaRPr lang="en-US" sz="2800" dirty="0">
+              <a:hlinkClick r:id="rId4"/>
+            </a:endParaRPr>
+          </a:p>
+          <a:p>
+            <a:r>
+              <a:rPr lang="en-US" sz="2800" dirty="0">
+                <a:hlinkClick r:id="rId4"/>
+              </a:rPr>
+              <a:t>Link to RStudio IDE Cheatsheet</a:t>
+            </a:r>
+            <a:endParaRPr lang="en-US" sz="2800" dirty="0"/>
+          </a:p>
+        </p:txBody>
+      </p:sp>
+    </p:spTree>
+    <p:extLst>
+      <p:ext uri="{BB962C8B-B14F-4D97-AF65-F5344CB8AC3E}">
+        <p14:creationId xmlns:p14="http://schemas.microsoft.com/office/powerpoint/2010/main" val="2496282167"/>
+      </p:ext>
+    </p:extLst>
+  </p:cSld>
+  <p:clrMapOvr>
+    <a:masterClrMapping/>
+  </p:clrMapOvr>
+</p:sld>
+</file>
+
+<file path=ppt/slides/slide7.xml><?xml version="1.0" encoding="utf-8"?>
+<p:sld xmlns:a="http://schemas.openxmlformats.org/drawingml/2006/main" xmlns:r="http://schemas.openxmlformats.org/officeDocument/2006/relationships" xmlns:p="http://schemas.openxmlformats.org/presentationml/2006/main">
+  <p:cSld>
+    <p:spTree>
+      <p:nvGrpSpPr>
+        <p:cNvPr id="1" name=""/>
+        <p:cNvGrpSpPr/>
+        <p:nvPr/>
+      </p:nvGrpSpPr>
+      <p:grpSpPr>
+        <a:xfrm>
+          <a:off x="0" y="0"/>
+          <a:ext cx="0" cy="0"/>
+          <a:chOff x="0" y="0"/>
+          <a:chExt cx="0" cy="0"/>
+        </a:xfrm>
+      </p:grpSpPr>
+      <p:sp>
+        <p:nvSpPr>
+          <p:cNvPr id="2" name="Title 1">
+            <a:extLst>
+              <a:ext uri="{FF2B5EF4-FFF2-40B4-BE49-F238E27FC236}">
+                <a16:creationId xmlns:a16="http://schemas.microsoft.com/office/drawing/2014/main" id="{C34D917C-0352-4070-5A59-B74559D3A563}"/>
+              </a:ext>
+            </a:extLst>
+          </p:cNvPr>
+          <p:cNvSpPr>
+            <a:spLocks noGrp="1"/>
+          </p:cNvSpPr>
+          <p:nvPr>
+            <p:ph type="title"/>
+          </p:nvPr>
+        </p:nvSpPr>
+        <p:spPr/>
+        <p:txBody>
+          <a:bodyPr/>
+          <a:lstStyle/>
+          <a:p>
+            <a:pPr algn="ctr"/>
+            <a:r>
+              <a:rPr lang="en-US" dirty="0"/>
+              <a:t>How R Integrates with Your System</a:t>
+            </a:r>
+          </a:p>
+        </p:txBody>
+      </p:sp>
+      <p:sp>
+        <p:nvSpPr>
+          <p:cNvPr id="3" name="Content Placeholder 2">
+            <a:extLst>
+              <a:ext uri="{FF2B5EF4-FFF2-40B4-BE49-F238E27FC236}">
+                <a16:creationId xmlns:a16="http://schemas.microsoft.com/office/drawing/2014/main" id="{B390F8D3-C090-74C2-4B06-0193B5299946}"/>
+              </a:ext>
+            </a:extLst>
+          </p:cNvPr>
+          <p:cNvSpPr>
+            <a:spLocks noGrp="1"/>
+          </p:cNvSpPr>
+          <p:nvPr>
+            <p:ph idx="1"/>
+          </p:nvPr>
+        </p:nvSpPr>
+        <p:spPr/>
+        <p:txBody>
+          <a:bodyPr/>
+          <a:lstStyle/>
+          <a:p>
+            <a:r>
+              <a:rPr lang="en-US" b="1" dirty="0"/>
+              <a:t>Working directory</a:t>
+            </a:r>
+            <a:r>
+              <a:rPr lang="en-US" dirty="0"/>
+              <a:t> - The file path on your computer that you are working out of. This is where R will look (unless you tell it otherwise) for data and will save any objects you export from R to this destination.</a:t>
+            </a:r>
+          </a:p>
+          <a:p>
+            <a:endParaRPr lang="en-US" dirty="0"/>
+          </a:p>
+          <a:p>
+            <a:r>
+              <a:rPr lang="en-US" b="1" dirty="0"/>
+              <a:t>RStudio project</a:t>
+            </a:r>
+            <a:r>
+              <a:rPr lang="en-US" dirty="0"/>
+              <a:t> - Enables your work to be bundled in a self-contained folder. When you open a project your directory will automatically be set to the location where the project is saved. Allows you to easily share code.</a:t>
+            </a:r>
+          </a:p>
+        </p:txBody>
+      </p:sp>
+    </p:spTree>
+    <p:extLst>
+      <p:ext uri="{BB962C8B-B14F-4D97-AF65-F5344CB8AC3E}">
+        <p14:creationId xmlns:p14="http://schemas.microsoft.com/office/powerpoint/2010/main" val="994330739"/>
+      </p:ext>
+    </p:extLst>
+  </p:cSld>
+  <p:clrMapOvr>
+    <a:masterClrMapping/>
+  </p:clrMapOvr>
+</p:sld>
+</file>
+
+<file path=ppt/slides/slide8.xml><?xml version="1.0" encoding="utf-8"?>
+<p:sld xmlns:a="http://schemas.openxmlformats.org/drawingml/2006/main" xmlns:r="http://schemas.openxmlformats.org/officeDocument/2006/relationships" xmlns:p="http://schemas.openxmlformats.org/presentationml/2006/main">
+  <p:cSld>
+    <p:spTree>
+      <p:nvGrpSpPr>
+        <p:cNvPr id="1" name=""/>
+        <p:cNvGrpSpPr/>
+        <p:nvPr/>
+      </p:nvGrpSpPr>
+      <p:grpSpPr>
+        <a:xfrm>
+          <a:off x="0" y="0"/>
+          <a:ext cx="0" cy="0"/>
+          <a:chOff x="0" y="0"/>
+          <a:chExt cx="0" cy="0"/>
+        </a:xfrm>
+      </p:grpSpPr>
+      <p:sp>
+        <p:nvSpPr>
+          <p:cNvPr id="2" name="Title 1">
+            <a:extLst>
+              <a:ext uri="{FF2B5EF4-FFF2-40B4-BE49-F238E27FC236}">
+                <a16:creationId xmlns:a16="http://schemas.microsoft.com/office/drawing/2014/main" id="{0C98B4D3-7085-DDB0-2B5F-25F40165C0DC}"/>
+              </a:ext>
+            </a:extLst>
+          </p:cNvPr>
+          <p:cNvSpPr>
+            <a:spLocks noGrp="1"/>
+          </p:cNvSpPr>
+          <p:nvPr>
+            <p:ph type="title"/>
+          </p:nvPr>
+        </p:nvSpPr>
+        <p:spPr/>
+        <p:txBody>
+          <a:bodyPr/>
+          <a:lstStyle/>
+          <a:p>
+            <a:pPr algn="ctr"/>
+            <a:r>
+              <a:rPr lang="en-US" dirty="0"/>
+              <a:t>Folder/File Structure</a:t>
+            </a:r>
+          </a:p>
+        </p:txBody>
+      </p:sp>
+      <p:sp>
+        <p:nvSpPr>
+          <p:cNvPr id="3" name="Content Placeholder 2">
+            <a:extLst>
+              <a:ext uri="{FF2B5EF4-FFF2-40B4-BE49-F238E27FC236}">
+                <a16:creationId xmlns:a16="http://schemas.microsoft.com/office/drawing/2014/main" id="{48217470-1D47-46BA-580F-97D8C5B70191}"/>
+              </a:ext>
+            </a:extLst>
+          </p:cNvPr>
+          <p:cNvSpPr>
+            <a:spLocks noGrp="1"/>
+          </p:cNvSpPr>
+          <p:nvPr>
+            <p:ph idx="1"/>
+          </p:nvPr>
+        </p:nvSpPr>
+        <p:spPr/>
+        <p:txBody>
+          <a:bodyPr/>
+          <a:lstStyle/>
+          <a:p>
+            <a:pPr marL="0" indent="0">
+              <a:buNone/>
+            </a:pPr>
+            <a:r>
+              <a:rPr lang="en-US" dirty="0"/>
+              <a:t>When creating a folder structure for a project you want to aim for these things to increase reproducibility</a:t>
+            </a:r>
+          </a:p>
+          <a:p>
+            <a:pPr marL="0" indent="0">
+              <a:buNone/>
+            </a:pPr>
+            <a:endParaRPr lang="en-US" dirty="0"/>
+          </a:p>
+          <a:p>
+            <a:pPr marL="971550" lvl="1" indent="-514350">
+              <a:buFont typeface="+mj-lt"/>
+              <a:buAutoNum type="arabicPeriod"/>
+            </a:pPr>
+            <a:r>
+              <a:rPr lang="en-US" dirty="0"/>
+              <a:t>Well defined README</a:t>
+            </a:r>
+          </a:p>
+          <a:p>
+            <a:pPr marL="971550" lvl="1" indent="-514350">
+              <a:buFont typeface="+mj-lt"/>
+              <a:buAutoNum type="arabicPeriod"/>
+            </a:pPr>
+            <a:r>
+              <a:rPr lang="en-US" dirty="0"/>
+              <a:t>Easily understood by someone from any field</a:t>
+            </a:r>
+          </a:p>
+          <a:p>
+            <a:pPr marL="971550" lvl="1" indent="-514350">
+              <a:buFont typeface="+mj-lt"/>
+              <a:buAutoNum type="arabicPeriod"/>
+            </a:pPr>
+            <a:r>
+              <a:rPr lang="en-US" dirty="0"/>
+              <a:t>Short names, all lowercase, use _ for spaces</a:t>
+            </a:r>
+          </a:p>
+          <a:p>
+            <a:pPr marL="971550" lvl="1" indent="-514350">
+              <a:buFont typeface="+mj-lt"/>
+              <a:buAutoNum type="arabicPeriod"/>
+            </a:pPr>
+            <a:r>
+              <a:rPr lang="en-US" dirty="0"/>
+              <a:t>Only include nested folders when absolutely necessary</a:t>
+            </a:r>
+          </a:p>
+          <a:p>
+            <a:pPr marL="971550" lvl="1" indent="-514350">
+              <a:buFont typeface="+mj-lt"/>
+              <a:buAutoNum type="arabicPeriod"/>
+            </a:pPr>
+            <a:endParaRPr lang="en-US" dirty="0"/>
+          </a:p>
+        </p:txBody>
+      </p:sp>
+    </p:spTree>
+    <p:extLst>
+      <p:ext uri="{BB962C8B-B14F-4D97-AF65-F5344CB8AC3E}">
+        <p14:creationId xmlns:p14="http://schemas.microsoft.com/office/powerpoint/2010/main" val="1736784994"/>
+      </p:ext>
+    </p:extLst>
+  </p:cSld>
+  <p:clrMapOvr>
+    <a:masterClrMapping/>
+  </p:clrMapOvr>
+</p:sld>
+</file>
+
+<file path=ppt/slides/slide9.xml><?xml version="1.0" encoding="utf-8"?>
+<p:sld xmlns:a="http://schemas.openxmlformats.org/drawingml/2006/main" xmlns:r="http://schemas.openxmlformats.org/officeDocument/2006/relationships" xmlns:p="http://schemas.openxmlformats.org/presentationml/2006/main">
+  <p:cSld>
+    <p:spTree>
+      <p:nvGrpSpPr>
+        <p:cNvPr id="1" name=""/>
+        <p:cNvGrpSpPr/>
+        <p:nvPr/>
+      </p:nvGrpSpPr>
+      <p:grpSpPr>
+        <a:xfrm>
+          <a:off x="0" y="0"/>
+          <a:ext cx="0" cy="0"/>
+          <a:chOff x="0" y="0"/>
+          <a:chExt cx="0" cy="0"/>
+        </a:xfrm>
+      </p:grpSpPr>
+      <p:graphicFrame>
+        <p:nvGraphicFramePr>
+          <p:cNvPr id="4" name="Diagram 3">
+            <a:extLst>
+              <a:ext uri="{FF2B5EF4-FFF2-40B4-BE49-F238E27FC236}">
+                <a16:creationId xmlns:a16="http://schemas.microsoft.com/office/drawing/2014/main" id="{A2CEE108-F9FC-EB8D-E4AA-767615973A49}"/>
+              </a:ext>
+            </a:extLst>
+          </p:cNvPr>
+          <p:cNvGraphicFramePr/>
+          <p:nvPr>
+            <p:extLst>
+              <p:ext uri="{D42A27DB-BD31-4B8C-83A1-F6EECF244321}">
+                <p14:modId xmlns:p14="http://schemas.microsoft.com/office/powerpoint/2010/main" val="536154786"/>
+              </p:ext>
+            </p:extLst>
+          </p:nvPr>
+        </p:nvGraphicFramePr>
+        <p:xfrm>
+          <a:off x="0" y="995680"/>
+          <a:ext cx="12192000" cy="6858000"/>
+        </p:xfrm>
+        <a:graphic>
+          <a:graphicData uri="http://schemas.openxmlformats.org/drawingml/2006/diagram">
+            <dgm:relIds xmlns:dgm="http://schemas.openxmlformats.org/drawingml/2006/diagram" xmlns:r="http://schemas.openxmlformats.org/officeDocument/2006/relationships" r:dm="rId3" r:lo="rId4" r:qs="rId5" r:cs="rId6"/>
+          </a:graphicData>
+        </a:graphic>
+      </p:graphicFrame>
+      <p:pic>
+        <p:nvPicPr>
+          <p:cNvPr id="6" name="Graphic 5" descr="Star with solid fill">
+            <a:extLst>
+              <a:ext uri="{FF2B5EF4-FFF2-40B4-BE49-F238E27FC236}">
+                <a16:creationId xmlns:a16="http://schemas.microsoft.com/office/drawing/2014/main" id="{9E621567-6D02-2C18-8D1F-0F8C098138C9}"/>
+              </a:ext>
+            </a:extLst>
+          </p:cNvPr>
+          <p:cNvPicPr>
+            <a:picLocks noChangeAspect="1"/>
+          </p:cNvPicPr>
+          <p:nvPr/>
+        </p:nvPicPr>
+        <p:blipFill>
+          <a:blip r:embed="rId8">
+            <a:extLst>
+              <a:ext uri="{96DAC541-7B7A-43D3-8B79-37D633B846F1}">
+                <asvg:svgBlip xmlns:asvg="http://schemas.microsoft.com/office/drawing/2016/SVG/main" r:embed="rId9"/>
+              </a:ext>
+            </a:extLst>
+          </a:blip>
+          <a:stretch>
+            <a:fillRect/>
+          </a:stretch>
+        </p:blipFill>
+        <p:spPr>
+          <a:xfrm rot="487079">
+            <a:off x="11413780" y="3329135"/>
+            <a:ext cx="914400" cy="914400"/>
+          </a:xfrm>
+          <a:prstGeom prst="rect">
+            <a:avLst/>
+          </a:prstGeom>
+        </p:spPr>
+      </p:pic>
+      <p:sp>
+        <p:nvSpPr>
+          <p:cNvPr id="2" name="Title 1">
+            <a:extLst>
+              <a:ext uri="{FF2B5EF4-FFF2-40B4-BE49-F238E27FC236}">
+                <a16:creationId xmlns:a16="http://schemas.microsoft.com/office/drawing/2014/main" id="{7C88257F-397B-A219-A527-1A746326E421}"/>
+              </a:ext>
+            </a:extLst>
+          </p:cNvPr>
+          <p:cNvSpPr txBox="1">
+            <a:spLocks/>
+          </p:cNvSpPr>
+          <p:nvPr/>
+        </p:nvSpPr>
+        <p:spPr>
+          <a:xfrm>
+            <a:off x="838200" y="0"/>
+            <a:ext cx="10515600" cy="1325563"/>
+          </a:xfrm>
+          <a:prstGeom prst="rect">
+            <a:avLst/>
+          </a:prstGeom>
+        </p:spPr>
+        <p:txBody>
+          <a:bodyPr vert="horz" lIns="91440" tIns="45720" rIns="91440" bIns="45720" rtlCol="0" anchor="b">
+            <a:normAutofit/>
+          </a:bodyPr>
+          <a:lstStyle>
+            <a:lvl1pPr algn="ctr" defTabSz="914400" rtl="0" eaLnBrk="1" latinLnBrk="0" hangingPunct="1">
+              <a:lnSpc>
+                <a:spcPct val="90000"/>
+              </a:lnSpc>
+              <a:spcBef>
+                <a:spcPct val="0"/>
+              </a:spcBef>
+              <a:buNone/>
+              <a:defRPr sz="6000" kern="1200">
+                <a:solidFill>
+                  <a:schemeClr val="tx1"/>
+                </a:solidFill>
+                <a:latin typeface="+mj-lt"/>
+                <a:ea typeface="+mj-ea"/>
+                <a:cs typeface="+mj-cs"/>
+              </a:defRPr>
+            </a:lvl1pPr>
+          </a:lstStyle>
+          <a:p>
+            <a:r>
+              <a:rPr lang="en-US"/>
+              <a:t>Example Starting Folder Structure</a:t>
+            </a:r>
+            <a:endParaRPr lang="en-US" dirty="0"/>
+          </a:p>
+        </p:txBody>
+      </p:sp>
+    </p:spTree>
+    <p:extLst>
+      <p:ext uri="{BB962C8B-B14F-4D97-AF65-F5344CB8AC3E}">
+        <p14:creationId xmlns:p14="http://schemas.microsoft.com/office/powerpoint/2010/main" val="3412106931"/>
       </p:ext>
     </p:extLst>
   </p:cSld>

--- a/docs/Reproducible research in R.pptx
+++ b/docs/Reproducible research in R.pptx
@@ -7435,6 +7435,97 @@
           <a:lstStyle/>
           <a:p>
             <a:r>
+              <a:rPr lang="en-US" dirty="0" err="1"/>
+              <a:t>Diffeentiate</a:t>
+            </a:r>
+            <a:r>
+              <a:rPr lang="en-US" dirty="0"/>
+              <a:t> though process</a:t>
+            </a:r>
+          </a:p>
+        </p:txBody>
+      </p:sp>
+      <p:sp>
+        <p:nvSpPr>
+          <p:cNvPr id="4" name="Slide Number Placeholder 3"/>
+          <p:cNvSpPr>
+            <a:spLocks noGrp="1"/>
+          </p:cNvSpPr>
+          <p:nvPr>
+            <p:ph type="sldNum" sz="quarter" idx="5"/>
+          </p:nvPr>
+        </p:nvSpPr>
+        <p:spPr/>
+        <p:txBody>
+          <a:bodyPr/>
+          <a:lstStyle/>
+          <a:p>
+            <a:fld id="{37496C56-F9E7-8A4C-85EB-B40E19913C19}" type="slidenum">
+              <a:rPr lang="en-US" smtClean="0"/>
+              <a:t>15</a:t>
+            </a:fld>
+            <a:endParaRPr lang="en-US"/>
+          </a:p>
+        </p:txBody>
+      </p:sp>
+    </p:spTree>
+    <p:extLst>
+      <p:ext uri="{BB962C8B-B14F-4D97-AF65-F5344CB8AC3E}">
+        <p14:creationId xmlns:p14="http://schemas.microsoft.com/office/powerpoint/2010/main" val="633233021"/>
+      </p:ext>
+    </p:extLst>
+  </p:cSld>
+  <p:clrMapOvr>
+    <a:masterClrMapping/>
+  </p:clrMapOvr>
+</p:notes>
+</file>
+
+<file path=ppt/notesSlides/notesSlide8.xml><?xml version="1.0" encoding="utf-8"?>
+<p:notes xmlns:a="http://schemas.openxmlformats.org/drawingml/2006/main" xmlns:r="http://schemas.openxmlformats.org/officeDocument/2006/relationships" xmlns:p="http://schemas.openxmlformats.org/presentationml/2006/main">
+  <p:cSld>
+    <p:spTree>
+      <p:nvGrpSpPr>
+        <p:cNvPr id="1" name=""/>
+        <p:cNvGrpSpPr/>
+        <p:nvPr/>
+      </p:nvGrpSpPr>
+      <p:grpSpPr>
+        <a:xfrm>
+          <a:off x="0" y="0"/>
+          <a:ext cx="0" cy="0"/>
+          <a:chOff x="0" y="0"/>
+          <a:chExt cx="0" cy="0"/>
+        </a:xfrm>
+      </p:grpSpPr>
+      <p:sp>
+        <p:nvSpPr>
+          <p:cNvPr id="2" name="Slide Image Placeholder 1"/>
+          <p:cNvSpPr>
+            <a:spLocks noGrp="1" noRot="1" noChangeAspect="1"/>
+          </p:cNvSpPr>
+          <p:nvPr>
+            <p:ph type="sldImg"/>
+          </p:nvPr>
+        </p:nvSpPr>
+        <p:spPr/>
+      </p:sp>
+      <p:sp>
+        <p:nvSpPr>
+          <p:cNvPr id="3" name="Notes Placeholder 2"/>
+          <p:cNvSpPr>
+            <a:spLocks noGrp="1"/>
+          </p:cNvSpPr>
+          <p:nvPr>
+            <p:ph type="body" idx="1"/>
+          </p:nvPr>
+        </p:nvSpPr>
+        <p:spPr/>
+        <p:txBody>
+          <a:bodyPr/>
+          <a:lstStyle/>
+          <a:p>
+            <a:r>
               <a:rPr lang="en-US" dirty="0"/>
               <a:t>One of the biggest learning curves with coding is that you will never be taught everything you need to know in a course AND even if you have been taught or given code for something every dataset is different and you will need to make changes even if the code has worked before. So rather than covering examples of specific thigs and then having you practice those things in your own R Markdown file, we are going to have you practice generating an R Markdown from scratch without covering everything explicitly. You have a </a:t>
             </a:r>
@@ -11854,7 +11945,10 @@
           </a:p>
           <a:p>
             <a:pPr lvl="1"/>
-            <a:endParaRPr lang="en-US" dirty="0"/>
+            <a:r>
+              <a:rPr lang="en-US" dirty="0"/>
+              <a:t>Read in _____ data in tidy format</a:t>
+            </a:r>
           </a:p>
           <a:p>
             <a:pPr lvl="1"/>

--- a/docs/Reproducible research in R.pptx
+++ b/docs/Reproducible research in R.pptx
@@ -5,7 +5,7 @@
     <p:sldMasterId id="2147483648" r:id="rId1"/>
   </p:sldMasterIdLst>
   <p:notesMasterIdLst>
-    <p:notesMasterId r:id="rId24"/>
+    <p:notesMasterId r:id="rId25"/>
   </p:notesMasterIdLst>
   <p:sldIdLst>
     <p:sldId id="256" r:id="rId2"/>
@@ -25,11 +25,12 @@
     <p:sldId id="272" r:id="rId16"/>
     <p:sldId id="273" r:id="rId17"/>
     <p:sldId id="279" r:id="rId18"/>
-    <p:sldId id="259" r:id="rId19"/>
-    <p:sldId id="276" r:id="rId20"/>
-    <p:sldId id="277" r:id="rId21"/>
-    <p:sldId id="278" r:id="rId22"/>
-    <p:sldId id="274" r:id="rId23"/>
+    <p:sldId id="280" r:id="rId19"/>
+    <p:sldId id="259" r:id="rId20"/>
+    <p:sldId id="276" r:id="rId21"/>
+    <p:sldId id="277" r:id="rId22"/>
+    <p:sldId id="278" r:id="rId23"/>
+    <p:sldId id="274" r:id="rId24"/>
   </p:sldIdLst>
   <p:sldSz cx="12192000" cy="6858000"/>
   <p:notesSz cx="6858000" cy="9144000"/>
@@ -5728,7 +5729,7 @@
           <a:p>
             <a:fld id="{6435B03D-516F-5A44-9365-C1C2D3DF7245}" type="datetimeFigureOut">
               <a:rPr lang="en-US" smtClean="0"/>
-              <a:t>6/10/25</a:t>
+              <a:t>6/22/25</a:t>
             </a:fld>
             <a:endParaRPr lang="en-US"/>
           </a:p>
@@ -7576,6 +7577,90 @@
 </p:notes>
 </file>
 
+<file path=ppt/notesSlides/notesSlide9.xml><?xml version="1.0" encoding="utf-8"?>
+<p:notes xmlns:a="http://schemas.openxmlformats.org/drawingml/2006/main" xmlns:r="http://schemas.openxmlformats.org/officeDocument/2006/relationships" xmlns:p="http://schemas.openxmlformats.org/presentationml/2006/main">
+  <p:cSld>
+    <p:spTree>
+      <p:nvGrpSpPr>
+        <p:cNvPr id="1" name=""/>
+        <p:cNvGrpSpPr/>
+        <p:nvPr/>
+      </p:nvGrpSpPr>
+      <p:grpSpPr>
+        <a:xfrm>
+          <a:off x="0" y="0"/>
+          <a:ext cx="0" cy="0"/>
+          <a:chOff x="0" y="0"/>
+          <a:chExt cx="0" cy="0"/>
+        </a:xfrm>
+      </p:grpSpPr>
+      <p:sp>
+        <p:nvSpPr>
+          <p:cNvPr id="2" name="Slide Image Placeholder 1"/>
+          <p:cNvSpPr>
+            <a:spLocks noGrp="1" noRot="1" noChangeAspect="1"/>
+          </p:cNvSpPr>
+          <p:nvPr>
+            <p:ph type="sldImg"/>
+          </p:nvPr>
+        </p:nvSpPr>
+        <p:spPr/>
+      </p:sp>
+      <p:sp>
+        <p:nvSpPr>
+          <p:cNvPr id="3" name="Notes Placeholder 2"/>
+          <p:cNvSpPr>
+            <a:spLocks noGrp="1"/>
+          </p:cNvSpPr>
+          <p:nvPr>
+            <p:ph type="body" idx="1"/>
+          </p:nvPr>
+        </p:nvSpPr>
+        <p:spPr/>
+        <p:txBody>
+          <a:bodyPr/>
+          <a:lstStyle/>
+          <a:p>
+            <a:endParaRPr lang="en-US" dirty="0"/>
+          </a:p>
+        </p:txBody>
+      </p:sp>
+      <p:sp>
+        <p:nvSpPr>
+          <p:cNvPr id="4" name="Slide Number Placeholder 3"/>
+          <p:cNvSpPr>
+            <a:spLocks noGrp="1"/>
+          </p:cNvSpPr>
+          <p:nvPr>
+            <p:ph type="sldNum" sz="quarter" idx="5"/>
+          </p:nvPr>
+        </p:nvSpPr>
+        <p:spPr/>
+        <p:txBody>
+          <a:bodyPr/>
+          <a:lstStyle/>
+          <a:p>
+            <a:fld id="{37496C56-F9E7-8A4C-85EB-B40E19913C19}" type="slidenum">
+              <a:rPr lang="en-US" smtClean="0"/>
+              <a:t>18</a:t>
+            </a:fld>
+            <a:endParaRPr lang="en-US"/>
+          </a:p>
+        </p:txBody>
+      </p:sp>
+    </p:spTree>
+    <p:extLst>
+      <p:ext uri="{BB962C8B-B14F-4D97-AF65-F5344CB8AC3E}">
+        <p14:creationId xmlns:p14="http://schemas.microsoft.com/office/powerpoint/2010/main" val="3733849931"/>
+      </p:ext>
+    </p:extLst>
+  </p:cSld>
+  <p:clrMapOvr>
+    <a:masterClrMapping/>
+  </p:clrMapOvr>
+</p:notes>
+</file>
+
 <file path=ppt/slideLayouts/slideLayout1.xml><?xml version="1.0" encoding="utf-8"?>
 <p:sldLayout xmlns:a="http://schemas.openxmlformats.org/drawingml/2006/main" xmlns:r="http://schemas.openxmlformats.org/officeDocument/2006/relationships" xmlns:p="http://schemas.openxmlformats.org/presentationml/2006/main" type="title" preserve="1">
   <p:cSld name="Title Slide">
@@ -7723,7 +7808,7 @@
           <a:p>
             <a:fld id="{3DFC7523-4903-EA42-A253-0F84EF8D8793}" type="datetimeFigureOut">
               <a:rPr lang="en-US" smtClean="0"/>
-              <a:t>6/10/25</a:t>
+              <a:t>6/22/25</a:t>
             </a:fld>
             <a:endParaRPr lang="en-US"/>
           </a:p>
@@ -7921,7 +8006,7 @@
           <a:p>
             <a:fld id="{3DFC7523-4903-EA42-A253-0F84EF8D8793}" type="datetimeFigureOut">
               <a:rPr lang="en-US" smtClean="0"/>
-              <a:t>6/10/25</a:t>
+              <a:t>6/22/25</a:t>
             </a:fld>
             <a:endParaRPr lang="en-US"/>
           </a:p>
@@ -8129,7 +8214,7 @@
           <a:p>
             <a:fld id="{3DFC7523-4903-EA42-A253-0F84EF8D8793}" type="datetimeFigureOut">
               <a:rPr lang="en-US" smtClean="0"/>
-              <a:t>6/10/25</a:t>
+              <a:t>6/22/25</a:t>
             </a:fld>
             <a:endParaRPr lang="en-US"/>
           </a:p>
@@ -8327,7 +8412,7 @@
           <a:p>
             <a:fld id="{3DFC7523-4903-EA42-A253-0F84EF8D8793}" type="datetimeFigureOut">
               <a:rPr lang="en-US" smtClean="0"/>
-              <a:t>6/10/25</a:t>
+              <a:t>6/22/25</a:t>
             </a:fld>
             <a:endParaRPr lang="en-US"/>
           </a:p>
@@ -8602,7 +8687,7 @@
           <a:p>
             <a:fld id="{3DFC7523-4903-EA42-A253-0F84EF8D8793}" type="datetimeFigureOut">
               <a:rPr lang="en-US" smtClean="0"/>
-              <a:t>6/10/25</a:t>
+              <a:t>6/22/25</a:t>
             </a:fld>
             <a:endParaRPr lang="en-US"/>
           </a:p>
@@ -8867,7 +8952,7 @@
           <a:p>
             <a:fld id="{3DFC7523-4903-EA42-A253-0F84EF8D8793}" type="datetimeFigureOut">
               <a:rPr lang="en-US" smtClean="0"/>
-              <a:t>6/10/25</a:t>
+              <a:t>6/22/25</a:t>
             </a:fld>
             <a:endParaRPr lang="en-US"/>
           </a:p>
@@ -9279,7 +9364,7 @@
           <a:p>
             <a:fld id="{3DFC7523-4903-EA42-A253-0F84EF8D8793}" type="datetimeFigureOut">
               <a:rPr lang="en-US" smtClean="0"/>
-              <a:t>6/10/25</a:t>
+              <a:t>6/22/25</a:t>
             </a:fld>
             <a:endParaRPr lang="en-US"/>
           </a:p>
@@ -9420,7 +9505,7 @@
           <a:p>
             <a:fld id="{3DFC7523-4903-EA42-A253-0F84EF8D8793}" type="datetimeFigureOut">
               <a:rPr lang="en-US" smtClean="0"/>
-              <a:t>6/10/25</a:t>
+              <a:t>6/22/25</a:t>
             </a:fld>
             <a:endParaRPr lang="en-US"/>
           </a:p>
@@ -9533,7 +9618,7 @@
           <a:p>
             <a:fld id="{3DFC7523-4903-EA42-A253-0F84EF8D8793}" type="datetimeFigureOut">
               <a:rPr lang="en-US" smtClean="0"/>
-              <a:t>6/10/25</a:t>
+              <a:t>6/22/25</a:t>
             </a:fld>
             <a:endParaRPr lang="en-US"/>
           </a:p>
@@ -9844,7 +9929,7 @@
           <a:p>
             <a:fld id="{3DFC7523-4903-EA42-A253-0F84EF8D8793}" type="datetimeFigureOut">
               <a:rPr lang="en-US" smtClean="0"/>
-              <a:t>6/10/25</a:t>
+              <a:t>6/22/25</a:t>
             </a:fld>
             <a:endParaRPr lang="en-US"/>
           </a:p>
@@ -10132,7 +10217,7 @@
           <a:p>
             <a:fld id="{3DFC7523-4903-EA42-A253-0F84EF8D8793}" type="datetimeFigureOut">
               <a:rPr lang="en-US" smtClean="0"/>
-              <a:t>6/10/25</a:t>
+              <a:t>6/22/25</a:t>
             </a:fld>
             <a:endParaRPr lang="en-US"/>
           </a:p>
@@ -10373,7 +10458,7 @@
           <a:p>
             <a:fld id="{3DFC7523-4903-EA42-A253-0F84EF8D8793}" type="datetimeFigureOut">
               <a:rPr lang="en-US" smtClean="0"/>
-              <a:t>6/10/25</a:t>
+              <a:t>6/22/25</a:t>
             </a:fld>
             <a:endParaRPr lang="en-US"/>
           </a:p>
@@ -11271,6 +11356,110 @@
           </a:xfrm>
         </p:spPr>
       </p:pic>
+      <p:sp>
+        <p:nvSpPr>
+          <p:cNvPr id="2" name="Rectangle 1">
+            <a:extLst>
+              <a:ext uri="{FF2B5EF4-FFF2-40B4-BE49-F238E27FC236}">
+                <a16:creationId xmlns:a16="http://schemas.microsoft.com/office/drawing/2014/main" id="{EEEC0D5E-4F7B-F45B-F762-17D947100293}"/>
+              </a:ext>
+            </a:extLst>
+          </p:cNvPr>
+          <p:cNvSpPr/>
+          <p:nvPr/>
+        </p:nvSpPr>
+        <p:spPr>
+          <a:xfrm>
+            <a:off x="3339548" y="3349487"/>
+            <a:ext cx="178904" cy="188843"/>
+          </a:xfrm>
+          <a:prstGeom prst="rect">
+            <a:avLst/>
+          </a:prstGeom>
+          <a:solidFill>
+            <a:srgbClr val="F6F5F5"/>
+          </a:solidFill>
+          <a:ln>
+            <a:noFill/>
+          </a:ln>
+        </p:spPr>
+        <p:style>
+          <a:lnRef idx="2">
+            <a:schemeClr val="accent1">
+              <a:shade val="15000"/>
+            </a:schemeClr>
+          </a:lnRef>
+          <a:fillRef idx="1">
+            <a:schemeClr val="accent1"/>
+          </a:fillRef>
+          <a:effectRef idx="0">
+            <a:schemeClr val="accent1"/>
+          </a:effectRef>
+          <a:fontRef idx="minor">
+            <a:schemeClr val="lt1"/>
+          </a:fontRef>
+        </p:style>
+        <p:txBody>
+          <a:bodyPr rtlCol="0" anchor="ctr"/>
+          <a:lstStyle/>
+          <a:p>
+            <a:pPr algn="ctr"/>
+            <a:endParaRPr lang="en-US"/>
+          </a:p>
+        </p:txBody>
+      </p:sp>
+      <p:sp>
+        <p:nvSpPr>
+          <p:cNvPr id="3" name="Rectangle 2">
+            <a:extLst>
+              <a:ext uri="{FF2B5EF4-FFF2-40B4-BE49-F238E27FC236}">
+                <a16:creationId xmlns:a16="http://schemas.microsoft.com/office/drawing/2014/main" id="{4D8DF5A4-E733-7E3E-1B1C-807915F658F3}"/>
+              </a:ext>
+            </a:extLst>
+          </p:cNvPr>
+          <p:cNvSpPr/>
+          <p:nvPr/>
+        </p:nvSpPr>
+        <p:spPr>
+          <a:xfrm>
+            <a:off x="3339548" y="6364356"/>
+            <a:ext cx="178904" cy="188843"/>
+          </a:xfrm>
+          <a:prstGeom prst="rect">
+            <a:avLst/>
+          </a:prstGeom>
+          <a:solidFill>
+            <a:srgbClr val="F6F5F5"/>
+          </a:solidFill>
+          <a:ln>
+            <a:noFill/>
+          </a:ln>
+        </p:spPr>
+        <p:style>
+          <a:lnRef idx="2">
+            <a:schemeClr val="accent1">
+              <a:shade val="15000"/>
+            </a:schemeClr>
+          </a:lnRef>
+          <a:fillRef idx="1">
+            <a:schemeClr val="accent1"/>
+          </a:fillRef>
+          <a:effectRef idx="0">
+            <a:schemeClr val="accent1"/>
+          </a:effectRef>
+          <a:fontRef idx="minor">
+            <a:schemeClr val="lt1"/>
+          </a:fontRef>
+        </p:style>
+        <p:txBody>
+          <a:bodyPr rtlCol="0" anchor="ctr"/>
+          <a:lstStyle/>
+          <a:p>
+            <a:pPr algn="ctr"/>
+            <a:endParaRPr lang="en-US"/>
+          </a:p>
+        </p:txBody>
+      </p:sp>
     </p:spTree>
     <p:extLst>
       <p:ext uri="{BB962C8B-B14F-4D97-AF65-F5344CB8AC3E}">
@@ -11576,6 +11765,12 @@
             <a:r>
               <a:rPr lang="en-US" dirty="0"/>
               <a:t>Encourages more detailed comments/explanation of code</a:t>
+            </a:r>
+          </a:p>
+          <a:p>
+            <a:r>
+              <a:rPr lang="en-US" dirty="0"/>
+              <a:t>Differentiates between comments as a scientist and comments as a coder</a:t>
             </a:r>
           </a:p>
           <a:p>
@@ -11876,8 +12071,8 @@
         </p:nvSpPr>
         <p:spPr>
           <a:xfrm>
-            <a:off x="838200" y="1321904"/>
-            <a:ext cx="10515600" cy="5416826"/>
+            <a:off x="838200" y="1690688"/>
+            <a:ext cx="10515600" cy="5048042"/>
           </a:xfrm>
         </p:spPr>
         <p:txBody>
@@ -11904,7 +12099,7 @@
           <a:p>
             <a:r>
               <a:rPr lang="en-US" dirty="0"/>
-              <a:t>Add the following elements to your R Markdown with headers for each section and following coding best practices</a:t>
+              <a:t>Add the following elements to your R Markdown with headers for each section, comments, and following coding best practices</a:t>
             </a:r>
           </a:p>
           <a:p>
@@ -11925,7 +12120,7 @@
             <a:pPr lvl="1"/>
             <a:r>
               <a:rPr lang="en-US" dirty="0"/>
-              <a:t>Code chunk that won’t be run when knit that installs packages (</a:t>
+              <a:t>A code chunk that won’t be run when knit that installs packages (</a:t>
             </a:r>
             <a:r>
               <a:rPr lang="en-US" dirty="0" err="1"/>
@@ -11941,13 +12136,6 @@
             <a:r>
               <a:rPr lang="en-US" dirty="0"/>
               <a:t>Code chunk that won’t display messages when knit that loads the installed libraries</a:t>
-            </a:r>
-          </a:p>
-          <a:p>
-            <a:pPr lvl="1"/>
-            <a:r>
-              <a:rPr lang="en-US" dirty="0"/>
-              <a:t>Read in _____ data in tidy format</a:t>
             </a:r>
           </a:p>
           <a:p>
@@ -11991,6 +12179,131 @@
           <p:cNvPr id="2" name="Title 1">
             <a:extLst>
               <a:ext uri="{FF2B5EF4-FFF2-40B4-BE49-F238E27FC236}">
+                <a16:creationId xmlns:a16="http://schemas.microsoft.com/office/drawing/2014/main" id="{C5BAC05A-6527-CA81-91E5-1D04237C7816}"/>
+              </a:ext>
+            </a:extLst>
+          </p:cNvPr>
+          <p:cNvSpPr>
+            <a:spLocks noGrp="1"/>
+          </p:cNvSpPr>
+          <p:nvPr>
+            <p:ph type="title"/>
+          </p:nvPr>
+        </p:nvSpPr>
+        <p:spPr/>
+        <p:txBody>
+          <a:bodyPr/>
+          <a:lstStyle/>
+          <a:p>
+            <a:pPr algn="ctr"/>
+            <a:r>
+              <a:rPr lang="en-US" dirty="0"/>
+              <a:t>Practice with R Markdown continued…</a:t>
+            </a:r>
+          </a:p>
+        </p:txBody>
+      </p:sp>
+      <p:sp>
+        <p:nvSpPr>
+          <p:cNvPr id="3" name="Content Placeholder 2">
+            <a:extLst>
+              <a:ext uri="{FF2B5EF4-FFF2-40B4-BE49-F238E27FC236}">
+                <a16:creationId xmlns:a16="http://schemas.microsoft.com/office/drawing/2014/main" id="{BE2F525D-138B-AE13-2C29-EB77E52C19F0}"/>
+              </a:ext>
+            </a:extLst>
+          </p:cNvPr>
+          <p:cNvSpPr>
+            <a:spLocks noGrp="1"/>
+          </p:cNvSpPr>
+          <p:nvPr>
+            <p:ph idx="1"/>
+          </p:nvPr>
+        </p:nvSpPr>
+        <p:spPr/>
+        <p:txBody>
+          <a:bodyPr>
+            <a:normAutofit/>
+          </a:bodyPr>
+          <a:lstStyle/>
+          <a:p>
+            <a:r>
+              <a:rPr lang="en-US" sz="2400" dirty="0"/>
+              <a:t>Read in _____ data in tidy format</a:t>
+            </a:r>
+          </a:p>
+          <a:p>
+            <a:r>
+              <a:rPr lang="en-US" sz="2400" dirty="0"/>
+              <a:t>Explore the data a bit using functions you are familiar with, </a:t>
+            </a:r>
+            <a:r>
+              <a:rPr lang="en-US" sz="2400" i="1" dirty="0"/>
+              <a:t>or if you are new to R use online resources or a neighbor to look up some functions that provide information about a data frame.</a:t>
+            </a:r>
+          </a:p>
+          <a:p>
+            <a:r>
+              <a:rPr lang="en-US" sz="2400" dirty="0"/>
+              <a:t>Generate a plot with the data</a:t>
+            </a:r>
+          </a:p>
+          <a:p>
+            <a:r>
+              <a:rPr lang="en-US" sz="2400" dirty="0"/>
+              <a:t>Do some data manipulation and save the new data to your environment AND to the data folder</a:t>
+            </a:r>
+          </a:p>
+          <a:p>
+            <a:r>
+              <a:rPr lang="en-US" sz="2400" dirty="0"/>
+              <a:t>Knit your .</a:t>
+            </a:r>
+            <a:r>
+              <a:rPr lang="en-US" sz="2400" dirty="0" err="1"/>
+              <a:t>rmd</a:t>
+            </a:r>
+            <a:r>
+              <a:rPr lang="en-US" sz="2400" dirty="0"/>
+              <a:t> file as a .html and .pdf</a:t>
+            </a:r>
+          </a:p>
+        </p:txBody>
+      </p:sp>
+    </p:spTree>
+    <p:extLst>
+      <p:ext uri="{BB962C8B-B14F-4D97-AF65-F5344CB8AC3E}">
+        <p14:creationId xmlns:p14="http://schemas.microsoft.com/office/powerpoint/2010/main" val="2328182124"/>
+      </p:ext>
+    </p:extLst>
+  </p:cSld>
+  <p:clrMapOvr>
+    <a:masterClrMapping/>
+  </p:clrMapOvr>
+</p:sld>
+</file>
+
+<file path=ppt/slides/slide19.xml><?xml version="1.0" encoding="utf-8"?>
+<p:sld xmlns:a="http://schemas.openxmlformats.org/drawingml/2006/main" xmlns:r="http://schemas.openxmlformats.org/officeDocument/2006/relationships" xmlns:p="http://schemas.openxmlformats.org/presentationml/2006/main">
+  <p:cSld>
+    <p:spTree>
+      <p:nvGrpSpPr>
+        <p:cNvPr id="1" name=""/>
+        <p:cNvGrpSpPr/>
+        <p:nvPr/>
+      </p:nvGrpSpPr>
+      <p:grpSpPr>
+        <a:xfrm>
+          <a:off x="0" y="0"/>
+          <a:ext cx="0" cy="0"/>
+          <a:chOff x="0" y="0"/>
+          <a:chExt cx="0" cy="0"/>
+        </a:xfrm>
+      </p:grpSpPr>
+      <p:sp>
+        <p:nvSpPr>
+          <p:cNvPr id="2" name="Title 1">
+            <a:extLst>
+              <a:ext uri="{FF2B5EF4-FFF2-40B4-BE49-F238E27FC236}">
                 <a16:creationId xmlns:a16="http://schemas.microsoft.com/office/drawing/2014/main" id="{A70CA71A-FB99-10F1-BB03-3ABDD9901DE1}"/>
               </a:ext>
             </a:extLst>
@@ -12072,7 +12385,247 @@
 </p:sld>
 </file>
 
-<file path=ppt/slides/slide19.xml><?xml version="1.0" encoding="utf-8"?>
+<file path=ppt/slides/slide2.xml><?xml version="1.0" encoding="utf-8"?>
+<p:sld xmlns:a="http://schemas.openxmlformats.org/drawingml/2006/main" xmlns:r="http://schemas.openxmlformats.org/officeDocument/2006/relationships" xmlns:p="http://schemas.openxmlformats.org/presentationml/2006/main">
+  <p:cSld>
+    <p:spTree>
+      <p:nvGrpSpPr>
+        <p:cNvPr id="1" name=""/>
+        <p:cNvGrpSpPr/>
+        <p:nvPr/>
+      </p:nvGrpSpPr>
+      <p:grpSpPr>
+        <a:xfrm>
+          <a:off x="0" y="0"/>
+          <a:ext cx="0" cy="0"/>
+          <a:chOff x="0" y="0"/>
+          <a:chExt cx="0" cy="0"/>
+        </a:xfrm>
+      </p:grpSpPr>
+      <p:sp>
+        <p:nvSpPr>
+          <p:cNvPr id="2" name="Title 1">
+            <a:extLst>
+              <a:ext uri="{FF2B5EF4-FFF2-40B4-BE49-F238E27FC236}">
+                <a16:creationId xmlns:a16="http://schemas.microsoft.com/office/drawing/2014/main" id="{C502AA43-05D2-9F91-20E3-7EF6EAD8D125}"/>
+              </a:ext>
+            </a:extLst>
+          </p:cNvPr>
+          <p:cNvSpPr>
+            <a:spLocks noGrp="1"/>
+          </p:cNvSpPr>
+          <p:nvPr>
+            <p:ph type="title"/>
+          </p:nvPr>
+        </p:nvSpPr>
+        <p:spPr>
+          <a:xfrm>
+            <a:off x="838200" y="134865"/>
+            <a:ext cx="10515600" cy="704268"/>
+          </a:xfrm>
+        </p:spPr>
+        <p:txBody>
+          <a:bodyPr/>
+          <a:lstStyle/>
+          <a:p>
+            <a:pPr algn="ctr"/>
+            <a:r>
+              <a:rPr lang="en-US" dirty="0"/>
+              <a:t>Instructors</a:t>
+            </a:r>
+          </a:p>
+        </p:txBody>
+      </p:sp>
+      <p:sp>
+        <p:nvSpPr>
+          <p:cNvPr id="3" name="Content Placeholder 2">
+            <a:extLst>
+              <a:ext uri="{FF2B5EF4-FFF2-40B4-BE49-F238E27FC236}">
+                <a16:creationId xmlns:a16="http://schemas.microsoft.com/office/drawing/2014/main" id="{FA668741-CD59-72EE-0171-3F1515385326}"/>
+              </a:ext>
+            </a:extLst>
+          </p:cNvPr>
+          <p:cNvSpPr>
+            <a:spLocks noGrp="1"/>
+          </p:cNvSpPr>
+          <p:nvPr>
+            <p:ph idx="1"/>
+          </p:nvPr>
+        </p:nvSpPr>
+        <p:spPr>
+          <a:xfrm>
+            <a:off x="339632" y="1282912"/>
+            <a:ext cx="9483990" cy="4351338"/>
+          </a:xfrm>
+        </p:spPr>
+        <p:txBody>
+          <a:bodyPr/>
+          <a:lstStyle/>
+          <a:p>
+            <a:r>
+              <a:rPr lang="en-US" dirty="0"/>
+              <a:t>Dr. Marissa Dyck (she/her) – </a:t>
+            </a:r>
+            <a:r>
+              <a:rPr lang="en-US" dirty="0">
+                <a:hlinkClick r:id="rId2"/>
+              </a:rPr>
+              <a:t>marissadyck17@gmail.com</a:t>
+            </a:r>
+            <a:endParaRPr lang="en-US" dirty="0"/>
+          </a:p>
+          <a:p>
+            <a:pPr marL="457200" lvl="1" indent="0">
+              <a:buNone/>
+            </a:pPr>
+            <a:r>
+              <a:rPr lang="en-US" dirty="0"/>
+              <a:t>Postdoctoral Research Fellow</a:t>
+            </a:r>
+          </a:p>
+          <a:p>
+            <a:pPr marL="457200" lvl="1" indent="0">
+              <a:buNone/>
+            </a:pPr>
+            <a:r>
+              <a:rPr lang="en-US" dirty="0"/>
+              <a:t>University of Victoria</a:t>
+            </a:r>
+          </a:p>
+          <a:p>
+            <a:pPr marL="457200" lvl="1" indent="0">
+              <a:buNone/>
+            </a:pPr>
+            <a:r>
+              <a:rPr lang="en-US" dirty="0"/>
+              <a:t>Victoria, BC, Canada</a:t>
+            </a:r>
+          </a:p>
+          <a:p>
+            <a:pPr marL="457200" lvl="1" indent="0">
+              <a:buNone/>
+            </a:pPr>
+            <a:endParaRPr lang="en-US" dirty="0"/>
+          </a:p>
+          <a:p>
+            <a:r>
+              <a:rPr lang="en-US" dirty="0"/>
+              <a:t>Dr. Erika Barthelmess (she/her) – </a:t>
+            </a:r>
+            <a:r>
+              <a:rPr lang="en-US" dirty="0">
+                <a:hlinkClick r:id="rId3"/>
+              </a:rPr>
+              <a:t>barthelmess@stlawu.edu</a:t>
+            </a:r>
+            <a:r>
+              <a:rPr lang="en-US" dirty="0"/>
+              <a:t> </a:t>
+            </a:r>
+          </a:p>
+          <a:p>
+            <a:pPr marL="457200" lvl="1" indent="0">
+              <a:buNone/>
+            </a:pPr>
+            <a:r>
+              <a:rPr lang="en-US" dirty="0"/>
+              <a:t>Professor of Biology</a:t>
+            </a:r>
+          </a:p>
+          <a:p>
+            <a:pPr marL="457200" lvl="1" indent="0">
+              <a:buNone/>
+            </a:pPr>
+            <a:r>
+              <a:rPr lang="en-US" dirty="0"/>
+              <a:t>St. Lawrence University</a:t>
+            </a:r>
+          </a:p>
+          <a:p>
+            <a:pPr marL="457200" lvl="1" indent="0">
+              <a:buNone/>
+            </a:pPr>
+            <a:r>
+              <a:rPr lang="en-US" dirty="0"/>
+              <a:t>Canton, NY, USA</a:t>
+            </a:r>
+          </a:p>
+        </p:txBody>
+      </p:sp>
+      <p:pic>
+        <p:nvPicPr>
+          <p:cNvPr id="5" name="Picture 4" descr="A person wearing a hat and a jacket&#10;&#10;AI-generated content may be incorrect.">
+            <a:extLst>
+              <a:ext uri="{FF2B5EF4-FFF2-40B4-BE49-F238E27FC236}">
+                <a16:creationId xmlns:a16="http://schemas.microsoft.com/office/drawing/2014/main" id="{9E00D801-AE36-DBA5-810B-9435260862E8}"/>
+              </a:ext>
+            </a:extLst>
+          </p:cNvPr>
+          <p:cNvPicPr>
+            <a:picLocks noChangeAspect="1"/>
+          </p:cNvPicPr>
+          <p:nvPr/>
+        </p:nvPicPr>
+        <p:blipFill>
+          <a:blip r:embed="rId4"/>
+          <a:stretch>
+            <a:fillRect/>
+          </a:stretch>
+        </p:blipFill>
+        <p:spPr>
+          <a:xfrm>
+            <a:off x="9553303" y="1112466"/>
+            <a:ext cx="2143526" cy="2145762"/>
+          </a:xfrm>
+          <a:prstGeom prst="rect">
+            <a:avLst/>
+          </a:prstGeom>
+        </p:spPr>
+      </p:pic>
+      <p:pic>
+        <p:nvPicPr>
+          <p:cNvPr id="6" name="Picture 5" descr="A person wearing a hat and sunglasses&#10;&#10;AI-generated content may be incorrect.">
+            <a:extLst>
+              <a:ext uri="{FF2B5EF4-FFF2-40B4-BE49-F238E27FC236}">
+                <a16:creationId xmlns:a16="http://schemas.microsoft.com/office/drawing/2014/main" id="{933DE1D7-3726-9AED-D9AB-26F0E87F4FE7}"/>
+              </a:ext>
+            </a:extLst>
+          </p:cNvPr>
+          <p:cNvPicPr>
+            <a:picLocks noChangeAspect="1"/>
+          </p:cNvPicPr>
+          <p:nvPr/>
+        </p:nvPicPr>
+        <p:blipFill>
+          <a:blip r:embed="rId5"/>
+          <a:stretch>
+            <a:fillRect/>
+          </a:stretch>
+        </p:blipFill>
+        <p:spPr>
+          <a:xfrm>
+            <a:off x="9553303" y="3939337"/>
+            <a:ext cx="2145762" cy="2145762"/>
+          </a:xfrm>
+          <a:prstGeom prst="rect">
+            <a:avLst/>
+          </a:prstGeom>
+        </p:spPr>
+      </p:pic>
+    </p:spTree>
+    <p:extLst>
+      <p:ext uri="{BB962C8B-B14F-4D97-AF65-F5344CB8AC3E}">
+        <p14:creationId xmlns:p14="http://schemas.microsoft.com/office/powerpoint/2010/main" val="2081615761"/>
+      </p:ext>
+    </p:extLst>
+  </p:cSld>
+  <p:clrMapOvr>
+    <a:masterClrMapping/>
+  </p:clrMapOvr>
+</p:sld>
+</file>
+
+<file path=ppt/slides/slide20.xml><?xml version="1.0" encoding="utf-8"?>
 <p:sld xmlns:a="http://schemas.openxmlformats.org/drawingml/2006/main" xmlns:r="http://schemas.openxmlformats.org/officeDocument/2006/relationships" xmlns:p="http://schemas.openxmlformats.org/presentationml/2006/main">
   <p:cSld>
     <p:spTree>
@@ -13340,251 +13893,7 @@
 </p:sld>
 </file>
 
-<file path=ppt/slides/slide2.xml><?xml version="1.0" encoding="utf-8"?>
-<p:sld xmlns:a="http://schemas.openxmlformats.org/drawingml/2006/main" xmlns:r="http://schemas.openxmlformats.org/officeDocument/2006/relationships" xmlns:p="http://schemas.openxmlformats.org/presentationml/2006/main">
-  <p:cSld>
-    <p:spTree>
-      <p:nvGrpSpPr>
-        <p:cNvPr id="1" name=""/>
-        <p:cNvGrpSpPr/>
-        <p:nvPr/>
-      </p:nvGrpSpPr>
-      <p:grpSpPr>
-        <a:xfrm>
-          <a:off x="0" y="0"/>
-          <a:ext cx="0" cy="0"/>
-          <a:chOff x="0" y="0"/>
-          <a:chExt cx="0" cy="0"/>
-        </a:xfrm>
-      </p:grpSpPr>
-      <p:sp>
-        <p:nvSpPr>
-          <p:cNvPr id="2" name="Title 1">
-            <a:extLst>
-              <a:ext uri="{FF2B5EF4-FFF2-40B4-BE49-F238E27FC236}">
-                <a16:creationId xmlns:a16="http://schemas.microsoft.com/office/drawing/2014/main" id="{C502AA43-05D2-9F91-20E3-7EF6EAD8D125}"/>
-              </a:ext>
-            </a:extLst>
-          </p:cNvPr>
-          <p:cNvSpPr>
-            <a:spLocks noGrp="1"/>
-          </p:cNvSpPr>
-          <p:nvPr>
-            <p:ph type="title"/>
-          </p:nvPr>
-        </p:nvSpPr>
-        <p:spPr>
-          <a:xfrm>
-            <a:off x="838200" y="134865"/>
-            <a:ext cx="10515600" cy="704268"/>
-          </a:xfrm>
-        </p:spPr>
-        <p:txBody>
-          <a:bodyPr/>
-          <a:lstStyle/>
-          <a:p>
-            <a:pPr algn="ctr"/>
-            <a:r>
-              <a:rPr lang="en-US" dirty="0"/>
-              <a:t>Instructors</a:t>
-            </a:r>
-          </a:p>
-        </p:txBody>
-      </p:sp>
-      <p:sp>
-        <p:nvSpPr>
-          <p:cNvPr id="3" name="Content Placeholder 2">
-            <a:extLst>
-              <a:ext uri="{FF2B5EF4-FFF2-40B4-BE49-F238E27FC236}">
-                <a16:creationId xmlns:a16="http://schemas.microsoft.com/office/drawing/2014/main" id="{FA668741-CD59-72EE-0171-3F1515385326}"/>
-              </a:ext>
-            </a:extLst>
-          </p:cNvPr>
-          <p:cNvSpPr>
-            <a:spLocks noGrp="1"/>
-          </p:cNvSpPr>
-          <p:nvPr>
-            <p:ph idx="1"/>
-          </p:nvPr>
-        </p:nvSpPr>
-        <p:spPr>
-          <a:xfrm>
-            <a:off x="339632" y="1282912"/>
-            <a:ext cx="9483990" cy="4351338"/>
-          </a:xfrm>
-        </p:spPr>
-        <p:txBody>
-          <a:bodyPr/>
-          <a:lstStyle/>
-          <a:p>
-            <a:r>
-              <a:rPr lang="en-US" dirty="0"/>
-              <a:t>Dr. Marissa Dyck (she/her) – </a:t>
-            </a:r>
-            <a:r>
-              <a:rPr lang="en-US" dirty="0">
-                <a:hlinkClick r:id="rId2"/>
-              </a:rPr>
-              <a:t>marissadyck17@gmail.com</a:t>
-            </a:r>
-            <a:endParaRPr lang="en-US" dirty="0"/>
-          </a:p>
-          <a:p>
-            <a:pPr marL="457200" lvl="1" indent="0">
-              <a:buNone/>
-            </a:pPr>
-            <a:r>
-              <a:rPr lang="en-US" dirty="0"/>
-              <a:t>Postdoctoral Research Fellow</a:t>
-            </a:r>
-          </a:p>
-          <a:p>
-            <a:pPr marL="457200" lvl="1" indent="0">
-              <a:buNone/>
-            </a:pPr>
-            <a:r>
-              <a:rPr lang="en-US" dirty="0"/>
-              <a:t>University of Victoria</a:t>
-            </a:r>
-          </a:p>
-          <a:p>
-            <a:pPr marL="457200" lvl="1" indent="0">
-              <a:buNone/>
-            </a:pPr>
-            <a:r>
-              <a:rPr lang="en-US" dirty="0"/>
-              <a:t>Victoria, BC, Canada</a:t>
-            </a:r>
-          </a:p>
-          <a:p>
-            <a:pPr marL="457200" lvl="1" indent="0">
-              <a:buNone/>
-            </a:pPr>
-            <a:endParaRPr lang="en-US" dirty="0"/>
-          </a:p>
-          <a:p>
-            <a:r>
-              <a:rPr lang="en-US" dirty="0"/>
-              <a:t>Dr. Erika Barthelmess (she/her) – </a:t>
-            </a:r>
-            <a:r>
-              <a:rPr lang="en-US" dirty="0" err="1"/>
-              <a:t>b</a:t>
-            </a:r>
-            <a:r>
-              <a:rPr lang="en-US" dirty="0" err="1">
-                <a:hlinkClick r:id="rId3"/>
-              </a:rPr>
-              <a:t>arthelmess@stlawu.edu</a:t>
-            </a:r>
-            <a:r>
-              <a:rPr lang="en-US" dirty="0"/>
-              <a:t> </a:t>
-            </a:r>
-          </a:p>
-          <a:p>
-            <a:pPr marL="457200" lvl="1" indent="0">
-              <a:buNone/>
-            </a:pPr>
-            <a:r>
-              <a:rPr lang="en-US" dirty="0"/>
-              <a:t>Professor of Biology</a:t>
-            </a:r>
-          </a:p>
-          <a:p>
-            <a:pPr marL="457200" lvl="1" indent="0">
-              <a:buNone/>
-            </a:pPr>
-            <a:r>
-              <a:rPr lang="en-US" dirty="0"/>
-              <a:t>St. Lawrence University</a:t>
-            </a:r>
-          </a:p>
-          <a:p>
-            <a:pPr marL="457200" lvl="1" indent="0">
-              <a:buNone/>
-            </a:pPr>
-            <a:r>
-              <a:rPr lang="en-US" dirty="0"/>
-              <a:t>Canton, NY, USA</a:t>
-            </a:r>
-          </a:p>
-        </p:txBody>
-      </p:sp>
-      <p:pic>
-        <p:nvPicPr>
-          <p:cNvPr id="5" name="Picture 4" descr="A person wearing a hat and a jacket&#10;&#10;AI-generated content may be incorrect.">
-            <a:extLst>
-              <a:ext uri="{FF2B5EF4-FFF2-40B4-BE49-F238E27FC236}">
-                <a16:creationId xmlns:a16="http://schemas.microsoft.com/office/drawing/2014/main" id="{9E00D801-AE36-DBA5-810B-9435260862E8}"/>
-              </a:ext>
-            </a:extLst>
-          </p:cNvPr>
-          <p:cNvPicPr>
-            <a:picLocks noChangeAspect="1"/>
-          </p:cNvPicPr>
-          <p:nvPr/>
-        </p:nvPicPr>
-        <p:blipFill>
-          <a:blip r:embed="rId4"/>
-          <a:stretch>
-            <a:fillRect/>
-          </a:stretch>
-        </p:blipFill>
-        <p:spPr>
-          <a:xfrm>
-            <a:off x="9553303" y="1112466"/>
-            <a:ext cx="2143526" cy="2145762"/>
-          </a:xfrm>
-          <a:prstGeom prst="rect">
-            <a:avLst/>
-          </a:prstGeom>
-        </p:spPr>
-      </p:pic>
-      <p:pic>
-        <p:nvPicPr>
-          <p:cNvPr id="6" name="Picture 5" descr="A person wearing a hat and sunglasses&#10;&#10;AI-generated content may be incorrect.">
-            <a:extLst>
-              <a:ext uri="{FF2B5EF4-FFF2-40B4-BE49-F238E27FC236}">
-                <a16:creationId xmlns:a16="http://schemas.microsoft.com/office/drawing/2014/main" id="{933DE1D7-3726-9AED-D9AB-26F0E87F4FE7}"/>
-              </a:ext>
-            </a:extLst>
-          </p:cNvPr>
-          <p:cNvPicPr>
-            <a:picLocks noChangeAspect="1"/>
-          </p:cNvPicPr>
-          <p:nvPr/>
-        </p:nvPicPr>
-        <p:blipFill>
-          <a:blip r:embed="rId5"/>
-          <a:stretch>
-            <a:fillRect/>
-          </a:stretch>
-        </p:blipFill>
-        <p:spPr>
-          <a:xfrm>
-            <a:off x="9553303" y="3939337"/>
-            <a:ext cx="2145762" cy="2145762"/>
-          </a:xfrm>
-          <a:prstGeom prst="rect">
-            <a:avLst/>
-          </a:prstGeom>
-        </p:spPr>
-      </p:pic>
-    </p:spTree>
-    <p:extLst>
-      <p:ext uri="{BB962C8B-B14F-4D97-AF65-F5344CB8AC3E}">
-        <p14:creationId xmlns:p14="http://schemas.microsoft.com/office/powerpoint/2010/main" val="2081615761"/>
-      </p:ext>
-    </p:extLst>
-  </p:cSld>
-  <p:clrMapOvr>
-    <a:masterClrMapping/>
-  </p:clrMapOvr>
-</p:sld>
-</file>
-
-<file path=ppt/slides/slide20.xml><?xml version="1.0" encoding="utf-8"?>
+<file path=ppt/slides/slide21.xml><?xml version="1.0" encoding="utf-8"?>
 <p:sld xmlns:a="http://schemas.openxmlformats.org/drawingml/2006/main" xmlns:r="http://schemas.openxmlformats.org/officeDocument/2006/relationships" xmlns:p="http://schemas.openxmlformats.org/presentationml/2006/main">
   <p:cSld>
     <p:spTree>
@@ -14496,7 +14805,7 @@
 </p:sld>
 </file>
 
-<file path=ppt/slides/slide21.xml><?xml version="1.0" encoding="utf-8"?>
+<file path=ppt/slides/slide22.xml><?xml version="1.0" encoding="utf-8"?>
 <p:sld xmlns:a="http://schemas.openxmlformats.org/drawingml/2006/main" xmlns:r="http://schemas.openxmlformats.org/officeDocument/2006/relationships" xmlns:p="http://schemas.openxmlformats.org/presentationml/2006/main">
   <p:cSld>
     <p:spTree>
@@ -15572,7 +15881,7 @@
 </p:sld>
 </file>
 
-<file path=ppt/slides/slide22.xml><?xml version="1.0" encoding="utf-8"?>
+<file path=ppt/slides/slide23.xml><?xml version="1.0" encoding="utf-8"?>
 <p:sld xmlns:a="http://schemas.openxmlformats.org/drawingml/2006/main" xmlns:r="http://schemas.openxmlformats.org/officeDocument/2006/relationships" xmlns:p="http://schemas.openxmlformats.org/presentationml/2006/main">
   <p:cSld>
     <p:spTree>
@@ -15859,7 +16168,6 @@
           <a:bodyPr/>
           <a:lstStyle/>
           <a:p>
-            <a:pPr algn="ctr"/>
             <a:r>
               <a:rPr lang="en-US" dirty="0"/>
               <a:t>Agenda</a:t>
@@ -15889,7 +16197,7 @@
           <a:lstStyle/>
           <a:p>
             <a:pPr lvl="1"/>
-            <a:endParaRPr lang="en-US" dirty="0"/>
+            <a:endParaRPr lang="en-US"/>
           </a:p>
           <a:p>
             <a:pPr marL="571500" indent="-571500">
@@ -15897,7 +16205,7 @@
               <a:buAutoNum type="romanUcPeriod"/>
             </a:pPr>
             <a:r>
-              <a:rPr lang="en-US" dirty="0"/>
+              <a:rPr lang="en-US"/>
               <a:t>R Overview</a:t>
             </a:r>
           </a:p>
@@ -15907,8 +16215,17 @@
               <a:buAutoNum type="romanUcPeriod"/>
             </a:pPr>
             <a:r>
-              <a:rPr lang="en-US" dirty="0"/>
+              <a:rPr lang="en-US"/>
               <a:t>R Markdown</a:t>
+            </a:r>
+          </a:p>
+          <a:p>
+            <a:pPr marL="0" indent="0">
+              <a:buNone/>
+            </a:pPr>
+            <a:r>
+              <a:rPr lang="en-US"/>
+              <a:t>- Break -</a:t>
             </a:r>
           </a:p>
           <a:p>
@@ -15917,7 +16234,7 @@
               <a:buAutoNum type="romanUcPeriod"/>
             </a:pPr>
             <a:r>
-              <a:rPr lang="en-US" dirty="0"/>
+              <a:rPr lang="en-US"/>
               <a:t>Git/GitHub</a:t>
             </a:r>
           </a:p>
@@ -15927,7 +16244,7 @@
               <a:buAutoNum type="romanUcPeriod"/>
             </a:pPr>
             <a:r>
-              <a:rPr lang="en-US" dirty="0"/>
+              <a:rPr lang="en-US"/>
               <a:t>Tidy data </a:t>
             </a:r>
           </a:p>
@@ -15940,6 +16257,36 @@
           </a:p>
         </p:txBody>
       </p:sp>
+      <p:pic>
+        <p:nvPicPr>
+          <p:cNvPr id="5" name="Picture 4" descr="A bear standing in the woods&#10;&#10;AI-generated content may be incorrect.">
+            <a:extLst>
+              <a:ext uri="{FF2B5EF4-FFF2-40B4-BE49-F238E27FC236}">
+                <a16:creationId xmlns:a16="http://schemas.microsoft.com/office/drawing/2014/main" id="{A4EDA278-CCFC-12D9-E905-55B780FD866B}"/>
+              </a:ext>
+            </a:extLst>
+          </p:cNvPr>
+          <p:cNvPicPr>
+            <a:picLocks noChangeAspect="1"/>
+          </p:cNvPicPr>
+          <p:nvPr/>
+        </p:nvPicPr>
+        <p:blipFill>
+          <a:blip r:embed="rId2"/>
+          <a:stretch>
+            <a:fillRect/>
+          </a:stretch>
+        </p:blipFill>
+        <p:spPr>
+          <a:xfrm>
+            <a:off x="4842933" y="1690688"/>
+            <a:ext cx="7349067" cy="5167312"/>
+          </a:xfrm>
+          <a:prstGeom prst="rect">
+            <a:avLst/>
+          </a:prstGeom>
+        </p:spPr>
+      </p:pic>
     </p:spTree>
     <p:extLst>
       <p:ext uri="{BB962C8B-B14F-4D97-AF65-F5344CB8AC3E}">
@@ -16529,7 +16876,7 @@
             </a:pPr>
             <a:r>
               <a:rPr lang="en-US" dirty="0"/>
-              <a:t>Easily understood by someone from any field</a:t>
+              <a:t>Folder names are succinct and easily understood by someone from any field</a:t>
             </a:r>
           </a:p>
           <a:p>
@@ -16539,7 +16886,7 @@
             </a:pPr>
             <a:r>
               <a:rPr lang="en-US" dirty="0"/>
-              <a:t>Short names, all lowercase, use _ for spaces</a:t>
+              <a:t>Short names, all lowercase, avoid special characters, use _ for spaces</a:t>
             </a:r>
           </a:p>
           <a:p>

--- a/docs/Reproducible research in R.pptx
+++ b/docs/Reproducible research in R.pptx
@@ -5,7 +5,7 @@
     <p:sldMasterId id="2147483648" r:id="rId1"/>
   </p:sldMasterIdLst>
   <p:notesMasterIdLst>
-    <p:notesMasterId r:id="rId25"/>
+    <p:notesMasterId r:id="rId27"/>
   </p:notesMasterIdLst>
   <p:sldIdLst>
     <p:sldId id="256" r:id="rId2"/>
@@ -26,11 +26,13 @@
     <p:sldId id="273" r:id="rId17"/>
     <p:sldId id="279" r:id="rId18"/>
     <p:sldId id="280" r:id="rId19"/>
-    <p:sldId id="259" r:id="rId20"/>
-    <p:sldId id="276" r:id="rId21"/>
-    <p:sldId id="277" r:id="rId22"/>
-    <p:sldId id="278" r:id="rId23"/>
-    <p:sldId id="274" r:id="rId24"/>
+    <p:sldId id="281" r:id="rId20"/>
+    <p:sldId id="282" r:id="rId21"/>
+    <p:sldId id="259" r:id="rId22"/>
+    <p:sldId id="276" r:id="rId23"/>
+    <p:sldId id="277" r:id="rId24"/>
+    <p:sldId id="278" r:id="rId25"/>
+    <p:sldId id="274" r:id="rId26"/>
   </p:sldIdLst>
   <p:sldSz cx="12192000" cy="6858000"/>
   <p:notesSz cx="6858000" cy="9144000"/>
@@ -5729,7 +5731,7 @@
           <a:p>
             <a:fld id="{6435B03D-516F-5A44-9365-C1C2D3DF7245}" type="datetimeFigureOut">
               <a:rPr lang="en-US" smtClean="0"/>
-              <a:t>6/22/25</a:t>
+              <a:t>6/24/25</a:t>
             </a:fld>
             <a:endParaRPr lang="en-US"/>
           </a:p>
@@ -7808,7 +7810,7 @@
           <a:p>
             <a:fld id="{3DFC7523-4903-EA42-A253-0F84EF8D8793}" type="datetimeFigureOut">
               <a:rPr lang="en-US" smtClean="0"/>
-              <a:t>6/22/25</a:t>
+              <a:t>6/24/25</a:t>
             </a:fld>
             <a:endParaRPr lang="en-US"/>
           </a:p>
@@ -8006,7 +8008,7 @@
           <a:p>
             <a:fld id="{3DFC7523-4903-EA42-A253-0F84EF8D8793}" type="datetimeFigureOut">
               <a:rPr lang="en-US" smtClean="0"/>
-              <a:t>6/22/25</a:t>
+              <a:t>6/24/25</a:t>
             </a:fld>
             <a:endParaRPr lang="en-US"/>
           </a:p>
@@ -8214,7 +8216,7 @@
           <a:p>
             <a:fld id="{3DFC7523-4903-EA42-A253-0F84EF8D8793}" type="datetimeFigureOut">
               <a:rPr lang="en-US" smtClean="0"/>
-              <a:t>6/22/25</a:t>
+              <a:t>6/24/25</a:t>
             </a:fld>
             <a:endParaRPr lang="en-US"/>
           </a:p>
@@ -8412,7 +8414,7 @@
           <a:p>
             <a:fld id="{3DFC7523-4903-EA42-A253-0F84EF8D8793}" type="datetimeFigureOut">
               <a:rPr lang="en-US" smtClean="0"/>
-              <a:t>6/22/25</a:t>
+              <a:t>6/24/25</a:t>
             </a:fld>
             <a:endParaRPr lang="en-US"/>
           </a:p>
@@ -8687,7 +8689,7 @@
           <a:p>
             <a:fld id="{3DFC7523-4903-EA42-A253-0F84EF8D8793}" type="datetimeFigureOut">
               <a:rPr lang="en-US" smtClean="0"/>
-              <a:t>6/22/25</a:t>
+              <a:t>6/24/25</a:t>
             </a:fld>
             <a:endParaRPr lang="en-US"/>
           </a:p>
@@ -8952,7 +8954,7 @@
           <a:p>
             <a:fld id="{3DFC7523-4903-EA42-A253-0F84EF8D8793}" type="datetimeFigureOut">
               <a:rPr lang="en-US" smtClean="0"/>
-              <a:t>6/22/25</a:t>
+              <a:t>6/24/25</a:t>
             </a:fld>
             <a:endParaRPr lang="en-US"/>
           </a:p>
@@ -9364,7 +9366,7 @@
           <a:p>
             <a:fld id="{3DFC7523-4903-EA42-A253-0F84EF8D8793}" type="datetimeFigureOut">
               <a:rPr lang="en-US" smtClean="0"/>
-              <a:t>6/22/25</a:t>
+              <a:t>6/24/25</a:t>
             </a:fld>
             <a:endParaRPr lang="en-US"/>
           </a:p>
@@ -9505,7 +9507,7 @@
           <a:p>
             <a:fld id="{3DFC7523-4903-EA42-A253-0F84EF8D8793}" type="datetimeFigureOut">
               <a:rPr lang="en-US" smtClean="0"/>
-              <a:t>6/22/25</a:t>
+              <a:t>6/24/25</a:t>
             </a:fld>
             <a:endParaRPr lang="en-US"/>
           </a:p>
@@ -9618,7 +9620,7 @@
           <a:p>
             <a:fld id="{3DFC7523-4903-EA42-A253-0F84EF8D8793}" type="datetimeFigureOut">
               <a:rPr lang="en-US" smtClean="0"/>
-              <a:t>6/22/25</a:t>
+              <a:t>6/24/25</a:t>
             </a:fld>
             <a:endParaRPr lang="en-US"/>
           </a:p>
@@ -9929,7 +9931,7 @@
           <a:p>
             <a:fld id="{3DFC7523-4903-EA42-A253-0F84EF8D8793}" type="datetimeFigureOut">
               <a:rPr lang="en-US" smtClean="0"/>
-              <a:t>6/22/25</a:t>
+              <a:t>6/24/25</a:t>
             </a:fld>
             <a:endParaRPr lang="en-US"/>
           </a:p>
@@ -10217,7 +10219,7 @@
           <a:p>
             <a:fld id="{3DFC7523-4903-EA42-A253-0F84EF8D8793}" type="datetimeFigureOut">
               <a:rPr lang="en-US" smtClean="0"/>
-              <a:t>6/22/25</a:t>
+              <a:t>6/24/25</a:t>
             </a:fld>
             <a:endParaRPr lang="en-US"/>
           </a:p>
@@ -10458,7 +10460,7 @@
           <a:p>
             <a:fld id="{3DFC7523-4903-EA42-A253-0F84EF8D8793}" type="datetimeFigureOut">
               <a:rPr lang="en-US" smtClean="0"/>
-              <a:t>6/22/25</a:t>
+              <a:t>6/24/25</a:t>
             </a:fld>
             <a:endParaRPr lang="en-US"/>
           </a:p>
@@ -12304,7 +12306,7 @@
           <p:cNvPr id="2" name="Title 1">
             <a:extLst>
               <a:ext uri="{FF2B5EF4-FFF2-40B4-BE49-F238E27FC236}">
-                <a16:creationId xmlns:a16="http://schemas.microsoft.com/office/drawing/2014/main" id="{A70CA71A-FB99-10F1-BB03-3ABDD9901DE1}"/>
+                <a16:creationId xmlns:a16="http://schemas.microsoft.com/office/drawing/2014/main" id="{2BAEB4D5-B097-3091-B722-4D59949F7437}"/>
               </a:ext>
             </a:extLst>
           </p:cNvPr>
@@ -12320,11 +12322,7 @@
           <a:bodyPr/>
           <a:lstStyle/>
           <a:p>
-            <a:pPr algn="ctr"/>
-            <a:r>
-              <a:rPr lang="en-US" dirty="0"/>
-              <a:t>Git/GitHub</a:t>
-            </a:r>
+            <a:endParaRPr lang="en-US"/>
           </a:p>
         </p:txBody>
       </p:sp>
@@ -12333,7 +12331,7 @@
           <p:cNvPr id="3" name="Content Placeholder 2">
             <a:extLst>
               <a:ext uri="{FF2B5EF4-FFF2-40B4-BE49-F238E27FC236}">
-                <a16:creationId xmlns:a16="http://schemas.microsoft.com/office/drawing/2014/main" id="{803DF030-8B38-00AD-9B11-ED480FB2EDCB}"/>
+                <a16:creationId xmlns:a16="http://schemas.microsoft.com/office/drawing/2014/main" id="{D8FF07BC-90D8-F843-5D18-108EE883E456}"/>
               </a:ext>
             </a:extLst>
           </p:cNvPr>
@@ -12349,33 +12347,14 @@
           <a:bodyPr/>
           <a:lstStyle/>
           <a:p>
-            <a:r>
-              <a:rPr lang="en-US" dirty="0"/>
-              <a:t>I think the git/</a:t>
-            </a:r>
-            <a:r>
-              <a:rPr lang="en-US" dirty="0" err="1"/>
-              <a:t>github</a:t>
-            </a:r>
-            <a:r>
-              <a:rPr lang="en-US" dirty="0"/>
-              <a:t> piece would be much better in the 2</a:t>
-            </a:r>
-            <a:r>
-              <a:rPr lang="en-US" baseline="30000" dirty="0"/>
-              <a:t>nd</a:t>
-            </a:r>
-            <a:r>
-              <a:rPr lang="en-US" dirty="0"/>
-              <a:t> half of the workshop.</a:t>
-            </a:r>
+            <a:endParaRPr lang="en-US"/>
           </a:p>
         </p:txBody>
       </p:sp>
     </p:spTree>
     <p:extLst>
       <p:ext uri="{BB962C8B-B14F-4D97-AF65-F5344CB8AC3E}">
-        <p14:creationId xmlns:p14="http://schemas.microsoft.com/office/powerpoint/2010/main" val="3324382596"/>
+        <p14:creationId xmlns:p14="http://schemas.microsoft.com/office/powerpoint/2010/main" val="2482741089"/>
       </p:ext>
     </p:extLst>
   </p:cSld>
@@ -12626,6 +12605,186 @@
 </file>
 
 <file path=ppt/slides/slide20.xml><?xml version="1.0" encoding="utf-8"?>
+<p:sld xmlns:a="http://schemas.openxmlformats.org/drawingml/2006/main" xmlns:r="http://schemas.openxmlformats.org/officeDocument/2006/relationships" xmlns:p="http://schemas.openxmlformats.org/presentationml/2006/main">
+  <p:cSld>
+    <p:spTree>
+      <p:nvGrpSpPr>
+        <p:cNvPr id="1" name=""/>
+        <p:cNvGrpSpPr/>
+        <p:nvPr/>
+      </p:nvGrpSpPr>
+      <p:grpSpPr>
+        <a:xfrm>
+          <a:off x="0" y="0"/>
+          <a:ext cx="0" cy="0"/>
+          <a:chOff x="0" y="0"/>
+          <a:chExt cx="0" cy="0"/>
+        </a:xfrm>
+      </p:grpSpPr>
+      <p:pic>
+        <p:nvPicPr>
+          <p:cNvPr id="3" name="Picture 2" descr="A cat lying on its back on the sand&#10;&#10;AI-generated content may be incorrect.">
+            <a:extLst>
+              <a:ext uri="{FF2B5EF4-FFF2-40B4-BE49-F238E27FC236}">
+                <a16:creationId xmlns:a16="http://schemas.microsoft.com/office/drawing/2014/main" id="{43FDC808-53AE-8068-2FBD-2832D9297721}"/>
+              </a:ext>
+            </a:extLst>
+          </p:cNvPr>
+          <p:cNvPicPr>
+            <a:picLocks noChangeAspect="1"/>
+          </p:cNvPicPr>
+          <p:nvPr/>
+        </p:nvPicPr>
+        <p:blipFill>
+          <a:blip r:embed="rId2"/>
+          <a:stretch>
+            <a:fillRect/>
+          </a:stretch>
+        </p:blipFill>
+        <p:spPr>
+          <a:xfrm>
+            <a:off x="1551030" y="784654"/>
+            <a:ext cx="9089940" cy="5288692"/>
+          </a:xfrm>
+          <a:prstGeom prst="rect">
+            <a:avLst/>
+          </a:prstGeom>
+        </p:spPr>
+      </p:pic>
+    </p:spTree>
+    <p:extLst>
+      <p:ext uri="{BB962C8B-B14F-4D97-AF65-F5344CB8AC3E}">
+        <p14:creationId xmlns:p14="http://schemas.microsoft.com/office/powerpoint/2010/main" val="824936908"/>
+      </p:ext>
+    </p:extLst>
+  </p:cSld>
+  <p:clrMapOvr>
+    <a:masterClrMapping/>
+  </p:clrMapOvr>
+</p:sld>
+</file>
+
+<file path=ppt/slides/slide21.xml><?xml version="1.0" encoding="utf-8"?>
+<p:sld xmlns:a="http://schemas.openxmlformats.org/drawingml/2006/main" xmlns:r="http://schemas.openxmlformats.org/officeDocument/2006/relationships" xmlns:p="http://schemas.openxmlformats.org/presentationml/2006/main">
+  <p:cSld>
+    <p:spTree>
+      <p:nvGrpSpPr>
+        <p:cNvPr id="1" name=""/>
+        <p:cNvGrpSpPr/>
+        <p:nvPr/>
+      </p:nvGrpSpPr>
+      <p:grpSpPr>
+        <a:xfrm>
+          <a:off x="0" y="0"/>
+          <a:ext cx="0" cy="0"/>
+          <a:chOff x="0" y="0"/>
+          <a:chExt cx="0" cy="0"/>
+        </a:xfrm>
+      </p:grpSpPr>
+      <p:sp>
+        <p:nvSpPr>
+          <p:cNvPr id="2" name="Title 1">
+            <a:extLst>
+              <a:ext uri="{FF2B5EF4-FFF2-40B4-BE49-F238E27FC236}">
+                <a16:creationId xmlns:a16="http://schemas.microsoft.com/office/drawing/2014/main" id="{A70CA71A-FB99-10F1-BB03-3ABDD9901DE1}"/>
+              </a:ext>
+            </a:extLst>
+          </p:cNvPr>
+          <p:cNvSpPr>
+            <a:spLocks noGrp="1"/>
+          </p:cNvSpPr>
+          <p:nvPr>
+            <p:ph type="title"/>
+          </p:nvPr>
+        </p:nvSpPr>
+        <p:spPr>
+          <a:xfrm>
+            <a:off x="182880" y="365126"/>
+            <a:ext cx="11692128" cy="734626"/>
+          </a:xfrm>
+        </p:spPr>
+        <p:txBody>
+          <a:bodyPr>
+            <a:noAutofit/>
+          </a:bodyPr>
+          <a:lstStyle/>
+          <a:p>
+            <a:pPr algn="ctr"/>
+            <a:r>
+              <a:rPr lang="en-US" sz="3600" dirty="0"/>
+              <a:t>Reproducible Research Part 2 – Git/Github and tidying data</a:t>
+            </a:r>
+          </a:p>
+        </p:txBody>
+      </p:sp>
+      <p:sp>
+        <p:nvSpPr>
+          <p:cNvPr id="3" name="Content Placeholder 2">
+            <a:extLst>
+              <a:ext uri="{FF2B5EF4-FFF2-40B4-BE49-F238E27FC236}">
+                <a16:creationId xmlns:a16="http://schemas.microsoft.com/office/drawing/2014/main" id="{803DF030-8B38-00AD-9B11-ED480FB2EDCB}"/>
+              </a:ext>
+            </a:extLst>
+          </p:cNvPr>
+          <p:cNvSpPr>
+            <a:spLocks noGrp="1"/>
+          </p:cNvSpPr>
+          <p:nvPr>
+            <p:ph idx="1"/>
+          </p:nvPr>
+        </p:nvSpPr>
+        <p:spPr/>
+        <p:txBody>
+          <a:bodyPr/>
+          <a:lstStyle/>
+          <a:p>
+            <a:r>
+              <a:rPr lang="en-US" dirty="0"/>
+              <a:t>Where we’ve been</a:t>
+            </a:r>
+          </a:p>
+          <a:p>
+            <a:r>
+              <a:rPr lang="en-US" dirty="0"/>
+              <a:t>Git/Github overview</a:t>
+            </a:r>
+          </a:p>
+          <a:p>
+            <a:r>
+              <a:rPr lang="en-US" dirty="0"/>
+              <a:t>Git/Github practice</a:t>
+            </a:r>
+          </a:p>
+          <a:p>
+            <a:r>
+              <a:rPr lang="en-US" dirty="0"/>
+              <a:t>Tidying data and practicing the git/</a:t>
+            </a:r>
+            <a:r>
+              <a:rPr lang="en-US" dirty="0" err="1"/>
+              <a:t>github</a:t>
+            </a:r>
+            <a:r>
+              <a:rPr lang="en-US" dirty="0"/>
+              <a:t> workflow</a:t>
+            </a:r>
+          </a:p>
+        </p:txBody>
+      </p:sp>
+    </p:spTree>
+    <p:extLst>
+      <p:ext uri="{BB962C8B-B14F-4D97-AF65-F5344CB8AC3E}">
+        <p14:creationId xmlns:p14="http://schemas.microsoft.com/office/powerpoint/2010/main" val="3324382596"/>
+      </p:ext>
+    </p:extLst>
+  </p:cSld>
+  <p:clrMapOvr>
+    <a:masterClrMapping/>
+  </p:clrMapOvr>
+</p:sld>
+</file>
+
+<file path=ppt/slides/slide22.xml><?xml version="1.0" encoding="utf-8"?>
 <p:sld xmlns:a="http://schemas.openxmlformats.org/drawingml/2006/main" xmlns:r="http://schemas.openxmlformats.org/officeDocument/2006/relationships" xmlns:p="http://schemas.openxmlformats.org/presentationml/2006/main">
   <p:cSld>
     <p:spTree>
@@ -13893,7 +14052,7 @@
 </p:sld>
 </file>
 
-<file path=ppt/slides/slide21.xml><?xml version="1.0" encoding="utf-8"?>
+<file path=ppt/slides/slide23.xml><?xml version="1.0" encoding="utf-8"?>
 <p:sld xmlns:a="http://schemas.openxmlformats.org/drawingml/2006/main" xmlns:r="http://schemas.openxmlformats.org/officeDocument/2006/relationships" xmlns:p="http://schemas.openxmlformats.org/presentationml/2006/main">
   <p:cSld>
     <p:spTree>
@@ -14805,7 +14964,7 @@
 </p:sld>
 </file>
 
-<file path=ppt/slides/slide22.xml><?xml version="1.0" encoding="utf-8"?>
+<file path=ppt/slides/slide24.xml><?xml version="1.0" encoding="utf-8"?>
 <p:sld xmlns:a="http://schemas.openxmlformats.org/drawingml/2006/main" xmlns:r="http://schemas.openxmlformats.org/officeDocument/2006/relationships" xmlns:p="http://schemas.openxmlformats.org/presentationml/2006/main">
   <p:cSld>
     <p:spTree>
@@ -15881,7 +16040,7 @@
 </p:sld>
 </file>
 
-<file path=ppt/slides/slide23.xml><?xml version="1.0" encoding="utf-8"?>
+<file path=ppt/slides/slide25.xml><?xml version="1.0" encoding="utf-8"?>
 <p:sld xmlns:a="http://schemas.openxmlformats.org/drawingml/2006/main" xmlns:r="http://schemas.openxmlformats.org/officeDocument/2006/relationships" xmlns:p="http://schemas.openxmlformats.org/presentationml/2006/main">
   <p:cSld>
     <p:spTree>

--- a/docs/Reproducible research in R.pptx
+++ b/docs/Reproducible research in R.pptx
@@ -5,7 +5,7 @@
     <p:sldMasterId id="2147483648" r:id="rId1"/>
   </p:sldMasterIdLst>
   <p:notesMasterIdLst>
-    <p:notesMasterId r:id="rId27"/>
+    <p:notesMasterId r:id="rId35"/>
   </p:notesMasterIdLst>
   <p:sldIdLst>
     <p:sldId id="256" r:id="rId2"/>
@@ -32,7 +32,15 @@
     <p:sldId id="276" r:id="rId23"/>
     <p:sldId id="277" r:id="rId24"/>
     <p:sldId id="278" r:id="rId25"/>
-    <p:sldId id="274" r:id="rId26"/>
+    <p:sldId id="283" r:id="rId26"/>
+    <p:sldId id="274" r:id="rId27"/>
+    <p:sldId id="285" r:id="rId28"/>
+    <p:sldId id="284" r:id="rId29"/>
+    <p:sldId id="286" r:id="rId30"/>
+    <p:sldId id="288" r:id="rId31"/>
+    <p:sldId id="287" r:id="rId32"/>
+    <p:sldId id="289" r:id="rId33"/>
+    <p:sldId id="290" r:id="rId34"/>
   </p:sldIdLst>
   <p:sldSz cx="12192000" cy="6858000"/>
   <p:notesSz cx="6858000" cy="9144000"/>
@@ -12918,10 +12926,10 @@
       </p:grpSp>
       <p:grpSp>
         <p:nvGrpSpPr>
-          <p:cNvPr id="8" name="Group 7">
+          <p:cNvPr id="2" name="Group 1">
             <a:extLst>
               <a:ext uri="{FF2B5EF4-FFF2-40B4-BE49-F238E27FC236}">
-                <a16:creationId xmlns:a16="http://schemas.microsoft.com/office/drawing/2014/main" id="{A1BA7624-DFCA-C553-7AE8-F935804291CF}"/>
+                <a16:creationId xmlns:a16="http://schemas.microsoft.com/office/drawing/2014/main" id="{2A12BC83-3786-C676-7219-614E901115D7}"/>
               </a:ext>
             </a:extLst>
           </p:cNvPr>
@@ -12930,18 +12938,127 @@
         </p:nvGrpSpPr>
         <p:grpSpPr>
           <a:xfrm>
-            <a:off x="3385704" y="1154804"/>
-            <a:ext cx="1239982" cy="5592418"/>
-            <a:chOff x="3385704" y="1154804"/>
-            <a:chExt cx="1239982" cy="5592418"/>
+            <a:off x="1554990" y="1154804"/>
+            <a:ext cx="3070696" cy="5592418"/>
+            <a:chOff x="1554990" y="1154804"/>
+            <a:chExt cx="3070696" cy="5592418"/>
           </a:xfrm>
         </p:grpSpPr>
+        <p:grpSp>
+          <p:nvGrpSpPr>
+            <p:cNvPr id="8" name="Group 7">
+              <a:extLst>
+                <a:ext uri="{FF2B5EF4-FFF2-40B4-BE49-F238E27FC236}">
+                  <a16:creationId xmlns:a16="http://schemas.microsoft.com/office/drawing/2014/main" id="{A1BA7624-DFCA-C553-7AE8-F935804291CF}"/>
+                </a:ext>
+              </a:extLst>
+            </p:cNvPr>
+            <p:cNvGrpSpPr/>
+            <p:nvPr/>
+          </p:nvGrpSpPr>
+          <p:grpSpPr>
+            <a:xfrm>
+              <a:off x="3385704" y="1154804"/>
+              <a:ext cx="1239982" cy="5592418"/>
+              <a:chOff x="3385704" y="1154804"/>
+              <a:chExt cx="1239982" cy="5592418"/>
+            </a:xfrm>
+          </p:grpSpPr>
+          <p:sp>
+            <p:nvSpPr>
+              <p:cNvPr id="5" name="Rectangle 4">
+                <a:extLst>
+                  <a:ext uri="{FF2B5EF4-FFF2-40B4-BE49-F238E27FC236}">
+                    <a16:creationId xmlns:a16="http://schemas.microsoft.com/office/drawing/2014/main" id="{137555E9-2CE1-C22C-EC6C-5D6D45F4832D}"/>
+                  </a:ext>
+                </a:extLst>
+              </p:cNvPr>
+              <p:cNvSpPr/>
+              <p:nvPr/>
+            </p:nvSpPr>
+            <p:spPr>
+              <a:xfrm>
+                <a:off x="3385704" y="1154804"/>
+                <a:ext cx="1239982" cy="1014984"/>
+              </a:xfrm>
+              <a:prstGeom prst="rect">
+                <a:avLst/>
+              </a:prstGeom>
+            </p:spPr>
+            <p:style>
+              <a:lnRef idx="2">
+                <a:schemeClr val="accent2">
+                  <a:shade val="15000"/>
+                </a:schemeClr>
+              </a:lnRef>
+              <a:fillRef idx="1">
+                <a:schemeClr val="accent2"/>
+              </a:fillRef>
+              <a:effectRef idx="0">
+                <a:schemeClr val="accent2"/>
+              </a:effectRef>
+              <a:fontRef idx="minor">
+                <a:schemeClr val="lt1"/>
+              </a:fontRef>
+            </p:style>
+            <p:txBody>
+              <a:bodyPr rtlCol="0" anchor="ctr"/>
+              <a:lstStyle/>
+              <a:p>
+                <a:pPr algn="ctr"/>
+                <a:r>
+                  <a:rPr lang="en-US" dirty="0"/>
+                  <a:t>Staging area</a:t>
+                </a:r>
+              </a:p>
+            </p:txBody>
+          </p:sp>
+          <p:cxnSp>
+            <p:nvCxnSpPr>
+              <p:cNvPr id="10" name="Straight Connector 9">
+                <a:extLst>
+                  <a:ext uri="{FF2B5EF4-FFF2-40B4-BE49-F238E27FC236}">
+                    <a16:creationId xmlns:a16="http://schemas.microsoft.com/office/drawing/2014/main" id="{D18C4DB9-5B94-80BA-1F81-076F11A407D3}"/>
+                  </a:ext>
+                </a:extLst>
+              </p:cNvPr>
+              <p:cNvCxnSpPr>
+                <a:cxnSpLocks/>
+                <a:stCxn id="5" idx="2"/>
+              </p:cNvCxnSpPr>
+              <p:nvPr/>
+            </p:nvCxnSpPr>
+            <p:spPr>
+              <a:xfrm>
+                <a:off x="4005695" y="2169788"/>
+                <a:ext cx="0" cy="4577434"/>
+              </a:xfrm>
+              <a:prstGeom prst="line">
+                <a:avLst/>
+              </a:prstGeom>
+            </p:spPr>
+            <p:style>
+              <a:lnRef idx="2">
+                <a:schemeClr val="dk1"/>
+              </a:lnRef>
+              <a:fillRef idx="0">
+                <a:schemeClr val="dk1"/>
+              </a:fillRef>
+              <a:effectRef idx="1">
+                <a:schemeClr val="dk1"/>
+              </a:effectRef>
+              <a:fontRef idx="minor">
+                <a:schemeClr val="tx1"/>
+              </a:fontRef>
+            </p:style>
+          </p:cxnSp>
+        </p:grpSp>
         <p:sp>
           <p:nvSpPr>
-            <p:cNvPr id="5" name="Rectangle 4">
+            <p:cNvPr id="15" name="Right Arrow 14">
               <a:extLst>
                 <a:ext uri="{FF2B5EF4-FFF2-40B4-BE49-F238E27FC236}">
-                  <a16:creationId xmlns:a16="http://schemas.microsoft.com/office/drawing/2014/main" id="{137555E9-2CE1-C22C-EC6C-5D6D45F4832D}"/>
+                  <a16:creationId xmlns:a16="http://schemas.microsoft.com/office/drawing/2014/main" id="{85431F55-1EFE-5256-6F89-F3BA8237C638}"/>
                 </a:ext>
               </a:extLst>
             </p:cNvPr>
@@ -12950,27 +13067,25 @@
           </p:nvSpPr>
           <p:spPr>
             <a:xfrm>
-              <a:off x="3385704" y="1154804"/>
-              <a:ext cx="1239982" cy="1014984"/>
+              <a:off x="1554990" y="2273648"/>
+              <a:ext cx="2401698" cy="506627"/>
             </a:xfrm>
-            <a:prstGeom prst="rect">
+            <a:prstGeom prst="rightArrow">
               <a:avLst/>
             </a:prstGeom>
           </p:spPr>
           <p:style>
-            <a:lnRef idx="2">
-              <a:schemeClr val="accent2">
-                <a:shade val="15000"/>
-              </a:schemeClr>
+            <a:lnRef idx="1">
+              <a:schemeClr val="accent6"/>
             </a:lnRef>
-            <a:fillRef idx="1">
-              <a:schemeClr val="accent2"/>
+            <a:fillRef idx="2">
+              <a:schemeClr val="accent6"/>
             </a:fillRef>
-            <a:effectRef idx="0">
-              <a:schemeClr val="accent2"/>
+            <a:effectRef idx="1">
+              <a:schemeClr val="accent6"/>
             </a:effectRef>
             <a:fontRef idx="minor">
-              <a:schemeClr val="lt1"/>
+              <a:schemeClr val="dk1"/>
             </a:fontRef>
           </p:style>
           <p:txBody>
@@ -12980,57 +13095,18 @@
               <a:pPr algn="ctr"/>
               <a:r>
                 <a:rPr lang="en-US" dirty="0"/>
-                <a:t>Staging area</a:t>
+                <a:t>git add</a:t>
               </a:r>
             </a:p>
           </p:txBody>
         </p:sp>
-        <p:cxnSp>
-          <p:nvCxnSpPr>
-            <p:cNvPr id="10" name="Straight Connector 9">
-              <a:extLst>
-                <a:ext uri="{FF2B5EF4-FFF2-40B4-BE49-F238E27FC236}">
-                  <a16:creationId xmlns:a16="http://schemas.microsoft.com/office/drawing/2014/main" id="{D18C4DB9-5B94-80BA-1F81-076F11A407D3}"/>
-                </a:ext>
-              </a:extLst>
-            </p:cNvPr>
-            <p:cNvCxnSpPr>
-              <a:cxnSpLocks/>
-              <a:stCxn id="5" idx="2"/>
-            </p:cNvCxnSpPr>
-            <p:nvPr/>
-          </p:nvCxnSpPr>
-          <p:spPr>
-            <a:xfrm>
-              <a:off x="4005695" y="2169788"/>
-              <a:ext cx="0" cy="4577434"/>
-            </a:xfrm>
-            <a:prstGeom prst="line">
-              <a:avLst/>
-            </a:prstGeom>
-          </p:spPr>
-          <p:style>
-            <a:lnRef idx="2">
-              <a:schemeClr val="dk1"/>
-            </a:lnRef>
-            <a:fillRef idx="0">
-              <a:schemeClr val="dk1"/>
-            </a:fillRef>
-            <a:effectRef idx="1">
-              <a:schemeClr val="dk1"/>
-            </a:effectRef>
-            <a:fontRef idx="minor">
-              <a:schemeClr val="tx1"/>
-            </a:fontRef>
-          </p:style>
-        </p:cxnSp>
       </p:grpSp>
       <p:grpSp>
         <p:nvGrpSpPr>
-          <p:cNvPr id="18" name="Group 17">
+          <p:cNvPr id="7" name="Group 6">
             <a:extLst>
               <a:ext uri="{FF2B5EF4-FFF2-40B4-BE49-F238E27FC236}">
-                <a16:creationId xmlns:a16="http://schemas.microsoft.com/office/drawing/2014/main" id="{3039B473-2223-82EF-BB61-CB8332F3ED55}"/>
+                <a16:creationId xmlns:a16="http://schemas.microsoft.com/office/drawing/2014/main" id="{7916977C-D373-674F-BAEF-AF08761EBB87}"/>
               </a:ext>
             </a:extLst>
           </p:cNvPr>
@@ -13039,18 +13115,162 @@
         </p:nvGrpSpPr>
         <p:grpSpPr>
           <a:xfrm>
-            <a:off x="5372100" y="785469"/>
-            <a:ext cx="1239982" cy="5961753"/>
-            <a:chOff x="5372100" y="785469"/>
-            <a:chExt cx="1239982" cy="5961753"/>
+            <a:off x="4054704" y="785469"/>
+            <a:ext cx="2557378" cy="5961753"/>
+            <a:chOff x="4054704" y="785469"/>
+            <a:chExt cx="2557378" cy="5961753"/>
           </a:xfrm>
         </p:grpSpPr>
+        <p:grpSp>
+          <p:nvGrpSpPr>
+            <p:cNvPr id="18" name="Group 17">
+              <a:extLst>
+                <a:ext uri="{FF2B5EF4-FFF2-40B4-BE49-F238E27FC236}">
+                  <a16:creationId xmlns:a16="http://schemas.microsoft.com/office/drawing/2014/main" id="{3039B473-2223-82EF-BB61-CB8332F3ED55}"/>
+                </a:ext>
+              </a:extLst>
+            </p:cNvPr>
+            <p:cNvGrpSpPr/>
+            <p:nvPr/>
+          </p:nvGrpSpPr>
+          <p:grpSpPr>
+            <a:xfrm>
+              <a:off x="5372100" y="785469"/>
+              <a:ext cx="1239982" cy="5961753"/>
+              <a:chOff x="5372100" y="785469"/>
+              <a:chExt cx="1239982" cy="5961753"/>
+            </a:xfrm>
+          </p:grpSpPr>
+          <p:sp>
+            <p:nvSpPr>
+              <p:cNvPr id="6" name="Rectangle 5">
+                <a:extLst>
+                  <a:ext uri="{FF2B5EF4-FFF2-40B4-BE49-F238E27FC236}">
+                    <a16:creationId xmlns:a16="http://schemas.microsoft.com/office/drawing/2014/main" id="{B3E24E93-2AC4-72B8-3282-1083DAABCC92}"/>
+                  </a:ext>
+                </a:extLst>
+              </p:cNvPr>
+              <p:cNvSpPr/>
+              <p:nvPr/>
+            </p:nvSpPr>
+            <p:spPr>
+              <a:xfrm>
+                <a:off x="5372100" y="1154804"/>
+                <a:ext cx="1239982" cy="1014984"/>
+              </a:xfrm>
+              <a:prstGeom prst="rect">
+                <a:avLst/>
+              </a:prstGeom>
+            </p:spPr>
+            <p:style>
+              <a:lnRef idx="2">
+                <a:schemeClr val="accent3">
+                  <a:shade val="15000"/>
+                </a:schemeClr>
+              </a:lnRef>
+              <a:fillRef idx="1">
+                <a:schemeClr val="accent3"/>
+              </a:fillRef>
+              <a:effectRef idx="0">
+                <a:schemeClr val="accent3"/>
+              </a:effectRef>
+              <a:fontRef idx="minor">
+                <a:schemeClr val="lt1"/>
+              </a:fontRef>
+            </p:style>
+            <p:txBody>
+              <a:bodyPr rtlCol="0" anchor="ctr"/>
+              <a:lstStyle/>
+              <a:p>
+                <a:pPr algn="ctr"/>
+                <a:r>
+                  <a:rPr lang="en-US" dirty="0"/>
+                  <a:t>Local branch</a:t>
+                </a:r>
+              </a:p>
+            </p:txBody>
+          </p:sp>
+          <p:sp>
+            <p:nvSpPr>
+              <p:cNvPr id="3" name="TextBox 2">
+                <a:extLst>
+                  <a:ext uri="{FF2B5EF4-FFF2-40B4-BE49-F238E27FC236}">
+                    <a16:creationId xmlns:a16="http://schemas.microsoft.com/office/drawing/2014/main" id="{CA76FB0F-01AC-B640-6C44-D1F5C9864FA9}"/>
+                  </a:ext>
+                </a:extLst>
+              </p:cNvPr>
+              <p:cNvSpPr txBox="1"/>
+              <p:nvPr/>
+            </p:nvSpPr>
+            <p:spPr>
+              <a:xfrm>
+                <a:off x="5446396" y="785469"/>
+                <a:ext cx="1091389" cy="369332"/>
+              </a:xfrm>
+              <a:prstGeom prst="rect">
+                <a:avLst/>
+              </a:prstGeom>
+              <a:noFill/>
+            </p:spPr>
+            <p:txBody>
+              <a:bodyPr wrap="none" rtlCol="0">
+                <a:spAutoFit/>
+              </a:bodyPr>
+              <a:lstStyle/>
+              <a:p>
+                <a:r>
+                  <a:rPr lang="en-US" dirty="0"/>
+                  <a:t>e.g. main</a:t>
+                </a:r>
+              </a:p>
+            </p:txBody>
+          </p:sp>
+          <p:cxnSp>
+            <p:nvCxnSpPr>
+              <p:cNvPr id="11" name="Straight Connector 10">
+                <a:extLst>
+                  <a:ext uri="{FF2B5EF4-FFF2-40B4-BE49-F238E27FC236}">
+                    <a16:creationId xmlns:a16="http://schemas.microsoft.com/office/drawing/2014/main" id="{C102CBFE-0B92-3D62-B8CB-8FC1526931FB}"/>
+                  </a:ext>
+                </a:extLst>
+              </p:cNvPr>
+              <p:cNvCxnSpPr>
+                <a:cxnSpLocks/>
+                <a:stCxn id="6" idx="2"/>
+              </p:cNvCxnSpPr>
+              <p:nvPr/>
+            </p:nvCxnSpPr>
+            <p:spPr>
+              <a:xfrm>
+                <a:off x="5992091" y="2169788"/>
+                <a:ext cx="3462" cy="4577434"/>
+              </a:xfrm>
+              <a:prstGeom prst="line">
+                <a:avLst/>
+              </a:prstGeom>
+            </p:spPr>
+            <p:style>
+              <a:lnRef idx="2">
+                <a:schemeClr val="dk1"/>
+              </a:lnRef>
+              <a:fillRef idx="0">
+                <a:schemeClr val="dk1"/>
+              </a:fillRef>
+              <a:effectRef idx="1">
+                <a:schemeClr val="dk1"/>
+              </a:effectRef>
+              <a:fontRef idx="minor">
+                <a:schemeClr val="tx1"/>
+              </a:fontRef>
+            </p:style>
+          </p:cxnSp>
+        </p:grpSp>
         <p:sp>
           <p:nvSpPr>
-            <p:cNvPr id="6" name="Rectangle 5">
+            <p:cNvPr id="16" name="Right Arrow 15">
               <a:extLst>
                 <a:ext uri="{FF2B5EF4-FFF2-40B4-BE49-F238E27FC236}">
-                  <a16:creationId xmlns:a16="http://schemas.microsoft.com/office/drawing/2014/main" id="{B3E24E93-2AC4-72B8-3282-1083DAABCC92}"/>
+                  <a16:creationId xmlns:a16="http://schemas.microsoft.com/office/drawing/2014/main" id="{7CAC9D69-5F2C-1BBF-EBE0-A39065B4E219}"/>
                 </a:ext>
               </a:extLst>
             </p:cNvPr>
@@ -13059,27 +13279,25 @@
           </p:nvSpPr>
           <p:spPr>
             <a:xfrm>
-              <a:off x="5372100" y="1154804"/>
-              <a:ext cx="1239982" cy="1014984"/>
+              <a:off x="4054704" y="2796752"/>
+              <a:ext cx="1955593" cy="506627"/>
             </a:xfrm>
-            <a:prstGeom prst="rect">
+            <a:prstGeom prst="rightArrow">
               <a:avLst/>
             </a:prstGeom>
           </p:spPr>
           <p:style>
-            <a:lnRef idx="2">
-              <a:schemeClr val="accent3">
-                <a:shade val="15000"/>
-              </a:schemeClr>
+            <a:lnRef idx="1">
+              <a:schemeClr val="accent6"/>
             </a:lnRef>
-            <a:fillRef idx="1">
-              <a:schemeClr val="accent3"/>
+            <a:fillRef idx="2">
+              <a:schemeClr val="accent6"/>
             </a:fillRef>
-            <a:effectRef idx="0">
-              <a:schemeClr val="accent3"/>
+            <a:effectRef idx="1">
+              <a:schemeClr val="accent6"/>
             </a:effectRef>
             <a:fontRef idx="minor">
-              <a:schemeClr val="lt1"/>
+              <a:schemeClr val="dk1"/>
             </a:fontRef>
           </p:style>
           <p:txBody>
@@ -13089,180 +13307,12 @@
               <a:pPr algn="ctr"/>
               <a:r>
                 <a:rPr lang="en-US" dirty="0"/>
-                <a:t>Local branch</a:t>
+                <a:t>git commit</a:t>
               </a:r>
             </a:p>
           </p:txBody>
         </p:sp>
-        <p:sp>
-          <p:nvSpPr>
-            <p:cNvPr id="3" name="TextBox 2">
-              <a:extLst>
-                <a:ext uri="{FF2B5EF4-FFF2-40B4-BE49-F238E27FC236}">
-                  <a16:creationId xmlns:a16="http://schemas.microsoft.com/office/drawing/2014/main" id="{CA76FB0F-01AC-B640-6C44-D1F5C9864FA9}"/>
-                </a:ext>
-              </a:extLst>
-            </p:cNvPr>
-            <p:cNvSpPr txBox="1"/>
-            <p:nvPr/>
-          </p:nvSpPr>
-          <p:spPr>
-            <a:xfrm>
-              <a:off x="5446396" y="785469"/>
-              <a:ext cx="1091389" cy="369332"/>
-            </a:xfrm>
-            <a:prstGeom prst="rect">
-              <a:avLst/>
-            </a:prstGeom>
-            <a:noFill/>
-          </p:spPr>
-          <p:txBody>
-            <a:bodyPr wrap="none" rtlCol="0">
-              <a:spAutoFit/>
-            </a:bodyPr>
-            <a:lstStyle/>
-            <a:p>
-              <a:r>
-                <a:rPr lang="en-US" dirty="0"/>
-                <a:t>e.g. main</a:t>
-              </a:r>
-            </a:p>
-          </p:txBody>
-        </p:sp>
-        <p:cxnSp>
-          <p:nvCxnSpPr>
-            <p:cNvPr id="11" name="Straight Connector 10">
-              <a:extLst>
-                <a:ext uri="{FF2B5EF4-FFF2-40B4-BE49-F238E27FC236}">
-                  <a16:creationId xmlns:a16="http://schemas.microsoft.com/office/drawing/2014/main" id="{C102CBFE-0B92-3D62-B8CB-8FC1526931FB}"/>
-                </a:ext>
-              </a:extLst>
-            </p:cNvPr>
-            <p:cNvCxnSpPr>
-              <a:cxnSpLocks/>
-              <a:stCxn id="6" idx="2"/>
-            </p:cNvCxnSpPr>
-            <p:nvPr/>
-          </p:nvCxnSpPr>
-          <p:spPr>
-            <a:xfrm>
-              <a:off x="5992091" y="2169788"/>
-              <a:ext cx="3462" cy="4577434"/>
-            </a:xfrm>
-            <a:prstGeom prst="line">
-              <a:avLst/>
-            </a:prstGeom>
-          </p:spPr>
-          <p:style>
-            <a:lnRef idx="2">
-              <a:schemeClr val="dk1"/>
-            </a:lnRef>
-            <a:fillRef idx="0">
-              <a:schemeClr val="dk1"/>
-            </a:fillRef>
-            <a:effectRef idx="1">
-              <a:schemeClr val="dk1"/>
-            </a:effectRef>
-            <a:fontRef idx="minor">
-              <a:schemeClr val="tx1"/>
-            </a:fontRef>
-          </p:style>
-        </p:cxnSp>
       </p:grpSp>
-      <p:sp>
-        <p:nvSpPr>
-          <p:cNvPr id="15" name="Right Arrow 14">
-            <a:extLst>
-              <a:ext uri="{FF2B5EF4-FFF2-40B4-BE49-F238E27FC236}">
-                <a16:creationId xmlns:a16="http://schemas.microsoft.com/office/drawing/2014/main" id="{85431F55-1EFE-5256-6F89-F3BA8237C638}"/>
-              </a:ext>
-            </a:extLst>
-          </p:cNvPr>
-          <p:cNvSpPr/>
-          <p:nvPr/>
-        </p:nvSpPr>
-        <p:spPr>
-          <a:xfrm>
-            <a:off x="1554990" y="2273648"/>
-            <a:ext cx="2401698" cy="506627"/>
-          </a:xfrm>
-          <a:prstGeom prst="rightArrow">
-            <a:avLst/>
-          </a:prstGeom>
-        </p:spPr>
-        <p:style>
-          <a:lnRef idx="1">
-            <a:schemeClr val="accent6"/>
-          </a:lnRef>
-          <a:fillRef idx="2">
-            <a:schemeClr val="accent6"/>
-          </a:fillRef>
-          <a:effectRef idx="1">
-            <a:schemeClr val="accent6"/>
-          </a:effectRef>
-          <a:fontRef idx="minor">
-            <a:schemeClr val="dk1"/>
-          </a:fontRef>
-        </p:style>
-        <p:txBody>
-          <a:bodyPr rtlCol="0" anchor="ctr"/>
-          <a:lstStyle/>
-          <a:p>
-            <a:pPr algn="ctr"/>
-            <a:r>
-              <a:rPr lang="en-US" dirty="0"/>
-              <a:t>git add</a:t>
-            </a:r>
-          </a:p>
-        </p:txBody>
-      </p:sp>
-      <p:sp>
-        <p:nvSpPr>
-          <p:cNvPr id="16" name="Right Arrow 15">
-            <a:extLst>
-              <a:ext uri="{FF2B5EF4-FFF2-40B4-BE49-F238E27FC236}">
-                <a16:creationId xmlns:a16="http://schemas.microsoft.com/office/drawing/2014/main" id="{7CAC9D69-5F2C-1BBF-EBE0-A39065B4E219}"/>
-              </a:ext>
-            </a:extLst>
-          </p:cNvPr>
-          <p:cNvSpPr/>
-          <p:nvPr/>
-        </p:nvSpPr>
-        <p:spPr>
-          <a:xfrm>
-            <a:off x="4054704" y="2796752"/>
-            <a:ext cx="1955593" cy="506627"/>
-          </a:xfrm>
-          <a:prstGeom prst="rightArrow">
-            <a:avLst/>
-          </a:prstGeom>
-        </p:spPr>
-        <p:style>
-          <a:lnRef idx="1">
-            <a:schemeClr val="accent6"/>
-          </a:lnRef>
-          <a:fillRef idx="2">
-            <a:schemeClr val="accent6"/>
-          </a:fillRef>
-          <a:effectRef idx="1">
-            <a:schemeClr val="accent6"/>
-          </a:effectRef>
-          <a:fontRef idx="minor">
-            <a:schemeClr val="dk1"/>
-          </a:fontRef>
-        </p:style>
-        <p:txBody>
-          <a:bodyPr rtlCol="0" anchor="ctr"/>
-          <a:lstStyle/>
-          <a:p>
-            <a:pPr algn="ctr"/>
-            <a:r>
-              <a:rPr lang="en-US" dirty="0"/>
-              <a:t>git commit</a:t>
-            </a:r>
-          </a:p>
-        </p:txBody>
-      </p:sp>
       <p:sp>
         <p:nvSpPr>
           <p:cNvPr id="25" name="TextBox 24">
@@ -13686,7 +13736,7 @@
                                           </p:stCondLst>
                                         </p:cTn>
                                         <p:tgtEl>
-                                          <p:spTgt spid="27"/>
+                                          <p:spTgt spid="2"/>
                                         </p:tgtEl>
                                         <p:attrNameLst>
                                           <p:attrName>style.visibility</p:attrName>
@@ -13718,7 +13768,7 @@
                             </p:stCondLst>
                             <p:childTnLst>
                               <p:par>
-                                <p:cTn id="9" presetID="1" presetClass="entr" presetSubtype="0" fill="hold" grpId="0" nodeType="clickEffect">
+                                <p:cTn id="9" presetID="1" presetClass="entr" presetSubtype="0" fill="hold" nodeType="clickEffect">
                                   <p:stCondLst>
                                     <p:cond delay="0"/>
                                   </p:stCondLst>
@@ -13731,7 +13781,7 @@
                                           </p:stCondLst>
                                         </p:cTn>
                                         <p:tgtEl>
-                                          <p:spTgt spid="15"/>
+                                          <p:spTgt spid="7"/>
                                         </p:tgtEl>
                                         <p:attrNameLst>
                                           <p:attrName>style.visibility</p:attrName>
@@ -13763,7 +13813,7 @@
                             </p:stCondLst>
                             <p:childTnLst>
                               <p:par>
-                                <p:cTn id="13" presetID="1" presetClass="entr" presetSubtype="0" fill="hold" nodeType="clickEffect">
+                                <p:cTn id="13" presetID="1" presetClass="entr" presetSubtype="0" fill="hold" grpId="0" nodeType="clickEffect">
                                   <p:stCondLst>
                                     <p:cond delay="0"/>
                                   </p:stCondLst>
@@ -13776,7 +13826,7 @@
                                           </p:stCondLst>
                                         </p:cTn>
                                         <p:tgtEl>
-                                          <p:spTgt spid="8"/>
+                                          <p:spTgt spid="31"/>
                                         </p:tgtEl>
                                         <p:attrNameLst>
                                           <p:attrName>style.visibility</p:attrName>
@@ -13821,7 +13871,7 @@
                                           </p:stCondLst>
                                         </p:cTn>
                                         <p:tgtEl>
-                                          <p:spTgt spid="16"/>
+                                          <p:spTgt spid="28"/>
                                         </p:tgtEl>
                                         <p:attrNameLst>
                                           <p:attrName>style.visibility</p:attrName>
@@ -13853,7 +13903,7 @@
                             </p:stCondLst>
                             <p:childTnLst>
                               <p:par>
-                                <p:cTn id="21" presetID="1" presetClass="entr" presetSubtype="0" fill="hold" nodeType="clickEffect">
+                                <p:cTn id="21" presetID="1" presetClass="entr" presetSubtype="0" fill="hold" grpId="0" nodeType="clickEffect">
                                   <p:stCondLst>
                                     <p:cond delay="0"/>
                                   </p:stCondLst>
@@ -13861,141 +13911,6 @@
                                     <p:set>
                                       <p:cBhvr>
                                         <p:cTn id="22" dur="1" fill="hold">
-                                          <p:stCondLst>
-                                            <p:cond delay="0"/>
-                                          </p:stCondLst>
-                                        </p:cTn>
-                                        <p:tgtEl>
-                                          <p:spTgt spid="18"/>
-                                        </p:tgtEl>
-                                        <p:attrNameLst>
-                                          <p:attrName>style.visibility</p:attrName>
-                                        </p:attrNameLst>
-                                      </p:cBhvr>
-                                      <p:to>
-                                        <p:strVal val="visible"/>
-                                      </p:to>
-                                    </p:set>
-                                  </p:childTnLst>
-                                </p:cTn>
-                              </p:par>
-                            </p:childTnLst>
-                          </p:cTn>
-                        </p:par>
-                      </p:childTnLst>
-                    </p:cTn>
-                  </p:par>
-                  <p:par>
-                    <p:cTn id="23" fill="hold">
-                      <p:stCondLst>
-                        <p:cond delay="indefinite"/>
-                      </p:stCondLst>
-                      <p:childTnLst>
-                        <p:par>
-                          <p:cTn id="24" fill="hold">
-                            <p:stCondLst>
-                              <p:cond delay="0"/>
-                            </p:stCondLst>
-                            <p:childTnLst>
-                              <p:par>
-                                <p:cTn id="25" presetID="1" presetClass="entr" presetSubtype="0" fill="hold" grpId="0" nodeType="clickEffect">
-                                  <p:stCondLst>
-                                    <p:cond delay="0"/>
-                                  </p:stCondLst>
-                                  <p:childTnLst>
-                                    <p:set>
-                                      <p:cBhvr>
-                                        <p:cTn id="26" dur="1" fill="hold">
-                                          <p:stCondLst>
-                                            <p:cond delay="0"/>
-                                          </p:stCondLst>
-                                        </p:cTn>
-                                        <p:tgtEl>
-                                          <p:spTgt spid="31"/>
-                                        </p:tgtEl>
-                                        <p:attrNameLst>
-                                          <p:attrName>style.visibility</p:attrName>
-                                        </p:attrNameLst>
-                                      </p:cBhvr>
-                                      <p:to>
-                                        <p:strVal val="visible"/>
-                                      </p:to>
-                                    </p:set>
-                                  </p:childTnLst>
-                                </p:cTn>
-                              </p:par>
-                            </p:childTnLst>
-                          </p:cTn>
-                        </p:par>
-                      </p:childTnLst>
-                    </p:cTn>
-                  </p:par>
-                  <p:par>
-                    <p:cTn id="27" fill="hold">
-                      <p:stCondLst>
-                        <p:cond delay="indefinite"/>
-                      </p:stCondLst>
-                      <p:childTnLst>
-                        <p:par>
-                          <p:cTn id="28" fill="hold">
-                            <p:stCondLst>
-                              <p:cond delay="0"/>
-                            </p:stCondLst>
-                            <p:childTnLst>
-                              <p:par>
-                                <p:cTn id="29" presetID="1" presetClass="entr" presetSubtype="0" fill="hold" grpId="0" nodeType="clickEffect">
-                                  <p:stCondLst>
-                                    <p:cond delay="0"/>
-                                  </p:stCondLst>
-                                  <p:childTnLst>
-                                    <p:set>
-                                      <p:cBhvr>
-                                        <p:cTn id="30" dur="1" fill="hold">
-                                          <p:stCondLst>
-                                            <p:cond delay="0"/>
-                                          </p:stCondLst>
-                                        </p:cTn>
-                                        <p:tgtEl>
-                                          <p:spTgt spid="28"/>
-                                        </p:tgtEl>
-                                        <p:attrNameLst>
-                                          <p:attrName>style.visibility</p:attrName>
-                                        </p:attrNameLst>
-                                      </p:cBhvr>
-                                      <p:to>
-                                        <p:strVal val="visible"/>
-                                      </p:to>
-                                    </p:set>
-                                  </p:childTnLst>
-                                </p:cTn>
-                              </p:par>
-                            </p:childTnLst>
-                          </p:cTn>
-                        </p:par>
-                      </p:childTnLst>
-                    </p:cTn>
-                  </p:par>
-                  <p:par>
-                    <p:cTn id="31" fill="hold">
-                      <p:stCondLst>
-                        <p:cond delay="indefinite"/>
-                      </p:stCondLst>
-                      <p:childTnLst>
-                        <p:par>
-                          <p:cTn id="32" fill="hold">
-                            <p:stCondLst>
-                              <p:cond delay="0"/>
-                            </p:stCondLst>
-                            <p:childTnLst>
-                              <p:par>
-                                <p:cTn id="33" presetID="1" presetClass="entr" presetSubtype="0" fill="hold" grpId="0" nodeType="clickEffect">
-                                  <p:stCondLst>
-                                    <p:cond delay="0"/>
-                                  </p:stCondLst>
-                                  <p:childTnLst>
-                                    <p:set>
-                                      <p:cBhvr>
-                                        <p:cTn id="34" dur="1" fill="hold">
                                           <p:stCondLst>
                                             <p:cond delay="0"/>
                                           </p:stCondLst>
@@ -14042,8 +13957,6 @@
       </p:par>
     </p:tnLst>
     <p:bldLst>
-      <p:bldP spid="15" grpId="0" animBg="1"/>
-      <p:bldP spid="16" grpId="0" animBg="1"/>
       <p:bldP spid="28" grpId="0" animBg="1"/>
       <p:bldP spid="30" grpId="0" animBg="1"/>
       <p:bldP spid="31" grpId="0" animBg="1"/>
@@ -14075,60 +13988,233 @@
           <a:chExt cx="0" cy="0"/>
         </a:xfrm>
       </p:grpSpPr>
-      <p:sp>
-        <p:nvSpPr>
-          <p:cNvPr id="24" name="Rectangle 23">
+      <p:grpSp>
+        <p:nvGrpSpPr>
+          <p:cNvPr id="20" name="Group 19">
             <a:extLst>
               <a:ext uri="{FF2B5EF4-FFF2-40B4-BE49-F238E27FC236}">
-                <a16:creationId xmlns:a16="http://schemas.microsoft.com/office/drawing/2014/main" id="{200C76AA-B434-6524-F6A7-1BFA2F8560E3}"/>
+                <a16:creationId xmlns:a16="http://schemas.microsoft.com/office/drawing/2014/main" id="{2A93F8AF-A8D6-4AB2-ADF6-667C380C6BCE}"/>
               </a:ext>
             </a:extLst>
           </p:cNvPr>
-          <p:cNvSpPr/>
+          <p:cNvGrpSpPr/>
           <p:nvPr/>
-        </p:nvSpPr>
-        <p:spPr>
+        </p:nvGrpSpPr>
+        <p:grpSpPr>
           <a:xfrm>
             <a:off x="9625914" y="98854"/>
             <a:ext cx="2347783" cy="6722081"/>
+            <a:chOff x="9625914" y="98854"/>
+            <a:chExt cx="2347783" cy="6722081"/>
           </a:xfrm>
-          <a:prstGeom prst="rect">
-            <a:avLst/>
-          </a:prstGeom>
-          <a:solidFill>
-            <a:schemeClr val="bg1">
-              <a:lumMod val="65000"/>
-            </a:schemeClr>
-          </a:solidFill>
-          <a:ln>
+        </p:grpSpPr>
+        <p:grpSp>
+          <p:nvGrpSpPr>
+            <p:cNvPr id="19" name="Group 18">
+              <a:extLst>
+                <a:ext uri="{FF2B5EF4-FFF2-40B4-BE49-F238E27FC236}">
+                  <a16:creationId xmlns:a16="http://schemas.microsoft.com/office/drawing/2014/main" id="{11F385F5-91A9-1D23-C352-1DCA1D9D6568}"/>
+                </a:ext>
+              </a:extLst>
+            </p:cNvPr>
+            <p:cNvGrpSpPr/>
+            <p:nvPr/>
+          </p:nvGrpSpPr>
+          <p:grpSpPr>
+            <a:xfrm>
+              <a:off x="9625914" y="98854"/>
+              <a:ext cx="2347783" cy="6722081"/>
+              <a:chOff x="9625914" y="98854"/>
+              <a:chExt cx="2347783" cy="6722081"/>
+            </a:xfrm>
+          </p:grpSpPr>
+          <p:sp>
+            <p:nvSpPr>
+              <p:cNvPr id="24" name="Rectangle 23">
+                <a:extLst>
+                  <a:ext uri="{FF2B5EF4-FFF2-40B4-BE49-F238E27FC236}">
+                    <a16:creationId xmlns:a16="http://schemas.microsoft.com/office/drawing/2014/main" id="{200C76AA-B434-6524-F6A7-1BFA2F8560E3}"/>
+                  </a:ext>
+                </a:extLst>
+              </p:cNvPr>
+              <p:cNvSpPr/>
+              <p:nvPr/>
+            </p:nvSpPr>
+            <p:spPr>
+              <a:xfrm>
+                <a:off x="9625914" y="98854"/>
+                <a:ext cx="2347783" cy="6722081"/>
+              </a:xfrm>
+              <a:prstGeom prst="rect">
+                <a:avLst/>
+              </a:prstGeom>
+              <a:solidFill>
+                <a:schemeClr val="bg1">
+                  <a:lumMod val="65000"/>
+                </a:schemeClr>
+              </a:solidFill>
+              <a:ln>
+                <a:noFill/>
+              </a:ln>
+            </p:spPr>
+            <p:style>
+              <a:lnRef idx="2">
+                <a:schemeClr val="accent1">
+                  <a:shade val="15000"/>
+                </a:schemeClr>
+              </a:lnRef>
+              <a:fillRef idx="1">
+                <a:schemeClr val="accent1"/>
+              </a:fillRef>
+              <a:effectRef idx="0">
+                <a:schemeClr val="accent1"/>
+              </a:effectRef>
+              <a:fontRef idx="minor">
+                <a:schemeClr val="lt1"/>
+              </a:fontRef>
+            </p:style>
+            <p:txBody>
+              <a:bodyPr rtlCol="0" anchor="ctr"/>
+              <a:lstStyle/>
+              <a:p>
+                <a:pPr algn="ctr"/>
+                <a:endParaRPr lang="en-US"/>
+              </a:p>
+            </p:txBody>
+          </p:sp>
+          <p:sp>
+            <p:nvSpPr>
+              <p:cNvPr id="2" name="Rectangle 1">
+                <a:extLst>
+                  <a:ext uri="{FF2B5EF4-FFF2-40B4-BE49-F238E27FC236}">
+                    <a16:creationId xmlns:a16="http://schemas.microsoft.com/office/drawing/2014/main" id="{1405DEB7-D907-FA94-E322-8445805CD8FB}"/>
+                  </a:ext>
+                </a:extLst>
+              </p:cNvPr>
+              <p:cNvSpPr/>
+              <p:nvPr/>
+            </p:nvSpPr>
+            <p:spPr>
+              <a:xfrm>
+                <a:off x="10203873" y="1154804"/>
+                <a:ext cx="1239982" cy="1014984"/>
+              </a:xfrm>
+              <a:prstGeom prst="rect">
+                <a:avLst/>
+              </a:prstGeom>
+            </p:spPr>
+            <p:style>
+              <a:lnRef idx="2">
+                <a:schemeClr val="accent5">
+                  <a:shade val="15000"/>
+                </a:schemeClr>
+              </a:lnRef>
+              <a:fillRef idx="1">
+                <a:schemeClr val="accent5"/>
+              </a:fillRef>
+              <a:effectRef idx="0">
+                <a:schemeClr val="accent5"/>
+              </a:effectRef>
+              <a:fontRef idx="minor">
+                <a:schemeClr val="lt1"/>
+              </a:fontRef>
+            </p:style>
+            <p:txBody>
+              <a:bodyPr rtlCol="0" anchor="ctr"/>
+              <a:lstStyle/>
+              <a:p>
+                <a:pPr algn="ctr"/>
+                <a:r>
+                  <a:rPr lang="en-US" dirty="0"/>
+                  <a:t>Remote branch</a:t>
+                </a:r>
+              </a:p>
+            </p:txBody>
+          </p:sp>
+          <p:cxnSp>
+            <p:nvCxnSpPr>
+              <p:cNvPr id="13" name="Straight Connector 12">
+                <a:extLst>
+                  <a:ext uri="{FF2B5EF4-FFF2-40B4-BE49-F238E27FC236}">
+                    <a16:creationId xmlns:a16="http://schemas.microsoft.com/office/drawing/2014/main" id="{37DD8772-3562-F13B-EC58-B768FEE6F40D}"/>
+                  </a:ext>
+                </a:extLst>
+              </p:cNvPr>
+              <p:cNvCxnSpPr>
+                <a:cxnSpLocks/>
+                <a:stCxn id="2" idx="2"/>
+              </p:cNvCxnSpPr>
+              <p:nvPr/>
+            </p:nvCxnSpPr>
+            <p:spPr>
+              <a:xfrm>
+                <a:off x="10823864" y="2169788"/>
+                <a:ext cx="11380" cy="4577434"/>
+              </a:xfrm>
+              <a:prstGeom prst="line">
+                <a:avLst/>
+              </a:prstGeom>
+            </p:spPr>
+            <p:style>
+              <a:lnRef idx="2">
+                <a:schemeClr val="dk1"/>
+              </a:lnRef>
+              <a:fillRef idx="0">
+                <a:schemeClr val="dk1"/>
+              </a:fillRef>
+              <a:effectRef idx="1">
+                <a:schemeClr val="dk1"/>
+              </a:effectRef>
+              <a:fontRef idx="minor">
+                <a:schemeClr val="tx1"/>
+              </a:fontRef>
+            </p:style>
+          </p:cxnSp>
+        </p:grpSp>
+        <p:sp>
+          <p:nvSpPr>
+            <p:cNvPr id="26" name="TextBox 25">
+              <a:extLst>
+                <a:ext uri="{FF2B5EF4-FFF2-40B4-BE49-F238E27FC236}">
+                  <a16:creationId xmlns:a16="http://schemas.microsoft.com/office/drawing/2014/main" id="{3E08C640-A1E1-5829-7226-BDBC4ED5A24A}"/>
+                </a:ext>
+              </a:extLst>
+            </p:cNvPr>
+            <p:cNvSpPr txBox="1"/>
+            <p:nvPr/>
+          </p:nvSpPr>
+          <p:spPr>
+            <a:xfrm>
+              <a:off x="9971988" y="208786"/>
+              <a:ext cx="1702197" cy="646331"/>
+            </a:xfrm>
+            <a:prstGeom prst="rect">
+              <a:avLst/>
+            </a:prstGeom>
             <a:noFill/>
-          </a:ln>
-        </p:spPr>
-        <p:style>
-          <a:lnRef idx="2">
-            <a:schemeClr val="accent1">
-              <a:shade val="15000"/>
-            </a:schemeClr>
-          </a:lnRef>
-          <a:fillRef idx="1">
-            <a:schemeClr val="accent1"/>
-          </a:fillRef>
-          <a:effectRef idx="0">
-            <a:schemeClr val="accent1"/>
-          </a:effectRef>
-          <a:fontRef idx="minor">
-            <a:schemeClr val="lt1"/>
-          </a:fontRef>
-        </p:style>
-        <p:txBody>
-          <a:bodyPr rtlCol="0" anchor="ctr"/>
-          <a:lstStyle/>
-          <a:p>
-            <a:pPr algn="ctr"/>
-            <a:endParaRPr lang="en-US"/>
-          </a:p>
-        </p:txBody>
-      </p:sp>
+          </p:spPr>
+          <p:txBody>
+            <a:bodyPr wrap="none" rtlCol="0">
+              <a:spAutoFit/>
+            </a:bodyPr>
+            <a:lstStyle/>
+            <a:p>
+              <a:pPr algn="ctr"/>
+              <a:r>
+                <a:rPr lang="en-US" b="1" dirty="0"/>
+                <a:t>REMOTE REPO</a:t>
+              </a:r>
+            </a:p>
+            <a:p>
+              <a:pPr algn="ctr"/>
+              <a:r>
+                <a:rPr lang="en-US" b="1" dirty="0"/>
+                <a:t>(GITHUB)</a:t>
+              </a:r>
+            </a:p>
+          </p:txBody>
+        </p:sp>
+      </p:grpSp>
       <p:sp>
         <p:nvSpPr>
           <p:cNvPr id="4" name="Rectangle 3">
@@ -14272,55 +14358,6 @@
             <a:r>
               <a:rPr lang="en-US" dirty="0"/>
               <a:t>Local branch</a:t>
-            </a:r>
-          </a:p>
-        </p:txBody>
-      </p:sp>
-      <p:sp>
-        <p:nvSpPr>
-          <p:cNvPr id="2" name="Rectangle 1">
-            <a:extLst>
-              <a:ext uri="{FF2B5EF4-FFF2-40B4-BE49-F238E27FC236}">
-                <a16:creationId xmlns:a16="http://schemas.microsoft.com/office/drawing/2014/main" id="{1405DEB7-D907-FA94-E322-8445805CD8FB}"/>
-              </a:ext>
-            </a:extLst>
-          </p:cNvPr>
-          <p:cNvSpPr/>
-          <p:nvPr/>
-        </p:nvSpPr>
-        <p:spPr>
-          <a:xfrm>
-            <a:off x="10203873" y="1154804"/>
-            <a:ext cx="1239982" cy="1014984"/>
-          </a:xfrm>
-          <a:prstGeom prst="rect">
-            <a:avLst/>
-          </a:prstGeom>
-        </p:spPr>
-        <p:style>
-          <a:lnRef idx="2">
-            <a:schemeClr val="accent5">
-              <a:shade val="15000"/>
-            </a:schemeClr>
-          </a:lnRef>
-          <a:fillRef idx="1">
-            <a:schemeClr val="accent5"/>
-          </a:fillRef>
-          <a:effectRef idx="0">
-            <a:schemeClr val="accent5"/>
-          </a:effectRef>
-          <a:fontRef idx="minor">
-            <a:schemeClr val="lt1"/>
-          </a:fontRef>
-        </p:style>
-        <p:txBody>
-          <a:bodyPr rtlCol="0" anchor="ctr"/>
-          <a:lstStyle/>
-          <a:p>
-            <a:pPr algn="ctr"/>
-            <a:r>
-              <a:rPr lang="en-US" dirty="0"/>
-              <a:t>Remote branch</a:t>
             </a:r>
           </a:p>
         </p:txBody>
@@ -14457,45 +14494,6 @@
           <a:xfrm>
             <a:off x="5992091" y="2169788"/>
             <a:ext cx="3462" cy="4577434"/>
-          </a:xfrm>
-          <a:prstGeom prst="line">
-            <a:avLst/>
-          </a:prstGeom>
-        </p:spPr>
-        <p:style>
-          <a:lnRef idx="2">
-            <a:schemeClr val="dk1"/>
-          </a:lnRef>
-          <a:fillRef idx="0">
-            <a:schemeClr val="dk1"/>
-          </a:fillRef>
-          <a:effectRef idx="1">
-            <a:schemeClr val="dk1"/>
-          </a:effectRef>
-          <a:fontRef idx="minor">
-            <a:schemeClr val="tx1"/>
-          </a:fontRef>
-        </p:style>
-      </p:cxnSp>
-      <p:cxnSp>
-        <p:nvCxnSpPr>
-          <p:cNvPr id="13" name="Straight Connector 12">
-            <a:extLst>
-              <a:ext uri="{FF2B5EF4-FFF2-40B4-BE49-F238E27FC236}">
-                <a16:creationId xmlns:a16="http://schemas.microsoft.com/office/drawing/2014/main" id="{37DD8772-3562-F13B-EC58-B768FEE6F40D}"/>
-              </a:ext>
-            </a:extLst>
-          </p:cNvPr>
-          <p:cNvCxnSpPr>
-            <a:cxnSpLocks/>
-            <a:stCxn id="2" idx="2"/>
-          </p:cNvCxnSpPr>
-          <p:nvPr/>
-        </p:nvCxnSpPr>
-        <p:spPr>
-          <a:xfrm>
-            <a:off x="10823864" y="2169788"/>
-            <a:ext cx="11380" cy="4577434"/>
           </a:xfrm>
           <a:prstGeom prst="line">
             <a:avLst/>
@@ -14859,49 +14857,6 @@
       </p:sp>
       <p:sp>
         <p:nvSpPr>
-          <p:cNvPr id="26" name="TextBox 25">
-            <a:extLst>
-              <a:ext uri="{FF2B5EF4-FFF2-40B4-BE49-F238E27FC236}">
-                <a16:creationId xmlns:a16="http://schemas.microsoft.com/office/drawing/2014/main" id="{3E08C640-A1E1-5829-7226-BDBC4ED5A24A}"/>
-              </a:ext>
-            </a:extLst>
-          </p:cNvPr>
-          <p:cNvSpPr txBox="1"/>
-          <p:nvPr/>
-        </p:nvSpPr>
-        <p:spPr>
-          <a:xfrm>
-            <a:off x="9971988" y="208786"/>
-            <a:ext cx="1702197" cy="646331"/>
-          </a:xfrm>
-          <a:prstGeom prst="rect">
-            <a:avLst/>
-          </a:prstGeom>
-          <a:noFill/>
-        </p:spPr>
-        <p:txBody>
-          <a:bodyPr wrap="none" rtlCol="0">
-            <a:spAutoFit/>
-          </a:bodyPr>
-          <a:lstStyle/>
-          <a:p>
-            <a:pPr algn="ctr"/>
-            <a:r>
-              <a:rPr lang="en-US" b="1" dirty="0"/>
-              <a:t>REMOTE REPO</a:t>
-            </a:r>
-          </a:p>
-          <a:p>
-            <a:pPr algn="ctr"/>
-            <a:r>
-              <a:rPr lang="en-US" b="1" dirty="0"/>
-              <a:t>(GITHUB)</a:t>
-            </a:r>
-          </a:p>
-        </p:txBody>
-      </p:sp>
-      <p:sp>
-        <p:nvSpPr>
           <p:cNvPr id="8" name="TextBox 7">
             <a:extLst>
               <a:ext uri="{FF2B5EF4-FFF2-40B4-BE49-F238E27FC236}">
@@ -14961,6 +14916,126 @@
   <p:clrMapOvr>
     <a:masterClrMapping/>
   </p:clrMapOvr>
+  <p:timing>
+    <p:tnLst>
+      <p:par>
+        <p:cTn id="1" dur="indefinite" restart="never" nodeType="tmRoot">
+          <p:childTnLst>
+            <p:seq concurrent="1" nextAc="seek">
+              <p:cTn id="2" dur="indefinite" nodeType="mainSeq">
+                <p:childTnLst>
+                  <p:par>
+                    <p:cTn id="3" fill="hold">
+                      <p:stCondLst>
+                        <p:cond delay="indefinite"/>
+                      </p:stCondLst>
+                      <p:childTnLst>
+                        <p:par>
+                          <p:cTn id="4" fill="hold">
+                            <p:stCondLst>
+                              <p:cond delay="0"/>
+                            </p:stCondLst>
+                            <p:childTnLst>
+                              <p:par>
+                                <p:cTn id="5" presetID="1" presetClass="entr" presetSubtype="0" fill="hold" nodeType="clickEffect">
+                                  <p:stCondLst>
+                                    <p:cond delay="0"/>
+                                  </p:stCondLst>
+                                  <p:childTnLst>
+                                    <p:set>
+                                      <p:cBhvr>
+                                        <p:cTn id="6" dur="1" fill="hold">
+                                          <p:stCondLst>
+                                            <p:cond delay="0"/>
+                                          </p:stCondLst>
+                                        </p:cTn>
+                                        <p:tgtEl>
+                                          <p:spTgt spid="20"/>
+                                        </p:tgtEl>
+                                        <p:attrNameLst>
+                                          <p:attrName>style.visibility</p:attrName>
+                                        </p:attrNameLst>
+                                      </p:cBhvr>
+                                      <p:to>
+                                        <p:strVal val="visible"/>
+                                      </p:to>
+                                    </p:set>
+                                  </p:childTnLst>
+                                </p:cTn>
+                              </p:par>
+                            </p:childTnLst>
+                          </p:cTn>
+                        </p:par>
+                      </p:childTnLst>
+                    </p:cTn>
+                  </p:par>
+                  <p:par>
+                    <p:cTn id="7" fill="hold">
+                      <p:stCondLst>
+                        <p:cond delay="indefinite"/>
+                      </p:stCondLst>
+                      <p:childTnLst>
+                        <p:par>
+                          <p:cTn id="8" fill="hold">
+                            <p:stCondLst>
+                              <p:cond delay="0"/>
+                            </p:stCondLst>
+                            <p:childTnLst>
+                              <p:par>
+                                <p:cTn id="9" presetID="1" presetClass="entr" presetSubtype="0" fill="hold" nodeType="clickEffect">
+                                  <p:stCondLst>
+                                    <p:cond delay="0"/>
+                                  </p:stCondLst>
+                                  <p:childTnLst>
+                                    <p:set>
+                                      <p:cBhvr>
+                                        <p:cTn id="10" dur="1" fill="hold">
+                                          <p:stCondLst>
+                                            <p:cond delay="0"/>
+                                          </p:stCondLst>
+                                        </p:cTn>
+                                        <p:tgtEl>
+                                          <p:spTgt spid="23"/>
+                                        </p:tgtEl>
+                                        <p:attrNameLst>
+                                          <p:attrName>style.visibility</p:attrName>
+                                        </p:attrNameLst>
+                                      </p:cBhvr>
+                                      <p:to>
+                                        <p:strVal val="visible"/>
+                                      </p:to>
+                                    </p:set>
+                                  </p:childTnLst>
+                                </p:cTn>
+                              </p:par>
+                            </p:childTnLst>
+                          </p:cTn>
+                        </p:par>
+                      </p:childTnLst>
+                    </p:cTn>
+                  </p:par>
+                </p:childTnLst>
+              </p:cTn>
+              <p:prevCondLst>
+                <p:cond evt="onPrev" delay="0">
+                  <p:tgtEl>
+                    <p:sldTgt/>
+                  </p:tgtEl>
+                </p:cond>
+              </p:prevCondLst>
+              <p:nextCondLst>
+                <p:cond evt="onNext" delay="0">
+                  <p:tgtEl>
+                    <p:sldTgt/>
+                  </p:tgtEl>
+                </p:cond>
+              </p:nextCondLst>
+            </p:seq>
+          </p:childTnLst>
+        </p:cTn>
+      </p:par>
+    </p:tnLst>
+  </p:timing>
 </p:sld>
 </file>
 
@@ -15748,53 +15823,6 @@
       </p:sp>
       <p:sp>
         <p:nvSpPr>
-          <p:cNvPr id="19" name="Right Arrow 18">
-            <a:extLst>
-              <a:ext uri="{FF2B5EF4-FFF2-40B4-BE49-F238E27FC236}">
-                <a16:creationId xmlns:a16="http://schemas.microsoft.com/office/drawing/2014/main" id="{92D00D37-688D-90A1-EC49-17167D82AFC3}"/>
-              </a:ext>
-            </a:extLst>
-          </p:cNvPr>
-          <p:cNvSpPr/>
-          <p:nvPr/>
-        </p:nvSpPr>
-        <p:spPr>
-          <a:xfrm flipH="1">
-            <a:off x="8159367" y="3842028"/>
-            <a:ext cx="2647577" cy="506627"/>
-          </a:xfrm>
-          <a:prstGeom prst="rightArrow">
-            <a:avLst/>
-          </a:prstGeom>
-        </p:spPr>
-        <p:style>
-          <a:lnRef idx="1">
-            <a:schemeClr val="accent6"/>
-          </a:lnRef>
-          <a:fillRef idx="2">
-            <a:schemeClr val="accent6"/>
-          </a:fillRef>
-          <a:effectRef idx="1">
-            <a:schemeClr val="accent6"/>
-          </a:effectRef>
-          <a:fontRef idx="minor">
-            <a:schemeClr val="dk1"/>
-          </a:fontRef>
-        </p:style>
-        <p:txBody>
-          <a:bodyPr rtlCol="0" anchor="ctr"/>
-          <a:lstStyle/>
-          <a:p>
-            <a:pPr algn="ctr"/>
-            <a:r>
-              <a:rPr lang="en-US" dirty="0"/>
-              <a:t>git fetch</a:t>
-            </a:r>
-          </a:p>
-        </p:txBody>
-      </p:sp>
-      <p:sp>
-        <p:nvSpPr>
           <p:cNvPr id="20" name="Right Arrow 19">
             <a:extLst>
               <a:ext uri="{FF2B5EF4-FFF2-40B4-BE49-F238E27FC236}">
@@ -15840,53 +15868,121 @@
           </a:p>
         </p:txBody>
       </p:sp>
-      <p:sp>
-        <p:nvSpPr>
-          <p:cNvPr id="22" name="Right Arrow 21">
+      <p:grpSp>
+        <p:nvGrpSpPr>
+          <p:cNvPr id="18" name="Group 17">
             <a:extLst>
               <a:ext uri="{FF2B5EF4-FFF2-40B4-BE49-F238E27FC236}">
-                <a16:creationId xmlns:a16="http://schemas.microsoft.com/office/drawing/2014/main" id="{D6214B6D-5EC1-0F5C-EE6C-EC8E4420B8AF}"/>
+                <a16:creationId xmlns:a16="http://schemas.microsoft.com/office/drawing/2014/main" id="{B7E96C56-4FC9-3418-60F1-08FFFA88460C}"/>
               </a:ext>
             </a:extLst>
           </p:cNvPr>
-          <p:cNvSpPr/>
+          <p:cNvGrpSpPr/>
           <p:nvPr/>
-        </p:nvSpPr>
-        <p:spPr>
-          <a:xfrm flipH="1">
-            <a:off x="1554990" y="4267120"/>
-            <a:ext cx="6556016" cy="506627"/>
+        </p:nvGrpSpPr>
+        <p:grpSpPr>
+          <a:xfrm>
+            <a:off x="1554990" y="3842028"/>
+            <a:ext cx="9251954" cy="931719"/>
+            <a:chOff x="1554990" y="3842028"/>
+            <a:chExt cx="9251954" cy="931719"/>
           </a:xfrm>
-          <a:prstGeom prst="rightArrow">
-            <a:avLst/>
-          </a:prstGeom>
-        </p:spPr>
-        <p:style>
-          <a:lnRef idx="1">
-            <a:schemeClr val="accent6"/>
-          </a:lnRef>
-          <a:fillRef idx="2">
-            <a:schemeClr val="accent6"/>
-          </a:fillRef>
-          <a:effectRef idx="1">
-            <a:schemeClr val="accent6"/>
-          </a:effectRef>
-          <a:fontRef idx="minor">
-            <a:schemeClr val="dk1"/>
-          </a:fontRef>
-        </p:style>
-        <p:txBody>
-          <a:bodyPr rtlCol="0" anchor="ctr"/>
-          <a:lstStyle/>
-          <a:p>
-            <a:pPr algn="ctr"/>
-            <a:r>
-              <a:rPr lang="en-US" dirty="0"/>
-              <a:t>git merge</a:t>
-            </a:r>
-          </a:p>
-        </p:txBody>
-      </p:sp>
+        </p:grpSpPr>
+        <p:sp>
+          <p:nvSpPr>
+            <p:cNvPr id="19" name="Right Arrow 18">
+              <a:extLst>
+                <a:ext uri="{FF2B5EF4-FFF2-40B4-BE49-F238E27FC236}">
+                  <a16:creationId xmlns:a16="http://schemas.microsoft.com/office/drawing/2014/main" id="{92D00D37-688D-90A1-EC49-17167D82AFC3}"/>
+                </a:ext>
+              </a:extLst>
+            </p:cNvPr>
+            <p:cNvSpPr/>
+            <p:nvPr/>
+          </p:nvSpPr>
+          <p:spPr>
+            <a:xfrm flipH="1">
+              <a:off x="8159367" y="3842028"/>
+              <a:ext cx="2647577" cy="506627"/>
+            </a:xfrm>
+            <a:prstGeom prst="rightArrow">
+              <a:avLst/>
+            </a:prstGeom>
+          </p:spPr>
+          <p:style>
+            <a:lnRef idx="1">
+              <a:schemeClr val="accent6"/>
+            </a:lnRef>
+            <a:fillRef idx="2">
+              <a:schemeClr val="accent6"/>
+            </a:fillRef>
+            <a:effectRef idx="1">
+              <a:schemeClr val="accent6"/>
+            </a:effectRef>
+            <a:fontRef idx="minor">
+              <a:schemeClr val="dk1"/>
+            </a:fontRef>
+          </p:style>
+          <p:txBody>
+            <a:bodyPr rtlCol="0" anchor="ctr"/>
+            <a:lstStyle/>
+            <a:p>
+              <a:pPr algn="ctr"/>
+              <a:r>
+                <a:rPr lang="en-US" dirty="0"/>
+                <a:t>git fetch</a:t>
+              </a:r>
+            </a:p>
+          </p:txBody>
+        </p:sp>
+        <p:sp>
+          <p:nvSpPr>
+            <p:cNvPr id="22" name="Right Arrow 21">
+              <a:extLst>
+                <a:ext uri="{FF2B5EF4-FFF2-40B4-BE49-F238E27FC236}">
+                  <a16:creationId xmlns:a16="http://schemas.microsoft.com/office/drawing/2014/main" id="{D6214B6D-5EC1-0F5C-EE6C-EC8E4420B8AF}"/>
+                </a:ext>
+              </a:extLst>
+            </p:cNvPr>
+            <p:cNvSpPr/>
+            <p:nvPr/>
+          </p:nvSpPr>
+          <p:spPr>
+            <a:xfrm flipH="1">
+              <a:off x="1554990" y="4267120"/>
+              <a:ext cx="6556016" cy="506627"/>
+            </a:xfrm>
+            <a:prstGeom prst="rightArrow">
+              <a:avLst/>
+            </a:prstGeom>
+          </p:spPr>
+          <p:style>
+            <a:lnRef idx="1">
+              <a:schemeClr val="accent6"/>
+            </a:lnRef>
+            <a:fillRef idx="2">
+              <a:schemeClr val="accent6"/>
+            </a:fillRef>
+            <a:effectRef idx="1">
+              <a:schemeClr val="accent6"/>
+            </a:effectRef>
+            <a:fontRef idx="minor">
+              <a:schemeClr val="dk1"/>
+            </a:fontRef>
+          </p:style>
+          <p:txBody>
+            <a:bodyPr rtlCol="0" anchor="ctr"/>
+            <a:lstStyle/>
+            <a:p>
+              <a:pPr algn="ctr"/>
+              <a:r>
+                <a:rPr lang="en-US" dirty="0"/>
+                <a:t>git merge</a:t>
+              </a:r>
+            </a:p>
+          </p:txBody>
+        </p:sp>
+      </p:grpSp>
       <p:sp>
         <p:nvSpPr>
           <p:cNvPr id="25" name="TextBox 24">
@@ -16037,10 +16133,1531 @@
   <p:clrMapOvr>
     <a:masterClrMapping/>
   </p:clrMapOvr>
+  <p:timing>
+    <p:tnLst>
+      <p:par>
+        <p:cTn id="1" dur="indefinite" restart="never" nodeType="tmRoot">
+          <p:childTnLst>
+            <p:seq concurrent="1" nextAc="seek">
+              <p:cTn id="2" dur="indefinite" nodeType="mainSeq">
+                <p:childTnLst>
+                  <p:par>
+                    <p:cTn id="3" fill="hold">
+                      <p:stCondLst>
+                        <p:cond delay="indefinite"/>
+                      </p:stCondLst>
+                      <p:childTnLst>
+                        <p:par>
+                          <p:cTn id="4" fill="hold">
+                            <p:stCondLst>
+                              <p:cond delay="0"/>
+                            </p:stCondLst>
+                            <p:childTnLst>
+                              <p:par>
+                                <p:cTn id="5" presetID="1" presetClass="entr" presetSubtype="0" fill="hold" nodeType="clickEffect">
+                                  <p:stCondLst>
+                                    <p:cond delay="0"/>
+                                  </p:stCondLst>
+                                  <p:childTnLst>
+                                    <p:set>
+                                      <p:cBhvr>
+                                        <p:cTn id="6" dur="1" fill="hold">
+                                          <p:stCondLst>
+                                            <p:cond delay="0"/>
+                                          </p:stCondLst>
+                                        </p:cTn>
+                                        <p:tgtEl>
+                                          <p:spTgt spid="18"/>
+                                        </p:tgtEl>
+                                        <p:attrNameLst>
+                                          <p:attrName>style.visibility</p:attrName>
+                                        </p:attrNameLst>
+                                      </p:cBhvr>
+                                      <p:to>
+                                        <p:strVal val="visible"/>
+                                      </p:to>
+                                    </p:set>
+                                  </p:childTnLst>
+                                </p:cTn>
+                              </p:par>
+                            </p:childTnLst>
+                          </p:cTn>
+                        </p:par>
+                      </p:childTnLst>
+                    </p:cTn>
+                  </p:par>
+                  <p:par>
+                    <p:cTn id="7" fill="hold">
+                      <p:stCondLst>
+                        <p:cond delay="indefinite"/>
+                      </p:stCondLst>
+                      <p:childTnLst>
+                        <p:par>
+                          <p:cTn id="8" fill="hold">
+                            <p:stCondLst>
+                              <p:cond delay="0"/>
+                            </p:stCondLst>
+                            <p:childTnLst>
+                              <p:par>
+                                <p:cTn id="9" presetID="1" presetClass="entr" presetSubtype="0" fill="hold" grpId="0" nodeType="clickEffect">
+                                  <p:stCondLst>
+                                    <p:cond delay="0"/>
+                                  </p:stCondLst>
+                                  <p:childTnLst>
+                                    <p:set>
+                                      <p:cBhvr>
+                                        <p:cTn id="10" dur="1" fill="hold">
+                                          <p:stCondLst>
+                                            <p:cond delay="0"/>
+                                          </p:stCondLst>
+                                        </p:cTn>
+                                        <p:tgtEl>
+                                          <p:spTgt spid="20"/>
+                                        </p:tgtEl>
+                                        <p:attrNameLst>
+                                          <p:attrName>style.visibility</p:attrName>
+                                        </p:attrNameLst>
+                                      </p:cBhvr>
+                                      <p:to>
+                                        <p:strVal val="visible"/>
+                                      </p:to>
+                                    </p:set>
+                                  </p:childTnLst>
+                                </p:cTn>
+                              </p:par>
+                            </p:childTnLst>
+                          </p:cTn>
+                        </p:par>
+                      </p:childTnLst>
+                    </p:cTn>
+                  </p:par>
+                </p:childTnLst>
+              </p:cTn>
+              <p:prevCondLst>
+                <p:cond evt="onPrev" delay="0">
+                  <p:tgtEl>
+                    <p:sldTgt/>
+                  </p:tgtEl>
+                </p:cond>
+              </p:prevCondLst>
+              <p:nextCondLst>
+                <p:cond evt="onNext" delay="0">
+                  <p:tgtEl>
+                    <p:sldTgt/>
+                  </p:tgtEl>
+                </p:cond>
+              </p:nextCondLst>
+            </p:seq>
+          </p:childTnLst>
+        </p:cTn>
+      </p:par>
+    </p:tnLst>
+    <p:bldLst>
+      <p:bldP spid="20" grpId="0" animBg="1"/>
+    </p:bldLst>
+  </p:timing>
 </p:sld>
 </file>
 
 <file path=ppt/slides/slide25.xml><?xml version="1.0" encoding="utf-8"?>
+<p:sld xmlns:a="http://schemas.openxmlformats.org/drawingml/2006/main" xmlns:r="http://schemas.openxmlformats.org/officeDocument/2006/relationships" xmlns:p="http://schemas.openxmlformats.org/presentationml/2006/main">
+  <p:cSld>
+    <p:spTree>
+      <p:nvGrpSpPr>
+        <p:cNvPr id="1" name="">
+          <a:extLst>
+            <a:ext uri="{FF2B5EF4-FFF2-40B4-BE49-F238E27FC236}">
+              <a16:creationId xmlns:a16="http://schemas.microsoft.com/office/drawing/2014/main" id="{F1B47B6C-6398-F84F-E5ED-4B843DCB7A4D}"/>
+            </a:ext>
+          </a:extLst>
+        </p:cNvPr>
+        <p:cNvGrpSpPr/>
+        <p:nvPr/>
+      </p:nvGrpSpPr>
+      <p:grpSpPr>
+        <a:xfrm>
+          <a:off x="0" y="0"/>
+          <a:ext cx="0" cy="0"/>
+          <a:chOff x="0" y="0"/>
+          <a:chExt cx="0" cy="0"/>
+        </a:xfrm>
+      </p:grpSpPr>
+      <p:sp>
+        <p:nvSpPr>
+          <p:cNvPr id="24" name="Rectangle 23">
+            <a:extLst>
+              <a:ext uri="{FF2B5EF4-FFF2-40B4-BE49-F238E27FC236}">
+                <a16:creationId xmlns:a16="http://schemas.microsoft.com/office/drawing/2014/main" id="{E70C3573-0C67-2F3E-6E34-517B589A9FFA}"/>
+              </a:ext>
+            </a:extLst>
+          </p:cNvPr>
+          <p:cNvSpPr/>
+          <p:nvPr/>
+        </p:nvSpPr>
+        <p:spPr>
+          <a:xfrm>
+            <a:off x="9625914" y="98854"/>
+            <a:ext cx="2347783" cy="6722081"/>
+          </a:xfrm>
+          <a:prstGeom prst="rect">
+            <a:avLst/>
+          </a:prstGeom>
+          <a:solidFill>
+            <a:schemeClr val="bg1">
+              <a:lumMod val="65000"/>
+            </a:schemeClr>
+          </a:solidFill>
+          <a:ln>
+            <a:noFill/>
+          </a:ln>
+        </p:spPr>
+        <p:style>
+          <a:lnRef idx="2">
+            <a:schemeClr val="accent1">
+              <a:shade val="15000"/>
+            </a:schemeClr>
+          </a:lnRef>
+          <a:fillRef idx="1">
+            <a:schemeClr val="accent1"/>
+          </a:fillRef>
+          <a:effectRef idx="0">
+            <a:schemeClr val="accent1"/>
+          </a:effectRef>
+          <a:fontRef idx="minor">
+            <a:schemeClr val="lt1"/>
+          </a:fontRef>
+        </p:style>
+        <p:txBody>
+          <a:bodyPr rtlCol="0" anchor="ctr"/>
+          <a:lstStyle/>
+          <a:p>
+            <a:pPr algn="ctr"/>
+            <a:endParaRPr lang="en-US"/>
+          </a:p>
+        </p:txBody>
+      </p:sp>
+      <p:sp>
+        <p:nvSpPr>
+          <p:cNvPr id="4" name="Rectangle 3">
+            <a:extLst>
+              <a:ext uri="{FF2B5EF4-FFF2-40B4-BE49-F238E27FC236}">
+                <a16:creationId xmlns:a16="http://schemas.microsoft.com/office/drawing/2014/main" id="{58470CCB-D338-8AF7-37B8-F5DA07608EA5}"/>
+              </a:ext>
+            </a:extLst>
+          </p:cNvPr>
+          <p:cNvSpPr/>
+          <p:nvPr/>
+        </p:nvSpPr>
+        <p:spPr>
+          <a:xfrm>
+            <a:off x="748145" y="1154805"/>
+            <a:ext cx="1535826" cy="1018309"/>
+          </a:xfrm>
+          <a:prstGeom prst="rect">
+            <a:avLst/>
+          </a:prstGeom>
+        </p:spPr>
+        <p:style>
+          <a:lnRef idx="2">
+            <a:schemeClr val="accent1">
+              <a:shade val="15000"/>
+            </a:schemeClr>
+          </a:lnRef>
+          <a:fillRef idx="1">
+            <a:schemeClr val="accent1"/>
+          </a:fillRef>
+          <a:effectRef idx="0">
+            <a:schemeClr val="accent1"/>
+          </a:effectRef>
+          <a:fontRef idx="minor">
+            <a:schemeClr val="lt1"/>
+          </a:fontRef>
+        </p:style>
+        <p:txBody>
+          <a:bodyPr rtlCol="0" anchor="ctr"/>
+          <a:lstStyle/>
+          <a:p>
+            <a:pPr algn="ctr"/>
+            <a:r>
+              <a:rPr lang="en-US" dirty="0"/>
+              <a:t>Working branch</a:t>
+            </a:r>
+          </a:p>
+        </p:txBody>
+      </p:sp>
+      <p:sp>
+        <p:nvSpPr>
+          <p:cNvPr id="5" name="Rectangle 4">
+            <a:extLst>
+              <a:ext uri="{FF2B5EF4-FFF2-40B4-BE49-F238E27FC236}">
+                <a16:creationId xmlns:a16="http://schemas.microsoft.com/office/drawing/2014/main" id="{49DA1450-4D52-9A99-9D8E-EA4CB2848E56}"/>
+              </a:ext>
+            </a:extLst>
+          </p:cNvPr>
+          <p:cNvSpPr/>
+          <p:nvPr/>
+        </p:nvSpPr>
+        <p:spPr>
+          <a:xfrm>
+            <a:off x="3385704" y="1154804"/>
+            <a:ext cx="1239982" cy="1014984"/>
+          </a:xfrm>
+          <a:prstGeom prst="rect">
+            <a:avLst/>
+          </a:prstGeom>
+        </p:spPr>
+        <p:style>
+          <a:lnRef idx="2">
+            <a:schemeClr val="accent2">
+              <a:shade val="15000"/>
+            </a:schemeClr>
+          </a:lnRef>
+          <a:fillRef idx="1">
+            <a:schemeClr val="accent2"/>
+          </a:fillRef>
+          <a:effectRef idx="0">
+            <a:schemeClr val="accent2"/>
+          </a:effectRef>
+          <a:fontRef idx="minor">
+            <a:schemeClr val="lt1"/>
+          </a:fontRef>
+        </p:style>
+        <p:txBody>
+          <a:bodyPr rtlCol="0" anchor="ctr"/>
+          <a:lstStyle/>
+          <a:p>
+            <a:pPr algn="ctr"/>
+            <a:r>
+              <a:rPr lang="en-US" dirty="0"/>
+              <a:t>Staging area</a:t>
+            </a:r>
+          </a:p>
+        </p:txBody>
+      </p:sp>
+      <p:sp>
+        <p:nvSpPr>
+          <p:cNvPr id="6" name="Rectangle 5">
+            <a:extLst>
+              <a:ext uri="{FF2B5EF4-FFF2-40B4-BE49-F238E27FC236}">
+                <a16:creationId xmlns:a16="http://schemas.microsoft.com/office/drawing/2014/main" id="{2D21091E-8669-8365-8C2D-1EF8BB6E6F52}"/>
+              </a:ext>
+            </a:extLst>
+          </p:cNvPr>
+          <p:cNvSpPr/>
+          <p:nvPr/>
+        </p:nvSpPr>
+        <p:spPr>
+          <a:xfrm>
+            <a:off x="5372100" y="1154804"/>
+            <a:ext cx="1239982" cy="1014984"/>
+          </a:xfrm>
+          <a:prstGeom prst="rect">
+            <a:avLst/>
+          </a:prstGeom>
+        </p:spPr>
+        <p:style>
+          <a:lnRef idx="2">
+            <a:schemeClr val="accent3">
+              <a:shade val="15000"/>
+            </a:schemeClr>
+          </a:lnRef>
+          <a:fillRef idx="1">
+            <a:schemeClr val="accent3"/>
+          </a:fillRef>
+          <a:effectRef idx="0">
+            <a:schemeClr val="accent3"/>
+          </a:effectRef>
+          <a:fontRef idx="minor">
+            <a:schemeClr val="lt1"/>
+          </a:fontRef>
+        </p:style>
+        <p:txBody>
+          <a:bodyPr rtlCol="0" anchor="ctr"/>
+          <a:lstStyle/>
+          <a:p>
+            <a:pPr algn="ctr"/>
+            <a:r>
+              <a:rPr lang="en-US" dirty="0"/>
+              <a:t>Local branch</a:t>
+            </a:r>
+          </a:p>
+        </p:txBody>
+      </p:sp>
+      <p:sp>
+        <p:nvSpPr>
+          <p:cNvPr id="7" name="Rectangle 6">
+            <a:extLst>
+              <a:ext uri="{FF2B5EF4-FFF2-40B4-BE49-F238E27FC236}">
+                <a16:creationId xmlns:a16="http://schemas.microsoft.com/office/drawing/2014/main" id="{1BC7EBC6-4234-DE89-0317-C74B018BB4C7}"/>
+              </a:ext>
+            </a:extLst>
+          </p:cNvPr>
+          <p:cNvSpPr/>
+          <p:nvPr/>
+        </p:nvSpPr>
+        <p:spPr>
+          <a:xfrm>
+            <a:off x="7529945" y="1154804"/>
+            <a:ext cx="1239982" cy="1014984"/>
+          </a:xfrm>
+          <a:prstGeom prst="rect">
+            <a:avLst/>
+          </a:prstGeom>
+        </p:spPr>
+        <p:style>
+          <a:lnRef idx="2">
+            <a:schemeClr val="accent4">
+              <a:shade val="15000"/>
+            </a:schemeClr>
+          </a:lnRef>
+          <a:fillRef idx="1">
+            <a:schemeClr val="accent4"/>
+          </a:fillRef>
+          <a:effectRef idx="0">
+            <a:schemeClr val="accent4"/>
+          </a:effectRef>
+          <a:fontRef idx="minor">
+            <a:schemeClr val="lt1"/>
+          </a:fontRef>
+        </p:style>
+        <p:txBody>
+          <a:bodyPr rtlCol="0" anchor="ctr"/>
+          <a:lstStyle/>
+          <a:p>
+            <a:pPr algn="ctr"/>
+            <a:r>
+              <a:rPr lang="en-US" dirty="0"/>
+              <a:t>Remote tracking ref</a:t>
+            </a:r>
+          </a:p>
+        </p:txBody>
+      </p:sp>
+      <p:sp>
+        <p:nvSpPr>
+          <p:cNvPr id="2" name="Rectangle 1">
+            <a:extLst>
+              <a:ext uri="{FF2B5EF4-FFF2-40B4-BE49-F238E27FC236}">
+                <a16:creationId xmlns:a16="http://schemas.microsoft.com/office/drawing/2014/main" id="{71A59986-31C7-8F0C-3219-2045658A0684}"/>
+              </a:ext>
+            </a:extLst>
+          </p:cNvPr>
+          <p:cNvSpPr/>
+          <p:nvPr/>
+        </p:nvSpPr>
+        <p:spPr>
+          <a:xfrm>
+            <a:off x="10203873" y="1154804"/>
+            <a:ext cx="1239982" cy="1014984"/>
+          </a:xfrm>
+          <a:prstGeom prst="rect">
+            <a:avLst/>
+          </a:prstGeom>
+        </p:spPr>
+        <p:style>
+          <a:lnRef idx="2">
+            <a:schemeClr val="accent5">
+              <a:shade val="15000"/>
+            </a:schemeClr>
+          </a:lnRef>
+          <a:fillRef idx="1">
+            <a:schemeClr val="accent5"/>
+          </a:fillRef>
+          <a:effectRef idx="0">
+            <a:schemeClr val="accent5"/>
+          </a:effectRef>
+          <a:fontRef idx="minor">
+            <a:schemeClr val="lt1"/>
+          </a:fontRef>
+        </p:style>
+        <p:txBody>
+          <a:bodyPr rtlCol="0" anchor="ctr"/>
+          <a:lstStyle/>
+          <a:p>
+            <a:pPr algn="ctr"/>
+            <a:r>
+              <a:rPr lang="en-US" dirty="0"/>
+              <a:t>Remote branch</a:t>
+            </a:r>
+          </a:p>
+        </p:txBody>
+      </p:sp>
+      <p:sp>
+        <p:nvSpPr>
+          <p:cNvPr id="3" name="TextBox 2">
+            <a:extLst>
+              <a:ext uri="{FF2B5EF4-FFF2-40B4-BE49-F238E27FC236}">
+                <a16:creationId xmlns:a16="http://schemas.microsoft.com/office/drawing/2014/main" id="{90707CCE-1AD4-5DA0-8EEA-7DAAE2007CCF}"/>
+              </a:ext>
+            </a:extLst>
+          </p:cNvPr>
+          <p:cNvSpPr txBox="1"/>
+          <p:nvPr/>
+        </p:nvSpPr>
+        <p:spPr>
+          <a:xfrm>
+            <a:off x="5446396" y="785469"/>
+            <a:ext cx="1091389" cy="369332"/>
+          </a:xfrm>
+          <a:prstGeom prst="rect">
+            <a:avLst/>
+          </a:prstGeom>
+          <a:noFill/>
+        </p:spPr>
+        <p:txBody>
+          <a:bodyPr wrap="none" rtlCol="0">
+            <a:spAutoFit/>
+          </a:bodyPr>
+          <a:lstStyle/>
+          <a:p>
+            <a:r>
+              <a:rPr lang="en-US" dirty="0"/>
+              <a:t>e.g. main</a:t>
+            </a:r>
+          </a:p>
+        </p:txBody>
+      </p:sp>
+      <p:cxnSp>
+        <p:nvCxnSpPr>
+          <p:cNvPr id="9" name="Straight Connector 8">
+            <a:extLst>
+              <a:ext uri="{FF2B5EF4-FFF2-40B4-BE49-F238E27FC236}">
+                <a16:creationId xmlns:a16="http://schemas.microsoft.com/office/drawing/2014/main" id="{8F9C1C93-000D-B9AF-3104-65438C6E97DD}"/>
+              </a:ext>
+            </a:extLst>
+          </p:cNvPr>
+          <p:cNvCxnSpPr>
+            <a:cxnSpLocks/>
+            <a:stCxn id="4" idx="2"/>
+          </p:cNvCxnSpPr>
+          <p:nvPr/>
+        </p:nvCxnSpPr>
+        <p:spPr>
+          <a:xfrm>
+            <a:off x="1516058" y="2173114"/>
+            <a:ext cx="1" cy="4574108"/>
+          </a:xfrm>
+          <a:prstGeom prst="line">
+            <a:avLst/>
+          </a:prstGeom>
+        </p:spPr>
+        <p:style>
+          <a:lnRef idx="2">
+            <a:schemeClr val="dk1"/>
+          </a:lnRef>
+          <a:fillRef idx="0">
+            <a:schemeClr val="dk1"/>
+          </a:fillRef>
+          <a:effectRef idx="1">
+            <a:schemeClr val="dk1"/>
+          </a:effectRef>
+          <a:fontRef idx="minor">
+            <a:schemeClr val="tx1"/>
+          </a:fontRef>
+        </p:style>
+      </p:cxnSp>
+      <p:cxnSp>
+        <p:nvCxnSpPr>
+          <p:cNvPr id="10" name="Straight Connector 9">
+            <a:extLst>
+              <a:ext uri="{FF2B5EF4-FFF2-40B4-BE49-F238E27FC236}">
+                <a16:creationId xmlns:a16="http://schemas.microsoft.com/office/drawing/2014/main" id="{260B93F9-FC37-859F-A4E5-522DDB22A3F8}"/>
+              </a:ext>
+            </a:extLst>
+          </p:cNvPr>
+          <p:cNvCxnSpPr>
+            <a:cxnSpLocks/>
+            <a:stCxn id="5" idx="2"/>
+          </p:cNvCxnSpPr>
+          <p:nvPr/>
+        </p:nvCxnSpPr>
+        <p:spPr>
+          <a:xfrm>
+            <a:off x="4005695" y="2169788"/>
+            <a:ext cx="0" cy="4577434"/>
+          </a:xfrm>
+          <a:prstGeom prst="line">
+            <a:avLst/>
+          </a:prstGeom>
+        </p:spPr>
+        <p:style>
+          <a:lnRef idx="2">
+            <a:schemeClr val="dk1"/>
+          </a:lnRef>
+          <a:fillRef idx="0">
+            <a:schemeClr val="dk1"/>
+          </a:fillRef>
+          <a:effectRef idx="1">
+            <a:schemeClr val="dk1"/>
+          </a:effectRef>
+          <a:fontRef idx="minor">
+            <a:schemeClr val="tx1"/>
+          </a:fontRef>
+        </p:style>
+      </p:cxnSp>
+      <p:cxnSp>
+        <p:nvCxnSpPr>
+          <p:cNvPr id="11" name="Straight Connector 10">
+            <a:extLst>
+              <a:ext uri="{FF2B5EF4-FFF2-40B4-BE49-F238E27FC236}">
+                <a16:creationId xmlns:a16="http://schemas.microsoft.com/office/drawing/2014/main" id="{85A0585A-1432-564C-9818-D32FB570F18E}"/>
+              </a:ext>
+            </a:extLst>
+          </p:cNvPr>
+          <p:cNvCxnSpPr>
+            <a:cxnSpLocks/>
+            <a:stCxn id="6" idx="2"/>
+          </p:cNvCxnSpPr>
+          <p:nvPr/>
+        </p:nvCxnSpPr>
+        <p:spPr>
+          <a:xfrm>
+            <a:off x="5992091" y="2169788"/>
+            <a:ext cx="3462" cy="4577434"/>
+          </a:xfrm>
+          <a:prstGeom prst="line">
+            <a:avLst/>
+          </a:prstGeom>
+        </p:spPr>
+        <p:style>
+          <a:lnRef idx="2">
+            <a:schemeClr val="dk1"/>
+          </a:lnRef>
+          <a:fillRef idx="0">
+            <a:schemeClr val="dk1"/>
+          </a:fillRef>
+          <a:effectRef idx="1">
+            <a:schemeClr val="dk1"/>
+          </a:effectRef>
+          <a:fontRef idx="minor">
+            <a:schemeClr val="tx1"/>
+          </a:fontRef>
+        </p:style>
+      </p:cxnSp>
+      <p:cxnSp>
+        <p:nvCxnSpPr>
+          <p:cNvPr id="12" name="Straight Connector 11">
+            <a:extLst>
+              <a:ext uri="{FF2B5EF4-FFF2-40B4-BE49-F238E27FC236}">
+                <a16:creationId xmlns:a16="http://schemas.microsoft.com/office/drawing/2014/main" id="{53C4A7BB-9DD5-0CAD-178F-BDA4D008449F}"/>
+              </a:ext>
+            </a:extLst>
+          </p:cNvPr>
+          <p:cNvCxnSpPr>
+            <a:cxnSpLocks/>
+            <a:stCxn id="7" idx="2"/>
+          </p:cNvCxnSpPr>
+          <p:nvPr/>
+        </p:nvCxnSpPr>
+        <p:spPr>
+          <a:xfrm>
+            <a:off x="8149936" y="2169788"/>
+            <a:ext cx="0" cy="4577434"/>
+          </a:xfrm>
+          <a:prstGeom prst="line">
+            <a:avLst/>
+          </a:prstGeom>
+        </p:spPr>
+        <p:style>
+          <a:lnRef idx="2">
+            <a:schemeClr val="dk1"/>
+          </a:lnRef>
+          <a:fillRef idx="0">
+            <a:schemeClr val="dk1"/>
+          </a:fillRef>
+          <a:effectRef idx="1">
+            <a:schemeClr val="dk1"/>
+          </a:effectRef>
+          <a:fontRef idx="minor">
+            <a:schemeClr val="tx1"/>
+          </a:fontRef>
+        </p:style>
+      </p:cxnSp>
+      <p:cxnSp>
+        <p:nvCxnSpPr>
+          <p:cNvPr id="13" name="Straight Connector 12">
+            <a:extLst>
+              <a:ext uri="{FF2B5EF4-FFF2-40B4-BE49-F238E27FC236}">
+                <a16:creationId xmlns:a16="http://schemas.microsoft.com/office/drawing/2014/main" id="{0D0D2EF9-DF1C-62DB-B988-37BA7466F930}"/>
+              </a:ext>
+            </a:extLst>
+          </p:cNvPr>
+          <p:cNvCxnSpPr>
+            <a:cxnSpLocks/>
+            <a:stCxn id="2" idx="2"/>
+          </p:cNvCxnSpPr>
+          <p:nvPr/>
+        </p:nvCxnSpPr>
+        <p:spPr>
+          <a:xfrm>
+            <a:off x="10823864" y="2169788"/>
+            <a:ext cx="11380" cy="4577434"/>
+          </a:xfrm>
+          <a:prstGeom prst="line">
+            <a:avLst/>
+          </a:prstGeom>
+        </p:spPr>
+        <p:style>
+          <a:lnRef idx="2">
+            <a:schemeClr val="dk1"/>
+          </a:lnRef>
+          <a:fillRef idx="0">
+            <a:schemeClr val="dk1"/>
+          </a:fillRef>
+          <a:effectRef idx="1">
+            <a:schemeClr val="dk1"/>
+          </a:effectRef>
+          <a:fontRef idx="minor">
+            <a:schemeClr val="tx1"/>
+          </a:fontRef>
+        </p:style>
+      </p:cxnSp>
+      <p:sp>
+        <p:nvSpPr>
+          <p:cNvPr id="14" name="TextBox 13">
+            <a:extLst>
+              <a:ext uri="{FF2B5EF4-FFF2-40B4-BE49-F238E27FC236}">
+                <a16:creationId xmlns:a16="http://schemas.microsoft.com/office/drawing/2014/main" id="{BCCE6D08-CBD9-B168-8F04-E8681BE0813F}"/>
+              </a:ext>
+            </a:extLst>
+          </p:cNvPr>
+          <p:cNvSpPr txBox="1"/>
+          <p:nvPr/>
+        </p:nvSpPr>
+        <p:spPr>
+          <a:xfrm>
+            <a:off x="7290373" y="785469"/>
+            <a:ext cx="1719125" cy="369332"/>
+          </a:xfrm>
+          <a:prstGeom prst="rect">
+            <a:avLst/>
+          </a:prstGeom>
+          <a:noFill/>
+        </p:spPr>
+        <p:txBody>
+          <a:bodyPr wrap="none" rtlCol="0">
+            <a:spAutoFit/>
+          </a:bodyPr>
+          <a:lstStyle/>
+          <a:p>
+            <a:r>
+              <a:rPr lang="en-US" dirty="0"/>
+              <a:t>e.g. origin/main</a:t>
+            </a:r>
+          </a:p>
+        </p:txBody>
+      </p:sp>
+      <p:sp>
+        <p:nvSpPr>
+          <p:cNvPr id="15" name="Right Arrow 14">
+            <a:extLst>
+              <a:ext uri="{FF2B5EF4-FFF2-40B4-BE49-F238E27FC236}">
+                <a16:creationId xmlns:a16="http://schemas.microsoft.com/office/drawing/2014/main" id="{D29B1F0F-B316-2EDB-76BC-D86BF80D6A31}"/>
+              </a:ext>
+            </a:extLst>
+          </p:cNvPr>
+          <p:cNvSpPr/>
+          <p:nvPr/>
+        </p:nvSpPr>
+        <p:spPr>
+          <a:xfrm>
+            <a:off x="1554990" y="2273648"/>
+            <a:ext cx="2401698" cy="506627"/>
+          </a:xfrm>
+          <a:prstGeom prst="rightArrow">
+            <a:avLst/>
+          </a:prstGeom>
+          <a:solidFill>
+            <a:schemeClr val="bg1">
+              <a:lumMod val="85000"/>
+            </a:schemeClr>
+          </a:solidFill>
+          <a:ln>
+            <a:solidFill>
+              <a:schemeClr val="bg1">
+                <a:lumMod val="75000"/>
+              </a:schemeClr>
+            </a:solidFill>
+          </a:ln>
+        </p:spPr>
+        <p:style>
+          <a:lnRef idx="1">
+            <a:schemeClr val="accent6"/>
+          </a:lnRef>
+          <a:fillRef idx="2">
+            <a:schemeClr val="accent6"/>
+          </a:fillRef>
+          <a:effectRef idx="1">
+            <a:schemeClr val="accent6"/>
+          </a:effectRef>
+          <a:fontRef idx="minor">
+            <a:schemeClr val="dk1"/>
+          </a:fontRef>
+        </p:style>
+        <p:txBody>
+          <a:bodyPr rtlCol="0" anchor="ctr"/>
+          <a:lstStyle/>
+          <a:p>
+            <a:pPr algn="ctr"/>
+            <a:r>
+              <a:rPr lang="en-US" dirty="0">
+                <a:solidFill>
+                  <a:schemeClr val="bg1">
+                    <a:lumMod val="65000"/>
+                  </a:schemeClr>
+                </a:solidFill>
+              </a:rPr>
+              <a:t>git add</a:t>
+            </a:r>
+          </a:p>
+        </p:txBody>
+      </p:sp>
+      <p:sp>
+        <p:nvSpPr>
+          <p:cNvPr id="16" name="Right Arrow 15">
+            <a:extLst>
+              <a:ext uri="{FF2B5EF4-FFF2-40B4-BE49-F238E27FC236}">
+                <a16:creationId xmlns:a16="http://schemas.microsoft.com/office/drawing/2014/main" id="{6B684FBA-985C-FC92-CFB2-3911649CFB80}"/>
+              </a:ext>
+            </a:extLst>
+          </p:cNvPr>
+          <p:cNvSpPr/>
+          <p:nvPr/>
+        </p:nvSpPr>
+        <p:spPr>
+          <a:xfrm>
+            <a:off x="4054704" y="2796752"/>
+            <a:ext cx="1955593" cy="506627"/>
+          </a:xfrm>
+          <a:prstGeom prst="rightArrow">
+            <a:avLst/>
+          </a:prstGeom>
+          <a:solidFill>
+            <a:schemeClr val="bg1">
+              <a:lumMod val="85000"/>
+            </a:schemeClr>
+          </a:solidFill>
+          <a:ln>
+            <a:solidFill>
+              <a:schemeClr val="bg1">
+                <a:lumMod val="75000"/>
+              </a:schemeClr>
+            </a:solidFill>
+          </a:ln>
+        </p:spPr>
+        <p:style>
+          <a:lnRef idx="1">
+            <a:schemeClr val="accent6"/>
+          </a:lnRef>
+          <a:fillRef idx="2">
+            <a:schemeClr val="accent6"/>
+          </a:fillRef>
+          <a:effectRef idx="1">
+            <a:schemeClr val="accent6"/>
+          </a:effectRef>
+          <a:fontRef idx="minor">
+            <a:schemeClr val="dk1"/>
+          </a:fontRef>
+        </p:style>
+        <p:txBody>
+          <a:bodyPr rtlCol="0" anchor="ctr"/>
+          <a:lstStyle/>
+          <a:p>
+            <a:pPr algn="ctr"/>
+            <a:r>
+              <a:rPr lang="en-US" dirty="0">
+                <a:solidFill>
+                  <a:schemeClr val="bg1">
+                    <a:lumMod val="65000"/>
+                  </a:schemeClr>
+                </a:solidFill>
+              </a:rPr>
+              <a:t>git commit</a:t>
+            </a:r>
+          </a:p>
+        </p:txBody>
+      </p:sp>
+      <p:sp>
+        <p:nvSpPr>
+          <p:cNvPr id="17" name="Right Arrow 16">
+            <a:extLst>
+              <a:ext uri="{FF2B5EF4-FFF2-40B4-BE49-F238E27FC236}">
+                <a16:creationId xmlns:a16="http://schemas.microsoft.com/office/drawing/2014/main" id="{B0BEC20A-885B-05BD-32F7-B43E74108F4F}"/>
+              </a:ext>
+            </a:extLst>
+          </p:cNvPr>
+          <p:cNvSpPr/>
+          <p:nvPr/>
+        </p:nvSpPr>
+        <p:spPr>
+          <a:xfrm>
+            <a:off x="6071013" y="3261547"/>
+            <a:ext cx="4764227" cy="506627"/>
+          </a:xfrm>
+          <a:prstGeom prst="rightArrow">
+            <a:avLst/>
+          </a:prstGeom>
+          <a:solidFill>
+            <a:schemeClr val="bg1">
+              <a:lumMod val="85000"/>
+            </a:schemeClr>
+          </a:solidFill>
+          <a:ln>
+            <a:solidFill>
+              <a:schemeClr val="bg1">
+                <a:lumMod val="75000"/>
+              </a:schemeClr>
+            </a:solidFill>
+          </a:ln>
+        </p:spPr>
+        <p:style>
+          <a:lnRef idx="1">
+            <a:schemeClr val="accent6"/>
+          </a:lnRef>
+          <a:fillRef idx="2">
+            <a:schemeClr val="accent6"/>
+          </a:fillRef>
+          <a:effectRef idx="1">
+            <a:schemeClr val="accent6"/>
+          </a:effectRef>
+          <a:fontRef idx="minor">
+            <a:schemeClr val="dk1"/>
+          </a:fontRef>
+        </p:style>
+        <p:txBody>
+          <a:bodyPr rtlCol="0" anchor="ctr"/>
+          <a:lstStyle/>
+          <a:p>
+            <a:pPr algn="ctr"/>
+            <a:r>
+              <a:rPr lang="en-US" dirty="0">
+                <a:solidFill>
+                  <a:schemeClr val="bg1">
+                    <a:lumMod val="65000"/>
+                  </a:schemeClr>
+                </a:solidFill>
+              </a:rPr>
+              <a:t>git push</a:t>
+            </a:r>
+          </a:p>
+        </p:txBody>
+      </p:sp>
+      <p:sp>
+        <p:nvSpPr>
+          <p:cNvPr id="20" name="Right Arrow 19">
+            <a:extLst>
+              <a:ext uri="{FF2B5EF4-FFF2-40B4-BE49-F238E27FC236}">
+                <a16:creationId xmlns:a16="http://schemas.microsoft.com/office/drawing/2014/main" id="{1E0FF5BB-FE43-7D3F-E71B-B45990273CD1}"/>
+              </a:ext>
+            </a:extLst>
+          </p:cNvPr>
+          <p:cNvSpPr/>
+          <p:nvPr/>
+        </p:nvSpPr>
+        <p:spPr>
+          <a:xfrm flipH="1">
+            <a:off x="1532979" y="4832475"/>
+            <a:ext cx="9250980" cy="506627"/>
+          </a:xfrm>
+          <a:prstGeom prst="rightArrow">
+            <a:avLst/>
+          </a:prstGeom>
+        </p:spPr>
+        <p:style>
+          <a:lnRef idx="1">
+            <a:schemeClr val="accent6"/>
+          </a:lnRef>
+          <a:fillRef idx="2">
+            <a:schemeClr val="accent6"/>
+          </a:fillRef>
+          <a:effectRef idx="1">
+            <a:schemeClr val="accent6"/>
+          </a:effectRef>
+          <a:fontRef idx="minor">
+            <a:schemeClr val="dk1"/>
+          </a:fontRef>
+        </p:style>
+        <p:txBody>
+          <a:bodyPr rtlCol="0" anchor="ctr"/>
+          <a:lstStyle/>
+          <a:p>
+            <a:pPr algn="ctr"/>
+            <a:r>
+              <a:rPr lang="en-US" dirty="0"/>
+              <a:t>git pull</a:t>
+            </a:r>
+          </a:p>
+        </p:txBody>
+      </p:sp>
+      <p:grpSp>
+        <p:nvGrpSpPr>
+          <p:cNvPr id="18" name="Group 17">
+            <a:extLst>
+              <a:ext uri="{FF2B5EF4-FFF2-40B4-BE49-F238E27FC236}">
+                <a16:creationId xmlns:a16="http://schemas.microsoft.com/office/drawing/2014/main" id="{DA7505F8-5EE4-5060-1353-ABA4D3A9E351}"/>
+              </a:ext>
+            </a:extLst>
+          </p:cNvPr>
+          <p:cNvGrpSpPr/>
+          <p:nvPr/>
+        </p:nvGrpSpPr>
+        <p:grpSpPr>
+          <a:xfrm>
+            <a:off x="1554990" y="3842028"/>
+            <a:ext cx="9251954" cy="931719"/>
+            <a:chOff x="1554990" y="3842028"/>
+            <a:chExt cx="9251954" cy="931719"/>
+          </a:xfrm>
+        </p:grpSpPr>
+        <p:sp>
+          <p:nvSpPr>
+            <p:cNvPr id="19" name="Right Arrow 18">
+              <a:extLst>
+                <a:ext uri="{FF2B5EF4-FFF2-40B4-BE49-F238E27FC236}">
+                  <a16:creationId xmlns:a16="http://schemas.microsoft.com/office/drawing/2014/main" id="{5DE8CECD-9CDD-24EC-23E9-3286A9D5D7BA}"/>
+                </a:ext>
+              </a:extLst>
+            </p:cNvPr>
+            <p:cNvSpPr/>
+            <p:nvPr/>
+          </p:nvSpPr>
+          <p:spPr>
+            <a:xfrm flipH="1">
+              <a:off x="8159367" y="3842028"/>
+              <a:ext cx="2647577" cy="506627"/>
+            </a:xfrm>
+            <a:prstGeom prst="rightArrow">
+              <a:avLst/>
+            </a:prstGeom>
+          </p:spPr>
+          <p:style>
+            <a:lnRef idx="1">
+              <a:schemeClr val="accent6"/>
+            </a:lnRef>
+            <a:fillRef idx="2">
+              <a:schemeClr val="accent6"/>
+            </a:fillRef>
+            <a:effectRef idx="1">
+              <a:schemeClr val="accent6"/>
+            </a:effectRef>
+            <a:fontRef idx="minor">
+              <a:schemeClr val="dk1"/>
+            </a:fontRef>
+          </p:style>
+          <p:txBody>
+            <a:bodyPr rtlCol="0" anchor="ctr"/>
+            <a:lstStyle/>
+            <a:p>
+              <a:pPr algn="ctr"/>
+              <a:r>
+                <a:rPr lang="en-US" dirty="0"/>
+                <a:t>git fetch</a:t>
+              </a:r>
+            </a:p>
+          </p:txBody>
+        </p:sp>
+        <p:sp>
+          <p:nvSpPr>
+            <p:cNvPr id="22" name="Right Arrow 21">
+              <a:extLst>
+                <a:ext uri="{FF2B5EF4-FFF2-40B4-BE49-F238E27FC236}">
+                  <a16:creationId xmlns:a16="http://schemas.microsoft.com/office/drawing/2014/main" id="{A24AFF3C-22C3-62D7-8613-E5B8003C8D9C}"/>
+                </a:ext>
+              </a:extLst>
+            </p:cNvPr>
+            <p:cNvSpPr/>
+            <p:nvPr/>
+          </p:nvSpPr>
+          <p:spPr>
+            <a:xfrm flipH="1">
+              <a:off x="1554990" y="4267120"/>
+              <a:ext cx="6556016" cy="506627"/>
+            </a:xfrm>
+            <a:prstGeom prst="rightArrow">
+              <a:avLst/>
+            </a:prstGeom>
+          </p:spPr>
+          <p:style>
+            <a:lnRef idx="1">
+              <a:schemeClr val="accent6"/>
+            </a:lnRef>
+            <a:fillRef idx="2">
+              <a:schemeClr val="accent6"/>
+            </a:fillRef>
+            <a:effectRef idx="1">
+              <a:schemeClr val="accent6"/>
+            </a:effectRef>
+            <a:fontRef idx="minor">
+              <a:schemeClr val="dk1"/>
+            </a:fontRef>
+          </p:style>
+          <p:txBody>
+            <a:bodyPr rtlCol="0" anchor="ctr"/>
+            <a:lstStyle/>
+            <a:p>
+              <a:pPr algn="ctr"/>
+              <a:r>
+                <a:rPr lang="en-US" dirty="0"/>
+                <a:t>git merge</a:t>
+              </a:r>
+            </a:p>
+          </p:txBody>
+        </p:sp>
+      </p:grpSp>
+      <p:sp>
+        <p:nvSpPr>
+          <p:cNvPr id="25" name="TextBox 24">
+            <a:extLst>
+              <a:ext uri="{FF2B5EF4-FFF2-40B4-BE49-F238E27FC236}">
+                <a16:creationId xmlns:a16="http://schemas.microsoft.com/office/drawing/2014/main" id="{8DF24849-C21F-362D-EB89-5AE9489E8A69}"/>
+              </a:ext>
+            </a:extLst>
+          </p:cNvPr>
+          <p:cNvSpPr txBox="1"/>
+          <p:nvPr/>
+        </p:nvSpPr>
+        <p:spPr>
+          <a:xfrm>
+            <a:off x="3135783" y="158262"/>
+            <a:ext cx="3297378" cy="369332"/>
+          </a:xfrm>
+          <a:prstGeom prst="rect">
+            <a:avLst/>
+          </a:prstGeom>
+          <a:noFill/>
+        </p:spPr>
+        <p:txBody>
+          <a:bodyPr wrap="none" rtlCol="0">
+            <a:spAutoFit/>
+          </a:bodyPr>
+          <a:lstStyle/>
+          <a:p>
+            <a:r>
+              <a:rPr lang="en-US" b="1" dirty="0"/>
+              <a:t>LOCAL REPOSITORY (“REPO”)</a:t>
+            </a:r>
+          </a:p>
+        </p:txBody>
+      </p:sp>
+      <p:sp>
+        <p:nvSpPr>
+          <p:cNvPr id="26" name="TextBox 25">
+            <a:extLst>
+              <a:ext uri="{FF2B5EF4-FFF2-40B4-BE49-F238E27FC236}">
+                <a16:creationId xmlns:a16="http://schemas.microsoft.com/office/drawing/2014/main" id="{958CE1B9-9067-D0CC-ABBF-17CC7394D823}"/>
+              </a:ext>
+            </a:extLst>
+          </p:cNvPr>
+          <p:cNvSpPr txBox="1"/>
+          <p:nvPr/>
+        </p:nvSpPr>
+        <p:spPr>
+          <a:xfrm>
+            <a:off x="9971988" y="208786"/>
+            <a:ext cx="1702197" cy="646331"/>
+          </a:xfrm>
+          <a:prstGeom prst="rect">
+            <a:avLst/>
+          </a:prstGeom>
+          <a:noFill/>
+        </p:spPr>
+        <p:txBody>
+          <a:bodyPr wrap="none" rtlCol="0">
+            <a:spAutoFit/>
+          </a:bodyPr>
+          <a:lstStyle/>
+          <a:p>
+            <a:pPr algn="ctr"/>
+            <a:r>
+              <a:rPr lang="en-US" b="1" dirty="0"/>
+              <a:t>REMOTE REPO</a:t>
+            </a:r>
+          </a:p>
+          <a:p>
+            <a:pPr algn="ctr"/>
+            <a:r>
+              <a:rPr lang="en-US" b="1" dirty="0"/>
+              <a:t>(GITHUB)</a:t>
+            </a:r>
+          </a:p>
+        </p:txBody>
+      </p:sp>
+      <p:sp>
+        <p:nvSpPr>
+          <p:cNvPr id="8" name="TextBox 7">
+            <a:extLst>
+              <a:ext uri="{FF2B5EF4-FFF2-40B4-BE49-F238E27FC236}">
+                <a16:creationId xmlns:a16="http://schemas.microsoft.com/office/drawing/2014/main" id="{E43EB1D4-775B-240B-3759-10F1E3192F36}"/>
+              </a:ext>
+            </a:extLst>
+          </p:cNvPr>
+          <p:cNvSpPr txBox="1"/>
+          <p:nvPr/>
+        </p:nvSpPr>
+        <p:spPr>
+          <a:xfrm>
+            <a:off x="444850" y="5496329"/>
+            <a:ext cx="11229336" cy="923330"/>
+          </a:xfrm>
+          <a:prstGeom prst="rect">
+            <a:avLst/>
+          </a:prstGeom>
+          <a:solidFill>
+            <a:schemeClr val="bg1"/>
+          </a:solidFill>
+          <a:ln>
+            <a:solidFill>
+              <a:schemeClr val="tx1"/>
+            </a:solidFill>
+          </a:ln>
+        </p:spPr>
+        <p:txBody>
+          <a:bodyPr wrap="square" rtlCol="0">
+            <a:spAutoFit/>
+          </a:bodyPr>
+          <a:lstStyle/>
+          <a:p>
+            <a:r>
+              <a:rPr lang="en-US" dirty="0"/>
+              <a:t>Perhaps a colleague makes changes and pushes them to the remote branch. You want to grab those changes.</a:t>
+            </a:r>
+          </a:p>
+          <a:p>
+            <a:pPr marL="285750" indent="-285750">
+              <a:buFont typeface="Arial" panose="020B0604020202020204" pitchFamily="34" charset="0"/>
+              <a:buChar char="•"/>
+            </a:pPr>
+            <a:r>
+              <a:rPr lang="en-US" dirty="0"/>
+              <a:t>‘git fetch’ + ‘git merge’ grabs changes and lets you inspect them before merging into your code</a:t>
+            </a:r>
+          </a:p>
+          <a:p>
+            <a:pPr marL="285750" indent="-285750">
+              <a:buFont typeface="Arial" panose="020B0604020202020204" pitchFamily="34" charset="0"/>
+              <a:buChar char="•"/>
+            </a:pPr>
+            <a:r>
+              <a:rPr lang="en-US" dirty="0"/>
+              <a:t>‘git pull’ just grabs whatever is on the remote repository and pulls it into your working branch</a:t>
+            </a:r>
+          </a:p>
+        </p:txBody>
+      </p:sp>
+      <p:sp>
+        <p:nvSpPr>
+          <p:cNvPr id="23" name="Rectangle 22">
+            <a:extLst>
+              <a:ext uri="{FF2B5EF4-FFF2-40B4-BE49-F238E27FC236}">
+                <a16:creationId xmlns:a16="http://schemas.microsoft.com/office/drawing/2014/main" id="{2CCBDC39-E580-1B06-6A00-7E874B3898BA}"/>
+              </a:ext>
+            </a:extLst>
+          </p:cNvPr>
+          <p:cNvSpPr/>
+          <p:nvPr/>
+        </p:nvSpPr>
+        <p:spPr>
+          <a:xfrm>
+            <a:off x="0" y="0"/>
+            <a:ext cx="12192000" cy="6858000"/>
+          </a:xfrm>
+          <a:prstGeom prst="rect">
+            <a:avLst/>
+          </a:prstGeom>
+          <a:solidFill>
+            <a:schemeClr val="accent1">
+              <a:alpha val="81302"/>
+            </a:schemeClr>
+          </a:solidFill>
+        </p:spPr>
+        <p:style>
+          <a:lnRef idx="2">
+            <a:schemeClr val="accent1">
+              <a:shade val="15000"/>
+            </a:schemeClr>
+          </a:lnRef>
+          <a:fillRef idx="1">
+            <a:schemeClr val="accent1"/>
+          </a:fillRef>
+          <a:effectRef idx="0">
+            <a:schemeClr val="accent1"/>
+          </a:effectRef>
+          <a:fontRef idx="minor">
+            <a:schemeClr val="lt1"/>
+          </a:fontRef>
+        </p:style>
+        <p:txBody>
+          <a:bodyPr rtlCol="0" anchor="ctr"/>
+          <a:lstStyle/>
+          <a:p>
+            <a:pPr algn="ctr"/>
+            <a:endParaRPr lang="en-US"/>
+          </a:p>
+        </p:txBody>
+      </p:sp>
+      <p:sp>
+        <p:nvSpPr>
+          <p:cNvPr id="27" name="Rounded Rectangle 26">
+            <a:extLst>
+              <a:ext uri="{FF2B5EF4-FFF2-40B4-BE49-F238E27FC236}">
+                <a16:creationId xmlns:a16="http://schemas.microsoft.com/office/drawing/2014/main" id="{020B4577-3FF8-D2D2-19DB-1EC128AFEE3E}"/>
+              </a:ext>
+            </a:extLst>
+          </p:cNvPr>
+          <p:cNvSpPr/>
+          <p:nvPr/>
+        </p:nvSpPr>
+        <p:spPr>
+          <a:xfrm>
+            <a:off x="1908048" y="1074225"/>
+            <a:ext cx="8375904" cy="4709551"/>
+          </a:xfrm>
+          <a:prstGeom prst="roundRect">
+            <a:avLst/>
+          </a:prstGeom>
+        </p:spPr>
+        <p:style>
+          <a:lnRef idx="2">
+            <a:schemeClr val="accent1">
+              <a:shade val="15000"/>
+            </a:schemeClr>
+          </a:lnRef>
+          <a:fillRef idx="1">
+            <a:schemeClr val="accent1"/>
+          </a:fillRef>
+          <a:effectRef idx="0">
+            <a:schemeClr val="accent1"/>
+          </a:effectRef>
+          <a:fontRef idx="minor">
+            <a:schemeClr val="lt1"/>
+          </a:fontRef>
+        </p:style>
+        <p:txBody>
+          <a:bodyPr rtlCol="0" anchor="ctr"/>
+          <a:lstStyle/>
+          <a:p>
+            <a:pPr algn="ctr"/>
+            <a:r>
+              <a:rPr lang="en-US" sz="2800" u="sng" dirty="0"/>
+              <a:t>Remember</a:t>
+            </a:r>
+            <a:r>
+              <a:rPr lang="en-US" sz="2800" dirty="0"/>
+              <a:t>: Git and </a:t>
+            </a:r>
+            <a:r>
+              <a:rPr lang="en-US" sz="2800" dirty="0" err="1"/>
+              <a:t>github</a:t>
+            </a:r>
+            <a:r>
+              <a:rPr lang="en-US" sz="2800" dirty="0"/>
+              <a:t> are not a part of R or RStudio. You can use them for version control for any folder on your computer.</a:t>
+            </a:r>
+          </a:p>
+          <a:p>
+            <a:pPr algn="ctr"/>
+            <a:endParaRPr lang="en-US" sz="2800" dirty="0"/>
+          </a:p>
+          <a:p>
+            <a:pPr algn="ctr"/>
+            <a:r>
+              <a:rPr lang="en-US" sz="2800" dirty="0"/>
+              <a:t>RStudio is designed to play nicely with them, so they are ideal for creating R projects that follow a reproducible workflow.</a:t>
+            </a:r>
+          </a:p>
+        </p:txBody>
+      </p:sp>
+    </p:spTree>
+    <p:extLst>
+      <p:ext uri="{BB962C8B-B14F-4D97-AF65-F5344CB8AC3E}">
+        <p14:creationId xmlns:p14="http://schemas.microsoft.com/office/powerpoint/2010/main" val="3169717951"/>
+      </p:ext>
+    </p:extLst>
+  </p:cSld>
+  <p:clrMapOvr>
+    <a:masterClrMapping/>
+  </p:clrMapOvr>
+  <p:timing>
+    <p:tnLst>
+      <p:par>
+        <p:cTn id="1" dur="indefinite" restart="never" nodeType="tmRoot">
+          <p:childTnLst>
+            <p:seq concurrent="1" nextAc="seek">
+              <p:cTn id="2" dur="indefinite" nodeType="mainSeq">
+                <p:childTnLst>
+                  <p:par>
+                    <p:cTn id="3" fill="hold">
+                      <p:stCondLst>
+                        <p:cond delay="indefinite"/>
+                      </p:stCondLst>
+                      <p:childTnLst>
+                        <p:par>
+                          <p:cTn id="4" fill="hold">
+                            <p:stCondLst>
+                              <p:cond delay="0"/>
+                            </p:stCondLst>
+                            <p:childTnLst>
+                              <p:par>
+                                <p:cTn id="5" presetID="1" presetClass="entr" presetSubtype="0" fill="hold" grpId="0" nodeType="clickEffect">
+                                  <p:stCondLst>
+                                    <p:cond delay="0"/>
+                                  </p:stCondLst>
+                                  <p:childTnLst>
+                                    <p:set>
+                                      <p:cBhvr>
+                                        <p:cTn id="6" dur="1" fill="hold">
+                                          <p:stCondLst>
+                                            <p:cond delay="0"/>
+                                          </p:stCondLst>
+                                        </p:cTn>
+                                        <p:tgtEl>
+                                          <p:spTgt spid="27">
+                                            <p:bg/>
+                                          </p:spTgt>
+                                        </p:tgtEl>
+                                        <p:attrNameLst>
+                                          <p:attrName>style.visibility</p:attrName>
+                                        </p:attrNameLst>
+                                      </p:cBhvr>
+                                      <p:to>
+                                        <p:strVal val="visible"/>
+                                      </p:to>
+                                    </p:set>
+                                  </p:childTnLst>
+                                </p:cTn>
+                              </p:par>
+                            </p:childTnLst>
+                          </p:cTn>
+                        </p:par>
+                      </p:childTnLst>
+                    </p:cTn>
+                  </p:par>
+                  <p:par>
+                    <p:cTn id="7" fill="hold">
+                      <p:stCondLst>
+                        <p:cond delay="indefinite"/>
+                      </p:stCondLst>
+                      <p:childTnLst>
+                        <p:par>
+                          <p:cTn id="8" fill="hold">
+                            <p:stCondLst>
+                              <p:cond delay="0"/>
+                            </p:stCondLst>
+                            <p:childTnLst>
+                              <p:par>
+                                <p:cTn id="9" presetID="1" presetClass="entr" presetSubtype="0" fill="hold" grpId="0" nodeType="clickEffect">
+                                  <p:stCondLst>
+                                    <p:cond delay="0"/>
+                                  </p:stCondLst>
+                                  <p:childTnLst>
+                                    <p:set>
+                                      <p:cBhvr>
+                                        <p:cTn id="10" dur="1" fill="hold">
+                                          <p:stCondLst>
+                                            <p:cond delay="0"/>
+                                          </p:stCondLst>
+                                        </p:cTn>
+                                        <p:tgtEl>
+                                          <p:spTgt spid="27">
+                                            <p:txEl>
+                                              <p:pRg st="0" end="0"/>
+                                            </p:txEl>
+                                          </p:spTgt>
+                                        </p:tgtEl>
+                                        <p:attrNameLst>
+                                          <p:attrName>style.visibility</p:attrName>
+                                        </p:attrNameLst>
+                                      </p:cBhvr>
+                                      <p:to>
+                                        <p:strVal val="visible"/>
+                                      </p:to>
+                                    </p:set>
+                                  </p:childTnLst>
+                                </p:cTn>
+                              </p:par>
+                            </p:childTnLst>
+                          </p:cTn>
+                        </p:par>
+                      </p:childTnLst>
+                    </p:cTn>
+                  </p:par>
+                  <p:par>
+                    <p:cTn id="11" fill="hold">
+                      <p:stCondLst>
+                        <p:cond delay="indefinite"/>
+                      </p:stCondLst>
+                      <p:childTnLst>
+                        <p:par>
+                          <p:cTn id="12" fill="hold">
+                            <p:stCondLst>
+                              <p:cond delay="0"/>
+                            </p:stCondLst>
+                            <p:childTnLst>
+                              <p:par>
+                                <p:cTn id="13" presetID="1" presetClass="entr" presetSubtype="0" fill="hold" grpId="0" nodeType="clickEffect">
+                                  <p:stCondLst>
+                                    <p:cond delay="0"/>
+                                  </p:stCondLst>
+                                  <p:childTnLst>
+                                    <p:set>
+                                      <p:cBhvr>
+                                        <p:cTn id="14" dur="1" fill="hold">
+                                          <p:stCondLst>
+                                            <p:cond delay="0"/>
+                                          </p:stCondLst>
+                                        </p:cTn>
+                                        <p:tgtEl>
+                                          <p:spTgt spid="27">
+                                            <p:txEl>
+                                              <p:pRg st="2" end="2"/>
+                                            </p:txEl>
+                                          </p:spTgt>
+                                        </p:tgtEl>
+                                        <p:attrNameLst>
+                                          <p:attrName>style.visibility</p:attrName>
+                                        </p:attrNameLst>
+                                      </p:cBhvr>
+                                      <p:to>
+                                        <p:strVal val="visible"/>
+                                      </p:to>
+                                    </p:set>
+                                  </p:childTnLst>
+                                </p:cTn>
+                              </p:par>
+                            </p:childTnLst>
+                          </p:cTn>
+                        </p:par>
+                      </p:childTnLst>
+                    </p:cTn>
+                  </p:par>
+                </p:childTnLst>
+              </p:cTn>
+              <p:prevCondLst>
+                <p:cond evt="onPrev" delay="0">
+                  <p:tgtEl>
+                    <p:sldTgt/>
+                  </p:tgtEl>
+                </p:cond>
+              </p:prevCondLst>
+              <p:nextCondLst>
+                <p:cond evt="onNext" delay="0">
+                  <p:tgtEl>
+                    <p:sldTgt/>
+                  </p:tgtEl>
+                </p:cond>
+              </p:nextCondLst>
+            </p:seq>
+          </p:childTnLst>
+        </p:cTn>
+      </p:par>
+    </p:tnLst>
+    <p:bldLst>
+      <p:bldP spid="27" grpId="0" build="p" animBg="1"/>
+    </p:bldLst>
+  </p:timing>
+</p:sld>
+</file>
+
+<file path=ppt/slides/slide26.xml><?xml version="1.0" encoding="utf-8"?>
 <p:sld xmlns:a="http://schemas.openxmlformats.org/drawingml/2006/main" xmlns:r="http://schemas.openxmlformats.org/officeDocument/2006/relationships" xmlns:p="http://schemas.openxmlformats.org/presentationml/2006/main">
   <p:cSld>
     <p:spTree>
@@ -16073,7 +17690,12 @@
             <p:ph type="title"/>
           </p:nvPr>
         </p:nvSpPr>
-        <p:spPr/>
+        <p:spPr>
+          <a:xfrm>
+            <a:off x="838200" y="365125"/>
+            <a:ext cx="10515600" cy="780923"/>
+          </a:xfrm>
+        </p:spPr>
         <p:txBody>
           <a:bodyPr/>
           <a:lstStyle/>
@@ -16081,7 +17703,7 @@
             <a:pPr algn="ctr"/>
             <a:r>
               <a:rPr lang="en-US" dirty="0"/>
-              <a:t>Tidy Data</a:t>
+              <a:t>Tidying Your Data</a:t>
             </a:r>
           </a:p>
         </p:txBody>
@@ -16102,14 +17724,39 @@
             <p:ph idx="1"/>
           </p:nvPr>
         </p:nvSpPr>
-        <p:spPr/>
+        <p:spPr>
+          <a:xfrm>
+            <a:off x="838200" y="1280160"/>
+            <a:ext cx="10515600" cy="4896803"/>
+          </a:xfrm>
+        </p:spPr>
         <p:txBody>
           <a:bodyPr/>
           <a:lstStyle/>
           <a:p>
             <a:r>
               <a:rPr lang="en-US" dirty="0"/>
-              <a:t>Erika fill in</a:t>
+              <a:t>What is the “</a:t>
+            </a:r>
+            <a:r>
+              <a:rPr lang="en-US" dirty="0" err="1"/>
+              <a:t>tidyverse</a:t>
+            </a:r>
+            <a:r>
+              <a:rPr lang="en-US" dirty="0"/>
+              <a:t>”?</a:t>
+            </a:r>
+          </a:p>
+          <a:p>
+            <a:r>
+              <a:rPr lang="en-US" dirty="0"/>
+              <a:t>What is a “tidy” dataset?</a:t>
+            </a:r>
+          </a:p>
+          <a:p>
+            <a:r>
+              <a:rPr lang="en-US" dirty="0"/>
+              <a:t>Accessing data in a tidy dataset (let’s play!)</a:t>
             </a:r>
           </a:p>
         </p:txBody>
@@ -16118,6 +17765,720 @@
     <p:extLst>
       <p:ext uri="{BB962C8B-B14F-4D97-AF65-F5344CB8AC3E}">
         <p14:creationId xmlns:p14="http://schemas.microsoft.com/office/powerpoint/2010/main" val="1619483221"/>
+      </p:ext>
+    </p:extLst>
+  </p:cSld>
+  <p:clrMapOvr>
+    <a:masterClrMapping/>
+  </p:clrMapOvr>
+</p:sld>
+</file>
+
+<file path=ppt/slides/slide27.xml><?xml version="1.0" encoding="utf-8"?>
+<p:sld xmlns:a="http://schemas.openxmlformats.org/drawingml/2006/main" xmlns:r="http://schemas.openxmlformats.org/officeDocument/2006/relationships" xmlns:p="http://schemas.openxmlformats.org/presentationml/2006/main">
+  <p:cSld>
+    <p:spTree>
+      <p:nvGrpSpPr>
+        <p:cNvPr id="1" name=""/>
+        <p:cNvGrpSpPr/>
+        <p:nvPr/>
+      </p:nvGrpSpPr>
+      <p:grpSpPr>
+        <a:xfrm>
+          <a:off x="0" y="0"/>
+          <a:ext cx="0" cy="0"/>
+          <a:chOff x="0" y="0"/>
+          <a:chExt cx="0" cy="0"/>
+        </a:xfrm>
+      </p:grpSpPr>
+      <p:sp>
+        <p:nvSpPr>
+          <p:cNvPr id="2" name="Title 1">
+            <a:extLst>
+              <a:ext uri="{FF2B5EF4-FFF2-40B4-BE49-F238E27FC236}">
+                <a16:creationId xmlns:a16="http://schemas.microsoft.com/office/drawing/2014/main" id="{091418BB-9586-7944-20B5-ED1636FCE2AF}"/>
+              </a:ext>
+            </a:extLst>
+          </p:cNvPr>
+          <p:cNvSpPr>
+            <a:spLocks noGrp="1"/>
+          </p:cNvSpPr>
+          <p:nvPr>
+            <p:ph type="title"/>
+          </p:nvPr>
+        </p:nvSpPr>
+        <p:spPr>
+          <a:xfrm>
+            <a:off x="838200" y="365125"/>
+            <a:ext cx="10515600" cy="829691"/>
+          </a:xfrm>
+        </p:spPr>
+        <p:txBody>
+          <a:bodyPr/>
+          <a:lstStyle/>
+          <a:p>
+            <a:pPr algn="ctr"/>
+            <a:r>
+              <a:rPr lang="en-US" dirty="0"/>
+              <a:t>What is the “</a:t>
+            </a:r>
+            <a:r>
+              <a:rPr lang="en-US" dirty="0" err="1">
+                <a:hlinkClick r:id="rId2"/>
+              </a:rPr>
+              <a:t>tidyverse</a:t>
+            </a:r>
+            <a:r>
+              <a:rPr lang="en-US" dirty="0"/>
+              <a:t>”?</a:t>
+            </a:r>
+          </a:p>
+        </p:txBody>
+      </p:sp>
+      <p:sp>
+        <p:nvSpPr>
+          <p:cNvPr id="3" name="Content Placeholder 2">
+            <a:extLst>
+              <a:ext uri="{FF2B5EF4-FFF2-40B4-BE49-F238E27FC236}">
+                <a16:creationId xmlns:a16="http://schemas.microsoft.com/office/drawing/2014/main" id="{384C16C2-9188-E594-F89C-E40089BEFEFE}"/>
+              </a:ext>
+            </a:extLst>
+          </p:cNvPr>
+          <p:cNvSpPr>
+            <a:spLocks noGrp="1"/>
+          </p:cNvSpPr>
+          <p:nvPr>
+            <p:ph idx="1"/>
+          </p:nvPr>
+        </p:nvSpPr>
+        <p:spPr>
+          <a:xfrm>
+            <a:off x="838200" y="1414272"/>
+            <a:ext cx="10515600" cy="4762691"/>
+          </a:xfrm>
+        </p:spPr>
+        <p:txBody>
+          <a:bodyPr>
+            <a:normAutofit/>
+          </a:bodyPr>
+          <a:lstStyle/>
+          <a:p>
+            <a:r>
+              <a:rPr lang="en-US" dirty="0"/>
+              <a:t>An “opinionated” set of packages for R</a:t>
+            </a:r>
+          </a:p>
+          <a:p>
+            <a:r>
+              <a:rPr lang="en-US" dirty="0"/>
+              <a:t>Built by </a:t>
+            </a:r>
+            <a:r>
+              <a:rPr lang="en-US" dirty="0">
+                <a:hlinkClick r:id="rId3"/>
+              </a:rPr>
+              <a:t>Hadley Wickham </a:t>
+            </a:r>
+            <a:r>
+              <a:rPr lang="en-US" dirty="0"/>
+              <a:t>et al.</a:t>
+            </a:r>
+          </a:p>
+          <a:p>
+            <a:r>
+              <a:rPr lang="en-US" dirty="0"/>
+              <a:t>Packages can be installed individually</a:t>
+            </a:r>
+          </a:p>
+          <a:p>
+            <a:pPr lvl="1"/>
+            <a:r>
+              <a:rPr lang="en-US" dirty="0"/>
+              <a:t>e.g. 	</a:t>
+            </a:r>
+            <a:r>
+              <a:rPr lang="en-US" dirty="0" err="1">
+                <a:latin typeface="Courier New" panose="02070309020205020404" pitchFamily="49" charset="0"/>
+                <a:cs typeface="Courier New" panose="02070309020205020404" pitchFamily="49" charset="0"/>
+              </a:rPr>
+              <a:t>install.packages</a:t>
+            </a:r>
+            <a:r>
+              <a:rPr lang="en-US" dirty="0">
+                <a:latin typeface="Courier New" panose="02070309020205020404" pitchFamily="49" charset="0"/>
+                <a:cs typeface="Courier New" panose="02070309020205020404" pitchFamily="49" charset="0"/>
+              </a:rPr>
+              <a:t>(“ggplot2”)</a:t>
+            </a:r>
+          </a:p>
+          <a:p>
+            <a:r>
+              <a:rPr lang="en-US" dirty="0"/>
+              <a:t>or as a full set</a:t>
+            </a:r>
+          </a:p>
+          <a:p>
+            <a:pPr lvl="1"/>
+            <a:r>
+              <a:rPr lang="en-US" dirty="0"/>
+              <a:t>e.g. 	</a:t>
+            </a:r>
+            <a:r>
+              <a:rPr lang="en-US" dirty="0" err="1">
+                <a:latin typeface="Courier New" panose="02070309020205020404" pitchFamily="49" charset="0"/>
+                <a:cs typeface="Courier New" panose="02070309020205020404" pitchFamily="49" charset="0"/>
+              </a:rPr>
+              <a:t>install.packages</a:t>
+            </a:r>
+            <a:r>
+              <a:rPr lang="en-US" dirty="0">
+                <a:latin typeface="Courier New" panose="02070309020205020404" pitchFamily="49" charset="0"/>
+                <a:cs typeface="Courier New" panose="02070309020205020404" pitchFamily="49" charset="0"/>
+              </a:rPr>
+              <a:t>(“</a:t>
+            </a:r>
+            <a:r>
+              <a:rPr lang="en-US" dirty="0" err="1">
+                <a:latin typeface="Courier New" panose="02070309020205020404" pitchFamily="49" charset="0"/>
+                <a:cs typeface="Courier New" panose="02070309020205020404" pitchFamily="49" charset="0"/>
+              </a:rPr>
+              <a:t>tidyverse</a:t>
+            </a:r>
+            <a:r>
+              <a:rPr lang="en-US" dirty="0">
+                <a:latin typeface="Courier New" panose="02070309020205020404" pitchFamily="49" charset="0"/>
+                <a:cs typeface="Courier New" panose="02070309020205020404" pitchFamily="49" charset="0"/>
+              </a:rPr>
+              <a:t>”)</a:t>
+            </a:r>
+          </a:p>
+          <a:p>
+            <a:r>
+              <a:rPr lang="en-US" dirty="0">
+                <a:cs typeface="Courier New" panose="02070309020205020404" pitchFamily="49" charset="0"/>
+              </a:rPr>
+              <a:t>Opinionated:		</a:t>
+            </a:r>
+          </a:p>
+          <a:p>
+            <a:pPr lvl="1"/>
+            <a:r>
+              <a:rPr lang="en-US" dirty="0">
+                <a:cs typeface="Courier New" panose="02070309020205020404" pitchFamily="49" charset="0"/>
+              </a:rPr>
+              <a:t>Data must be in a </a:t>
+            </a:r>
+            <a:r>
+              <a:rPr lang="en-US" i="1" dirty="0">
+                <a:cs typeface="Courier New" panose="02070309020205020404" pitchFamily="49" charset="0"/>
+              </a:rPr>
+              <a:t>data frame</a:t>
+            </a:r>
+            <a:r>
+              <a:rPr lang="en-US" dirty="0">
+                <a:cs typeface="Courier New" panose="02070309020205020404" pitchFamily="49" charset="0"/>
+              </a:rPr>
+              <a:t> (no vectors, matrices)</a:t>
+            </a:r>
+          </a:p>
+          <a:p>
+            <a:pPr lvl="1"/>
+            <a:r>
+              <a:rPr lang="en-US" dirty="0">
+                <a:cs typeface="Courier New" panose="02070309020205020404" pitchFamily="49" charset="0"/>
+              </a:rPr>
+              <a:t>All functions receive arguments in the same order (name of data frame first)</a:t>
+            </a:r>
+          </a:p>
+        </p:txBody>
+      </p:sp>
+    </p:spTree>
+    <p:extLst>
+      <p:ext uri="{BB962C8B-B14F-4D97-AF65-F5344CB8AC3E}">
+        <p14:creationId xmlns:p14="http://schemas.microsoft.com/office/powerpoint/2010/main" val="440310196"/>
+      </p:ext>
+    </p:extLst>
+  </p:cSld>
+  <p:clrMapOvr>
+    <a:masterClrMapping/>
+  </p:clrMapOvr>
+</p:sld>
+</file>
+
+<file path=ppt/slides/slide28.xml><?xml version="1.0" encoding="utf-8"?>
+<p:sld xmlns:a="http://schemas.openxmlformats.org/drawingml/2006/main" xmlns:r="http://schemas.openxmlformats.org/officeDocument/2006/relationships" xmlns:p="http://schemas.openxmlformats.org/presentationml/2006/main">
+  <p:cSld>
+    <p:spTree>
+      <p:nvGrpSpPr>
+        <p:cNvPr id="1" name=""/>
+        <p:cNvGrpSpPr/>
+        <p:nvPr/>
+      </p:nvGrpSpPr>
+      <p:grpSpPr>
+        <a:xfrm>
+          <a:off x="0" y="0"/>
+          <a:ext cx="0" cy="0"/>
+          <a:chOff x="0" y="0"/>
+          <a:chExt cx="0" cy="0"/>
+        </a:xfrm>
+      </p:grpSpPr>
+      <p:sp>
+        <p:nvSpPr>
+          <p:cNvPr id="2" name="Title 1">
+            <a:extLst>
+              <a:ext uri="{FF2B5EF4-FFF2-40B4-BE49-F238E27FC236}">
+                <a16:creationId xmlns:a16="http://schemas.microsoft.com/office/drawing/2014/main" id="{134EE0C9-4EA8-796A-B7F4-5159C0EBEA9C}"/>
+              </a:ext>
+            </a:extLst>
+          </p:cNvPr>
+          <p:cNvSpPr>
+            <a:spLocks noGrp="1"/>
+          </p:cNvSpPr>
+          <p:nvPr>
+            <p:ph type="title"/>
+          </p:nvPr>
+        </p:nvSpPr>
+        <p:spPr>
+          <a:xfrm>
+            <a:off x="838200" y="365125"/>
+            <a:ext cx="10515600" cy="890651"/>
+          </a:xfrm>
+        </p:spPr>
+        <p:txBody>
+          <a:bodyPr/>
+          <a:lstStyle/>
+          <a:p>
+            <a:pPr algn="ctr"/>
+            <a:r>
+              <a:rPr lang="en-US" dirty="0">
+                <a:hlinkClick r:id="rId2"/>
+              </a:rPr>
+              <a:t>Tidy datasets</a:t>
+            </a:r>
+            <a:endParaRPr lang="en-US" dirty="0"/>
+          </a:p>
+        </p:txBody>
+      </p:sp>
+      <p:sp>
+        <p:nvSpPr>
+          <p:cNvPr id="3" name="Content Placeholder 2">
+            <a:extLst>
+              <a:ext uri="{FF2B5EF4-FFF2-40B4-BE49-F238E27FC236}">
+                <a16:creationId xmlns:a16="http://schemas.microsoft.com/office/drawing/2014/main" id="{7D395146-369D-A00B-CACE-FD9BCDA7FA2E}"/>
+              </a:ext>
+            </a:extLst>
+          </p:cNvPr>
+          <p:cNvSpPr>
+            <a:spLocks noGrp="1"/>
+          </p:cNvSpPr>
+          <p:nvPr>
+            <p:ph idx="1"/>
+          </p:nvPr>
+        </p:nvSpPr>
+        <p:spPr>
+          <a:xfrm>
+            <a:off x="838200" y="1255776"/>
+            <a:ext cx="10515600" cy="4921187"/>
+          </a:xfrm>
+        </p:spPr>
+        <p:txBody>
+          <a:bodyPr/>
+          <a:lstStyle/>
+          <a:p>
+            <a:r>
+              <a:rPr lang="en-US" dirty="0"/>
+              <a:t>What is a “tidy” data set?</a:t>
+            </a:r>
+          </a:p>
+          <a:p>
+            <a:pPr lvl="1"/>
+            <a:r>
+              <a:rPr lang="en-US" dirty="0"/>
+              <a:t>Data arranged in a standardized format</a:t>
+            </a:r>
+          </a:p>
+          <a:p>
+            <a:pPr lvl="1"/>
+            <a:r>
+              <a:rPr lang="en-US" dirty="0"/>
+              <a:t>Makes it easy to use across a suite of packages (e.g. </a:t>
+            </a:r>
+            <a:r>
+              <a:rPr lang="en-US" dirty="0" err="1"/>
+              <a:t>tidyverse</a:t>
+            </a:r>
+            <a:r>
+              <a:rPr lang="en-US" dirty="0"/>
+              <a:t>) without having to reformat</a:t>
+            </a:r>
+          </a:p>
+          <a:p>
+            <a:pPr lvl="1"/>
+            <a:r>
+              <a:rPr lang="en-US" dirty="0"/>
+              <a:t>Every column is a variable; each variable is a column</a:t>
+            </a:r>
+          </a:p>
+          <a:p>
+            <a:pPr lvl="1"/>
+            <a:r>
+              <a:rPr lang="en-US" dirty="0"/>
+              <a:t>Every row is an observation; each observation is a row</a:t>
+            </a:r>
+          </a:p>
+          <a:p>
+            <a:pPr lvl="1"/>
+            <a:r>
+              <a:rPr lang="en-US" dirty="0"/>
+              <a:t>Each value is a cell; each cell is a single value</a:t>
+            </a:r>
+          </a:p>
+          <a:p>
+            <a:pPr lvl="1"/>
+            <a:r>
+              <a:rPr lang="en-US" dirty="0"/>
+              <a:t>“long” vs “wide” format</a:t>
+            </a:r>
+          </a:p>
+          <a:p>
+            <a:pPr lvl="1"/>
+            <a:endParaRPr lang="en-US" dirty="0"/>
+          </a:p>
+        </p:txBody>
+      </p:sp>
+    </p:spTree>
+    <p:extLst>
+      <p:ext uri="{BB962C8B-B14F-4D97-AF65-F5344CB8AC3E}">
+        <p14:creationId xmlns:p14="http://schemas.microsoft.com/office/powerpoint/2010/main" val="4032270565"/>
+      </p:ext>
+    </p:extLst>
+  </p:cSld>
+  <p:clrMapOvr>
+    <a:masterClrMapping/>
+  </p:clrMapOvr>
+</p:sld>
+</file>
+
+<file path=ppt/slides/slide29.xml><?xml version="1.0" encoding="utf-8"?>
+<p:sld xmlns:a="http://schemas.openxmlformats.org/drawingml/2006/main" xmlns:r="http://schemas.openxmlformats.org/officeDocument/2006/relationships" xmlns:p="http://schemas.openxmlformats.org/presentationml/2006/main">
+  <p:cSld>
+    <p:spTree>
+      <p:nvGrpSpPr>
+        <p:cNvPr id="1" name="">
+          <a:extLst>
+            <a:ext uri="{FF2B5EF4-FFF2-40B4-BE49-F238E27FC236}">
+              <a16:creationId xmlns:a16="http://schemas.microsoft.com/office/drawing/2014/main" id="{51503D82-CAF5-343D-703A-4951348AF74D}"/>
+            </a:ext>
+          </a:extLst>
+        </p:cNvPr>
+        <p:cNvGrpSpPr/>
+        <p:nvPr/>
+      </p:nvGrpSpPr>
+      <p:grpSpPr>
+        <a:xfrm>
+          <a:off x="0" y="0"/>
+          <a:ext cx="0" cy="0"/>
+          <a:chOff x="0" y="0"/>
+          <a:chExt cx="0" cy="0"/>
+        </a:xfrm>
+      </p:grpSpPr>
+      <p:sp>
+        <p:nvSpPr>
+          <p:cNvPr id="2" name="Title 1">
+            <a:extLst>
+              <a:ext uri="{FF2B5EF4-FFF2-40B4-BE49-F238E27FC236}">
+                <a16:creationId xmlns:a16="http://schemas.microsoft.com/office/drawing/2014/main" id="{E1516816-B0A6-45A0-18EC-EDC18FD98B21}"/>
+              </a:ext>
+            </a:extLst>
+          </p:cNvPr>
+          <p:cNvSpPr>
+            <a:spLocks noGrp="1"/>
+          </p:cNvSpPr>
+          <p:nvPr>
+            <p:ph type="title"/>
+          </p:nvPr>
+        </p:nvSpPr>
+        <p:spPr>
+          <a:xfrm>
+            <a:off x="838200" y="157861"/>
+            <a:ext cx="10515600" cy="890651"/>
+          </a:xfrm>
+        </p:spPr>
+        <p:txBody>
+          <a:bodyPr/>
+          <a:lstStyle/>
+          <a:p>
+            <a:pPr algn="ctr"/>
+            <a:r>
+              <a:rPr lang="en-US" dirty="0">
+                <a:hlinkClick r:id="rId2"/>
+              </a:rPr>
+              <a:t>Tidy datasets</a:t>
+            </a:r>
+            <a:endParaRPr lang="en-US" dirty="0"/>
+          </a:p>
+        </p:txBody>
+      </p:sp>
+      <p:graphicFrame>
+        <p:nvGraphicFramePr>
+          <p:cNvPr id="4" name="Content Placeholder 3">
+            <a:extLst>
+              <a:ext uri="{FF2B5EF4-FFF2-40B4-BE49-F238E27FC236}">
+                <a16:creationId xmlns:a16="http://schemas.microsoft.com/office/drawing/2014/main" id="{E6C1650E-3CCB-429C-ABC1-C4FC5EC1D925}"/>
+              </a:ext>
+            </a:extLst>
+          </p:cNvPr>
+          <p:cNvGraphicFramePr>
+            <a:graphicFrameLocks noGrp="1"/>
+          </p:cNvGraphicFramePr>
+          <p:nvPr>
+            <p:ph idx="1"/>
+            <p:extLst>
+              <p:ext uri="{D42A27DB-BD31-4B8C-83A1-F6EECF244321}">
+                <p14:modId xmlns:p14="http://schemas.microsoft.com/office/powerpoint/2010/main" val="327903022"/>
+              </p:ext>
+            </p:extLst>
+          </p:nvPr>
+        </p:nvGraphicFramePr>
+        <p:xfrm>
+          <a:off x="3041904" y="1810004"/>
+          <a:ext cx="6108192" cy="2123440"/>
+        </p:xfrm>
+        <a:graphic>
+          <a:graphicData uri="http://schemas.openxmlformats.org/drawingml/2006/table">
+            <a:tbl>
+              <a:tblPr firstRow="1" bandRow="1">
+                <a:tableStyleId>{5C22544A-7EE6-4342-B048-85BDC9FD1C3A}</a:tableStyleId>
+              </a:tblPr>
+              <a:tblGrid>
+                <a:gridCol w="1868424">
+                  <a:extLst>
+                    <a:ext uri="{9D8B030D-6E8A-4147-A177-3AD203B41FA5}">
+                      <a16:colId xmlns:a16="http://schemas.microsoft.com/office/drawing/2014/main" val="2762391055"/>
+                    </a:ext>
+                  </a:extLst>
+                </a:gridCol>
+                <a:gridCol w="4239768">
+                  <a:extLst>
+                    <a:ext uri="{9D8B030D-6E8A-4147-A177-3AD203B41FA5}">
+                      <a16:colId xmlns:a16="http://schemas.microsoft.com/office/drawing/2014/main" val="1002863736"/>
+                    </a:ext>
+                  </a:extLst>
+                </a:gridCol>
+              </a:tblGrid>
+              <a:tr h="370840">
+                <a:tc>
+                  <a:txBody>
+                    <a:bodyPr/>
+                    <a:lstStyle/>
+                    <a:p>
+                      <a:r>
+                        <a:rPr lang="en-US" dirty="0"/>
+                        <a:t>Student name</a:t>
+                      </a:r>
+                    </a:p>
+                  </a:txBody>
+                  <a:tcPr anchor="b"/>
+                </a:tc>
+                <a:tc>
+                  <a:txBody>
+                    <a:bodyPr/>
+                    <a:lstStyle/>
+                    <a:p>
+                      <a:pPr algn="ctr"/>
+                      <a:r>
+                        <a:rPr lang="en-US" dirty="0"/>
+                        <a:t>Course (Mammalogy, Ecology, English literature) grades</a:t>
+                      </a:r>
+                    </a:p>
+                  </a:txBody>
+                  <a:tcPr anchor="b"/>
+                </a:tc>
+                <a:extLst>
+                  <a:ext uri="{0D108BD9-81ED-4DB2-BD59-A6C34878D82A}">
+                    <a16:rowId xmlns:a16="http://schemas.microsoft.com/office/drawing/2014/main" val="1756201211"/>
+                  </a:ext>
+                </a:extLst>
+              </a:tr>
+              <a:tr h="370840">
+                <a:tc>
+                  <a:txBody>
+                    <a:bodyPr/>
+                    <a:lstStyle/>
+                    <a:p>
+                      <a:r>
+                        <a:rPr lang="en-US" dirty="0"/>
+                        <a:t>Rosemary</a:t>
+                      </a:r>
+                    </a:p>
+                  </a:txBody>
+                  <a:tcPr/>
+                </a:tc>
+                <a:tc>
+                  <a:txBody>
+                    <a:bodyPr/>
+                    <a:lstStyle/>
+                    <a:p>
+                      <a:pPr algn="ctr"/>
+                      <a:r>
+                        <a:rPr lang="en-US" dirty="0"/>
+                        <a:t>3.25, 2.75, 3.0</a:t>
+                      </a:r>
+                    </a:p>
+                  </a:txBody>
+                  <a:tcPr/>
+                </a:tc>
+                <a:extLst>
+                  <a:ext uri="{0D108BD9-81ED-4DB2-BD59-A6C34878D82A}">
+                    <a16:rowId xmlns:a16="http://schemas.microsoft.com/office/drawing/2014/main" val="966752617"/>
+                  </a:ext>
+                </a:extLst>
+              </a:tr>
+              <a:tr h="370840">
+                <a:tc>
+                  <a:txBody>
+                    <a:bodyPr/>
+                    <a:lstStyle/>
+                    <a:p>
+                      <a:r>
+                        <a:rPr lang="en-US" dirty="0"/>
+                        <a:t>Andrew</a:t>
+                      </a:r>
+                    </a:p>
+                  </a:txBody>
+                  <a:tcPr/>
+                </a:tc>
+                <a:tc>
+                  <a:txBody>
+                    <a:bodyPr/>
+                    <a:lstStyle/>
+                    <a:p>
+                      <a:pPr algn="ctr"/>
+                      <a:r>
+                        <a:rPr lang="en-US" dirty="0"/>
+                        <a:t>2.00, 2.25, NA</a:t>
+                      </a:r>
+                    </a:p>
+                  </a:txBody>
+                  <a:tcPr/>
+                </a:tc>
+                <a:extLst>
+                  <a:ext uri="{0D108BD9-81ED-4DB2-BD59-A6C34878D82A}">
+                    <a16:rowId xmlns:a16="http://schemas.microsoft.com/office/drawing/2014/main" val="3097819703"/>
+                  </a:ext>
+                </a:extLst>
+              </a:tr>
+              <a:tr h="370840">
+                <a:tc>
+                  <a:txBody>
+                    <a:bodyPr/>
+                    <a:lstStyle/>
+                    <a:p>
+                      <a:r>
+                        <a:rPr lang="en-US" dirty="0"/>
+                        <a:t>Chris</a:t>
+                      </a:r>
+                    </a:p>
+                  </a:txBody>
+                  <a:tcPr/>
+                </a:tc>
+                <a:tc>
+                  <a:txBody>
+                    <a:bodyPr/>
+                    <a:lstStyle/>
+                    <a:p>
+                      <a:pPr algn="ctr"/>
+                      <a:r>
+                        <a:rPr lang="en-US" dirty="0"/>
+                        <a:t>NA, 4.0, 1.5</a:t>
+                      </a:r>
+                    </a:p>
+                  </a:txBody>
+                  <a:tcPr/>
+                </a:tc>
+                <a:extLst>
+                  <a:ext uri="{0D108BD9-81ED-4DB2-BD59-A6C34878D82A}">
+                    <a16:rowId xmlns:a16="http://schemas.microsoft.com/office/drawing/2014/main" val="1453277253"/>
+                  </a:ext>
+                </a:extLst>
+              </a:tr>
+              <a:tr h="370840">
+                <a:tc>
+                  <a:txBody>
+                    <a:bodyPr/>
+                    <a:lstStyle/>
+                    <a:p>
+                      <a:r>
+                        <a:rPr lang="en-US" dirty="0"/>
+                        <a:t>Jane</a:t>
+                      </a:r>
+                    </a:p>
+                  </a:txBody>
+                  <a:tcPr/>
+                </a:tc>
+                <a:tc>
+                  <a:txBody>
+                    <a:bodyPr/>
+                    <a:lstStyle/>
+                    <a:p>
+                      <a:pPr algn="ctr"/>
+                      <a:r>
+                        <a:rPr lang="en-US" dirty="0"/>
+                        <a:t>4.0, 3.75, 4.0</a:t>
+                      </a:r>
+                    </a:p>
+                  </a:txBody>
+                  <a:tcPr/>
+                </a:tc>
+                <a:extLst>
+                  <a:ext uri="{0D108BD9-81ED-4DB2-BD59-A6C34878D82A}">
+                    <a16:rowId xmlns:a16="http://schemas.microsoft.com/office/drawing/2014/main" val="4041365633"/>
+                  </a:ext>
+                </a:extLst>
+              </a:tr>
+            </a:tbl>
+          </a:graphicData>
+        </a:graphic>
+      </p:graphicFrame>
+      <p:sp>
+        <p:nvSpPr>
+          <p:cNvPr id="6" name="TextBox 5">
+            <a:extLst>
+              <a:ext uri="{FF2B5EF4-FFF2-40B4-BE49-F238E27FC236}">
+                <a16:creationId xmlns:a16="http://schemas.microsoft.com/office/drawing/2014/main" id="{AEC9B39E-D927-DFAE-83DD-DBA15030F456}"/>
+              </a:ext>
+            </a:extLst>
+          </p:cNvPr>
+          <p:cNvSpPr txBox="1"/>
+          <p:nvPr/>
+        </p:nvSpPr>
+        <p:spPr>
+          <a:xfrm>
+            <a:off x="0" y="6488668"/>
+            <a:ext cx="1245854" cy="369332"/>
+          </a:xfrm>
+          <a:prstGeom prst="rect">
+            <a:avLst/>
+          </a:prstGeom>
+          <a:noFill/>
+        </p:spPr>
+        <p:txBody>
+          <a:bodyPr wrap="none" rtlCol="0">
+            <a:spAutoFit/>
+          </a:bodyPr>
+          <a:lstStyle/>
+          <a:p>
+            <a:r>
+              <a:rPr lang="en-US" dirty="0"/>
+              <a:t>Not so tidy</a:t>
+            </a:r>
+          </a:p>
+        </p:txBody>
+      </p:sp>
+    </p:spTree>
+    <p:extLst>
+      <p:ext uri="{BB962C8B-B14F-4D97-AF65-F5344CB8AC3E}">
+        <p14:creationId xmlns:p14="http://schemas.microsoft.com/office/powerpoint/2010/main" val="1328775050"/>
       </p:ext>
     </p:extLst>
   </p:cSld>
@@ -16280,6 +18641,2759 @@
     <p:extLst>
       <p:ext uri="{BB962C8B-B14F-4D97-AF65-F5344CB8AC3E}">
         <p14:creationId xmlns:p14="http://schemas.microsoft.com/office/powerpoint/2010/main" val="1877543471"/>
+      </p:ext>
+    </p:extLst>
+  </p:cSld>
+  <p:clrMapOvr>
+    <a:masterClrMapping/>
+  </p:clrMapOvr>
+</p:sld>
+</file>
+
+<file path=ppt/slides/slide30.xml><?xml version="1.0" encoding="utf-8"?>
+<p:sld xmlns:a="http://schemas.openxmlformats.org/drawingml/2006/main" xmlns:r="http://schemas.openxmlformats.org/officeDocument/2006/relationships" xmlns:p="http://schemas.openxmlformats.org/presentationml/2006/main">
+  <p:cSld>
+    <p:spTree>
+      <p:nvGrpSpPr>
+        <p:cNvPr id="1" name="">
+          <a:extLst>
+            <a:ext uri="{FF2B5EF4-FFF2-40B4-BE49-F238E27FC236}">
+              <a16:creationId xmlns:a16="http://schemas.microsoft.com/office/drawing/2014/main" id="{E703C343-EF85-C332-4C2F-4C3E6B8782BD}"/>
+            </a:ext>
+          </a:extLst>
+        </p:cNvPr>
+        <p:cNvGrpSpPr/>
+        <p:nvPr/>
+      </p:nvGrpSpPr>
+      <p:grpSpPr>
+        <a:xfrm>
+          <a:off x="0" y="0"/>
+          <a:ext cx="0" cy="0"/>
+          <a:chOff x="0" y="0"/>
+          <a:chExt cx="0" cy="0"/>
+        </a:xfrm>
+      </p:grpSpPr>
+      <p:sp>
+        <p:nvSpPr>
+          <p:cNvPr id="2" name="Title 1">
+            <a:extLst>
+              <a:ext uri="{FF2B5EF4-FFF2-40B4-BE49-F238E27FC236}">
+                <a16:creationId xmlns:a16="http://schemas.microsoft.com/office/drawing/2014/main" id="{FC3AAD65-DA89-0533-FDAD-B44C336F3122}"/>
+              </a:ext>
+            </a:extLst>
+          </p:cNvPr>
+          <p:cNvSpPr>
+            <a:spLocks noGrp="1"/>
+          </p:cNvSpPr>
+          <p:nvPr>
+            <p:ph type="title"/>
+          </p:nvPr>
+        </p:nvSpPr>
+        <p:spPr>
+          <a:xfrm>
+            <a:off x="838200" y="157861"/>
+            <a:ext cx="10515600" cy="890651"/>
+          </a:xfrm>
+        </p:spPr>
+        <p:txBody>
+          <a:bodyPr/>
+          <a:lstStyle/>
+          <a:p>
+            <a:pPr algn="ctr"/>
+            <a:r>
+              <a:rPr lang="en-US" dirty="0">
+                <a:hlinkClick r:id="rId2"/>
+              </a:rPr>
+              <a:t>Tidy datasets</a:t>
+            </a:r>
+            <a:endParaRPr lang="en-US" dirty="0"/>
+          </a:p>
+        </p:txBody>
+      </p:sp>
+      <p:graphicFrame>
+        <p:nvGraphicFramePr>
+          <p:cNvPr id="4" name="Content Placeholder 3">
+            <a:extLst>
+              <a:ext uri="{FF2B5EF4-FFF2-40B4-BE49-F238E27FC236}">
+                <a16:creationId xmlns:a16="http://schemas.microsoft.com/office/drawing/2014/main" id="{CDA8C546-A7B4-479F-DF42-14B297A33C61}"/>
+              </a:ext>
+            </a:extLst>
+          </p:cNvPr>
+          <p:cNvGraphicFramePr>
+            <a:graphicFrameLocks noGrp="1"/>
+          </p:cNvGraphicFramePr>
+          <p:nvPr>
+            <p:ph idx="1"/>
+            <p:extLst>
+              <p:ext uri="{D42A27DB-BD31-4B8C-83A1-F6EECF244321}">
+                <p14:modId xmlns:p14="http://schemas.microsoft.com/office/powerpoint/2010/main" val="3596220815"/>
+              </p:ext>
+            </p:extLst>
+          </p:nvPr>
+        </p:nvGraphicFramePr>
+        <p:xfrm>
+          <a:off x="2785872" y="1834388"/>
+          <a:ext cx="6620256" cy="1854200"/>
+        </p:xfrm>
+        <a:graphic>
+          <a:graphicData uri="http://schemas.openxmlformats.org/drawingml/2006/table">
+            <a:tbl>
+              <a:tblPr firstRow="1" bandRow="1">
+                <a:tableStyleId>{5C22544A-7EE6-4342-B048-85BDC9FD1C3A}</a:tableStyleId>
+              </a:tblPr>
+              <a:tblGrid>
+                <a:gridCol w="1868424">
+                  <a:extLst>
+                    <a:ext uri="{9D8B030D-6E8A-4147-A177-3AD203B41FA5}">
+                      <a16:colId xmlns:a16="http://schemas.microsoft.com/office/drawing/2014/main" val="2762391055"/>
+                    </a:ext>
+                  </a:extLst>
+                </a:gridCol>
+                <a:gridCol w="1499616">
+                  <a:extLst>
+                    <a:ext uri="{9D8B030D-6E8A-4147-A177-3AD203B41FA5}">
+                      <a16:colId xmlns:a16="http://schemas.microsoft.com/office/drawing/2014/main" val="1002863736"/>
+                    </a:ext>
+                  </a:extLst>
+                </a:gridCol>
+                <a:gridCol w="1170432">
+                  <a:extLst>
+                    <a:ext uri="{9D8B030D-6E8A-4147-A177-3AD203B41FA5}">
+                      <a16:colId xmlns:a16="http://schemas.microsoft.com/office/drawing/2014/main" val="2128721610"/>
+                    </a:ext>
+                  </a:extLst>
+                </a:gridCol>
+                <a:gridCol w="2081784">
+                  <a:extLst>
+                    <a:ext uri="{9D8B030D-6E8A-4147-A177-3AD203B41FA5}">
+                      <a16:colId xmlns:a16="http://schemas.microsoft.com/office/drawing/2014/main" val="347207989"/>
+                    </a:ext>
+                  </a:extLst>
+                </a:gridCol>
+              </a:tblGrid>
+              <a:tr h="370840">
+                <a:tc>
+                  <a:txBody>
+                    <a:bodyPr/>
+                    <a:lstStyle/>
+                    <a:p>
+                      <a:r>
+                        <a:rPr lang="en-US" dirty="0"/>
+                        <a:t>Student name</a:t>
+                      </a:r>
+                    </a:p>
+                  </a:txBody>
+                  <a:tcPr/>
+                </a:tc>
+                <a:tc>
+                  <a:txBody>
+                    <a:bodyPr/>
+                    <a:lstStyle/>
+                    <a:p>
+                      <a:r>
+                        <a:rPr lang="en-US" dirty="0"/>
+                        <a:t>Mammalogy</a:t>
+                      </a:r>
+                    </a:p>
+                  </a:txBody>
+                  <a:tcPr/>
+                </a:tc>
+                <a:tc>
+                  <a:txBody>
+                    <a:bodyPr/>
+                    <a:lstStyle/>
+                    <a:p>
+                      <a:r>
+                        <a:rPr lang="en-US" dirty="0"/>
+                        <a:t>Ecology</a:t>
+                      </a:r>
+                    </a:p>
+                  </a:txBody>
+                  <a:tcPr/>
+                </a:tc>
+                <a:tc>
+                  <a:txBody>
+                    <a:bodyPr/>
+                    <a:lstStyle/>
+                    <a:p>
+                      <a:r>
+                        <a:rPr lang="en-US" dirty="0"/>
+                        <a:t>English literature</a:t>
+                      </a:r>
+                    </a:p>
+                  </a:txBody>
+                  <a:tcPr/>
+                </a:tc>
+                <a:extLst>
+                  <a:ext uri="{0D108BD9-81ED-4DB2-BD59-A6C34878D82A}">
+                    <a16:rowId xmlns:a16="http://schemas.microsoft.com/office/drawing/2014/main" val="1756201211"/>
+                  </a:ext>
+                </a:extLst>
+              </a:tr>
+              <a:tr h="370840">
+                <a:tc>
+                  <a:txBody>
+                    <a:bodyPr/>
+                    <a:lstStyle/>
+                    <a:p>
+                      <a:r>
+                        <a:rPr lang="en-US" dirty="0"/>
+                        <a:t>Rosemary</a:t>
+                      </a:r>
+                    </a:p>
+                  </a:txBody>
+                  <a:tcPr/>
+                </a:tc>
+                <a:tc>
+                  <a:txBody>
+                    <a:bodyPr/>
+                    <a:lstStyle/>
+                    <a:p>
+                      <a:pPr algn="ctr"/>
+                      <a:r>
+                        <a:rPr lang="en-US" dirty="0"/>
+                        <a:t>3.25</a:t>
+                      </a:r>
+                    </a:p>
+                  </a:txBody>
+                  <a:tcPr/>
+                </a:tc>
+                <a:tc>
+                  <a:txBody>
+                    <a:bodyPr/>
+                    <a:lstStyle/>
+                    <a:p>
+                      <a:pPr algn="ctr"/>
+                      <a:r>
+                        <a:rPr lang="en-US" dirty="0"/>
+                        <a:t>2.75</a:t>
+                      </a:r>
+                    </a:p>
+                  </a:txBody>
+                  <a:tcPr/>
+                </a:tc>
+                <a:tc>
+                  <a:txBody>
+                    <a:bodyPr/>
+                    <a:lstStyle/>
+                    <a:p>
+                      <a:pPr algn="ctr"/>
+                      <a:r>
+                        <a:rPr lang="en-US" dirty="0"/>
+                        <a:t>3.0</a:t>
+                      </a:r>
+                    </a:p>
+                  </a:txBody>
+                  <a:tcPr/>
+                </a:tc>
+                <a:extLst>
+                  <a:ext uri="{0D108BD9-81ED-4DB2-BD59-A6C34878D82A}">
+                    <a16:rowId xmlns:a16="http://schemas.microsoft.com/office/drawing/2014/main" val="966752617"/>
+                  </a:ext>
+                </a:extLst>
+              </a:tr>
+              <a:tr h="370840">
+                <a:tc>
+                  <a:txBody>
+                    <a:bodyPr/>
+                    <a:lstStyle/>
+                    <a:p>
+                      <a:r>
+                        <a:rPr lang="en-US" dirty="0"/>
+                        <a:t>Andrew</a:t>
+                      </a:r>
+                    </a:p>
+                  </a:txBody>
+                  <a:tcPr/>
+                </a:tc>
+                <a:tc>
+                  <a:txBody>
+                    <a:bodyPr/>
+                    <a:lstStyle/>
+                    <a:p>
+                      <a:pPr algn="ctr"/>
+                      <a:r>
+                        <a:rPr lang="en-US" dirty="0"/>
+                        <a:t>2.00</a:t>
+                      </a:r>
+                    </a:p>
+                  </a:txBody>
+                  <a:tcPr/>
+                </a:tc>
+                <a:tc>
+                  <a:txBody>
+                    <a:bodyPr/>
+                    <a:lstStyle/>
+                    <a:p>
+                      <a:pPr algn="ctr"/>
+                      <a:r>
+                        <a:rPr lang="en-US" dirty="0"/>
+                        <a:t>2.25</a:t>
+                      </a:r>
+                    </a:p>
+                  </a:txBody>
+                  <a:tcPr/>
+                </a:tc>
+                <a:tc>
+                  <a:txBody>
+                    <a:bodyPr/>
+                    <a:lstStyle/>
+                    <a:p>
+                      <a:pPr algn="ctr"/>
+                      <a:r>
+                        <a:rPr lang="en-US" dirty="0"/>
+                        <a:t>NA</a:t>
+                      </a:r>
+                    </a:p>
+                  </a:txBody>
+                  <a:tcPr/>
+                </a:tc>
+                <a:extLst>
+                  <a:ext uri="{0D108BD9-81ED-4DB2-BD59-A6C34878D82A}">
+                    <a16:rowId xmlns:a16="http://schemas.microsoft.com/office/drawing/2014/main" val="3097819703"/>
+                  </a:ext>
+                </a:extLst>
+              </a:tr>
+              <a:tr h="370840">
+                <a:tc>
+                  <a:txBody>
+                    <a:bodyPr/>
+                    <a:lstStyle/>
+                    <a:p>
+                      <a:r>
+                        <a:rPr lang="en-US" dirty="0"/>
+                        <a:t>Chris</a:t>
+                      </a:r>
+                    </a:p>
+                  </a:txBody>
+                  <a:tcPr/>
+                </a:tc>
+                <a:tc>
+                  <a:txBody>
+                    <a:bodyPr/>
+                    <a:lstStyle/>
+                    <a:p>
+                      <a:pPr algn="ctr"/>
+                      <a:r>
+                        <a:rPr lang="en-US" dirty="0"/>
+                        <a:t>NA</a:t>
+                      </a:r>
+                    </a:p>
+                  </a:txBody>
+                  <a:tcPr/>
+                </a:tc>
+                <a:tc>
+                  <a:txBody>
+                    <a:bodyPr/>
+                    <a:lstStyle/>
+                    <a:p>
+                      <a:pPr algn="ctr"/>
+                      <a:r>
+                        <a:rPr lang="en-US" dirty="0"/>
+                        <a:t>4.0</a:t>
+                      </a:r>
+                    </a:p>
+                  </a:txBody>
+                  <a:tcPr/>
+                </a:tc>
+                <a:tc>
+                  <a:txBody>
+                    <a:bodyPr/>
+                    <a:lstStyle/>
+                    <a:p>
+                      <a:pPr algn="ctr"/>
+                      <a:r>
+                        <a:rPr lang="en-US" dirty="0"/>
+                        <a:t>1.5</a:t>
+                      </a:r>
+                    </a:p>
+                  </a:txBody>
+                  <a:tcPr/>
+                </a:tc>
+                <a:extLst>
+                  <a:ext uri="{0D108BD9-81ED-4DB2-BD59-A6C34878D82A}">
+                    <a16:rowId xmlns:a16="http://schemas.microsoft.com/office/drawing/2014/main" val="1453277253"/>
+                  </a:ext>
+                </a:extLst>
+              </a:tr>
+              <a:tr h="370840">
+                <a:tc>
+                  <a:txBody>
+                    <a:bodyPr/>
+                    <a:lstStyle/>
+                    <a:p>
+                      <a:r>
+                        <a:rPr lang="en-US" dirty="0"/>
+                        <a:t>Jane</a:t>
+                      </a:r>
+                    </a:p>
+                  </a:txBody>
+                  <a:tcPr/>
+                </a:tc>
+                <a:tc>
+                  <a:txBody>
+                    <a:bodyPr/>
+                    <a:lstStyle/>
+                    <a:p>
+                      <a:pPr algn="ctr"/>
+                      <a:r>
+                        <a:rPr lang="en-US" dirty="0"/>
+                        <a:t>4.0</a:t>
+                      </a:r>
+                    </a:p>
+                  </a:txBody>
+                  <a:tcPr/>
+                </a:tc>
+                <a:tc>
+                  <a:txBody>
+                    <a:bodyPr/>
+                    <a:lstStyle/>
+                    <a:p>
+                      <a:pPr algn="ctr"/>
+                      <a:r>
+                        <a:rPr lang="en-US" dirty="0"/>
+                        <a:t>3.75</a:t>
+                      </a:r>
+                    </a:p>
+                  </a:txBody>
+                  <a:tcPr/>
+                </a:tc>
+                <a:tc>
+                  <a:txBody>
+                    <a:bodyPr/>
+                    <a:lstStyle/>
+                    <a:p>
+                      <a:pPr algn="ctr"/>
+                      <a:r>
+                        <a:rPr lang="en-US" dirty="0"/>
+                        <a:t>4.0</a:t>
+                      </a:r>
+                    </a:p>
+                  </a:txBody>
+                  <a:tcPr/>
+                </a:tc>
+                <a:extLst>
+                  <a:ext uri="{0D108BD9-81ED-4DB2-BD59-A6C34878D82A}">
+                    <a16:rowId xmlns:a16="http://schemas.microsoft.com/office/drawing/2014/main" val="4041365633"/>
+                  </a:ext>
+                </a:extLst>
+              </a:tr>
+            </a:tbl>
+          </a:graphicData>
+        </a:graphic>
+      </p:graphicFrame>
+      <p:graphicFrame>
+        <p:nvGraphicFramePr>
+          <p:cNvPr id="5" name="Content Placeholder 3">
+            <a:extLst>
+              <a:ext uri="{FF2B5EF4-FFF2-40B4-BE49-F238E27FC236}">
+                <a16:creationId xmlns:a16="http://schemas.microsoft.com/office/drawing/2014/main" id="{B571AA13-B8F7-263C-5B8F-CCBAB8D5DB75}"/>
+              </a:ext>
+            </a:extLst>
+          </p:cNvPr>
+          <p:cNvGraphicFramePr>
+            <a:graphicFrameLocks/>
+          </p:cNvGraphicFramePr>
+          <p:nvPr>
+            <p:extLst>
+              <p:ext uri="{D42A27DB-BD31-4B8C-83A1-F6EECF244321}">
+                <p14:modId xmlns:p14="http://schemas.microsoft.com/office/powerpoint/2010/main" val="2604734747"/>
+              </p:ext>
+            </p:extLst>
+          </p:nvPr>
+        </p:nvGraphicFramePr>
+        <p:xfrm>
+          <a:off x="3175076" y="4657344"/>
+          <a:ext cx="5841848" cy="1478280"/>
+        </p:xfrm>
+        <a:graphic>
+          <a:graphicData uri="http://schemas.openxmlformats.org/drawingml/2006/table">
+            <a:tbl>
+              <a:tblPr firstRow="1" bandRow="1">
+                <a:tableStyleId>{5C22544A-7EE6-4342-B048-85BDC9FD1C3A}</a:tableStyleId>
+              </a:tblPr>
+              <a:tblGrid>
+                <a:gridCol w="1879537">
+                  <a:extLst>
+                    <a:ext uri="{9D8B030D-6E8A-4147-A177-3AD203B41FA5}">
+                      <a16:colId xmlns:a16="http://schemas.microsoft.com/office/drawing/2014/main" val="2762391055"/>
+                    </a:ext>
+                  </a:extLst>
+                </a:gridCol>
+                <a:gridCol w="1278509">
+                  <a:extLst>
+                    <a:ext uri="{9D8B030D-6E8A-4147-A177-3AD203B41FA5}">
+                      <a16:colId xmlns:a16="http://schemas.microsoft.com/office/drawing/2014/main" val="1002863736"/>
+                    </a:ext>
+                  </a:extLst>
+                </a:gridCol>
+                <a:gridCol w="1017778">
+                  <a:extLst>
+                    <a:ext uri="{9D8B030D-6E8A-4147-A177-3AD203B41FA5}">
+                      <a16:colId xmlns:a16="http://schemas.microsoft.com/office/drawing/2014/main" val="2128721610"/>
+                    </a:ext>
+                  </a:extLst>
+                </a:gridCol>
+                <a:gridCol w="859472">
+                  <a:extLst>
+                    <a:ext uri="{9D8B030D-6E8A-4147-A177-3AD203B41FA5}">
+                      <a16:colId xmlns:a16="http://schemas.microsoft.com/office/drawing/2014/main" val="347207989"/>
+                    </a:ext>
+                  </a:extLst>
+                </a:gridCol>
+                <a:gridCol w="806552">
+                  <a:extLst>
+                    <a:ext uri="{9D8B030D-6E8A-4147-A177-3AD203B41FA5}">
+                      <a16:colId xmlns:a16="http://schemas.microsoft.com/office/drawing/2014/main" val="1662651558"/>
+                    </a:ext>
+                  </a:extLst>
+                </a:gridCol>
+              </a:tblGrid>
+              <a:tr h="241809">
+                <a:tc>
+                  <a:txBody>
+                    <a:bodyPr/>
+                    <a:lstStyle/>
+                    <a:p>
+                      <a:r>
+                        <a:rPr lang="en-US" dirty="0"/>
+                        <a:t>Course</a:t>
+                      </a:r>
+                    </a:p>
+                  </a:txBody>
+                  <a:tcPr/>
+                </a:tc>
+                <a:tc>
+                  <a:txBody>
+                    <a:bodyPr/>
+                    <a:lstStyle/>
+                    <a:p>
+                      <a:r>
+                        <a:rPr lang="en-US" dirty="0"/>
+                        <a:t>Rosemary</a:t>
+                      </a:r>
+                    </a:p>
+                  </a:txBody>
+                  <a:tcPr/>
+                </a:tc>
+                <a:tc>
+                  <a:txBody>
+                    <a:bodyPr/>
+                    <a:lstStyle/>
+                    <a:p>
+                      <a:r>
+                        <a:rPr lang="en-US" dirty="0"/>
+                        <a:t>Andrew</a:t>
+                      </a:r>
+                    </a:p>
+                  </a:txBody>
+                  <a:tcPr/>
+                </a:tc>
+                <a:tc>
+                  <a:txBody>
+                    <a:bodyPr/>
+                    <a:lstStyle/>
+                    <a:p>
+                      <a:r>
+                        <a:rPr lang="en-US" dirty="0"/>
+                        <a:t>Chris</a:t>
+                      </a:r>
+                    </a:p>
+                  </a:txBody>
+                  <a:tcPr/>
+                </a:tc>
+                <a:tc>
+                  <a:txBody>
+                    <a:bodyPr/>
+                    <a:lstStyle/>
+                    <a:p>
+                      <a:r>
+                        <a:rPr lang="en-US" dirty="0"/>
+                        <a:t>Jane</a:t>
+                      </a:r>
+                    </a:p>
+                  </a:txBody>
+                  <a:tcPr/>
+                </a:tc>
+                <a:extLst>
+                  <a:ext uri="{0D108BD9-81ED-4DB2-BD59-A6C34878D82A}">
+                    <a16:rowId xmlns:a16="http://schemas.microsoft.com/office/drawing/2014/main" val="1756201211"/>
+                  </a:ext>
+                </a:extLst>
+              </a:tr>
+              <a:tr h="370840">
+                <a:tc>
+                  <a:txBody>
+                    <a:bodyPr/>
+                    <a:lstStyle/>
+                    <a:p>
+                      <a:r>
+                        <a:rPr lang="en-US" dirty="0"/>
+                        <a:t>Mammalogy</a:t>
+                      </a:r>
+                    </a:p>
+                  </a:txBody>
+                  <a:tcPr/>
+                </a:tc>
+                <a:tc>
+                  <a:txBody>
+                    <a:bodyPr/>
+                    <a:lstStyle/>
+                    <a:p>
+                      <a:pPr algn="ctr"/>
+                      <a:r>
+                        <a:rPr lang="en-US" dirty="0"/>
+                        <a:t>3.25</a:t>
+                      </a:r>
+                    </a:p>
+                  </a:txBody>
+                  <a:tcPr/>
+                </a:tc>
+                <a:tc>
+                  <a:txBody>
+                    <a:bodyPr/>
+                    <a:lstStyle/>
+                    <a:p>
+                      <a:pPr algn="ctr"/>
+                      <a:r>
+                        <a:rPr lang="en-US" dirty="0"/>
+                        <a:t>2.00</a:t>
+                      </a:r>
+                    </a:p>
+                  </a:txBody>
+                  <a:tcPr/>
+                </a:tc>
+                <a:tc>
+                  <a:txBody>
+                    <a:bodyPr/>
+                    <a:lstStyle/>
+                    <a:p>
+                      <a:pPr algn="ctr"/>
+                      <a:r>
+                        <a:rPr lang="en-US" dirty="0"/>
+                        <a:t>NA</a:t>
+                      </a:r>
+                    </a:p>
+                  </a:txBody>
+                  <a:tcPr/>
+                </a:tc>
+                <a:tc>
+                  <a:txBody>
+                    <a:bodyPr/>
+                    <a:lstStyle/>
+                    <a:p>
+                      <a:pPr algn="ctr"/>
+                      <a:r>
+                        <a:rPr lang="en-US" dirty="0"/>
+                        <a:t>4.0</a:t>
+                      </a:r>
+                    </a:p>
+                  </a:txBody>
+                  <a:tcPr/>
+                </a:tc>
+                <a:extLst>
+                  <a:ext uri="{0D108BD9-81ED-4DB2-BD59-A6C34878D82A}">
+                    <a16:rowId xmlns:a16="http://schemas.microsoft.com/office/drawing/2014/main" val="966752617"/>
+                  </a:ext>
+                </a:extLst>
+              </a:tr>
+              <a:tr h="370840">
+                <a:tc>
+                  <a:txBody>
+                    <a:bodyPr/>
+                    <a:lstStyle/>
+                    <a:p>
+                      <a:r>
+                        <a:rPr lang="en-US" dirty="0"/>
+                        <a:t>Ecology</a:t>
+                      </a:r>
+                    </a:p>
+                  </a:txBody>
+                  <a:tcPr/>
+                </a:tc>
+                <a:tc>
+                  <a:txBody>
+                    <a:bodyPr/>
+                    <a:lstStyle/>
+                    <a:p>
+                      <a:pPr algn="ctr"/>
+                      <a:r>
+                        <a:rPr lang="en-US" dirty="0"/>
+                        <a:t>2.75</a:t>
+                      </a:r>
+                    </a:p>
+                  </a:txBody>
+                  <a:tcPr/>
+                </a:tc>
+                <a:tc>
+                  <a:txBody>
+                    <a:bodyPr/>
+                    <a:lstStyle/>
+                    <a:p>
+                      <a:pPr algn="ctr"/>
+                      <a:r>
+                        <a:rPr lang="en-US" dirty="0"/>
+                        <a:t>2.25</a:t>
+                      </a:r>
+                    </a:p>
+                  </a:txBody>
+                  <a:tcPr/>
+                </a:tc>
+                <a:tc>
+                  <a:txBody>
+                    <a:bodyPr/>
+                    <a:lstStyle/>
+                    <a:p>
+                      <a:pPr algn="ctr"/>
+                      <a:r>
+                        <a:rPr lang="en-US" dirty="0"/>
+                        <a:t>4.0</a:t>
+                      </a:r>
+                    </a:p>
+                  </a:txBody>
+                  <a:tcPr/>
+                </a:tc>
+                <a:tc>
+                  <a:txBody>
+                    <a:bodyPr/>
+                    <a:lstStyle/>
+                    <a:p>
+                      <a:pPr algn="ctr"/>
+                      <a:r>
+                        <a:rPr lang="en-US" dirty="0"/>
+                        <a:t>3.75</a:t>
+                      </a:r>
+                    </a:p>
+                  </a:txBody>
+                  <a:tcPr/>
+                </a:tc>
+                <a:extLst>
+                  <a:ext uri="{0D108BD9-81ED-4DB2-BD59-A6C34878D82A}">
+                    <a16:rowId xmlns:a16="http://schemas.microsoft.com/office/drawing/2014/main" val="3097819703"/>
+                  </a:ext>
+                </a:extLst>
+              </a:tr>
+              <a:tr h="370840">
+                <a:tc>
+                  <a:txBody>
+                    <a:bodyPr/>
+                    <a:lstStyle/>
+                    <a:p>
+                      <a:r>
+                        <a:rPr lang="en-US" dirty="0"/>
+                        <a:t>English literature</a:t>
+                      </a:r>
+                    </a:p>
+                  </a:txBody>
+                  <a:tcPr/>
+                </a:tc>
+                <a:tc>
+                  <a:txBody>
+                    <a:bodyPr/>
+                    <a:lstStyle/>
+                    <a:p>
+                      <a:pPr algn="ctr"/>
+                      <a:r>
+                        <a:rPr lang="en-US" dirty="0"/>
+                        <a:t>3.0</a:t>
+                      </a:r>
+                    </a:p>
+                  </a:txBody>
+                  <a:tcPr/>
+                </a:tc>
+                <a:tc>
+                  <a:txBody>
+                    <a:bodyPr/>
+                    <a:lstStyle/>
+                    <a:p>
+                      <a:pPr algn="ctr"/>
+                      <a:r>
+                        <a:rPr lang="en-US" dirty="0"/>
+                        <a:t>NA</a:t>
+                      </a:r>
+                    </a:p>
+                  </a:txBody>
+                  <a:tcPr/>
+                </a:tc>
+                <a:tc>
+                  <a:txBody>
+                    <a:bodyPr/>
+                    <a:lstStyle/>
+                    <a:p>
+                      <a:pPr algn="ctr"/>
+                      <a:r>
+                        <a:rPr lang="en-US" dirty="0"/>
+                        <a:t>1.5</a:t>
+                      </a:r>
+                    </a:p>
+                  </a:txBody>
+                  <a:tcPr/>
+                </a:tc>
+                <a:tc>
+                  <a:txBody>
+                    <a:bodyPr/>
+                    <a:lstStyle/>
+                    <a:p>
+                      <a:pPr algn="ctr"/>
+                      <a:r>
+                        <a:rPr lang="en-US" dirty="0"/>
+                        <a:t>4.0</a:t>
+                      </a:r>
+                    </a:p>
+                  </a:txBody>
+                  <a:tcPr/>
+                </a:tc>
+                <a:extLst>
+                  <a:ext uri="{0D108BD9-81ED-4DB2-BD59-A6C34878D82A}">
+                    <a16:rowId xmlns:a16="http://schemas.microsoft.com/office/drawing/2014/main" val="1453277253"/>
+                  </a:ext>
+                </a:extLst>
+              </a:tr>
+            </a:tbl>
+          </a:graphicData>
+        </a:graphic>
+      </p:graphicFrame>
+      <p:sp>
+        <p:nvSpPr>
+          <p:cNvPr id="6" name="TextBox 5">
+            <a:extLst>
+              <a:ext uri="{FF2B5EF4-FFF2-40B4-BE49-F238E27FC236}">
+                <a16:creationId xmlns:a16="http://schemas.microsoft.com/office/drawing/2014/main" id="{EDC24B10-62EF-30A9-4852-AD4CB76F81F9}"/>
+              </a:ext>
+            </a:extLst>
+          </p:cNvPr>
+          <p:cNvSpPr txBox="1"/>
+          <p:nvPr/>
+        </p:nvSpPr>
+        <p:spPr>
+          <a:xfrm>
+            <a:off x="0" y="6488668"/>
+            <a:ext cx="1245854" cy="369332"/>
+          </a:xfrm>
+          <a:prstGeom prst="rect">
+            <a:avLst/>
+          </a:prstGeom>
+          <a:noFill/>
+        </p:spPr>
+        <p:txBody>
+          <a:bodyPr wrap="none" rtlCol="0">
+            <a:spAutoFit/>
+          </a:bodyPr>
+          <a:lstStyle/>
+          <a:p>
+            <a:r>
+              <a:rPr lang="en-US" dirty="0"/>
+              <a:t>Not so tidy</a:t>
+            </a:r>
+          </a:p>
+        </p:txBody>
+      </p:sp>
+      <p:grpSp>
+        <p:nvGrpSpPr>
+          <p:cNvPr id="9" name="Group 8">
+            <a:extLst>
+              <a:ext uri="{FF2B5EF4-FFF2-40B4-BE49-F238E27FC236}">
+                <a16:creationId xmlns:a16="http://schemas.microsoft.com/office/drawing/2014/main" id="{CDA8743D-35C6-8B0F-EAB1-FC234CCF33BE}"/>
+              </a:ext>
+            </a:extLst>
+          </p:cNvPr>
+          <p:cNvGrpSpPr/>
+          <p:nvPr/>
+        </p:nvGrpSpPr>
+        <p:grpSpPr>
+          <a:xfrm>
+            <a:off x="4747260" y="1053829"/>
+            <a:ext cx="4658868" cy="661941"/>
+            <a:chOff x="4887468" y="1581387"/>
+            <a:chExt cx="4658868" cy="661941"/>
+          </a:xfrm>
+        </p:grpSpPr>
+        <p:sp>
+          <p:nvSpPr>
+            <p:cNvPr id="7" name="Right Bracket 6">
+              <a:extLst>
+                <a:ext uri="{FF2B5EF4-FFF2-40B4-BE49-F238E27FC236}">
+                  <a16:creationId xmlns:a16="http://schemas.microsoft.com/office/drawing/2014/main" id="{E664CC5A-9221-FCA0-9470-FB8172FE9442}"/>
+                </a:ext>
+              </a:extLst>
+            </p:cNvPr>
+            <p:cNvSpPr/>
+            <p:nvPr/>
+          </p:nvSpPr>
+          <p:spPr>
+            <a:xfrm rot="16200000">
+              <a:off x="7096379" y="-206629"/>
+              <a:ext cx="241046" cy="4658868"/>
+            </a:xfrm>
+            <a:prstGeom prst="rightBracket">
+              <a:avLst/>
+            </a:prstGeom>
+          </p:spPr>
+          <p:style>
+            <a:lnRef idx="2">
+              <a:schemeClr val="accent1"/>
+            </a:lnRef>
+            <a:fillRef idx="0">
+              <a:schemeClr val="accent1"/>
+            </a:fillRef>
+            <a:effectRef idx="1">
+              <a:schemeClr val="accent1"/>
+            </a:effectRef>
+            <a:fontRef idx="minor">
+              <a:schemeClr val="tx1"/>
+            </a:fontRef>
+          </p:style>
+          <p:txBody>
+            <a:bodyPr rtlCol="0" anchor="ctr"/>
+            <a:lstStyle/>
+            <a:p>
+              <a:pPr algn="ctr"/>
+              <a:endParaRPr lang="en-US"/>
+            </a:p>
+          </p:txBody>
+        </p:sp>
+        <p:sp>
+          <p:nvSpPr>
+            <p:cNvPr id="8" name="TextBox 7">
+              <a:extLst>
+                <a:ext uri="{FF2B5EF4-FFF2-40B4-BE49-F238E27FC236}">
+                  <a16:creationId xmlns:a16="http://schemas.microsoft.com/office/drawing/2014/main" id="{1F98E9AE-0F32-0377-0621-778980B0AF59}"/>
+                </a:ext>
+              </a:extLst>
+            </p:cNvPr>
+            <p:cNvSpPr txBox="1"/>
+            <p:nvPr/>
+          </p:nvSpPr>
+          <p:spPr>
+            <a:xfrm>
+              <a:off x="6296939" y="1581387"/>
+              <a:ext cx="1839927" cy="369332"/>
+            </a:xfrm>
+            <a:prstGeom prst="rect">
+              <a:avLst/>
+            </a:prstGeom>
+            <a:noFill/>
+          </p:spPr>
+          <p:txBody>
+            <a:bodyPr wrap="none" rtlCol="0">
+              <a:spAutoFit/>
+            </a:bodyPr>
+            <a:lstStyle/>
+            <a:p>
+              <a:r>
+                <a:rPr lang="en-US" dirty="0"/>
+                <a:t>Multiple courses</a:t>
+              </a:r>
+            </a:p>
+          </p:txBody>
+        </p:sp>
+      </p:grpSp>
+      <p:grpSp>
+        <p:nvGrpSpPr>
+          <p:cNvPr id="10" name="Group 9">
+            <a:extLst>
+              <a:ext uri="{FF2B5EF4-FFF2-40B4-BE49-F238E27FC236}">
+                <a16:creationId xmlns:a16="http://schemas.microsoft.com/office/drawing/2014/main" id="{13DDD2CC-B880-5B09-857D-CFAC2962025F}"/>
+              </a:ext>
+            </a:extLst>
+          </p:cNvPr>
+          <p:cNvGrpSpPr/>
+          <p:nvPr/>
+        </p:nvGrpSpPr>
+        <p:grpSpPr>
+          <a:xfrm>
+            <a:off x="5090160" y="3860553"/>
+            <a:ext cx="3926764" cy="661941"/>
+            <a:chOff x="4887468" y="1581387"/>
+            <a:chExt cx="4658868" cy="661941"/>
+          </a:xfrm>
+        </p:grpSpPr>
+        <p:sp>
+          <p:nvSpPr>
+            <p:cNvPr id="11" name="Right Bracket 10">
+              <a:extLst>
+                <a:ext uri="{FF2B5EF4-FFF2-40B4-BE49-F238E27FC236}">
+                  <a16:creationId xmlns:a16="http://schemas.microsoft.com/office/drawing/2014/main" id="{03976829-737D-4DCD-2E2A-DAB88D85E02B}"/>
+                </a:ext>
+              </a:extLst>
+            </p:cNvPr>
+            <p:cNvSpPr/>
+            <p:nvPr/>
+          </p:nvSpPr>
+          <p:spPr>
+            <a:xfrm rot="16200000">
+              <a:off x="7096379" y="-206629"/>
+              <a:ext cx="241046" cy="4658868"/>
+            </a:xfrm>
+            <a:prstGeom prst="rightBracket">
+              <a:avLst/>
+            </a:prstGeom>
+          </p:spPr>
+          <p:style>
+            <a:lnRef idx="2">
+              <a:schemeClr val="accent1"/>
+            </a:lnRef>
+            <a:fillRef idx="0">
+              <a:schemeClr val="accent1"/>
+            </a:fillRef>
+            <a:effectRef idx="1">
+              <a:schemeClr val="accent1"/>
+            </a:effectRef>
+            <a:fontRef idx="minor">
+              <a:schemeClr val="tx1"/>
+            </a:fontRef>
+          </p:style>
+          <p:txBody>
+            <a:bodyPr rtlCol="0" anchor="ctr"/>
+            <a:lstStyle/>
+            <a:p>
+              <a:pPr algn="ctr"/>
+              <a:endParaRPr lang="en-US"/>
+            </a:p>
+          </p:txBody>
+        </p:sp>
+        <p:sp>
+          <p:nvSpPr>
+            <p:cNvPr id="12" name="TextBox 11">
+              <a:extLst>
+                <a:ext uri="{FF2B5EF4-FFF2-40B4-BE49-F238E27FC236}">
+                  <a16:creationId xmlns:a16="http://schemas.microsoft.com/office/drawing/2014/main" id="{F068A87E-9F35-A068-A6D3-6C51F338DDFB}"/>
+                </a:ext>
+              </a:extLst>
+            </p:cNvPr>
+            <p:cNvSpPr txBox="1"/>
+            <p:nvPr/>
+          </p:nvSpPr>
+          <p:spPr>
+            <a:xfrm>
+              <a:off x="6296939" y="1581387"/>
+              <a:ext cx="2279957" cy="369332"/>
+            </a:xfrm>
+            <a:prstGeom prst="rect">
+              <a:avLst/>
+            </a:prstGeom>
+            <a:noFill/>
+          </p:spPr>
+          <p:txBody>
+            <a:bodyPr wrap="none" rtlCol="0">
+              <a:spAutoFit/>
+            </a:bodyPr>
+            <a:lstStyle/>
+            <a:p>
+              <a:r>
+                <a:rPr lang="en-US" dirty="0"/>
+                <a:t>Multiple students</a:t>
+              </a:r>
+            </a:p>
+          </p:txBody>
+        </p:sp>
+      </p:grpSp>
+    </p:spTree>
+    <p:extLst>
+      <p:ext uri="{BB962C8B-B14F-4D97-AF65-F5344CB8AC3E}">
+        <p14:creationId xmlns:p14="http://schemas.microsoft.com/office/powerpoint/2010/main" val="560129607"/>
+      </p:ext>
+    </p:extLst>
+  </p:cSld>
+  <p:clrMapOvr>
+    <a:masterClrMapping/>
+  </p:clrMapOvr>
+  <p:timing>
+    <p:tnLst>
+      <p:par>
+        <p:cTn id="1" dur="indefinite" restart="never" nodeType="tmRoot">
+          <p:childTnLst>
+            <p:seq concurrent="1" nextAc="seek">
+              <p:cTn id="2" dur="indefinite" nodeType="mainSeq">
+                <p:childTnLst>
+                  <p:par>
+                    <p:cTn id="3" fill="hold">
+                      <p:stCondLst>
+                        <p:cond delay="indefinite"/>
+                      </p:stCondLst>
+                      <p:childTnLst>
+                        <p:par>
+                          <p:cTn id="4" fill="hold">
+                            <p:stCondLst>
+                              <p:cond delay="0"/>
+                            </p:stCondLst>
+                            <p:childTnLst>
+                              <p:par>
+                                <p:cTn id="5" presetID="1" presetClass="entr" presetSubtype="0" fill="hold" nodeType="clickEffect">
+                                  <p:stCondLst>
+                                    <p:cond delay="0"/>
+                                  </p:stCondLst>
+                                  <p:childTnLst>
+                                    <p:set>
+                                      <p:cBhvr>
+                                        <p:cTn id="6" dur="1" fill="hold">
+                                          <p:stCondLst>
+                                            <p:cond delay="0"/>
+                                          </p:stCondLst>
+                                        </p:cTn>
+                                        <p:tgtEl>
+                                          <p:spTgt spid="9"/>
+                                        </p:tgtEl>
+                                        <p:attrNameLst>
+                                          <p:attrName>style.visibility</p:attrName>
+                                        </p:attrNameLst>
+                                      </p:cBhvr>
+                                      <p:to>
+                                        <p:strVal val="visible"/>
+                                      </p:to>
+                                    </p:set>
+                                  </p:childTnLst>
+                                </p:cTn>
+                              </p:par>
+                            </p:childTnLst>
+                          </p:cTn>
+                        </p:par>
+                      </p:childTnLst>
+                    </p:cTn>
+                  </p:par>
+                  <p:par>
+                    <p:cTn id="7" fill="hold">
+                      <p:stCondLst>
+                        <p:cond delay="indefinite"/>
+                      </p:stCondLst>
+                      <p:childTnLst>
+                        <p:par>
+                          <p:cTn id="8" fill="hold">
+                            <p:stCondLst>
+                              <p:cond delay="0"/>
+                            </p:stCondLst>
+                            <p:childTnLst>
+                              <p:par>
+                                <p:cTn id="9" presetID="1" presetClass="entr" presetSubtype="0" fill="hold" nodeType="clickEffect">
+                                  <p:stCondLst>
+                                    <p:cond delay="0"/>
+                                  </p:stCondLst>
+                                  <p:childTnLst>
+                                    <p:set>
+                                      <p:cBhvr>
+                                        <p:cTn id="10" dur="1" fill="hold">
+                                          <p:stCondLst>
+                                            <p:cond delay="0"/>
+                                          </p:stCondLst>
+                                        </p:cTn>
+                                        <p:tgtEl>
+                                          <p:spTgt spid="10"/>
+                                        </p:tgtEl>
+                                        <p:attrNameLst>
+                                          <p:attrName>style.visibility</p:attrName>
+                                        </p:attrNameLst>
+                                      </p:cBhvr>
+                                      <p:to>
+                                        <p:strVal val="visible"/>
+                                      </p:to>
+                                    </p:set>
+                                  </p:childTnLst>
+                                </p:cTn>
+                              </p:par>
+                            </p:childTnLst>
+                          </p:cTn>
+                        </p:par>
+                      </p:childTnLst>
+                    </p:cTn>
+                  </p:par>
+                </p:childTnLst>
+              </p:cTn>
+              <p:prevCondLst>
+                <p:cond evt="onPrev" delay="0">
+                  <p:tgtEl>
+                    <p:sldTgt/>
+                  </p:tgtEl>
+                </p:cond>
+              </p:prevCondLst>
+              <p:nextCondLst>
+                <p:cond evt="onNext" delay="0">
+                  <p:tgtEl>
+                    <p:sldTgt/>
+                  </p:tgtEl>
+                </p:cond>
+              </p:nextCondLst>
+            </p:seq>
+          </p:childTnLst>
+        </p:cTn>
+      </p:par>
+    </p:tnLst>
+  </p:timing>
+</p:sld>
+</file>
+
+<file path=ppt/slides/slide31.xml><?xml version="1.0" encoding="utf-8"?>
+<p:sld xmlns:a="http://schemas.openxmlformats.org/drawingml/2006/main" xmlns:r="http://schemas.openxmlformats.org/officeDocument/2006/relationships" xmlns:p="http://schemas.openxmlformats.org/presentationml/2006/main">
+  <p:cSld>
+    <p:spTree>
+      <p:nvGrpSpPr>
+        <p:cNvPr id="1" name="">
+          <a:extLst>
+            <a:ext uri="{FF2B5EF4-FFF2-40B4-BE49-F238E27FC236}">
+              <a16:creationId xmlns:a16="http://schemas.microsoft.com/office/drawing/2014/main" id="{0C2061CE-DE4F-9758-0E6B-CFC537605E80}"/>
+            </a:ext>
+          </a:extLst>
+        </p:cNvPr>
+        <p:cNvGrpSpPr/>
+        <p:nvPr/>
+      </p:nvGrpSpPr>
+      <p:grpSpPr>
+        <a:xfrm>
+          <a:off x="0" y="0"/>
+          <a:ext cx="0" cy="0"/>
+          <a:chOff x="0" y="0"/>
+          <a:chExt cx="0" cy="0"/>
+        </a:xfrm>
+      </p:grpSpPr>
+      <p:sp>
+        <p:nvSpPr>
+          <p:cNvPr id="2" name="Title 1">
+            <a:extLst>
+              <a:ext uri="{FF2B5EF4-FFF2-40B4-BE49-F238E27FC236}">
+                <a16:creationId xmlns:a16="http://schemas.microsoft.com/office/drawing/2014/main" id="{8ABD9C79-40E0-271D-1CAF-75C88472A087}"/>
+              </a:ext>
+            </a:extLst>
+          </p:cNvPr>
+          <p:cNvSpPr>
+            <a:spLocks noGrp="1"/>
+          </p:cNvSpPr>
+          <p:nvPr>
+            <p:ph type="title"/>
+          </p:nvPr>
+        </p:nvSpPr>
+        <p:spPr>
+          <a:xfrm>
+            <a:off x="838200" y="157861"/>
+            <a:ext cx="10515600" cy="890651"/>
+          </a:xfrm>
+        </p:spPr>
+        <p:txBody>
+          <a:bodyPr/>
+          <a:lstStyle/>
+          <a:p>
+            <a:pPr algn="ctr"/>
+            <a:r>
+              <a:rPr lang="en-US" dirty="0">
+                <a:hlinkClick r:id="rId2"/>
+              </a:rPr>
+              <a:t>Tidy datasets</a:t>
+            </a:r>
+            <a:endParaRPr lang="en-US" dirty="0"/>
+          </a:p>
+        </p:txBody>
+      </p:sp>
+      <p:graphicFrame>
+        <p:nvGraphicFramePr>
+          <p:cNvPr id="4" name="Content Placeholder 3">
+            <a:extLst>
+              <a:ext uri="{FF2B5EF4-FFF2-40B4-BE49-F238E27FC236}">
+                <a16:creationId xmlns:a16="http://schemas.microsoft.com/office/drawing/2014/main" id="{0118742A-9448-F445-7B1A-224A48747E06}"/>
+              </a:ext>
+            </a:extLst>
+          </p:cNvPr>
+          <p:cNvGraphicFramePr>
+            <a:graphicFrameLocks noGrp="1"/>
+          </p:cNvGraphicFramePr>
+          <p:nvPr>
+            <p:ph idx="1"/>
+            <p:extLst>
+              <p:ext uri="{D42A27DB-BD31-4B8C-83A1-F6EECF244321}">
+                <p14:modId xmlns:p14="http://schemas.microsoft.com/office/powerpoint/2010/main" val="682734805"/>
+              </p:ext>
+            </p:extLst>
+          </p:nvPr>
+        </p:nvGraphicFramePr>
+        <p:xfrm>
+          <a:off x="3636804" y="1224788"/>
+          <a:ext cx="4918392" cy="4820920"/>
+        </p:xfrm>
+        <a:graphic>
+          <a:graphicData uri="http://schemas.openxmlformats.org/drawingml/2006/table">
+            <a:tbl>
+              <a:tblPr firstRow="1" bandRow="1">
+                <a:tableStyleId>{5C22544A-7EE6-4342-B048-85BDC9FD1C3A}</a:tableStyleId>
+              </a:tblPr>
+              <a:tblGrid>
+                <a:gridCol w="1868424">
+                  <a:extLst>
+                    <a:ext uri="{9D8B030D-6E8A-4147-A177-3AD203B41FA5}">
+                      <a16:colId xmlns:a16="http://schemas.microsoft.com/office/drawing/2014/main" val="2762391055"/>
+                    </a:ext>
+                  </a:extLst>
+                </a:gridCol>
+                <a:gridCol w="1879536">
+                  <a:extLst>
+                    <a:ext uri="{9D8B030D-6E8A-4147-A177-3AD203B41FA5}">
+                      <a16:colId xmlns:a16="http://schemas.microsoft.com/office/drawing/2014/main" val="1002863736"/>
+                    </a:ext>
+                  </a:extLst>
+                </a:gridCol>
+                <a:gridCol w="1170432">
+                  <a:extLst>
+                    <a:ext uri="{9D8B030D-6E8A-4147-A177-3AD203B41FA5}">
+                      <a16:colId xmlns:a16="http://schemas.microsoft.com/office/drawing/2014/main" val="2128721610"/>
+                    </a:ext>
+                  </a:extLst>
+                </a:gridCol>
+              </a:tblGrid>
+              <a:tr h="370840">
+                <a:tc>
+                  <a:txBody>
+                    <a:bodyPr/>
+                    <a:lstStyle/>
+                    <a:p>
+                      <a:r>
+                        <a:rPr lang="en-US" dirty="0" err="1"/>
+                        <a:t>Student_name</a:t>
+                      </a:r>
+                      <a:endParaRPr lang="en-US" dirty="0"/>
+                    </a:p>
+                  </a:txBody>
+                  <a:tcPr/>
+                </a:tc>
+                <a:tc>
+                  <a:txBody>
+                    <a:bodyPr/>
+                    <a:lstStyle/>
+                    <a:p>
+                      <a:r>
+                        <a:rPr lang="en-US" dirty="0"/>
+                        <a:t>Course</a:t>
+                      </a:r>
+                    </a:p>
+                  </a:txBody>
+                  <a:tcPr/>
+                </a:tc>
+                <a:tc>
+                  <a:txBody>
+                    <a:bodyPr/>
+                    <a:lstStyle/>
+                    <a:p>
+                      <a:pPr algn="ctr"/>
+                      <a:r>
+                        <a:rPr lang="en-US" dirty="0"/>
+                        <a:t>Grade</a:t>
+                      </a:r>
+                    </a:p>
+                  </a:txBody>
+                  <a:tcPr/>
+                </a:tc>
+                <a:extLst>
+                  <a:ext uri="{0D108BD9-81ED-4DB2-BD59-A6C34878D82A}">
+                    <a16:rowId xmlns:a16="http://schemas.microsoft.com/office/drawing/2014/main" val="1756201211"/>
+                  </a:ext>
+                </a:extLst>
+              </a:tr>
+              <a:tr h="370840">
+                <a:tc>
+                  <a:txBody>
+                    <a:bodyPr/>
+                    <a:lstStyle/>
+                    <a:p>
+                      <a:r>
+                        <a:rPr lang="en-US" dirty="0"/>
+                        <a:t>Rosemary</a:t>
+                      </a:r>
+                    </a:p>
+                  </a:txBody>
+                  <a:tcPr/>
+                </a:tc>
+                <a:tc>
+                  <a:txBody>
+                    <a:bodyPr/>
+                    <a:lstStyle/>
+                    <a:p>
+                      <a:pPr algn="l"/>
+                      <a:r>
+                        <a:rPr lang="en-US" dirty="0"/>
+                        <a:t>Mammalogy</a:t>
+                      </a:r>
+                    </a:p>
+                  </a:txBody>
+                  <a:tcPr/>
+                </a:tc>
+                <a:tc>
+                  <a:txBody>
+                    <a:bodyPr/>
+                    <a:lstStyle/>
+                    <a:p>
+                      <a:pPr algn="ctr"/>
+                      <a:r>
+                        <a:rPr lang="en-US" dirty="0"/>
+                        <a:t>3.25</a:t>
+                      </a:r>
+                    </a:p>
+                  </a:txBody>
+                  <a:tcPr/>
+                </a:tc>
+                <a:extLst>
+                  <a:ext uri="{0D108BD9-81ED-4DB2-BD59-A6C34878D82A}">
+                    <a16:rowId xmlns:a16="http://schemas.microsoft.com/office/drawing/2014/main" val="966752617"/>
+                  </a:ext>
+                </a:extLst>
+              </a:tr>
+              <a:tr h="370840">
+                <a:tc>
+                  <a:txBody>
+                    <a:bodyPr/>
+                    <a:lstStyle/>
+                    <a:p>
+                      <a:pPr marL="0" marR="0" lvl="0" indent="0" algn="l" defTabSz="914400" rtl="0" eaLnBrk="1" fontAlgn="auto" latinLnBrk="0" hangingPunct="1">
+                        <a:lnSpc>
+                          <a:spcPct val="100000"/>
+                        </a:lnSpc>
+                        <a:spcBef>
+                          <a:spcPts val="0"/>
+                        </a:spcBef>
+                        <a:spcAft>
+                          <a:spcPts val="0"/>
+                        </a:spcAft>
+                        <a:buClrTx/>
+                        <a:buSzTx/>
+                        <a:buFontTx/>
+                        <a:buNone/>
+                        <a:tabLst/>
+                        <a:defRPr/>
+                      </a:pPr>
+                      <a:r>
+                        <a:rPr kumimoji="0" lang="en-US" sz="1800" b="0" i="0" u="none" strike="noStrike" kern="1200" cap="none" spc="0" normalizeH="0" baseline="0" noProof="0">
+                          <a:ln>
+                            <a:noFill/>
+                          </a:ln>
+                          <a:solidFill>
+                            <a:prstClr val="black"/>
+                          </a:solidFill>
+                          <a:effectLst/>
+                          <a:uLnTx/>
+                          <a:uFillTx/>
+                          <a:latin typeface="Aptos" panose="02110004020202020204"/>
+                          <a:ea typeface="+mn-ea"/>
+                          <a:cs typeface="+mn-cs"/>
+                        </a:rPr>
+                        <a:t>Rosemary</a:t>
+                      </a:r>
+                      <a:endParaRPr kumimoji="0" lang="en-US" sz="1800" b="0" i="0" u="none" strike="noStrike" kern="1200" cap="none" spc="0" normalizeH="0" baseline="0" noProof="0" dirty="0">
+                        <a:ln>
+                          <a:noFill/>
+                        </a:ln>
+                        <a:solidFill>
+                          <a:prstClr val="black"/>
+                        </a:solidFill>
+                        <a:effectLst/>
+                        <a:uLnTx/>
+                        <a:uFillTx/>
+                        <a:latin typeface="Aptos" panose="02110004020202020204"/>
+                        <a:ea typeface="+mn-ea"/>
+                        <a:cs typeface="+mn-cs"/>
+                      </a:endParaRPr>
+                    </a:p>
+                  </a:txBody>
+                  <a:tcPr/>
+                </a:tc>
+                <a:tc>
+                  <a:txBody>
+                    <a:bodyPr/>
+                    <a:lstStyle/>
+                    <a:p>
+                      <a:pPr algn="l"/>
+                      <a:r>
+                        <a:rPr lang="en-US" dirty="0"/>
+                        <a:t>Ecology</a:t>
+                      </a:r>
+                    </a:p>
+                  </a:txBody>
+                  <a:tcPr/>
+                </a:tc>
+                <a:tc>
+                  <a:txBody>
+                    <a:bodyPr/>
+                    <a:lstStyle/>
+                    <a:p>
+                      <a:pPr marL="0" marR="0" lvl="0" indent="0" algn="ctr" defTabSz="914400" rtl="0" eaLnBrk="1" fontAlgn="auto" latinLnBrk="0" hangingPunct="1">
+                        <a:lnSpc>
+                          <a:spcPct val="100000"/>
+                        </a:lnSpc>
+                        <a:spcBef>
+                          <a:spcPts val="0"/>
+                        </a:spcBef>
+                        <a:spcAft>
+                          <a:spcPts val="0"/>
+                        </a:spcAft>
+                        <a:buClrTx/>
+                        <a:buSzTx/>
+                        <a:buFontTx/>
+                        <a:buNone/>
+                        <a:tabLst/>
+                        <a:defRPr/>
+                      </a:pPr>
+                      <a:r>
+                        <a:rPr lang="en-US" dirty="0"/>
+                        <a:t>2.75</a:t>
+                      </a:r>
+                    </a:p>
+                  </a:txBody>
+                  <a:tcPr/>
+                </a:tc>
+                <a:extLst>
+                  <a:ext uri="{0D108BD9-81ED-4DB2-BD59-A6C34878D82A}">
+                    <a16:rowId xmlns:a16="http://schemas.microsoft.com/office/drawing/2014/main" val="970350015"/>
+                  </a:ext>
+                </a:extLst>
+              </a:tr>
+              <a:tr h="370840">
+                <a:tc>
+                  <a:txBody>
+                    <a:bodyPr/>
+                    <a:lstStyle/>
+                    <a:p>
+                      <a:pPr marL="0" marR="0" lvl="0" indent="0" algn="l" defTabSz="914400" rtl="0" eaLnBrk="1" fontAlgn="auto" latinLnBrk="0" hangingPunct="1">
+                        <a:lnSpc>
+                          <a:spcPct val="100000"/>
+                        </a:lnSpc>
+                        <a:spcBef>
+                          <a:spcPts val="0"/>
+                        </a:spcBef>
+                        <a:spcAft>
+                          <a:spcPts val="0"/>
+                        </a:spcAft>
+                        <a:buClrTx/>
+                        <a:buSzTx/>
+                        <a:buFontTx/>
+                        <a:buNone/>
+                        <a:tabLst/>
+                        <a:defRPr/>
+                      </a:pPr>
+                      <a:r>
+                        <a:rPr kumimoji="0" lang="en-US" sz="1800" b="0" i="0" u="none" strike="noStrike" kern="1200" cap="none" spc="0" normalizeH="0" baseline="0" noProof="0" dirty="0">
+                          <a:ln>
+                            <a:noFill/>
+                          </a:ln>
+                          <a:solidFill>
+                            <a:prstClr val="black"/>
+                          </a:solidFill>
+                          <a:effectLst/>
+                          <a:uLnTx/>
+                          <a:uFillTx/>
+                          <a:latin typeface="Aptos" panose="02110004020202020204"/>
+                          <a:ea typeface="+mn-ea"/>
+                          <a:cs typeface="+mn-cs"/>
+                        </a:rPr>
+                        <a:t>Rosemary</a:t>
+                      </a:r>
+                    </a:p>
+                  </a:txBody>
+                  <a:tcPr/>
+                </a:tc>
+                <a:tc>
+                  <a:txBody>
+                    <a:bodyPr/>
+                    <a:lstStyle/>
+                    <a:p>
+                      <a:pPr algn="l"/>
+                      <a:r>
+                        <a:rPr lang="en-US" dirty="0"/>
+                        <a:t>English literature</a:t>
+                      </a:r>
+                    </a:p>
+                  </a:txBody>
+                  <a:tcPr/>
+                </a:tc>
+                <a:tc>
+                  <a:txBody>
+                    <a:bodyPr/>
+                    <a:lstStyle/>
+                    <a:p>
+                      <a:pPr algn="ctr"/>
+                      <a:r>
+                        <a:rPr lang="en-US" dirty="0"/>
+                        <a:t>3.00</a:t>
+                      </a:r>
+                    </a:p>
+                  </a:txBody>
+                  <a:tcPr/>
+                </a:tc>
+                <a:extLst>
+                  <a:ext uri="{0D108BD9-81ED-4DB2-BD59-A6C34878D82A}">
+                    <a16:rowId xmlns:a16="http://schemas.microsoft.com/office/drawing/2014/main" val="123292784"/>
+                  </a:ext>
+                </a:extLst>
+              </a:tr>
+              <a:tr h="370840">
+                <a:tc>
+                  <a:txBody>
+                    <a:bodyPr/>
+                    <a:lstStyle/>
+                    <a:p>
+                      <a:r>
+                        <a:rPr lang="en-US" dirty="0"/>
+                        <a:t>Andrew</a:t>
+                      </a:r>
+                    </a:p>
+                  </a:txBody>
+                  <a:tcPr/>
+                </a:tc>
+                <a:tc>
+                  <a:txBody>
+                    <a:bodyPr/>
+                    <a:lstStyle/>
+                    <a:p>
+                      <a:pPr algn="l"/>
+                      <a:r>
+                        <a:rPr lang="en-US" dirty="0"/>
+                        <a:t>Mammalogy</a:t>
+                      </a:r>
+                    </a:p>
+                  </a:txBody>
+                  <a:tcPr/>
+                </a:tc>
+                <a:tc>
+                  <a:txBody>
+                    <a:bodyPr/>
+                    <a:lstStyle/>
+                    <a:p>
+                      <a:pPr algn="ctr"/>
+                      <a:r>
+                        <a:rPr lang="en-US" dirty="0"/>
+                        <a:t>2.00</a:t>
+                      </a:r>
+                    </a:p>
+                  </a:txBody>
+                  <a:tcPr/>
+                </a:tc>
+                <a:extLst>
+                  <a:ext uri="{0D108BD9-81ED-4DB2-BD59-A6C34878D82A}">
+                    <a16:rowId xmlns:a16="http://schemas.microsoft.com/office/drawing/2014/main" val="3097819703"/>
+                  </a:ext>
+                </a:extLst>
+              </a:tr>
+              <a:tr h="370840">
+                <a:tc>
+                  <a:txBody>
+                    <a:bodyPr/>
+                    <a:lstStyle/>
+                    <a:p>
+                      <a:pPr marL="0" marR="0" lvl="0" indent="0" algn="l" defTabSz="914400" rtl="0" eaLnBrk="1" fontAlgn="auto" latinLnBrk="0" hangingPunct="1">
+                        <a:lnSpc>
+                          <a:spcPct val="100000"/>
+                        </a:lnSpc>
+                        <a:spcBef>
+                          <a:spcPts val="0"/>
+                        </a:spcBef>
+                        <a:spcAft>
+                          <a:spcPts val="0"/>
+                        </a:spcAft>
+                        <a:buClrTx/>
+                        <a:buSzTx/>
+                        <a:buFontTx/>
+                        <a:buNone/>
+                        <a:tabLst/>
+                        <a:defRPr/>
+                      </a:pPr>
+                      <a:r>
+                        <a:rPr kumimoji="0" lang="en-US" sz="1800" b="0" i="0" u="none" strike="noStrike" kern="1200" cap="none" spc="0" normalizeH="0" baseline="0" noProof="0">
+                          <a:ln>
+                            <a:noFill/>
+                          </a:ln>
+                          <a:solidFill>
+                            <a:prstClr val="black"/>
+                          </a:solidFill>
+                          <a:effectLst/>
+                          <a:uLnTx/>
+                          <a:uFillTx/>
+                          <a:latin typeface="Aptos" panose="02110004020202020204"/>
+                          <a:ea typeface="+mn-ea"/>
+                          <a:cs typeface="+mn-cs"/>
+                        </a:rPr>
+                        <a:t>Andrew</a:t>
+                      </a:r>
+                      <a:endParaRPr kumimoji="0" lang="en-US" sz="1800" b="0" i="0" u="none" strike="noStrike" kern="1200" cap="none" spc="0" normalizeH="0" baseline="0" noProof="0" dirty="0">
+                        <a:ln>
+                          <a:noFill/>
+                        </a:ln>
+                        <a:solidFill>
+                          <a:prstClr val="black"/>
+                        </a:solidFill>
+                        <a:effectLst/>
+                        <a:uLnTx/>
+                        <a:uFillTx/>
+                        <a:latin typeface="Aptos" panose="02110004020202020204"/>
+                        <a:ea typeface="+mn-ea"/>
+                        <a:cs typeface="+mn-cs"/>
+                      </a:endParaRPr>
+                    </a:p>
+                  </a:txBody>
+                  <a:tcPr/>
+                </a:tc>
+                <a:tc>
+                  <a:txBody>
+                    <a:bodyPr/>
+                    <a:lstStyle/>
+                    <a:p>
+                      <a:pPr algn="l"/>
+                      <a:r>
+                        <a:rPr lang="en-US" dirty="0"/>
+                        <a:t>Ecology</a:t>
+                      </a:r>
+                    </a:p>
+                  </a:txBody>
+                  <a:tcPr/>
+                </a:tc>
+                <a:tc>
+                  <a:txBody>
+                    <a:bodyPr/>
+                    <a:lstStyle/>
+                    <a:p>
+                      <a:pPr algn="ctr"/>
+                      <a:r>
+                        <a:rPr lang="en-US" dirty="0"/>
+                        <a:t>2.25</a:t>
+                      </a:r>
+                    </a:p>
+                  </a:txBody>
+                  <a:tcPr/>
+                </a:tc>
+                <a:extLst>
+                  <a:ext uri="{0D108BD9-81ED-4DB2-BD59-A6C34878D82A}">
+                    <a16:rowId xmlns:a16="http://schemas.microsoft.com/office/drawing/2014/main" val="1379119649"/>
+                  </a:ext>
+                </a:extLst>
+              </a:tr>
+              <a:tr h="370840">
+                <a:tc>
+                  <a:txBody>
+                    <a:bodyPr/>
+                    <a:lstStyle/>
+                    <a:p>
+                      <a:pPr marL="0" marR="0" lvl="0" indent="0" algn="l" defTabSz="914400" rtl="0" eaLnBrk="1" fontAlgn="auto" latinLnBrk="0" hangingPunct="1">
+                        <a:lnSpc>
+                          <a:spcPct val="100000"/>
+                        </a:lnSpc>
+                        <a:spcBef>
+                          <a:spcPts val="0"/>
+                        </a:spcBef>
+                        <a:spcAft>
+                          <a:spcPts val="0"/>
+                        </a:spcAft>
+                        <a:buClrTx/>
+                        <a:buSzTx/>
+                        <a:buFontTx/>
+                        <a:buNone/>
+                        <a:tabLst/>
+                        <a:defRPr/>
+                      </a:pPr>
+                      <a:r>
+                        <a:rPr kumimoji="0" lang="en-US" sz="1800" b="0" i="0" u="none" strike="noStrike" kern="1200" cap="none" spc="0" normalizeH="0" baseline="0" noProof="0" dirty="0">
+                          <a:ln>
+                            <a:noFill/>
+                          </a:ln>
+                          <a:solidFill>
+                            <a:prstClr val="black"/>
+                          </a:solidFill>
+                          <a:effectLst/>
+                          <a:uLnTx/>
+                          <a:uFillTx/>
+                          <a:latin typeface="Aptos" panose="02110004020202020204"/>
+                          <a:ea typeface="+mn-ea"/>
+                          <a:cs typeface="+mn-cs"/>
+                        </a:rPr>
+                        <a:t>Andrew</a:t>
+                      </a:r>
+                    </a:p>
+                  </a:txBody>
+                  <a:tcPr/>
+                </a:tc>
+                <a:tc>
+                  <a:txBody>
+                    <a:bodyPr/>
+                    <a:lstStyle/>
+                    <a:p>
+                      <a:pPr algn="l"/>
+                      <a:r>
+                        <a:rPr lang="en-US" dirty="0"/>
+                        <a:t>English literature</a:t>
+                      </a:r>
+                    </a:p>
+                  </a:txBody>
+                  <a:tcPr/>
+                </a:tc>
+                <a:tc>
+                  <a:txBody>
+                    <a:bodyPr/>
+                    <a:lstStyle/>
+                    <a:p>
+                      <a:pPr algn="ctr"/>
+                      <a:r>
+                        <a:rPr lang="en-US" dirty="0"/>
+                        <a:t>NA</a:t>
+                      </a:r>
+                    </a:p>
+                  </a:txBody>
+                  <a:tcPr/>
+                </a:tc>
+                <a:extLst>
+                  <a:ext uri="{0D108BD9-81ED-4DB2-BD59-A6C34878D82A}">
+                    <a16:rowId xmlns:a16="http://schemas.microsoft.com/office/drawing/2014/main" val="4143674091"/>
+                  </a:ext>
+                </a:extLst>
+              </a:tr>
+              <a:tr h="370840">
+                <a:tc>
+                  <a:txBody>
+                    <a:bodyPr/>
+                    <a:lstStyle/>
+                    <a:p>
+                      <a:r>
+                        <a:rPr lang="en-US" dirty="0"/>
+                        <a:t>Chris</a:t>
+                      </a:r>
+                    </a:p>
+                  </a:txBody>
+                  <a:tcPr/>
+                </a:tc>
+                <a:tc>
+                  <a:txBody>
+                    <a:bodyPr/>
+                    <a:lstStyle/>
+                    <a:p>
+                      <a:pPr algn="l"/>
+                      <a:r>
+                        <a:rPr lang="en-US" dirty="0"/>
+                        <a:t>Mammalogy</a:t>
+                      </a:r>
+                    </a:p>
+                  </a:txBody>
+                  <a:tcPr/>
+                </a:tc>
+                <a:tc>
+                  <a:txBody>
+                    <a:bodyPr/>
+                    <a:lstStyle/>
+                    <a:p>
+                      <a:pPr algn="ctr"/>
+                      <a:r>
+                        <a:rPr lang="en-US" dirty="0"/>
+                        <a:t>NA</a:t>
+                      </a:r>
+                    </a:p>
+                  </a:txBody>
+                  <a:tcPr/>
+                </a:tc>
+                <a:extLst>
+                  <a:ext uri="{0D108BD9-81ED-4DB2-BD59-A6C34878D82A}">
+                    <a16:rowId xmlns:a16="http://schemas.microsoft.com/office/drawing/2014/main" val="1453277253"/>
+                  </a:ext>
+                </a:extLst>
+              </a:tr>
+              <a:tr h="370840">
+                <a:tc>
+                  <a:txBody>
+                    <a:bodyPr/>
+                    <a:lstStyle/>
+                    <a:p>
+                      <a:pPr marL="0" marR="0" lvl="0" indent="0" algn="l" defTabSz="914400" rtl="0" eaLnBrk="1" fontAlgn="auto" latinLnBrk="0" hangingPunct="1">
+                        <a:lnSpc>
+                          <a:spcPct val="100000"/>
+                        </a:lnSpc>
+                        <a:spcBef>
+                          <a:spcPts val="0"/>
+                        </a:spcBef>
+                        <a:spcAft>
+                          <a:spcPts val="0"/>
+                        </a:spcAft>
+                        <a:buClrTx/>
+                        <a:buSzTx/>
+                        <a:buFontTx/>
+                        <a:buNone/>
+                        <a:tabLst/>
+                        <a:defRPr/>
+                      </a:pPr>
+                      <a:r>
+                        <a:rPr kumimoji="0" lang="en-US" sz="1800" b="0" i="0" u="none" strike="noStrike" kern="1200" cap="none" spc="0" normalizeH="0" baseline="0" noProof="0">
+                          <a:ln>
+                            <a:noFill/>
+                          </a:ln>
+                          <a:solidFill>
+                            <a:prstClr val="black"/>
+                          </a:solidFill>
+                          <a:effectLst/>
+                          <a:uLnTx/>
+                          <a:uFillTx/>
+                          <a:latin typeface="Aptos" panose="02110004020202020204"/>
+                          <a:ea typeface="+mn-ea"/>
+                          <a:cs typeface="+mn-cs"/>
+                        </a:rPr>
+                        <a:t>Chris</a:t>
+                      </a:r>
+                      <a:endParaRPr kumimoji="0" lang="en-US" sz="1800" b="0" i="0" u="none" strike="noStrike" kern="1200" cap="none" spc="0" normalizeH="0" baseline="0" noProof="0" dirty="0">
+                        <a:ln>
+                          <a:noFill/>
+                        </a:ln>
+                        <a:solidFill>
+                          <a:prstClr val="black"/>
+                        </a:solidFill>
+                        <a:effectLst/>
+                        <a:uLnTx/>
+                        <a:uFillTx/>
+                        <a:latin typeface="Aptos" panose="02110004020202020204"/>
+                        <a:ea typeface="+mn-ea"/>
+                        <a:cs typeface="+mn-cs"/>
+                      </a:endParaRPr>
+                    </a:p>
+                  </a:txBody>
+                  <a:tcPr/>
+                </a:tc>
+                <a:tc>
+                  <a:txBody>
+                    <a:bodyPr/>
+                    <a:lstStyle/>
+                    <a:p>
+                      <a:pPr algn="l"/>
+                      <a:r>
+                        <a:rPr lang="en-US" dirty="0"/>
+                        <a:t>Ecology</a:t>
+                      </a:r>
+                    </a:p>
+                  </a:txBody>
+                  <a:tcPr/>
+                </a:tc>
+                <a:tc>
+                  <a:txBody>
+                    <a:bodyPr/>
+                    <a:lstStyle/>
+                    <a:p>
+                      <a:pPr algn="ctr"/>
+                      <a:r>
+                        <a:rPr lang="en-US" dirty="0"/>
+                        <a:t>4.00</a:t>
+                      </a:r>
+                    </a:p>
+                  </a:txBody>
+                  <a:tcPr/>
+                </a:tc>
+                <a:extLst>
+                  <a:ext uri="{0D108BD9-81ED-4DB2-BD59-A6C34878D82A}">
+                    <a16:rowId xmlns:a16="http://schemas.microsoft.com/office/drawing/2014/main" val="700216803"/>
+                  </a:ext>
+                </a:extLst>
+              </a:tr>
+              <a:tr h="370840">
+                <a:tc>
+                  <a:txBody>
+                    <a:bodyPr/>
+                    <a:lstStyle/>
+                    <a:p>
+                      <a:pPr marL="0" marR="0" lvl="0" indent="0" algn="l" defTabSz="914400" rtl="0" eaLnBrk="1" fontAlgn="auto" latinLnBrk="0" hangingPunct="1">
+                        <a:lnSpc>
+                          <a:spcPct val="100000"/>
+                        </a:lnSpc>
+                        <a:spcBef>
+                          <a:spcPts val="0"/>
+                        </a:spcBef>
+                        <a:spcAft>
+                          <a:spcPts val="0"/>
+                        </a:spcAft>
+                        <a:buClrTx/>
+                        <a:buSzTx/>
+                        <a:buFontTx/>
+                        <a:buNone/>
+                        <a:tabLst/>
+                        <a:defRPr/>
+                      </a:pPr>
+                      <a:r>
+                        <a:rPr kumimoji="0" lang="en-US" sz="1800" b="0" i="0" u="none" strike="noStrike" kern="1200" cap="none" spc="0" normalizeH="0" baseline="0" noProof="0" dirty="0">
+                          <a:ln>
+                            <a:noFill/>
+                          </a:ln>
+                          <a:solidFill>
+                            <a:prstClr val="black"/>
+                          </a:solidFill>
+                          <a:effectLst/>
+                          <a:uLnTx/>
+                          <a:uFillTx/>
+                          <a:latin typeface="Aptos" panose="02110004020202020204"/>
+                          <a:ea typeface="+mn-ea"/>
+                          <a:cs typeface="+mn-cs"/>
+                        </a:rPr>
+                        <a:t>Chris</a:t>
+                      </a:r>
+                    </a:p>
+                  </a:txBody>
+                  <a:tcPr/>
+                </a:tc>
+                <a:tc>
+                  <a:txBody>
+                    <a:bodyPr/>
+                    <a:lstStyle/>
+                    <a:p>
+                      <a:pPr algn="l"/>
+                      <a:r>
+                        <a:rPr lang="en-US" dirty="0"/>
+                        <a:t>English literature</a:t>
+                      </a:r>
+                    </a:p>
+                  </a:txBody>
+                  <a:tcPr/>
+                </a:tc>
+                <a:tc>
+                  <a:txBody>
+                    <a:bodyPr/>
+                    <a:lstStyle/>
+                    <a:p>
+                      <a:pPr algn="ctr"/>
+                      <a:r>
+                        <a:rPr lang="en-US" dirty="0"/>
+                        <a:t>1.50</a:t>
+                      </a:r>
+                    </a:p>
+                  </a:txBody>
+                  <a:tcPr/>
+                </a:tc>
+                <a:extLst>
+                  <a:ext uri="{0D108BD9-81ED-4DB2-BD59-A6C34878D82A}">
+                    <a16:rowId xmlns:a16="http://schemas.microsoft.com/office/drawing/2014/main" val="3624920042"/>
+                  </a:ext>
+                </a:extLst>
+              </a:tr>
+              <a:tr h="370840">
+                <a:tc>
+                  <a:txBody>
+                    <a:bodyPr/>
+                    <a:lstStyle/>
+                    <a:p>
+                      <a:r>
+                        <a:rPr lang="en-US" dirty="0"/>
+                        <a:t>Jane</a:t>
+                      </a:r>
+                    </a:p>
+                  </a:txBody>
+                  <a:tcPr/>
+                </a:tc>
+                <a:tc>
+                  <a:txBody>
+                    <a:bodyPr/>
+                    <a:lstStyle/>
+                    <a:p>
+                      <a:pPr algn="l"/>
+                      <a:r>
+                        <a:rPr lang="en-US" dirty="0"/>
+                        <a:t>Mammalogy</a:t>
+                      </a:r>
+                    </a:p>
+                  </a:txBody>
+                  <a:tcPr/>
+                </a:tc>
+                <a:tc>
+                  <a:txBody>
+                    <a:bodyPr/>
+                    <a:lstStyle/>
+                    <a:p>
+                      <a:pPr algn="ctr"/>
+                      <a:r>
+                        <a:rPr lang="en-US" dirty="0"/>
+                        <a:t>4.00</a:t>
+                      </a:r>
+                    </a:p>
+                  </a:txBody>
+                  <a:tcPr/>
+                </a:tc>
+                <a:extLst>
+                  <a:ext uri="{0D108BD9-81ED-4DB2-BD59-A6C34878D82A}">
+                    <a16:rowId xmlns:a16="http://schemas.microsoft.com/office/drawing/2014/main" val="4041365633"/>
+                  </a:ext>
+                </a:extLst>
+              </a:tr>
+              <a:tr h="370840">
+                <a:tc>
+                  <a:txBody>
+                    <a:bodyPr/>
+                    <a:lstStyle/>
+                    <a:p>
+                      <a:pPr marL="0" marR="0" lvl="0" indent="0" algn="l" defTabSz="914400" rtl="0" eaLnBrk="1" fontAlgn="auto" latinLnBrk="0" hangingPunct="1">
+                        <a:lnSpc>
+                          <a:spcPct val="100000"/>
+                        </a:lnSpc>
+                        <a:spcBef>
+                          <a:spcPts val="0"/>
+                        </a:spcBef>
+                        <a:spcAft>
+                          <a:spcPts val="0"/>
+                        </a:spcAft>
+                        <a:buClrTx/>
+                        <a:buSzTx/>
+                        <a:buFontTx/>
+                        <a:buNone/>
+                        <a:tabLst/>
+                        <a:defRPr/>
+                      </a:pPr>
+                      <a:r>
+                        <a:rPr kumimoji="0" lang="en-US" sz="1800" b="0" i="0" u="none" strike="noStrike" kern="1200" cap="none" spc="0" normalizeH="0" baseline="0" noProof="0">
+                          <a:ln>
+                            <a:noFill/>
+                          </a:ln>
+                          <a:solidFill>
+                            <a:prstClr val="black"/>
+                          </a:solidFill>
+                          <a:effectLst/>
+                          <a:uLnTx/>
+                          <a:uFillTx/>
+                          <a:latin typeface="Aptos" panose="02110004020202020204"/>
+                          <a:ea typeface="+mn-ea"/>
+                          <a:cs typeface="+mn-cs"/>
+                        </a:rPr>
+                        <a:t>Jane</a:t>
+                      </a:r>
+                      <a:endParaRPr kumimoji="0" lang="en-US" sz="1800" b="0" i="0" u="none" strike="noStrike" kern="1200" cap="none" spc="0" normalizeH="0" baseline="0" noProof="0" dirty="0">
+                        <a:ln>
+                          <a:noFill/>
+                        </a:ln>
+                        <a:solidFill>
+                          <a:prstClr val="black"/>
+                        </a:solidFill>
+                        <a:effectLst/>
+                        <a:uLnTx/>
+                        <a:uFillTx/>
+                        <a:latin typeface="Aptos" panose="02110004020202020204"/>
+                        <a:ea typeface="+mn-ea"/>
+                        <a:cs typeface="+mn-cs"/>
+                      </a:endParaRPr>
+                    </a:p>
+                  </a:txBody>
+                  <a:tcPr/>
+                </a:tc>
+                <a:tc>
+                  <a:txBody>
+                    <a:bodyPr/>
+                    <a:lstStyle/>
+                    <a:p>
+                      <a:pPr algn="l"/>
+                      <a:r>
+                        <a:rPr lang="en-US" dirty="0"/>
+                        <a:t>Ecology</a:t>
+                      </a:r>
+                    </a:p>
+                  </a:txBody>
+                  <a:tcPr/>
+                </a:tc>
+                <a:tc>
+                  <a:txBody>
+                    <a:bodyPr/>
+                    <a:lstStyle/>
+                    <a:p>
+                      <a:pPr algn="ctr"/>
+                      <a:r>
+                        <a:rPr lang="en-US" dirty="0"/>
+                        <a:t>3.75</a:t>
+                      </a:r>
+                    </a:p>
+                  </a:txBody>
+                  <a:tcPr/>
+                </a:tc>
+                <a:extLst>
+                  <a:ext uri="{0D108BD9-81ED-4DB2-BD59-A6C34878D82A}">
+                    <a16:rowId xmlns:a16="http://schemas.microsoft.com/office/drawing/2014/main" val="3083441192"/>
+                  </a:ext>
+                </a:extLst>
+              </a:tr>
+              <a:tr h="370840">
+                <a:tc>
+                  <a:txBody>
+                    <a:bodyPr/>
+                    <a:lstStyle/>
+                    <a:p>
+                      <a:pPr marL="0" marR="0" lvl="0" indent="0" algn="l" defTabSz="914400" rtl="0" eaLnBrk="1" fontAlgn="auto" latinLnBrk="0" hangingPunct="1">
+                        <a:lnSpc>
+                          <a:spcPct val="100000"/>
+                        </a:lnSpc>
+                        <a:spcBef>
+                          <a:spcPts val="0"/>
+                        </a:spcBef>
+                        <a:spcAft>
+                          <a:spcPts val="0"/>
+                        </a:spcAft>
+                        <a:buClrTx/>
+                        <a:buSzTx/>
+                        <a:buFontTx/>
+                        <a:buNone/>
+                        <a:tabLst/>
+                        <a:defRPr/>
+                      </a:pPr>
+                      <a:r>
+                        <a:rPr kumimoji="0" lang="en-US" sz="1800" b="0" i="0" u="none" strike="noStrike" kern="1200" cap="none" spc="0" normalizeH="0" baseline="0" noProof="0" dirty="0">
+                          <a:ln>
+                            <a:noFill/>
+                          </a:ln>
+                          <a:solidFill>
+                            <a:prstClr val="black"/>
+                          </a:solidFill>
+                          <a:effectLst/>
+                          <a:uLnTx/>
+                          <a:uFillTx/>
+                          <a:latin typeface="Aptos" panose="02110004020202020204"/>
+                          <a:ea typeface="+mn-ea"/>
+                          <a:cs typeface="+mn-cs"/>
+                        </a:rPr>
+                        <a:t>Jane</a:t>
+                      </a:r>
+                    </a:p>
+                  </a:txBody>
+                  <a:tcPr/>
+                </a:tc>
+                <a:tc>
+                  <a:txBody>
+                    <a:bodyPr/>
+                    <a:lstStyle/>
+                    <a:p>
+                      <a:pPr algn="l"/>
+                      <a:r>
+                        <a:rPr lang="en-US" dirty="0"/>
+                        <a:t>English literature</a:t>
+                      </a:r>
+                    </a:p>
+                  </a:txBody>
+                  <a:tcPr/>
+                </a:tc>
+                <a:tc>
+                  <a:txBody>
+                    <a:bodyPr/>
+                    <a:lstStyle/>
+                    <a:p>
+                      <a:pPr algn="ctr"/>
+                      <a:r>
+                        <a:rPr lang="en-US" dirty="0"/>
+                        <a:t>4.00</a:t>
+                      </a:r>
+                    </a:p>
+                  </a:txBody>
+                  <a:tcPr/>
+                </a:tc>
+                <a:extLst>
+                  <a:ext uri="{0D108BD9-81ED-4DB2-BD59-A6C34878D82A}">
+                    <a16:rowId xmlns:a16="http://schemas.microsoft.com/office/drawing/2014/main" val="3276641533"/>
+                  </a:ext>
+                </a:extLst>
+              </a:tr>
+            </a:tbl>
+          </a:graphicData>
+        </a:graphic>
+      </p:graphicFrame>
+      <p:sp>
+        <p:nvSpPr>
+          <p:cNvPr id="6" name="TextBox 5">
+            <a:extLst>
+              <a:ext uri="{FF2B5EF4-FFF2-40B4-BE49-F238E27FC236}">
+                <a16:creationId xmlns:a16="http://schemas.microsoft.com/office/drawing/2014/main" id="{464A123F-4608-1500-1B15-8CB1C4909685}"/>
+              </a:ext>
+            </a:extLst>
+          </p:cNvPr>
+          <p:cNvSpPr txBox="1"/>
+          <p:nvPr/>
+        </p:nvSpPr>
+        <p:spPr>
+          <a:xfrm>
+            <a:off x="0" y="6488668"/>
+            <a:ext cx="651140" cy="369332"/>
+          </a:xfrm>
+          <a:prstGeom prst="rect">
+            <a:avLst/>
+          </a:prstGeom>
+          <a:noFill/>
+        </p:spPr>
+        <p:txBody>
+          <a:bodyPr wrap="none" rtlCol="0">
+            <a:spAutoFit/>
+          </a:bodyPr>
+          <a:lstStyle/>
+          <a:p>
+            <a:r>
+              <a:rPr lang="en-US" dirty="0"/>
+              <a:t>Tidy!</a:t>
+            </a:r>
+          </a:p>
+        </p:txBody>
+      </p:sp>
+    </p:spTree>
+    <p:extLst>
+      <p:ext uri="{BB962C8B-B14F-4D97-AF65-F5344CB8AC3E}">
+        <p14:creationId xmlns:p14="http://schemas.microsoft.com/office/powerpoint/2010/main" val="104510890"/>
+      </p:ext>
+    </p:extLst>
+  </p:cSld>
+  <p:clrMapOvr>
+    <a:masterClrMapping/>
+  </p:clrMapOvr>
+</p:sld>
+</file>
+
+<file path=ppt/slides/slide32.xml><?xml version="1.0" encoding="utf-8"?>
+<p:sld xmlns:a="http://schemas.openxmlformats.org/drawingml/2006/main" xmlns:r="http://schemas.openxmlformats.org/officeDocument/2006/relationships" xmlns:p="http://schemas.openxmlformats.org/presentationml/2006/main">
+  <p:cSld>
+    <p:spTree>
+      <p:nvGrpSpPr>
+        <p:cNvPr id="1" name="">
+          <a:extLst>
+            <a:ext uri="{FF2B5EF4-FFF2-40B4-BE49-F238E27FC236}">
+              <a16:creationId xmlns:a16="http://schemas.microsoft.com/office/drawing/2014/main" id="{E0EE1839-EB67-DB9A-5CFE-D465E27A0988}"/>
+            </a:ext>
+          </a:extLst>
+        </p:cNvPr>
+        <p:cNvGrpSpPr/>
+        <p:nvPr/>
+      </p:nvGrpSpPr>
+      <p:grpSpPr>
+        <a:xfrm>
+          <a:off x="0" y="0"/>
+          <a:ext cx="0" cy="0"/>
+          <a:chOff x="0" y="0"/>
+          <a:chExt cx="0" cy="0"/>
+        </a:xfrm>
+      </p:grpSpPr>
+      <p:sp>
+        <p:nvSpPr>
+          <p:cNvPr id="2" name="Title 1">
+            <a:extLst>
+              <a:ext uri="{FF2B5EF4-FFF2-40B4-BE49-F238E27FC236}">
+                <a16:creationId xmlns:a16="http://schemas.microsoft.com/office/drawing/2014/main" id="{3C54BD5A-51FB-76C2-C136-31F5F74118A9}"/>
+              </a:ext>
+            </a:extLst>
+          </p:cNvPr>
+          <p:cNvSpPr>
+            <a:spLocks noGrp="1"/>
+          </p:cNvSpPr>
+          <p:nvPr>
+            <p:ph type="title"/>
+          </p:nvPr>
+        </p:nvSpPr>
+        <p:spPr/>
+        <p:txBody>
+          <a:bodyPr>
+            <a:normAutofit/>
+          </a:bodyPr>
+          <a:lstStyle/>
+          <a:p>
+            <a:pPr algn="ctr"/>
+            <a:r>
+              <a:rPr lang="en-US" sz="4000" dirty="0"/>
+              <a:t>Spreadsheet tips (before you even get to R…)</a:t>
+            </a:r>
+          </a:p>
+        </p:txBody>
+      </p:sp>
+      <p:sp>
+        <p:nvSpPr>
+          <p:cNvPr id="7" name="Text Placeholder 6">
+            <a:extLst>
+              <a:ext uri="{FF2B5EF4-FFF2-40B4-BE49-F238E27FC236}">
+                <a16:creationId xmlns:a16="http://schemas.microsoft.com/office/drawing/2014/main" id="{4216F9AD-8A15-1CD9-3A18-434EFD7E410D}"/>
+              </a:ext>
+            </a:extLst>
+          </p:cNvPr>
+          <p:cNvSpPr>
+            <a:spLocks noGrp="1"/>
+          </p:cNvSpPr>
+          <p:nvPr>
+            <p:ph type="body" idx="1"/>
+          </p:nvPr>
+        </p:nvSpPr>
+        <p:spPr/>
+        <p:txBody>
+          <a:bodyPr/>
+          <a:lstStyle/>
+          <a:p>
+            <a:r>
+              <a:rPr lang="en-US" dirty="0"/>
+              <a:t>Pros – advantages of spreadsheets</a:t>
+            </a:r>
+          </a:p>
+        </p:txBody>
+      </p:sp>
+      <p:sp>
+        <p:nvSpPr>
+          <p:cNvPr id="5" name="Content Placeholder 4">
+            <a:extLst>
+              <a:ext uri="{FF2B5EF4-FFF2-40B4-BE49-F238E27FC236}">
+                <a16:creationId xmlns:a16="http://schemas.microsoft.com/office/drawing/2014/main" id="{A04B9751-555F-15EB-5533-36A7498C0E85}"/>
+              </a:ext>
+            </a:extLst>
+          </p:cNvPr>
+          <p:cNvSpPr>
+            <a:spLocks noGrp="1"/>
+          </p:cNvSpPr>
+          <p:nvPr>
+            <p:ph sz="half" idx="2"/>
+          </p:nvPr>
+        </p:nvSpPr>
+        <p:spPr/>
+        <p:txBody>
+          <a:bodyPr/>
+          <a:lstStyle/>
+          <a:p>
+            <a:r>
+              <a:rPr lang="en-US" dirty="0"/>
+              <a:t>Data entry and organization</a:t>
+            </a:r>
+          </a:p>
+          <a:p>
+            <a:r>
+              <a:rPr lang="en-US" dirty="0"/>
+              <a:t>Data validation</a:t>
+            </a:r>
+          </a:p>
+          <a:p>
+            <a:pPr marL="0" indent="0">
+              <a:buNone/>
+            </a:pPr>
+            <a:endParaRPr lang="en-US" dirty="0"/>
+          </a:p>
+        </p:txBody>
+      </p:sp>
+      <p:sp>
+        <p:nvSpPr>
+          <p:cNvPr id="8" name="Text Placeholder 7">
+            <a:extLst>
+              <a:ext uri="{FF2B5EF4-FFF2-40B4-BE49-F238E27FC236}">
+                <a16:creationId xmlns:a16="http://schemas.microsoft.com/office/drawing/2014/main" id="{C10A0916-9354-5E44-629F-F9636CFA6867}"/>
+              </a:ext>
+            </a:extLst>
+          </p:cNvPr>
+          <p:cNvSpPr>
+            <a:spLocks noGrp="1"/>
+          </p:cNvSpPr>
+          <p:nvPr>
+            <p:ph type="body" sz="quarter" idx="3"/>
+          </p:nvPr>
+        </p:nvSpPr>
+        <p:spPr/>
+        <p:txBody>
+          <a:bodyPr/>
+          <a:lstStyle/>
+          <a:p>
+            <a:r>
+              <a:rPr lang="en-US" dirty="0"/>
+              <a:t>Cons – move away from Excel</a:t>
+            </a:r>
+          </a:p>
+        </p:txBody>
+      </p:sp>
+      <p:sp>
+        <p:nvSpPr>
+          <p:cNvPr id="9" name="Content Placeholder 8">
+            <a:extLst>
+              <a:ext uri="{FF2B5EF4-FFF2-40B4-BE49-F238E27FC236}">
+                <a16:creationId xmlns:a16="http://schemas.microsoft.com/office/drawing/2014/main" id="{2721033E-FECE-5832-0A46-4E26952630AB}"/>
+              </a:ext>
+            </a:extLst>
+          </p:cNvPr>
+          <p:cNvSpPr>
+            <a:spLocks noGrp="1"/>
+          </p:cNvSpPr>
+          <p:nvPr>
+            <p:ph sz="quarter" idx="4"/>
+          </p:nvPr>
+        </p:nvSpPr>
+        <p:spPr/>
+        <p:txBody>
+          <a:bodyPr/>
+          <a:lstStyle/>
+          <a:p>
+            <a:r>
+              <a:rPr lang="en-US" dirty="0"/>
+              <a:t>Not for data analysis</a:t>
+            </a:r>
+          </a:p>
+          <a:p>
+            <a:r>
+              <a:rPr lang="en-US" dirty="0"/>
+              <a:t>Not very reproducible</a:t>
+            </a:r>
+          </a:p>
+          <a:p>
+            <a:pPr lvl="1"/>
+            <a:r>
+              <a:rPr lang="en-US" dirty="0"/>
+              <a:t>Changes to spreadsheets are not tracked – no record of what you’ve done</a:t>
+            </a:r>
+          </a:p>
+        </p:txBody>
+      </p:sp>
+    </p:spTree>
+    <p:extLst>
+      <p:ext uri="{BB962C8B-B14F-4D97-AF65-F5344CB8AC3E}">
+        <p14:creationId xmlns:p14="http://schemas.microsoft.com/office/powerpoint/2010/main" val="3496082981"/>
+      </p:ext>
+    </p:extLst>
+  </p:cSld>
+  <p:clrMapOvr>
+    <a:masterClrMapping/>
+  </p:clrMapOvr>
+</p:sld>
+</file>
+
+<file path=ppt/slides/slide33.xml><?xml version="1.0" encoding="utf-8"?>
+<p:sld xmlns:a="http://schemas.openxmlformats.org/drawingml/2006/main" xmlns:r="http://schemas.openxmlformats.org/officeDocument/2006/relationships" xmlns:p="http://schemas.openxmlformats.org/presentationml/2006/main">
+  <p:cSld>
+    <p:spTree>
+      <p:nvGrpSpPr>
+        <p:cNvPr id="1" name="">
+          <a:extLst>
+            <a:ext uri="{FF2B5EF4-FFF2-40B4-BE49-F238E27FC236}">
+              <a16:creationId xmlns:a16="http://schemas.microsoft.com/office/drawing/2014/main" id="{F1D849BB-0DA9-0A1E-C360-F563FDCFAE6A}"/>
+            </a:ext>
+          </a:extLst>
+        </p:cNvPr>
+        <p:cNvGrpSpPr/>
+        <p:nvPr/>
+      </p:nvGrpSpPr>
+      <p:grpSpPr>
+        <a:xfrm>
+          <a:off x="0" y="0"/>
+          <a:ext cx="0" cy="0"/>
+          <a:chOff x="0" y="0"/>
+          <a:chExt cx="0" cy="0"/>
+        </a:xfrm>
+      </p:grpSpPr>
+      <p:sp>
+        <p:nvSpPr>
+          <p:cNvPr id="2" name="Title 1">
+            <a:extLst>
+              <a:ext uri="{FF2B5EF4-FFF2-40B4-BE49-F238E27FC236}">
+                <a16:creationId xmlns:a16="http://schemas.microsoft.com/office/drawing/2014/main" id="{7739EF41-F797-BFAA-EFE0-C03B001E13F5}"/>
+              </a:ext>
+            </a:extLst>
+          </p:cNvPr>
+          <p:cNvSpPr>
+            <a:spLocks noGrp="1"/>
+          </p:cNvSpPr>
+          <p:nvPr>
+            <p:ph type="title"/>
+          </p:nvPr>
+        </p:nvSpPr>
+        <p:spPr>
+          <a:xfrm>
+            <a:off x="838200" y="365125"/>
+            <a:ext cx="10515600" cy="719963"/>
+          </a:xfrm>
+        </p:spPr>
+        <p:txBody>
+          <a:bodyPr>
+            <a:normAutofit/>
+          </a:bodyPr>
+          <a:lstStyle/>
+          <a:p>
+            <a:pPr algn="ctr"/>
+            <a:r>
+              <a:rPr lang="en-US" sz="4000" dirty="0"/>
+              <a:t>Spreadsheet tips (before you even get to R…)</a:t>
+            </a:r>
+          </a:p>
+        </p:txBody>
+      </p:sp>
+      <p:sp>
+        <p:nvSpPr>
+          <p:cNvPr id="5" name="Content Placeholder 4">
+            <a:extLst>
+              <a:ext uri="{FF2B5EF4-FFF2-40B4-BE49-F238E27FC236}">
+                <a16:creationId xmlns:a16="http://schemas.microsoft.com/office/drawing/2014/main" id="{5FA45770-D9BF-BC01-F9BC-5B5F6B6CA51F}"/>
+              </a:ext>
+            </a:extLst>
+          </p:cNvPr>
+          <p:cNvSpPr>
+            <a:spLocks noGrp="1"/>
+          </p:cNvSpPr>
+          <p:nvPr>
+            <p:ph idx="1"/>
+          </p:nvPr>
+        </p:nvSpPr>
+        <p:spPr>
+          <a:xfrm>
+            <a:off x="838200" y="1316737"/>
+            <a:ext cx="10515600" cy="3828288"/>
+          </a:xfrm>
+        </p:spPr>
+        <p:txBody>
+          <a:bodyPr/>
+          <a:lstStyle/>
+          <a:p>
+            <a:r>
+              <a:rPr lang="en-US" dirty="0"/>
+              <a:t>One datum per cell</a:t>
+            </a:r>
+          </a:p>
+          <a:p>
+            <a:r>
+              <a:rPr lang="en-US" dirty="0"/>
+              <a:t>Leave null values blank</a:t>
+            </a:r>
+          </a:p>
+          <a:p>
+            <a:r>
+              <a:rPr lang="en-US" dirty="0"/>
+              <a:t>Fill in actual zeros with 0</a:t>
+            </a:r>
+          </a:p>
+          <a:p>
+            <a:r>
+              <a:rPr lang="en-US" dirty="0"/>
+              <a:t>Use _ rather than space in column names</a:t>
+            </a:r>
+          </a:p>
+          <a:p>
+            <a:r>
+              <a:rPr lang="en-US" dirty="0"/>
+              <a:t>No special characters in column names</a:t>
+            </a:r>
+          </a:p>
+          <a:p>
+            <a:r>
+              <a:rPr lang="en-US" dirty="0"/>
+              <a:t>Avoid formatting</a:t>
+            </a:r>
+          </a:p>
+          <a:p>
+            <a:r>
+              <a:rPr lang="en-US" dirty="0"/>
+              <a:t>All data on one spreadsheet tab</a:t>
+            </a:r>
+          </a:p>
+          <a:p>
+            <a:pPr marL="0" indent="0">
+              <a:buNone/>
+            </a:pPr>
+            <a:endParaRPr lang="en-US" dirty="0"/>
+          </a:p>
+        </p:txBody>
+      </p:sp>
+      <p:sp>
+        <p:nvSpPr>
+          <p:cNvPr id="3" name="TextBox 2">
+            <a:extLst>
+              <a:ext uri="{FF2B5EF4-FFF2-40B4-BE49-F238E27FC236}">
+                <a16:creationId xmlns:a16="http://schemas.microsoft.com/office/drawing/2014/main" id="{6657E94D-5017-7949-3117-EC422F206A84}"/>
+              </a:ext>
+            </a:extLst>
+          </p:cNvPr>
+          <p:cNvSpPr txBox="1"/>
+          <p:nvPr/>
+        </p:nvSpPr>
+        <p:spPr>
+          <a:xfrm>
+            <a:off x="2057169" y="5145025"/>
+            <a:ext cx="8077661" cy="369332"/>
+          </a:xfrm>
+          <a:prstGeom prst="rect">
+            <a:avLst/>
+          </a:prstGeom>
+        </p:spPr>
+        <p:style>
+          <a:lnRef idx="2">
+            <a:schemeClr val="accent1">
+              <a:shade val="15000"/>
+            </a:schemeClr>
+          </a:lnRef>
+          <a:fillRef idx="1">
+            <a:schemeClr val="accent1"/>
+          </a:fillRef>
+          <a:effectRef idx="0">
+            <a:schemeClr val="accent1"/>
+          </a:effectRef>
+          <a:fontRef idx="minor">
+            <a:schemeClr val="lt1"/>
+          </a:fontRef>
+        </p:style>
+        <p:txBody>
+          <a:bodyPr wrap="none" rtlCol="0">
+            <a:spAutoFit/>
+          </a:bodyPr>
+          <a:lstStyle/>
+          <a:p>
+            <a:pPr algn="ctr"/>
+            <a:r>
+              <a:rPr lang="en-US" dirty="0"/>
+              <a:t>Check out </a:t>
+            </a:r>
+            <a:r>
+              <a:rPr lang="en-US" dirty="0">
+                <a:solidFill>
+                  <a:schemeClr val="bg1"/>
+                </a:solidFill>
+                <a:hlinkClick r:id="rId2">
+                  <a:extLst>
+                    <a:ext uri="{A12FA001-AC4F-418D-AE19-62706E023703}">
+                      <ahyp:hlinkClr xmlns:ahyp="http://schemas.microsoft.com/office/drawing/2018/hyperlinkcolor" val="tx"/>
+                    </a:ext>
+                  </a:extLst>
+                </a:hlinkClick>
+              </a:rPr>
+              <a:t>https://datacarpentry.org/lessons/#ecology</a:t>
+            </a:r>
+            <a:r>
+              <a:rPr lang="en-US" dirty="0">
+                <a:solidFill>
+                  <a:schemeClr val="bg1"/>
+                </a:solidFill>
+              </a:rPr>
+              <a:t> </a:t>
+            </a:r>
+            <a:r>
+              <a:rPr lang="en-US" dirty="0"/>
+              <a:t>for some great resources!</a:t>
+            </a:r>
+          </a:p>
+        </p:txBody>
+      </p:sp>
+      <p:sp>
+        <p:nvSpPr>
+          <p:cNvPr id="4" name="TextBox 3">
+            <a:extLst>
+              <a:ext uri="{FF2B5EF4-FFF2-40B4-BE49-F238E27FC236}">
+                <a16:creationId xmlns:a16="http://schemas.microsoft.com/office/drawing/2014/main" id="{F77A626E-15CF-0EBD-3582-94E95A0FA947}"/>
+              </a:ext>
+            </a:extLst>
+          </p:cNvPr>
+          <p:cNvSpPr txBox="1"/>
+          <p:nvPr/>
+        </p:nvSpPr>
+        <p:spPr>
+          <a:xfrm>
+            <a:off x="4981336" y="5894833"/>
+            <a:ext cx="2229329" cy="646331"/>
+          </a:xfrm>
+          <a:prstGeom prst="rect">
+            <a:avLst/>
+          </a:prstGeom>
+        </p:spPr>
+        <p:style>
+          <a:lnRef idx="2">
+            <a:schemeClr val="accent1">
+              <a:shade val="15000"/>
+            </a:schemeClr>
+          </a:lnRef>
+          <a:fillRef idx="1">
+            <a:schemeClr val="accent1"/>
+          </a:fillRef>
+          <a:effectRef idx="0">
+            <a:schemeClr val="accent1"/>
+          </a:effectRef>
+          <a:fontRef idx="minor">
+            <a:schemeClr val="lt1"/>
+          </a:fontRef>
+        </p:style>
+        <p:txBody>
+          <a:bodyPr wrap="none" rtlCol="0">
+            <a:spAutoFit/>
+          </a:bodyPr>
+          <a:lstStyle/>
+          <a:p>
+            <a:pPr algn="ctr"/>
+            <a:r>
+              <a:rPr lang="en-US" sz="3600" dirty="0"/>
+              <a:t>Let’s try it!</a:t>
+            </a:r>
+          </a:p>
+        </p:txBody>
+      </p:sp>
+    </p:spTree>
+    <p:extLst>
+      <p:ext uri="{BB962C8B-B14F-4D97-AF65-F5344CB8AC3E}">
+        <p14:creationId xmlns:p14="http://schemas.microsoft.com/office/powerpoint/2010/main" val="1643763269"/>
       </p:ext>
     </p:extLst>
   </p:cSld>

--- a/docs/Reproducible research in R.pptx
+++ b/docs/Reproducible research in R.pptx
@@ -12238,7 +12238,7 @@
           <a:p>
             <a:r>
               <a:rPr lang="en-US" sz="2400" dirty="0"/>
-              <a:t>Read in _____ data in tidy format</a:t>
+              <a:t>Read in _____ data </a:t>
             </a:r>
           </a:p>
           <a:p>

--- a/docs/Reproducible research in R.pptx
+++ b/docs/Reproducible research in R.pptx
@@ -5,7 +5,7 @@
     <p:sldMasterId id="2147483648" r:id="rId1"/>
   </p:sldMasterIdLst>
   <p:notesMasterIdLst>
-    <p:notesMasterId r:id="rId35"/>
+    <p:notesMasterId r:id="rId34"/>
   </p:notesMasterIdLst>
   <p:sldIdLst>
     <p:sldId id="256" r:id="rId2"/>
@@ -26,21 +26,20 @@
     <p:sldId id="273" r:id="rId17"/>
     <p:sldId id="279" r:id="rId18"/>
     <p:sldId id="280" r:id="rId19"/>
-    <p:sldId id="281" r:id="rId20"/>
-    <p:sldId id="282" r:id="rId21"/>
-    <p:sldId id="259" r:id="rId22"/>
-    <p:sldId id="276" r:id="rId23"/>
-    <p:sldId id="277" r:id="rId24"/>
-    <p:sldId id="278" r:id="rId25"/>
-    <p:sldId id="283" r:id="rId26"/>
-    <p:sldId id="274" r:id="rId27"/>
-    <p:sldId id="285" r:id="rId28"/>
-    <p:sldId id="284" r:id="rId29"/>
-    <p:sldId id="286" r:id="rId30"/>
-    <p:sldId id="288" r:id="rId31"/>
-    <p:sldId id="287" r:id="rId32"/>
-    <p:sldId id="289" r:id="rId33"/>
-    <p:sldId id="290" r:id="rId34"/>
+    <p:sldId id="282" r:id="rId20"/>
+    <p:sldId id="259" r:id="rId21"/>
+    <p:sldId id="276" r:id="rId22"/>
+    <p:sldId id="277" r:id="rId23"/>
+    <p:sldId id="278" r:id="rId24"/>
+    <p:sldId id="283" r:id="rId25"/>
+    <p:sldId id="274" r:id="rId26"/>
+    <p:sldId id="285" r:id="rId27"/>
+    <p:sldId id="284" r:id="rId28"/>
+    <p:sldId id="286" r:id="rId29"/>
+    <p:sldId id="288" r:id="rId30"/>
+    <p:sldId id="287" r:id="rId31"/>
+    <p:sldId id="289" r:id="rId32"/>
+    <p:sldId id="290" r:id="rId33"/>
   </p:sldIdLst>
   <p:sldSz cx="12192000" cy="6858000"/>
   <p:notesSz cx="6858000" cy="9144000"/>
@@ -12130,7 +12129,7 @@
             <a:pPr lvl="1"/>
             <a:r>
               <a:rPr lang="en-US" dirty="0"/>
-              <a:t>A code chunk that won’t be run when knit that installs packages (</a:t>
+              <a:t>A code chunk that won’t be run when knit that installs the </a:t>
             </a:r>
             <a:r>
               <a:rPr lang="en-US" dirty="0" err="1"/>
@@ -12138,7 +12137,15 @@
             </a:r>
             <a:r>
               <a:rPr lang="en-US" dirty="0"/>
-              <a:t>, )</a:t>
+              <a:t> package ( </a:t>
+            </a:r>
+            <a:r>
+              <a:rPr lang="en-US" i="1" dirty="0"/>
+              <a:t>you can install other packages if you wish</a:t>
+            </a:r>
+            <a:r>
+              <a:rPr lang="en-US" dirty="0"/>
+              <a:t>)</a:t>
             </a:r>
           </a:p>
           <a:p>
@@ -12238,7 +12245,19 @@
           <a:p>
             <a:r>
               <a:rPr lang="en-US" sz="2400" dirty="0"/>
-              <a:t>Read in _____ data </a:t>
+              <a:t>Read in the </a:t>
+            </a:r>
+            <a:r>
+              <a:rPr lang="en-US" sz="2400" i="1" dirty="0" err="1"/>
+              <a:t>trapping_data.csv</a:t>
+            </a:r>
+            <a:r>
+              <a:rPr lang="en-US" sz="2400" i="1" dirty="0"/>
+              <a:t> </a:t>
+            </a:r>
+            <a:r>
+              <a:rPr lang="en-US" sz="2400" dirty="0"/>
+              <a:t>data file</a:t>
             </a:r>
           </a:p>
           <a:p>
@@ -12309,60 +12328,40 @@
           <a:chExt cx="0" cy="0"/>
         </a:xfrm>
       </p:grpSpPr>
-      <p:sp>
-        <p:nvSpPr>
-          <p:cNvPr id="2" name="Title 1">
+      <p:pic>
+        <p:nvPicPr>
+          <p:cNvPr id="3" name="Picture 2" descr="A cat lying on its back on the sand&#10;&#10;AI-generated content may be incorrect.">
             <a:extLst>
               <a:ext uri="{FF2B5EF4-FFF2-40B4-BE49-F238E27FC236}">
-                <a16:creationId xmlns:a16="http://schemas.microsoft.com/office/drawing/2014/main" id="{2BAEB4D5-B097-3091-B722-4D59949F7437}"/>
+                <a16:creationId xmlns:a16="http://schemas.microsoft.com/office/drawing/2014/main" id="{43FDC808-53AE-8068-2FBD-2832D9297721}"/>
               </a:ext>
             </a:extLst>
           </p:cNvPr>
-          <p:cNvSpPr>
-            <a:spLocks noGrp="1"/>
-          </p:cNvSpPr>
-          <p:nvPr>
-            <p:ph type="title"/>
-          </p:nvPr>
-        </p:nvSpPr>
-        <p:spPr/>
-        <p:txBody>
-          <a:bodyPr/>
-          <a:lstStyle/>
-          <a:p>
-            <a:endParaRPr lang="en-US"/>
-          </a:p>
-        </p:txBody>
-      </p:sp>
-      <p:sp>
-        <p:nvSpPr>
-          <p:cNvPr id="3" name="Content Placeholder 2">
-            <a:extLst>
-              <a:ext uri="{FF2B5EF4-FFF2-40B4-BE49-F238E27FC236}">
-                <a16:creationId xmlns:a16="http://schemas.microsoft.com/office/drawing/2014/main" id="{D8FF07BC-90D8-F843-5D18-108EE883E456}"/>
-              </a:ext>
-            </a:extLst>
-          </p:cNvPr>
-          <p:cNvSpPr>
-            <a:spLocks noGrp="1"/>
-          </p:cNvSpPr>
-          <p:nvPr>
-            <p:ph idx="1"/>
-          </p:nvPr>
-        </p:nvSpPr>
-        <p:spPr/>
-        <p:txBody>
-          <a:bodyPr/>
-          <a:lstStyle/>
-          <a:p>
-            <a:endParaRPr lang="en-US"/>
-          </a:p>
-        </p:txBody>
-      </p:sp>
+          <p:cNvPicPr>
+            <a:picLocks noChangeAspect="1"/>
+          </p:cNvPicPr>
+          <p:nvPr/>
+        </p:nvPicPr>
+        <p:blipFill>
+          <a:blip r:embed="rId2"/>
+          <a:stretch>
+            <a:fillRect/>
+          </a:stretch>
+        </p:blipFill>
+        <p:spPr>
+          <a:xfrm>
+            <a:off x="1551030" y="784654"/>
+            <a:ext cx="9089940" cy="5288692"/>
+          </a:xfrm>
+          <a:prstGeom prst="rect">
+            <a:avLst/>
+          </a:prstGeom>
+        </p:spPr>
+      </p:pic>
     </p:spTree>
     <p:extLst>
       <p:ext uri="{BB962C8B-B14F-4D97-AF65-F5344CB8AC3E}">
-        <p14:creationId xmlns:p14="http://schemas.microsoft.com/office/powerpoint/2010/main" val="2482741089"/>
+        <p14:creationId xmlns:p14="http://schemas.microsoft.com/office/powerpoint/2010/main" val="824936908"/>
       </p:ext>
     </p:extLst>
   </p:cSld>
@@ -12629,66 +12628,6 @@
           <a:chExt cx="0" cy="0"/>
         </a:xfrm>
       </p:grpSpPr>
-      <p:pic>
-        <p:nvPicPr>
-          <p:cNvPr id="3" name="Picture 2" descr="A cat lying on its back on the sand&#10;&#10;AI-generated content may be incorrect.">
-            <a:extLst>
-              <a:ext uri="{FF2B5EF4-FFF2-40B4-BE49-F238E27FC236}">
-                <a16:creationId xmlns:a16="http://schemas.microsoft.com/office/drawing/2014/main" id="{43FDC808-53AE-8068-2FBD-2832D9297721}"/>
-              </a:ext>
-            </a:extLst>
-          </p:cNvPr>
-          <p:cNvPicPr>
-            <a:picLocks noChangeAspect="1"/>
-          </p:cNvPicPr>
-          <p:nvPr/>
-        </p:nvPicPr>
-        <p:blipFill>
-          <a:blip r:embed="rId2"/>
-          <a:stretch>
-            <a:fillRect/>
-          </a:stretch>
-        </p:blipFill>
-        <p:spPr>
-          <a:xfrm>
-            <a:off x="1551030" y="784654"/>
-            <a:ext cx="9089940" cy="5288692"/>
-          </a:xfrm>
-          <a:prstGeom prst="rect">
-            <a:avLst/>
-          </a:prstGeom>
-        </p:spPr>
-      </p:pic>
-    </p:spTree>
-    <p:extLst>
-      <p:ext uri="{BB962C8B-B14F-4D97-AF65-F5344CB8AC3E}">
-        <p14:creationId xmlns:p14="http://schemas.microsoft.com/office/powerpoint/2010/main" val="824936908"/>
-      </p:ext>
-    </p:extLst>
-  </p:cSld>
-  <p:clrMapOvr>
-    <a:masterClrMapping/>
-  </p:clrMapOvr>
-</p:sld>
-</file>
-
-<file path=ppt/slides/slide21.xml><?xml version="1.0" encoding="utf-8"?>
-<p:sld xmlns:a="http://schemas.openxmlformats.org/drawingml/2006/main" xmlns:r="http://schemas.openxmlformats.org/officeDocument/2006/relationships" xmlns:p="http://schemas.openxmlformats.org/presentationml/2006/main">
-  <p:cSld>
-    <p:spTree>
-      <p:nvGrpSpPr>
-        <p:cNvPr id="1" name=""/>
-        <p:cNvGrpSpPr/>
-        <p:nvPr/>
-      </p:nvGrpSpPr>
-      <p:grpSpPr>
-        <a:xfrm>
-          <a:off x="0" y="0"/>
-          <a:ext cx="0" cy="0"/>
-          <a:chOff x="0" y="0"/>
-          <a:chExt cx="0" cy="0"/>
-        </a:xfrm>
-      </p:grpSpPr>
       <p:sp>
         <p:nvSpPr>
           <p:cNvPr id="2" name="Title 1">
@@ -12792,7 +12731,7 @@
 </p:sld>
 </file>
 
-<file path=ppt/slides/slide22.xml><?xml version="1.0" encoding="utf-8"?>
+<file path=ppt/slides/slide21.xml><?xml version="1.0" encoding="utf-8"?>
 <p:sld xmlns:a="http://schemas.openxmlformats.org/drawingml/2006/main" xmlns:r="http://schemas.openxmlformats.org/officeDocument/2006/relationships" xmlns:p="http://schemas.openxmlformats.org/presentationml/2006/main">
   <p:cSld>
     <p:spTree>
@@ -13965,7 +13904,7 @@
 </p:sld>
 </file>
 
-<file path=ppt/slides/slide23.xml><?xml version="1.0" encoding="utf-8"?>
+<file path=ppt/slides/slide22.xml><?xml version="1.0" encoding="utf-8"?>
 <p:sld xmlns:a="http://schemas.openxmlformats.org/drawingml/2006/main" xmlns:r="http://schemas.openxmlformats.org/officeDocument/2006/relationships" xmlns:p="http://schemas.openxmlformats.org/presentationml/2006/main">
   <p:cSld>
     <p:spTree>
@@ -15039,7 +14978,7 @@
 </p:sld>
 </file>
 
-<file path=ppt/slides/slide24.xml><?xml version="1.0" encoding="utf-8"?>
+<file path=ppt/slides/slide23.xml><?xml version="1.0" encoding="utf-8"?>
 <p:sld xmlns:a="http://schemas.openxmlformats.org/drawingml/2006/main" xmlns:r="http://schemas.openxmlformats.org/officeDocument/2006/relationships" xmlns:p="http://schemas.openxmlformats.org/presentationml/2006/main">
   <p:cSld>
     <p:spTree>
@@ -16259,7 +16198,7 @@
 </p:sld>
 </file>
 
-<file path=ppt/slides/slide25.xml><?xml version="1.0" encoding="utf-8"?>
+<file path=ppt/slides/slide24.xml><?xml version="1.0" encoding="utf-8"?>
 <p:sld xmlns:a="http://schemas.openxmlformats.org/drawingml/2006/main" xmlns:r="http://schemas.openxmlformats.org/officeDocument/2006/relationships" xmlns:p="http://schemas.openxmlformats.org/presentationml/2006/main">
   <p:cSld>
     <p:spTree>
@@ -17657,7 +17596,7 @@
 </p:sld>
 </file>
 
-<file path=ppt/slides/slide26.xml><?xml version="1.0" encoding="utf-8"?>
+<file path=ppt/slides/slide25.xml><?xml version="1.0" encoding="utf-8"?>
 <p:sld xmlns:a="http://schemas.openxmlformats.org/drawingml/2006/main" xmlns:r="http://schemas.openxmlformats.org/officeDocument/2006/relationships" xmlns:p="http://schemas.openxmlformats.org/presentationml/2006/main">
   <p:cSld>
     <p:spTree>
@@ -17774,7 +17713,7 @@
 </p:sld>
 </file>
 
-<file path=ppt/slides/slide27.xml><?xml version="1.0" encoding="utf-8"?>
+<file path=ppt/slides/slide26.xml><?xml version="1.0" encoding="utf-8"?>
 <p:sld xmlns:a="http://schemas.openxmlformats.org/drawingml/2006/main" xmlns:r="http://schemas.openxmlformats.org/officeDocument/2006/relationships" xmlns:p="http://schemas.openxmlformats.org/presentationml/2006/main">
   <p:cSld>
     <p:spTree>
@@ -18005,7 +17944,7 @@
 </p:sld>
 </file>
 
-<file path=ppt/slides/slide28.xml><?xml version="1.0" encoding="utf-8"?>
+<file path=ppt/slides/slide27.xml><?xml version="1.0" encoding="utf-8"?>
 <p:sld xmlns:a="http://schemas.openxmlformats.org/drawingml/2006/main" xmlns:r="http://schemas.openxmlformats.org/officeDocument/2006/relationships" xmlns:p="http://schemas.openxmlformats.org/presentationml/2006/main">
   <p:cSld>
     <p:spTree>
@@ -18159,7 +18098,7 @@
 </p:sld>
 </file>
 
-<file path=ppt/slides/slide29.xml><?xml version="1.0" encoding="utf-8"?>
+<file path=ppt/slides/slide28.xml><?xml version="1.0" encoding="utf-8"?>
 <p:sld xmlns:a="http://schemas.openxmlformats.org/drawingml/2006/main" xmlns:r="http://schemas.openxmlformats.org/officeDocument/2006/relationships" xmlns:p="http://schemas.openxmlformats.org/presentationml/2006/main">
   <p:cSld>
     <p:spTree>
@@ -18488,169 +18427,7 @@
 </p:sld>
 </file>
 
-<file path=ppt/slides/slide3.xml><?xml version="1.0" encoding="utf-8"?>
-<p:sld xmlns:a="http://schemas.openxmlformats.org/drawingml/2006/main" xmlns:r="http://schemas.openxmlformats.org/officeDocument/2006/relationships" xmlns:p="http://schemas.openxmlformats.org/presentationml/2006/main">
-  <p:cSld>
-    <p:spTree>
-      <p:nvGrpSpPr>
-        <p:cNvPr id="1" name=""/>
-        <p:cNvGrpSpPr/>
-        <p:nvPr/>
-      </p:nvGrpSpPr>
-      <p:grpSpPr>
-        <a:xfrm>
-          <a:off x="0" y="0"/>
-          <a:ext cx="0" cy="0"/>
-          <a:chOff x="0" y="0"/>
-          <a:chExt cx="0" cy="0"/>
-        </a:xfrm>
-      </p:grpSpPr>
-      <p:sp>
-        <p:nvSpPr>
-          <p:cNvPr id="2" name="Title 1">
-            <a:extLst>
-              <a:ext uri="{FF2B5EF4-FFF2-40B4-BE49-F238E27FC236}">
-                <a16:creationId xmlns:a16="http://schemas.microsoft.com/office/drawing/2014/main" id="{3F79B21A-F1F7-1CA5-C645-5D2A5E3FA2D8}"/>
-              </a:ext>
-            </a:extLst>
-          </p:cNvPr>
-          <p:cNvSpPr>
-            <a:spLocks noGrp="1"/>
-          </p:cNvSpPr>
-          <p:nvPr>
-            <p:ph type="title"/>
-          </p:nvPr>
-        </p:nvSpPr>
-        <p:spPr/>
-        <p:txBody>
-          <a:bodyPr/>
-          <a:lstStyle/>
-          <a:p>
-            <a:pPr algn="ctr"/>
-            <a:r>
-              <a:rPr lang="en-US" dirty="0"/>
-              <a:t>Free Intro to R Workshop</a:t>
-            </a:r>
-          </a:p>
-        </p:txBody>
-      </p:sp>
-      <p:pic>
-        <p:nvPicPr>
-          <p:cNvPr id="5" name="Content Placeholder 4" descr="A screenshot of a computer&#10;&#10;AI-generated content may be incorrect.">
-            <a:extLst>
-              <a:ext uri="{FF2B5EF4-FFF2-40B4-BE49-F238E27FC236}">
-                <a16:creationId xmlns:a16="http://schemas.microsoft.com/office/drawing/2014/main" id="{827F1506-1EE9-8B88-F560-BBFFBA4DA69F}"/>
-              </a:ext>
-            </a:extLst>
-          </p:cNvPr>
-          <p:cNvPicPr>
-            <a:picLocks noGrp="1" noChangeAspect="1"/>
-          </p:cNvPicPr>
-          <p:nvPr>
-            <p:ph idx="1"/>
-          </p:nvPr>
-        </p:nvPicPr>
-        <p:blipFill>
-          <a:blip r:embed="rId2"/>
-          <a:stretch>
-            <a:fillRect/>
-          </a:stretch>
-        </p:blipFill>
-        <p:spPr>
-          <a:xfrm>
-            <a:off x="1441194" y="1825625"/>
-            <a:ext cx="9309611" cy="4351338"/>
-          </a:xfrm>
-        </p:spPr>
-      </p:pic>
-      <p:sp>
-        <p:nvSpPr>
-          <p:cNvPr id="6" name="TextBox 5">
-            <a:extLst>
-              <a:ext uri="{FF2B5EF4-FFF2-40B4-BE49-F238E27FC236}">
-                <a16:creationId xmlns:a16="http://schemas.microsoft.com/office/drawing/2014/main" id="{57967576-7FCE-D75D-7AE6-456EAB67DB97}"/>
-              </a:ext>
-            </a:extLst>
-          </p:cNvPr>
-          <p:cNvSpPr txBox="1"/>
-          <p:nvPr/>
-        </p:nvSpPr>
-        <p:spPr>
-          <a:xfrm>
-            <a:off x="115707" y="6311900"/>
-            <a:ext cx="3099816" cy="369332"/>
-          </a:xfrm>
-          <a:prstGeom prst="rect">
-            <a:avLst/>
-          </a:prstGeom>
-          <a:noFill/>
-        </p:spPr>
-        <p:txBody>
-          <a:bodyPr wrap="square" rtlCol="0">
-            <a:spAutoFit/>
-          </a:bodyPr>
-          <a:lstStyle/>
-          <a:p>
-            <a:r>
-              <a:rPr lang="en-US" dirty="0">
-                <a:hlinkClick r:id="rId3"/>
-              </a:rPr>
-              <a:t>R Crash Course GitHub Link</a:t>
-            </a:r>
-            <a:endParaRPr lang="en-US" dirty="0"/>
-          </a:p>
-        </p:txBody>
-      </p:sp>
-      <p:pic>
-        <p:nvPicPr>
-          <p:cNvPr id="8" name="Picture 7" descr="A cartoon of a person with two animals&#10;&#10;AI-generated content may be incorrect.">
-            <a:extLst>
-              <a:ext uri="{FF2B5EF4-FFF2-40B4-BE49-F238E27FC236}">
-                <a16:creationId xmlns:a16="http://schemas.microsoft.com/office/drawing/2014/main" id="{DA3F16ED-CA57-193D-1E29-08AE95AB9B7C}"/>
-              </a:ext>
-            </a:extLst>
-          </p:cNvPr>
-          <p:cNvPicPr>
-            <a:picLocks noChangeAspect="1"/>
-          </p:cNvPicPr>
-          <p:nvPr/>
-        </p:nvPicPr>
-        <p:blipFill>
-          <a:blip r:embed="rId4"/>
-          <a:stretch>
-            <a:fillRect/>
-          </a:stretch>
-        </p:blipFill>
-        <p:spPr>
-          <a:xfrm>
-            <a:off x="499958" y="4441978"/>
-            <a:ext cx="1882471" cy="1869922"/>
-          </a:xfrm>
-          <a:prstGeom prst="ellipse">
-            <a:avLst/>
-          </a:prstGeom>
-          <a:ln>
-            <a:noFill/>
-          </a:ln>
-          <a:effectLst>
-            <a:softEdge rad="112500"/>
-          </a:effectLst>
-        </p:spPr>
-      </p:pic>
-    </p:spTree>
-    <p:extLst>
-      <p:ext uri="{BB962C8B-B14F-4D97-AF65-F5344CB8AC3E}">
-        <p14:creationId xmlns:p14="http://schemas.microsoft.com/office/powerpoint/2010/main" val="1877543471"/>
-      </p:ext>
-    </p:extLst>
-  </p:cSld>
-  <p:clrMapOvr>
-    <a:masterClrMapping/>
-  </p:clrMapOvr>
-</p:sld>
-</file>
-
-<file path=ppt/slides/slide30.xml><?xml version="1.0" encoding="utf-8"?>
+<file path=ppt/slides/slide29.xml><?xml version="1.0" encoding="utf-8"?>
 <p:sld xmlns:a="http://schemas.openxmlformats.org/drawingml/2006/main" xmlns:r="http://schemas.openxmlformats.org/officeDocument/2006/relationships" xmlns:p="http://schemas.openxmlformats.org/presentationml/2006/main">
   <p:cSld>
     <p:spTree>
@@ -19821,7 +19598,169 @@
 </p:sld>
 </file>
 
-<file path=ppt/slides/slide31.xml><?xml version="1.0" encoding="utf-8"?>
+<file path=ppt/slides/slide3.xml><?xml version="1.0" encoding="utf-8"?>
+<p:sld xmlns:a="http://schemas.openxmlformats.org/drawingml/2006/main" xmlns:r="http://schemas.openxmlformats.org/officeDocument/2006/relationships" xmlns:p="http://schemas.openxmlformats.org/presentationml/2006/main">
+  <p:cSld>
+    <p:spTree>
+      <p:nvGrpSpPr>
+        <p:cNvPr id="1" name=""/>
+        <p:cNvGrpSpPr/>
+        <p:nvPr/>
+      </p:nvGrpSpPr>
+      <p:grpSpPr>
+        <a:xfrm>
+          <a:off x="0" y="0"/>
+          <a:ext cx="0" cy="0"/>
+          <a:chOff x="0" y="0"/>
+          <a:chExt cx="0" cy="0"/>
+        </a:xfrm>
+      </p:grpSpPr>
+      <p:sp>
+        <p:nvSpPr>
+          <p:cNvPr id="2" name="Title 1">
+            <a:extLst>
+              <a:ext uri="{FF2B5EF4-FFF2-40B4-BE49-F238E27FC236}">
+                <a16:creationId xmlns:a16="http://schemas.microsoft.com/office/drawing/2014/main" id="{3F79B21A-F1F7-1CA5-C645-5D2A5E3FA2D8}"/>
+              </a:ext>
+            </a:extLst>
+          </p:cNvPr>
+          <p:cNvSpPr>
+            <a:spLocks noGrp="1"/>
+          </p:cNvSpPr>
+          <p:nvPr>
+            <p:ph type="title"/>
+          </p:nvPr>
+        </p:nvSpPr>
+        <p:spPr/>
+        <p:txBody>
+          <a:bodyPr/>
+          <a:lstStyle/>
+          <a:p>
+            <a:pPr algn="ctr"/>
+            <a:r>
+              <a:rPr lang="en-US" dirty="0"/>
+              <a:t>Free Intro to R Workshop</a:t>
+            </a:r>
+          </a:p>
+        </p:txBody>
+      </p:sp>
+      <p:pic>
+        <p:nvPicPr>
+          <p:cNvPr id="5" name="Content Placeholder 4" descr="A screenshot of a computer&#10;&#10;AI-generated content may be incorrect.">
+            <a:extLst>
+              <a:ext uri="{FF2B5EF4-FFF2-40B4-BE49-F238E27FC236}">
+                <a16:creationId xmlns:a16="http://schemas.microsoft.com/office/drawing/2014/main" id="{827F1506-1EE9-8B88-F560-BBFFBA4DA69F}"/>
+              </a:ext>
+            </a:extLst>
+          </p:cNvPr>
+          <p:cNvPicPr>
+            <a:picLocks noGrp="1" noChangeAspect="1"/>
+          </p:cNvPicPr>
+          <p:nvPr>
+            <p:ph idx="1"/>
+          </p:nvPr>
+        </p:nvPicPr>
+        <p:blipFill>
+          <a:blip r:embed="rId2"/>
+          <a:stretch>
+            <a:fillRect/>
+          </a:stretch>
+        </p:blipFill>
+        <p:spPr>
+          <a:xfrm>
+            <a:off x="1441194" y="1825625"/>
+            <a:ext cx="9309611" cy="4351338"/>
+          </a:xfrm>
+        </p:spPr>
+      </p:pic>
+      <p:sp>
+        <p:nvSpPr>
+          <p:cNvPr id="6" name="TextBox 5">
+            <a:extLst>
+              <a:ext uri="{FF2B5EF4-FFF2-40B4-BE49-F238E27FC236}">
+                <a16:creationId xmlns:a16="http://schemas.microsoft.com/office/drawing/2014/main" id="{57967576-7FCE-D75D-7AE6-456EAB67DB97}"/>
+              </a:ext>
+            </a:extLst>
+          </p:cNvPr>
+          <p:cNvSpPr txBox="1"/>
+          <p:nvPr/>
+        </p:nvSpPr>
+        <p:spPr>
+          <a:xfrm>
+            <a:off x="115707" y="6311900"/>
+            <a:ext cx="3099816" cy="369332"/>
+          </a:xfrm>
+          <a:prstGeom prst="rect">
+            <a:avLst/>
+          </a:prstGeom>
+          <a:noFill/>
+        </p:spPr>
+        <p:txBody>
+          <a:bodyPr wrap="square" rtlCol="0">
+            <a:spAutoFit/>
+          </a:bodyPr>
+          <a:lstStyle/>
+          <a:p>
+            <a:r>
+              <a:rPr lang="en-US" dirty="0">
+                <a:hlinkClick r:id="rId3"/>
+              </a:rPr>
+              <a:t>R Crash Course GitHub Link</a:t>
+            </a:r>
+            <a:endParaRPr lang="en-US" dirty="0"/>
+          </a:p>
+        </p:txBody>
+      </p:sp>
+      <p:pic>
+        <p:nvPicPr>
+          <p:cNvPr id="8" name="Picture 7" descr="A cartoon of a person with two animals&#10;&#10;AI-generated content may be incorrect.">
+            <a:extLst>
+              <a:ext uri="{FF2B5EF4-FFF2-40B4-BE49-F238E27FC236}">
+                <a16:creationId xmlns:a16="http://schemas.microsoft.com/office/drawing/2014/main" id="{DA3F16ED-CA57-193D-1E29-08AE95AB9B7C}"/>
+              </a:ext>
+            </a:extLst>
+          </p:cNvPr>
+          <p:cNvPicPr>
+            <a:picLocks noChangeAspect="1"/>
+          </p:cNvPicPr>
+          <p:nvPr/>
+        </p:nvPicPr>
+        <p:blipFill>
+          <a:blip r:embed="rId4"/>
+          <a:stretch>
+            <a:fillRect/>
+          </a:stretch>
+        </p:blipFill>
+        <p:spPr>
+          <a:xfrm>
+            <a:off x="499958" y="4441978"/>
+            <a:ext cx="1882471" cy="1869922"/>
+          </a:xfrm>
+          <a:prstGeom prst="ellipse">
+            <a:avLst/>
+          </a:prstGeom>
+          <a:ln>
+            <a:noFill/>
+          </a:ln>
+          <a:effectLst>
+            <a:softEdge rad="112500"/>
+          </a:effectLst>
+        </p:spPr>
+      </p:pic>
+    </p:spTree>
+    <p:extLst>
+      <p:ext uri="{BB962C8B-B14F-4D97-AF65-F5344CB8AC3E}">
+        <p14:creationId xmlns:p14="http://schemas.microsoft.com/office/powerpoint/2010/main" val="1877543471"/>
+      </p:ext>
+    </p:extLst>
+  </p:cSld>
+  <p:clrMapOvr>
+    <a:masterClrMapping/>
+  </p:clrMapOvr>
+</p:sld>
+</file>
+
+<file path=ppt/slides/slide30.xml><?xml version="1.0" encoding="utf-8"?>
 <p:sld xmlns:a="http://schemas.openxmlformats.org/drawingml/2006/main" xmlns:r="http://schemas.openxmlformats.org/officeDocument/2006/relationships" xmlns:p="http://schemas.openxmlformats.org/presentationml/2006/main">
   <p:cSld>
     <p:spTree>
@@ -20923,7 +20862,7 @@
 </p:sld>
 </file>
 
-<file path=ppt/slides/slide32.xml><?xml version="1.0" encoding="utf-8"?>
+<file path=ppt/slides/slide31.xml><?xml version="1.0" encoding="utf-8"?>
 <p:sld xmlns:a="http://schemas.openxmlformats.org/drawingml/2006/main" xmlns:r="http://schemas.openxmlformats.org/officeDocument/2006/relationships" xmlns:p="http://schemas.openxmlformats.org/presentationml/2006/main">
   <p:cSld>
     <p:spTree>
@@ -21127,7 +21066,7 @@
 </p:sld>
 </file>
 
-<file path=ppt/slides/slide33.xml><?xml version="1.0" encoding="utf-8"?>
+<file path=ppt/slides/slide32.xml><?xml version="1.0" encoding="utf-8"?>
 <p:sld xmlns:a="http://schemas.openxmlformats.org/drawingml/2006/main" xmlns:r="http://schemas.openxmlformats.org/officeDocument/2006/relationships" xmlns:p="http://schemas.openxmlformats.org/presentationml/2006/main">
   <p:cSld>
     <p:spTree>
